--- a/Presentation/PureFun-Presentation.pptx
+++ b/Presentation/PureFun-Presentation.pptx
@@ -5925,7 +5925,90 @@
           <a:bodyPr/>
           <a:lstStyle/>
           <a:p>
-            <a:endParaRPr lang="en-GB"/>
+            <a:r>
+              <a:rPr lang="de-DE" dirty="0" err="1"/>
+              <a:t>Improved</a:t>
+            </a:r>
+            <a:r>
+              <a:rPr lang="de-DE" dirty="0"/>
+              <a:t> </a:t>
+            </a:r>
+            <a:r>
+              <a:rPr lang="de-DE" dirty="0" err="1"/>
+              <a:t>Typechecking</a:t>
+            </a:r>
+            <a:endParaRPr lang="de-DE" dirty="0"/>
+          </a:p>
+          <a:p>
+            <a:endParaRPr lang="de-DE" dirty="0"/>
+          </a:p>
+          <a:p>
+            <a:r>
+              <a:rPr lang="en-GB" dirty="0" err="1"/>
+              <a:t>Optionals</a:t>
+            </a:r>
+            <a:endParaRPr lang="en-GB" dirty="0"/>
+          </a:p>
+          <a:p>
+            <a:endParaRPr lang="en-GB" dirty="0"/>
+          </a:p>
+          <a:p>
+            <a:r>
+              <a:rPr lang="en-GB" dirty="0"/>
+              <a:t>Code Inclusion</a:t>
+            </a:r>
+          </a:p>
+          <a:p>
+            <a:endParaRPr lang="en-GB" dirty="0"/>
+          </a:p>
+          <a:p>
+            <a:r>
+              <a:rPr lang="en-GB" dirty="0"/>
+              <a:t>Well Structured Output</a:t>
+            </a:r>
+          </a:p>
+          <a:p>
+            <a:endParaRPr lang="en-GB" dirty="0"/>
+          </a:p>
+          <a:p>
+            <a:r>
+              <a:rPr lang="en-GB" dirty="0"/>
+              <a:t>Predefined libraries</a:t>
+            </a:r>
+          </a:p>
+          <a:p>
+            <a:pPr lvl="1"/>
+            <a:r>
+              <a:rPr lang="en-GB" dirty="0"/>
+              <a:t>Map/Reduce </a:t>
+            </a:r>
+          </a:p>
+          <a:p>
+            <a:endParaRPr lang="en-GB" dirty="0"/>
+          </a:p>
+          <a:p>
+            <a:r>
+              <a:rPr lang="en-GB" dirty="0"/>
+              <a:t>More Parallel Execution</a:t>
+            </a:r>
+          </a:p>
+          <a:p>
+            <a:pPr lvl="1"/>
+            <a:r>
+              <a:rPr lang="en-GB" dirty="0"/>
+              <a:t>Loop Parallelization</a:t>
+            </a:r>
+          </a:p>
+          <a:p>
+            <a:pPr lvl="1"/>
+            <a:r>
+              <a:rPr lang="en-GB" dirty="0"/>
+              <a:t>GPU Support</a:t>
+            </a:r>
+          </a:p>
+          <a:p>
+            <a:pPr lvl="1"/>
+            <a:endParaRPr lang="en-GB" dirty="0"/>
           </a:p>
         </p:txBody>
       </p:sp>
@@ -5958,31 +6041,439 @@
           </a:p>
         </p:txBody>
       </p:sp>
-      <p:sp>
-        <p:nvSpPr>
-          <p:cNvPr id="4" name="Inhaltsplatzhalter 3">
+      <p:grpSp>
+        <p:nvGrpSpPr>
+          <p:cNvPr id="5" name="Gruppieren 4">
             <a:extLst>
               <a:ext uri="{FF2B5EF4-FFF2-40B4-BE49-F238E27FC236}">
-                <a16:creationId xmlns:a16="http://schemas.microsoft.com/office/drawing/2014/main" id="{49CBF9F2-5190-49F4-AA73-1A239D69FE00}"/>
+                <a16:creationId xmlns:a16="http://schemas.microsoft.com/office/drawing/2014/main" id="{16454640-C1B8-470B-BC11-B35A3AAA8586}"/>
               </a:ext>
             </a:extLst>
           </p:cNvPr>
-          <p:cNvSpPr>
-            <a:spLocks noGrp="1"/>
-          </p:cNvSpPr>
-          <p:nvPr>
-            <p:ph sz="quarter" idx="14"/>
-          </p:nvPr>
-        </p:nvSpPr>
-        <p:spPr/>
-        <p:txBody>
-          <a:bodyPr/>
-          <a:lstStyle/>
-          <a:p>
-            <a:endParaRPr lang="en-GB"/>
-          </a:p>
-        </p:txBody>
-      </p:sp>
+          <p:cNvGrpSpPr/>
+          <p:nvPr/>
+        </p:nvGrpSpPr>
+        <p:grpSpPr>
+          <a:xfrm>
+            <a:off x="4447738" y="1235176"/>
+            <a:ext cx="7420262" cy="3842852"/>
+            <a:chOff x="1247387" y="2028085"/>
+            <a:chExt cx="6071999" cy="2488488"/>
+          </a:xfrm>
+        </p:grpSpPr>
+        <p:sp>
+          <p:nvSpPr>
+            <p:cNvPr id="6" name="Text Box 3">
+              <a:extLst>
+                <a:ext uri="{FF2B5EF4-FFF2-40B4-BE49-F238E27FC236}">
+                  <a16:creationId xmlns:a16="http://schemas.microsoft.com/office/drawing/2014/main" id="{A2BD5877-524D-4467-81C4-D845A427ECF1}"/>
+                </a:ext>
+              </a:extLst>
+            </p:cNvPr>
+            <p:cNvSpPr txBox="1">
+              <a:spLocks noChangeArrowheads="1"/>
+            </p:cNvSpPr>
+            <p:nvPr/>
+          </p:nvSpPr>
+          <p:spPr bwMode="auto">
+            <a:xfrm>
+              <a:off x="1750625" y="2523864"/>
+              <a:ext cx="4887449" cy="1992709"/>
+            </a:xfrm>
+            <a:prstGeom prst="rect">
+              <a:avLst/>
+            </a:prstGeom>
+            <a:noFill/>
+            <a:ln w="9525">
+              <a:solidFill>
+                <a:schemeClr val="tx1"/>
+              </a:solidFill>
+              <a:miter lim="800000"/>
+              <a:headEnd/>
+              <a:tailEnd/>
+            </a:ln>
+            <a:effectLst/>
+          </p:spPr>
+          <p:txBody>
+            <a:bodyPr wrap="square">
+              <a:spAutoFit/>
+            </a:bodyPr>
+            <a:lstStyle/>
+            <a:p>
+              <a:r>
+                <a:rPr lang="en-US" b="1" dirty="0">
+                  <a:latin typeface="Courier New" pitchFamily="49" charset="0"/>
+                  <a:cs typeface="Courier New" pitchFamily="49" charset="0"/>
+                </a:rPr>
+                <a:t>std::vector&lt;int32_t&gt; foo(int32_t Param1) {</a:t>
+              </a:r>
+            </a:p>
+            <a:p>
+              <a:r>
+                <a:rPr lang="en-US" b="1" dirty="0">
+                  <a:latin typeface="Courier New" pitchFamily="49" charset="0"/>
+                  <a:cs typeface="Courier New" pitchFamily="49" charset="0"/>
+                </a:rPr>
+                <a:t>std::vector&lt;int32_t&gt; res {};</a:t>
+              </a:r>
+            </a:p>
+            <a:p>
+              <a:r>
+                <a:rPr lang="en-US" b="1" dirty="0">
+                  <a:latin typeface="Courier New" pitchFamily="49" charset="0"/>
+                  <a:cs typeface="Courier New" pitchFamily="49" charset="0"/>
+                </a:rPr>
+                <a:t>while ( Param1 &lt; 42 ) {</a:t>
+              </a:r>
+            </a:p>
+            <a:p>
+              <a:r>
+                <a:rPr lang="en-US" b="1" dirty="0" err="1">
+                  <a:latin typeface="Courier New" pitchFamily="49" charset="0"/>
+                  <a:cs typeface="Courier New" pitchFamily="49" charset="0"/>
+                </a:rPr>
+                <a:t>concat</a:t>
+              </a:r>
+              <a:r>
+                <a:rPr lang="en-US" b="1" dirty="0">
+                  <a:latin typeface="Courier New" pitchFamily="49" charset="0"/>
+                  <a:cs typeface="Courier New" pitchFamily="49" charset="0"/>
+                </a:rPr>
+                <a:t>(res = res, {Param1});</a:t>
+              </a:r>
+            </a:p>
+            <a:p>
+              <a:r>
+                <a:rPr lang="en-US" b="1" dirty="0">
+                  <a:latin typeface="Courier New" pitchFamily="49" charset="0"/>
+                  <a:cs typeface="Courier New" pitchFamily="49" charset="0"/>
+                </a:rPr>
+                <a:t>Param1++;</a:t>
+              </a:r>
+            </a:p>
+            <a:p>
+              <a:r>
+                <a:rPr lang="en-US" b="1" dirty="0">
+                  <a:latin typeface="Courier New" pitchFamily="49" charset="0"/>
+                  <a:cs typeface="Courier New" pitchFamily="49" charset="0"/>
+                </a:rPr>
+                <a:t>}</a:t>
+              </a:r>
+            </a:p>
+            <a:p>
+              <a:r>
+                <a:rPr lang="en-US" b="1" dirty="0">
+                  <a:latin typeface="Courier New" pitchFamily="49" charset="0"/>
+                  <a:cs typeface="Courier New" pitchFamily="49" charset="0"/>
+                </a:rPr>
+                <a:t>for(auto </a:t>
+              </a:r>
+              <a:r>
+                <a:rPr lang="en-US" b="1" dirty="0" err="1">
+                  <a:latin typeface="Courier New" pitchFamily="49" charset="0"/>
+                  <a:cs typeface="Courier New" pitchFamily="49" charset="0"/>
+                </a:rPr>
+                <a:t>i</a:t>
+              </a:r>
+              <a:r>
+                <a:rPr lang="en-US" b="1" dirty="0">
+                  <a:latin typeface="Courier New" pitchFamily="49" charset="0"/>
+                  <a:cs typeface="Courier New" pitchFamily="49" charset="0"/>
+                </a:rPr>
+                <a:t> : res) {</a:t>
+              </a:r>
+            </a:p>
+            <a:p>
+              <a:r>
+                <a:rPr lang="en-US" b="1" dirty="0" err="1">
+                  <a:latin typeface="Courier New" pitchFamily="49" charset="0"/>
+                  <a:cs typeface="Courier New" pitchFamily="49" charset="0"/>
+                </a:rPr>
+                <a:t>i</a:t>
+              </a:r>
+              <a:r>
+                <a:rPr lang="en-US" b="1" dirty="0">
+                  <a:latin typeface="Courier New" pitchFamily="49" charset="0"/>
+                  <a:cs typeface="Courier New" pitchFamily="49" charset="0"/>
+                </a:rPr>
+                <a:t>++;</a:t>
+              </a:r>
+            </a:p>
+            <a:p>
+              <a:r>
+                <a:rPr lang="en-US" b="1" dirty="0">
+                  <a:latin typeface="Courier New" pitchFamily="49" charset="0"/>
+                  <a:cs typeface="Courier New" pitchFamily="49" charset="0"/>
+                </a:rPr>
+                <a:t>}</a:t>
+              </a:r>
+            </a:p>
+            <a:p>
+              <a:r>
+                <a:rPr lang="en-US" b="1" dirty="0">
+                  <a:latin typeface="Courier New" pitchFamily="49" charset="0"/>
+                  <a:cs typeface="Courier New" pitchFamily="49" charset="0"/>
+                </a:rPr>
+                <a:t>return res ;</a:t>
+              </a:r>
+            </a:p>
+            <a:p>
+              <a:r>
+                <a:rPr lang="en-US" b="1" dirty="0">
+                  <a:latin typeface="Courier New" pitchFamily="49" charset="0"/>
+                  <a:cs typeface="Courier New" pitchFamily="49" charset="0"/>
+                </a:rPr>
+                <a:t>}</a:t>
+              </a:r>
+            </a:p>
+          </p:txBody>
+        </p:sp>
+        <p:sp>
+          <p:nvSpPr>
+            <p:cNvPr id="7" name="Text Box 6">
+              <a:extLst>
+                <a:ext uri="{FF2B5EF4-FFF2-40B4-BE49-F238E27FC236}">
+                  <a16:creationId xmlns:a16="http://schemas.microsoft.com/office/drawing/2014/main" id="{FBF6D432-8DAF-4CD9-B319-A2A208D9D8E1}"/>
+                </a:ext>
+              </a:extLst>
+            </p:cNvPr>
+            <p:cNvSpPr txBox="1">
+              <a:spLocks noChangeArrowheads="1"/>
+            </p:cNvSpPr>
+            <p:nvPr/>
+          </p:nvSpPr>
+          <p:spPr bwMode="auto">
+            <a:xfrm>
+              <a:off x="1247387" y="2523864"/>
+              <a:ext cx="503238" cy="1831138"/>
+            </a:xfrm>
+            <a:prstGeom prst="rect">
+              <a:avLst/>
+            </a:prstGeom>
+            <a:noFill/>
+            <a:ln w="9525">
+              <a:noFill/>
+              <a:miter lim="800000"/>
+              <a:headEnd/>
+              <a:tailEnd/>
+            </a:ln>
+            <a:effectLst/>
+          </p:spPr>
+          <p:txBody>
+            <a:bodyPr>
+              <a:spAutoFit/>
+            </a:bodyPr>
+            <a:lstStyle/>
+            <a:p>
+              <a:pPr algn="r"/>
+              <a:r>
+                <a:rPr lang="en-US" sz="1800" dirty="0"/>
+                <a:t>1</a:t>
+              </a:r>
+            </a:p>
+            <a:p>
+              <a:pPr algn="r"/>
+              <a:r>
+                <a:rPr lang="en-US" sz="1800" dirty="0"/>
+                <a:t>2</a:t>
+              </a:r>
+            </a:p>
+            <a:p>
+              <a:pPr algn="r"/>
+              <a:r>
+                <a:rPr lang="en-US" sz="1800" dirty="0"/>
+                <a:t>3</a:t>
+              </a:r>
+            </a:p>
+            <a:p>
+              <a:pPr algn="r"/>
+              <a:r>
+                <a:rPr lang="en-US" sz="1800" dirty="0"/>
+                <a:t>4</a:t>
+              </a:r>
+            </a:p>
+            <a:p>
+              <a:pPr algn="r"/>
+              <a:r>
+                <a:rPr lang="en-US" sz="1800" dirty="0"/>
+                <a:t>5</a:t>
+              </a:r>
+            </a:p>
+            <a:p>
+              <a:pPr algn="r"/>
+              <a:r>
+                <a:rPr lang="en-US" dirty="0"/>
+                <a:t>6</a:t>
+              </a:r>
+            </a:p>
+            <a:p>
+              <a:pPr algn="r"/>
+              <a:r>
+                <a:rPr lang="en-US" sz="1800" dirty="0"/>
+                <a:t>7</a:t>
+              </a:r>
+            </a:p>
+            <a:p>
+              <a:pPr algn="r"/>
+              <a:r>
+                <a:rPr lang="en-US" dirty="0"/>
+                <a:t>8</a:t>
+              </a:r>
+            </a:p>
+            <a:p>
+              <a:pPr algn="r"/>
+              <a:r>
+                <a:rPr lang="en-US" sz="1800" dirty="0"/>
+                <a:t>9</a:t>
+              </a:r>
+            </a:p>
+            <a:p>
+              <a:pPr algn="r"/>
+              <a:r>
+                <a:rPr lang="en-US" dirty="0"/>
+                <a:t>10</a:t>
+              </a:r>
+            </a:p>
+            <a:p>
+              <a:pPr algn="r"/>
+              <a:r>
+                <a:rPr lang="en-US" sz="1800" dirty="0"/>
+                <a:t>11</a:t>
+              </a:r>
+            </a:p>
+          </p:txBody>
+        </p:sp>
+        <p:sp>
+          <p:nvSpPr>
+            <p:cNvPr id="8" name="AutoShape 40">
+              <a:extLst>
+                <a:ext uri="{FF2B5EF4-FFF2-40B4-BE49-F238E27FC236}">
+                  <a16:creationId xmlns:a16="http://schemas.microsoft.com/office/drawing/2014/main" id="{0C92B6CD-9FDE-4116-817A-341F49C144EF}"/>
+                </a:ext>
+              </a:extLst>
+            </p:cNvPr>
+            <p:cNvSpPr>
+              <a:spLocks noChangeArrowheads="1"/>
+            </p:cNvSpPr>
+            <p:nvPr/>
+          </p:nvSpPr>
+          <p:spPr bwMode="auto">
+            <a:xfrm flipV="1">
+              <a:off x="6397946" y="2028085"/>
+              <a:ext cx="921440" cy="307777"/>
+            </a:xfrm>
+            <a:prstGeom prst="foldedCorner">
+              <a:avLst>
+                <a:gd name="adj" fmla="val 27606"/>
+              </a:avLst>
+            </a:prstGeom>
+            <a:solidFill>
+              <a:srgbClr val="FFFFFF"/>
+            </a:solidFill>
+            <a:ln w="9525">
+              <a:solidFill>
+                <a:srgbClr val="000000"/>
+              </a:solidFill>
+              <a:round/>
+              <a:headEnd/>
+              <a:tailEnd/>
+            </a:ln>
+          </p:spPr>
+          <p:txBody>
+            <a:bodyPr rot="10800000" wrap="none" anchor="ctr" anchorCtr="1"/>
+            <a:lstStyle/>
+            <a:p>
+              <a:pPr marL="0" marR="0" lvl="0" indent="0" algn="l" defTabSz="914400" rtl="0" eaLnBrk="0" fontAlgn="auto" latinLnBrk="0" hangingPunct="0">
+                <a:lnSpc>
+                  <a:spcPct val="70000"/>
+                </a:lnSpc>
+                <a:spcBef>
+                  <a:spcPts val="0"/>
+                </a:spcBef>
+                <a:spcAft>
+                  <a:spcPts val="0"/>
+                </a:spcAft>
+                <a:buClrTx/>
+                <a:buSzTx/>
+                <a:buFontTx/>
+                <a:buNone/>
+                <a:tabLst/>
+                <a:defRPr/>
+              </a:pPr>
+              <a:r>
+                <a:rPr kumimoji="0" lang="en-US" altLang="de-DE" sz="1600" b="0" i="0" u="none" strike="noStrike" kern="1200" cap="none" spc="0" normalizeH="0" baseline="0" dirty="0" err="1">
+                  <a:ln>
+                    <a:noFill/>
+                  </a:ln>
+                  <a:solidFill>
+                    <a:srgbClr val="000000"/>
+                  </a:solidFill>
+                  <a:effectLst/>
+                  <a:uLnTx/>
+                  <a:uFillTx/>
+                  <a:latin typeface="Arial"/>
+                  <a:ea typeface="+mn-ea"/>
+                  <a:cs typeface="+mn-cs"/>
+                </a:rPr>
+                <a:t>PureFun</a:t>
+              </a:r>
+              <a:endParaRPr kumimoji="0" lang="en-US" altLang="de-DE" sz="1600" b="0" i="0" u="none" strike="noStrike" kern="1200" cap="none" spc="0" normalizeH="0" baseline="0" dirty="0">
+                <a:ln>
+                  <a:noFill/>
+                </a:ln>
+                <a:solidFill>
+                  <a:srgbClr val="000000"/>
+                </a:solidFill>
+                <a:effectLst/>
+                <a:uLnTx/>
+                <a:uFillTx/>
+                <a:latin typeface="Arial"/>
+                <a:ea typeface="+mn-ea"/>
+                <a:cs typeface="+mn-cs"/>
+              </a:endParaRPr>
+            </a:p>
+          </p:txBody>
+        </p:sp>
+        <p:sp>
+          <p:nvSpPr>
+            <p:cNvPr id="9" name="Rechteck 8">
+              <a:extLst>
+                <a:ext uri="{FF2B5EF4-FFF2-40B4-BE49-F238E27FC236}">
+                  <a16:creationId xmlns:a16="http://schemas.microsoft.com/office/drawing/2014/main" id="{202A5E42-2D9B-438C-9B18-81E017ED0270}"/>
+                </a:ext>
+              </a:extLst>
+            </p:cNvPr>
+            <p:cNvSpPr/>
+            <p:nvPr/>
+          </p:nvSpPr>
+          <p:spPr>
+            <a:xfrm>
+              <a:off x="6546815" y="2335862"/>
+              <a:ext cx="619440" cy="278251"/>
+            </a:xfrm>
+            <a:prstGeom prst="rect">
+              <a:avLst/>
+            </a:prstGeom>
+          </p:spPr>
+          <p:txBody>
+            <a:bodyPr wrap="none">
+              <a:spAutoFit/>
+            </a:bodyPr>
+            <a:lstStyle/>
+            <a:p>
+              <a:pPr lvl="0" algn="ctr"/>
+              <a:r>
+                <a:rPr lang="de-DE" altLang="de-DE" sz="1400" b="1" noProof="1">
+                  <a:solidFill>
+                    <a:srgbClr val="000000"/>
+                  </a:solidFill>
+                </a:rPr>
+                <a:t>«gen»</a:t>
+              </a:r>
+            </a:p>
+          </p:txBody>
+        </p:sp>
+      </p:grpSp>
     </p:spTree>
     <p:extLst>
       <p:ext uri="{BB962C8B-B14F-4D97-AF65-F5344CB8AC3E}">
@@ -6992,10 +7483,10 @@
       </p:sp>
       <p:grpSp>
         <p:nvGrpSpPr>
-          <p:cNvPr id="4" name="Gruppieren 3">
+          <p:cNvPr id="9" name="Gruppieren 8">
             <a:extLst>
               <a:ext uri="{FF2B5EF4-FFF2-40B4-BE49-F238E27FC236}">
-                <a16:creationId xmlns:a16="http://schemas.microsoft.com/office/drawing/2014/main" id="{E7DA47DA-8E20-4AD0-BD51-ABC88AAB43CB}"/>
+                <a16:creationId xmlns:a16="http://schemas.microsoft.com/office/drawing/2014/main" id="{CA6A49AE-DA7B-46A9-815C-BC9B4CF03713}"/>
               </a:ext>
             </a:extLst>
           </p:cNvPr>
@@ -7012,10 +7503,10 @@
         </p:grpSpPr>
         <p:sp>
           <p:nvSpPr>
-            <p:cNvPr id="5" name="Text Box 3">
+            <p:cNvPr id="10" name="Text Box 3">
               <a:extLst>
                 <a:ext uri="{FF2B5EF4-FFF2-40B4-BE49-F238E27FC236}">
-                  <a16:creationId xmlns:a16="http://schemas.microsoft.com/office/drawing/2014/main" id="{10615DC7-C8DB-4AC6-92DB-A83C34A10068}"/>
+                  <a16:creationId xmlns:a16="http://schemas.microsoft.com/office/drawing/2014/main" id="{36C5C128-5602-49A8-8A52-B3C7C00CAF1A}"/>
                 </a:ext>
               </a:extLst>
             </p:cNvPr>
@@ -7214,10 +7705,10 @@
         </p:sp>
         <p:sp>
           <p:nvSpPr>
-            <p:cNvPr id="6" name="Text Box 6">
+            <p:cNvPr id="11" name="Text Box 6">
               <a:extLst>
                 <a:ext uri="{FF2B5EF4-FFF2-40B4-BE49-F238E27FC236}">
-                  <a16:creationId xmlns:a16="http://schemas.microsoft.com/office/drawing/2014/main" id="{F9789268-220B-4DC0-98A7-064D53DBD52B}"/>
+                  <a16:creationId xmlns:a16="http://schemas.microsoft.com/office/drawing/2014/main" id="{DF604518-87CB-4217-BFE1-1C15BFD2502C}"/>
                 </a:ext>
               </a:extLst>
             </p:cNvPr>
@@ -7315,10 +7806,10 @@
         </p:sp>
         <p:sp>
           <p:nvSpPr>
-            <p:cNvPr id="7" name="AutoShape 40">
+            <p:cNvPr id="12" name="AutoShape 40">
               <a:extLst>
                 <a:ext uri="{FF2B5EF4-FFF2-40B4-BE49-F238E27FC236}">
-                  <a16:creationId xmlns:a16="http://schemas.microsoft.com/office/drawing/2014/main" id="{FADB1796-A606-41E6-AD28-63EEDE72402D}"/>
+                  <a16:creationId xmlns:a16="http://schemas.microsoft.com/office/drawing/2014/main" id="{C6032875-0E2F-466D-8AAD-049E718CC97C}"/>
                 </a:ext>
               </a:extLst>
             </p:cNvPr>
@@ -7406,10 +7897,10 @@
         </p:sp>
         <p:sp>
           <p:nvSpPr>
-            <p:cNvPr id="8" name="Rechteck 7">
+            <p:cNvPr id="13" name="Rechteck 12">
               <a:extLst>
                 <a:ext uri="{FF2B5EF4-FFF2-40B4-BE49-F238E27FC236}">
-                  <a16:creationId xmlns:a16="http://schemas.microsoft.com/office/drawing/2014/main" id="{E1A4C1FF-F029-4219-B810-10FA0DBD68ED}"/>
+                  <a16:creationId xmlns:a16="http://schemas.microsoft.com/office/drawing/2014/main" id="{0FB6A3C5-C89B-4E34-BFC3-5CFA62038631}"/>
                 </a:ext>
               </a:extLst>
             </p:cNvPr>
@@ -7476,61 +7967,6 @@
       </p:grpSpPr>
       <p:sp>
         <p:nvSpPr>
-          <p:cNvPr id="4" name="Inhaltsplatzhalter 3">
-            <a:extLst>
-              <a:ext uri="{FF2B5EF4-FFF2-40B4-BE49-F238E27FC236}">
-                <a16:creationId xmlns:a16="http://schemas.microsoft.com/office/drawing/2014/main" id="{4B719BBF-01AB-46B9-B212-C7E5A48962F1}"/>
-              </a:ext>
-            </a:extLst>
-          </p:cNvPr>
-          <p:cNvSpPr>
-            <a:spLocks noGrp="1"/>
-          </p:cNvSpPr>
-          <p:nvPr>
-            <p:ph sz="quarter" idx="15"/>
-          </p:nvPr>
-        </p:nvSpPr>
-        <p:spPr/>
-        <p:txBody>
-          <a:bodyPr/>
-          <a:lstStyle/>
-          <a:p>
-            <a:r>
-              <a:rPr lang="de-DE" dirty="0"/>
-              <a:t>Variables</a:t>
-            </a:r>
-          </a:p>
-          <a:p>
-            <a:pPr lvl="1"/>
-            <a:r>
-              <a:rPr lang="en-GB" dirty="0"/>
-              <a:t>Name before Type</a:t>
-            </a:r>
-          </a:p>
-          <a:p>
-            <a:pPr lvl="1"/>
-            <a:endParaRPr lang="en-GB" dirty="0"/>
-          </a:p>
-          <a:p>
-            <a:pPr lvl="1"/>
-            <a:r>
-              <a:rPr lang="en-GB" dirty="0"/>
-              <a:t>List, Map and </a:t>
-            </a:r>
-            <a:r>
-              <a:rPr lang="en-GB" dirty="0" err="1"/>
-              <a:t>Tupel</a:t>
-            </a:r>
-            <a:r>
-              <a:rPr lang="en-GB" dirty="0"/>
-              <a:t> Support</a:t>
-            </a:r>
-            <a:endParaRPr lang="de-DE" dirty="0"/>
-          </a:p>
-        </p:txBody>
-      </p:sp>
-      <p:sp>
-        <p:nvSpPr>
           <p:cNvPr id="3" name="Titel 2">
             <a:extLst>
               <a:ext uri="{FF2B5EF4-FFF2-40B4-BE49-F238E27FC236}">
@@ -7571,10 +8007,10 @@
         </p:nvGrpSpPr>
         <p:grpSpPr>
           <a:xfrm>
-            <a:off x="4998128" y="1403284"/>
-            <a:ext cx="6869847" cy="3263482"/>
+            <a:off x="745724" y="958786"/>
+            <a:ext cx="11122251" cy="3298983"/>
             <a:chOff x="1247387" y="2028085"/>
-            <a:chExt cx="6071999" cy="2385818"/>
+            <a:chExt cx="6071999" cy="1650989"/>
           </a:xfrm>
         </p:grpSpPr>
         <p:sp>
@@ -7593,8 +8029,8 @@
           </p:nvSpPr>
           <p:spPr bwMode="auto">
             <a:xfrm>
-              <a:off x="1750625" y="2523864"/>
-              <a:ext cx="4887449" cy="1687535"/>
+              <a:off x="1750624" y="2523864"/>
+              <a:ext cx="4934658" cy="1016584"/>
             </a:xfrm>
             <a:prstGeom prst="rect">
               <a:avLst/>
@@ -7690,7 +8126,7 @@
                   <a:latin typeface="Courier New" pitchFamily="49" charset="0"/>
                   <a:cs typeface="Courier New" pitchFamily="49" charset="0"/>
                 </a:rPr>
-                <a:t>”,                			   2: “</a:t>
+                <a:t>”, 2: “</a:t>
               </a:r>
               <a:r>
                 <a:rPr lang="en-US" b="1" dirty="0" err="1">
@@ -7801,7 +8237,7 @@
           <p:spPr bwMode="auto">
             <a:xfrm>
               <a:off x="1247387" y="2523864"/>
-              <a:ext cx="503238" cy="1890039"/>
+              <a:ext cx="503238" cy="1155210"/>
             </a:xfrm>
             <a:prstGeom prst="rect">
               <a:avLst/>
@@ -7868,13 +8304,7 @@
                 <a:rPr lang="en-US" sz="1800" dirty="0"/>
                 <a:t>7</a:t>
               </a:r>
-            </a:p>
-            <a:p>
-              <a:pPr algn="r"/>
-              <a:r>
-                <a:rPr lang="en-US" dirty="0"/>
-                <a:t>8</a:t>
-              </a:r>
+              <a:endParaRPr lang="en-US" dirty="0"/>
             </a:p>
             <a:p>
               <a:pPr algn="r"/>
@@ -8027,8 +8457,8 @@
         </p:nvSpPr>
         <p:spPr>
           <a:xfrm>
-            <a:off x="3405302" y="3240056"/>
-            <a:ext cx="1580225" cy="369332"/>
+            <a:off x="-28577" y="2873237"/>
+            <a:ext cx="1440253" cy="369332"/>
           </a:xfrm>
           <a:prstGeom prst="rect">
             <a:avLst/>
@@ -8074,8 +8504,8 @@
         </p:nvCxnSpPr>
         <p:spPr>
           <a:xfrm>
-            <a:off x="4985527" y="3424722"/>
-            <a:ext cx="890173" cy="184666"/>
+            <a:off x="1411676" y="3057903"/>
+            <a:ext cx="594677" cy="184666"/>
           </a:xfrm>
           <a:prstGeom prst="curvedConnector3">
             <a:avLst/>
@@ -8113,7 +8543,7 @@
         </p:nvSpPr>
         <p:spPr>
           <a:xfrm>
-            <a:off x="5258488" y="4809068"/>
+            <a:off x="2433551" y="4861848"/>
             <a:ext cx="1053535" cy="646331"/>
           </a:xfrm>
           <a:prstGeom prst="rect">
@@ -8154,17 +8584,748 @@
           </p:cNvPr>
           <p:cNvCxnSpPr>
             <a:cxnSpLocks/>
-            <a:stCxn id="35" idx="3"/>
+            <a:stCxn id="35" idx="0"/>
+          </p:cNvCxnSpPr>
+          <p:nvPr/>
+        </p:nvCxnSpPr>
+        <p:spPr>
+          <a:xfrm rot="5400000" flipH="1" flipV="1">
+            <a:off x="2520405" y="4044250"/>
+            <a:ext cx="1257513" cy="377684"/>
+          </a:xfrm>
+          <a:prstGeom prst="curvedConnector3">
+            <a:avLst>
+              <a:gd name="adj1" fmla="val 50000"/>
+            </a:avLst>
+          </a:prstGeom>
+          <a:ln>
+            <a:tailEnd type="triangle"/>
+          </a:ln>
+        </p:spPr>
+        <p:style>
+          <a:lnRef idx="1">
+            <a:schemeClr val="accent1"/>
+          </a:lnRef>
+          <a:fillRef idx="0">
+            <a:schemeClr val="accent1"/>
+          </a:fillRef>
+          <a:effectRef idx="0">
+            <a:schemeClr val="accent1"/>
+          </a:effectRef>
+          <a:fontRef idx="minor">
+            <a:schemeClr val="tx1"/>
+          </a:fontRef>
+        </p:style>
+      </p:cxnSp>
+      <p:sp>
+        <p:nvSpPr>
+          <p:cNvPr id="15" name="Textfeld 14">
+            <a:extLst>
+              <a:ext uri="{FF2B5EF4-FFF2-40B4-BE49-F238E27FC236}">
+                <a16:creationId xmlns:a16="http://schemas.microsoft.com/office/drawing/2014/main" id="{AB420685-5C06-4116-9C34-1302603A968F}"/>
+              </a:ext>
+            </a:extLst>
+          </p:cNvPr>
+          <p:cNvSpPr txBox="1"/>
+          <p:nvPr/>
+        </p:nvSpPr>
+        <p:spPr>
+          <a:xfrm>
+            <a:off x="21187" y="4166361"/>
+            <a:ext cx="1687827" cy="369332"/>
+          </a:xfrm>
+          <a:prstGeom prst="rect">
+            <a:avLst/>
+          </a:prstGeom>
+          <a:noFill/>
+        </p:spPr>
+        <p:txBody>
+          <a:bodyPr wrap="square" rtlCol="0">
+            <a:spAutoFit/>
+          </a:bodyPr>
+          <a:lstStyle/>
+          <a:p>
+            <a:r>
+              <a:rPr lang="de-DE" dirty="0">
+                <a:solidFill>
+                  <a:schemeClr val="tx2"/>
+                </a:solidFill>
+              </a:rPr>
+              <a:t>Variable Name</a:t>
+            </a:r>
+            <a:endParaRPr lang="en-GB" dirty="0">
+              <a:solidFill>
+                <a:schemeClr val="tx2"/>
+              </a:solidFill>
+            </a:endParaRPr>
+          </a:p>
+        </p:txBody>
+      </p:sp>
+      <p:cxnSp>
+        <p:nvCxnSpPr>
+          <p:cNvPr id="20" name="Verbinder: gekrümmt 19">
+            <a:extLst>
+              <a:ext uri="{FF2B5EF4-FFF2-40B4-BE49-F238E27FC236}">
+                <a16:creationId xmlns:a16="http://schemas.microsoft.com/office/drawing/2014/main" id="{085DBD93-D9AC-43D1-B0D8-6DA5D4508AEA}"/>
+              </a:ext>
+            </a:extLst>
+          </p:cNvPr>
+          <p:cNvCxnSpPr>
+            <a:stCxn id="15" idx="3"/>
           </p:cNvCxnSpPr>
           <p:nvPr/>
         </p:nvCxnSpPr>
         <p:spPr>
           <a:xfrm flipV="1">
-            <a:off x="6312023" y="4080224"/>
-            <a:ext cx="923278" cy="1052010"/>
+            <a:off x="1709014" y="3604335"/>
+            <a:ext cx="724537" cy="746692"/>
           </a:xfrm>
           <a:prstGeom prst="curvedConnector2">
             <a:avLst/>
+          </a:prstGeom>
+          <a:ln>
+            <a:tailEnd type="triangle"/>
+          </a:ln>
+        </p:spPr>
+        <p:style>
+          <a:lnRef idx="1">
+            <a:schemeClr val="accent1"/>
+          </a:lnRef>
+          <a:fillRef idx="0">
+            <a:schemeClr val="accent1"/>
+          </a:fillRef>
+          <a:effectRef idx="0">
+            <a:schemeClr val="accent1"/>
+          </a:effectRef>
+          <a:fontRef idx="minor">
+            <a:schemeClr val="tx1"/>
+          </a:fontRef>
+        </p:style>
+      </p:cxnSp>
+      <p:sp>
+        <p:nvSpPr>
+          <p:cNvPr id="21" name="Textfeld 20">
+            <a:extLst>
+              <a:ext uri="{FF2B5EF4-FFF2-40B4-BE49-F238E27FC236}">
+                <a16:creationId xmlns:a16="http://schemas.microsoft.com/office/drawing/2014/main" id="{AFBFD056-D32F-4C3E-BE4C-49907A6236C5}"/>
+              </a:ext>
+            </a:extLst>
+          </p:cNvPr>
+          <p:cNvSpPr txBox="1"/>
+          <p:nvPr/>
+        </p:nvSpPr>
+        <p:spPr>
+          <a:xfrm>
+            <a:off x="4714043" y="4758431"/>
+            <a:ext cx="1722268" cy="369332"/>
+          </a:xfrm>
+          <a:prstGeom prst="rect">
+            <a:avLst/>
+          </a:prstGeom>
+          <a:noFill/>
+        </p:spPr>
+        <p:txBody>
+          <a:bodyPr wrap="square" rtlCol="0">
+            <a:spAutoFit/>
+          </a:bodyPr>
+          <a:lstStyle/>
+          <a:p>
+            <a:r>
+              <a:rPr lang="de-DE" dirty="0">
+                <a:solidFill>
+                  <a:schemeClr val="tx2"/>
+                </a:solidFill>
+              </a:rPr>
+              <a:t>Variable Type</a:t>
+            </a:r>
+            <a:endParaRPr lang="en-GB" dirty="0">
+              <a:solidFill>
+                <a:schemeClr val="tx2"/>
+              </a:solidFill>
+            </a:endParaRPr>
+          </a:p>
+        </p:txBody>
+      </p:sp>
+      <p:cxnSp>
+        <p:nvCxnSpPr>
+          <p:cNvPr id="26" name="Verbinder: gekrümmt 25">
+            <a:extLst>
+              <a:ext uri="{FF2B5EF4-FFF2-40B4-BE49-F238E27FC236}">
+                <a16:creationId xmlns:a16="http://schemas.microsoft.com/office/drawing/2014/main" id="{820DE192-97A2-4C04-8353-051E1D4E1818}"/>
+              </a:ext>
+            </a:extLst>
+          </p:cNvPr>
+          <p:cNvCxnSpPr>
+            <a:stCxn id="21" idx="1"/>
+          </p:cNvCxnSpPr>
+          <p:nvPr/>
+        </p:nvCxnSpPr>
+        <p:spPr>
+          <a:xfrm rot="10800000">
+            <a:off x="3817399" y="3604335"/>
+            <a:ext cx="896645" cy="1338762"/>
+          </a:xfrm>
+          <a:prstGeom prst="curvedConnector2">
+            <a:avLst/>
+          </a:prstGeom>
+          <a:ln>
+            <a:tailEnd type="triangle"/>
+          </a:ln>
+        </p:spPr>
+        <p:style>
+          <a:lnRef idx="1">
+            <a:schemeClr val="accent1"/>
+          </a:lnRef>
+          <a:fillRef idx="0">
+            <a:schemeClr val="accent1"/>
+          </a:fillRef>
+          <a:effectRef idx="0">
+            <a:schemeClr val="accent1"/>
+          </a:effectRef>
+          <a:fontRef idx="minor">
+            <a:schemeClr val="tx1"/>
+          </a:fontRef>
+        </p:style>
+      </p:cxnSp>
+      <p:sp>
+        <p:nvSpPr>
+          <p:cNvPr id="27" name="Textfeld 26">
+            <a:extLst>
+              <a:ext uri="{FF2B5EF4-FFF2-40B4-BE49-F238E27FC236}">
+                <a16:creationId xmlns:a16="http://schemas.microsoft.com/office/drawing/2014/main" id="{ABEC435E-8620-48E4-88E6-57680942CFAB}"/>
+              </a:ext>
+            </a:extLst>
+          </p:cNvPr>
+          <p:cNvSpPr txBox="1"/>
+          <p:nvPr/>
+        </p:nvSpPr>
+        <p:spPr>
+          <a:xfrm>
+            <a:off x="6186993" y="3977681"/>
+            <a:ext cx="2592280" cy="369332"/>
+          </a:xfrm>
+          <a:prstGeom prst="rect">
+            <a:avLst/>
+          </a:prstGeom>
+          <a:noFill/>
+        </p:spPr>
+        <p:txBody>
+          <a:bodyPr wrap="square" rtlCol="0">
+            <a:spAutoFit/>
+          </a:bodyPr>
+          <a:lstStyle/>
+          <a:p>
+            <a:r>
+              <a:rPr lang="de-DE" dirty="0" err="1">
+                <a:solidFill>
+                  <a:schemeClr val="tx2"/>
+                </a:solidFill>
+              </a:rPr>
+              <a:t>HashMap</a:t>
+            </a:r>
+            <a:r>
+              <a:rPr lang="de-DE" dirty="0">
+                <a:solidFill>
+                  <a:schemeClr val="tx2"/>
+                </a:solidFill>
+              </a:rPr>
+              <a:t> Declaration</a:t>
+            </a:r>
+            <a:endParaRPr lang="en-GB" dirty="0">
+              <a:solidFill>
+                <a:schemeClr val="tx2"/>
+              </a:solidFill>
+            </a:endParaRPr>
+          </a:p>
+        </p:txBody>
+      </p:sp>
+      <p:cxnSp>
+        <p:nvCxnSpPr>
+          <p:cNvPr id="31" name="Verbinder: gekrümmt 30">
+            <a:extLst>
+              <a:ext uri="{FF2B5EF4-FFF2-40B4-BE49-F238E27FC236}">
+                <a16:creationId xmlns:a16="http://schemas.microsoft.com/office/drawing/2014/main" id="{E94D1683-667A-4E98-83AB-5A19F36776C6}"/>
+              </a:ext>
+            </a:extLst>
+          </p:cNvPr>
+          <p:cNvCxnSpPr>
+            <a:cxnSpLocks/>
+            <a:stCxn id="27" idx="1"/>
+          </p:cNvCxnSpPr>
+          <p:nvPr/>
+        </p:nvCxnSpPr>
+        <p:spPr>
+          <a:xfrm rot="10800000">
+            <a:off x="4332303" y="2965107"/>
+            <a:ext cx="1854690" cy="1197240"/>
+          </a:xfrm>
+          <a:prstGeom prst="curvedConnector3">
+            <a:avLst/>
+          </a:prstGeom>
+          <a:ln>
+            <a:tailEnd type="triangle"/>
+          </a:ln>
+        </p:spPr>
+        <p:style>
+          <a:lnRef idx="1">
+            <a:schemeClr val="accent1"/>
+          </a:lnRef>
+          <a:fillRef idx="0">
+            <a:schemeClr val="accent1"/>
+          </a:fillRef>
+          <a:effectRef idx="0">
+            <a:schemeClr val="accent1"/>
+          </a:effectRef>
+          <a:fontRef idx="minor">
+            <a:schemeClr val="tx1"/>
+          </a:fontRef>
+        </p:style>
+      </p:cxnSp>
+      <p:sp>
+        <p:nvSpPr>
+          <p:cNvPr id="38" name="Textfeld 37">
+            <a:extLst>
+              <a:ext uri="{FF2B5EF4-FFF2-40B4-BE49-F238E27FC236}">
+                <a16:creationId xmlns:a16="http://schemas.microsoft.com/office/drawing/2014/main" id="{BD74E30C-C55E-44D4-A68C-3A5D09DCE0B3}"/>
+              </a:ext>
+            </a:extLst>
+          </p:cNvPr>
+          <p:cNvSpPr txBox="1"/>
+          <p:nvPr/>
+        </p:nvSpPr>
+        <p:spPr>
+          <a:xfrm>
+            <a:off x="6789604" y="3500931"/>
+            <a:ext cx="2592280" cy="369332"/>
+          </a:xfrm>
+          <a:prstGeom prst="rect">
+            <a:avLst/>
+          </a:prstGeom>
+          <a:noFill/>
+        </p:spPr>
+        <p:txBody>
+          <a:bodyPr wrap="square" rtlCol="0">
+            <a:spAutoFit/>
+          </a:bodyPr>
+          <a:lstStyle/>
+          <a:p>
+            <a:r>
+              <a:rPr lang="de-DE" dirty="0" err="1">
+                <a:solidFill>
+                  <a:schemeClr val="tx2"/>
+                </a:solidFill>
+              </a:rPr>
+              <a:t>HashMap</a:t>
+            </a:r>
+            <a:r>
+              <a:rPr lang="de-DE" dirty="0">
+                <a:solidFill>
+                  <a:schemeClr val="tx2"/>
+                </a:solidFill>
+              </a:rPr>
+              <a:t> </a:t>
+            </a:r>
+            <a:r>
+              <a:rPr lang="de-DE" dirty="0" err="1">
+                <a:solidFill>
+                  <a:schemeClr val="tx2"/>
+                </a:solidFill>
+              </a:rPr>
+              <a:t>Instantiation</a:t>
+            </a:r>
+            <a:endParaRPr lang="en-GB" dirty="0">
+              <a:solidFill>
+                <a:schemeClr val="tx2"/>
+              </a:solidFill>
+            </a:endParaRPr>
+          </a:p>
+        </p:txBody>
+      </p:sp>
+      <p:cxnSp>
+        <p:nvCxnSpPr>
+          <p:cNvPr id="39" name="Verbinder: gekrümmt 38">
+            <a:extLst>
+              <a:ext uri="{FF2B5EF4-FFF2-40B4-BE49-F238E27FC236}">
+                <a16:creationId xmlns:a16="http://schemas.microsoft.com/office/drawing/2014/main" id="{F2F6B870-3898-461D-B0EE-9C612D67538D}"/>
+              </a:ext>
+            </a:extLst>
+          </p:cNvPr>
+          <p:cNvCxnSpPr>
+            <a:stCxn id="38" idx="1"/>
+          </p:cNvCxnSpPr>
+          <p:nvPr/>
+        </p:nvCxnSpPr>
+        <p:spPr>
+          <a:xfrm rot="10800000">
+            <a:off x="6275444" y="3098339"/>
+            <a:ext cx="514161" cy="587258"/>
+          </a:xfrm>
+          <a:prstGeom prst="curvedConnector2">
+            <a:avLst/>
+          </a:prstGeom>
+          <a:ln>
+            <a:tailEnd type="triangle"/>
+          </a:ln>
+        </p:spPr>
+        <p:style>
+          <a:lnRef idx="1">
+            <a:schemeClr val="accent1"/>
+          </a:lnRef>
+          <a:fillRef idx="0">
+            <a:schemeClr val="accent1"/>
+          </a:fillRef>
+          <a:effectRef idx="0">
+            <a:schemeClr val="accent1"/>
+          </a:effectRef>
+          <a:fontRef idx="minor">
+            <a:schemeClr val="tx1"/>
+          </a:fontRef>
+        </p:style>
+      </p:cxnSp>
+      <p:sp>
+        <p:nvSpPr>
+          <p:cNvPr id="41" name="Textfeld 40">
+            <a:extLst>
+              <a:ext uri="{FF2B5EF4-FFF2-40B4-BE49-F238E27FC236}">
+                <a16:creationId xmlns:a16="http://schemas.microsoft.com/office/drawing/2014/main" id="{A504FEC9-FBC2-46E9-B427-F077B681B3F3}"/>
+              </a:ext>
+            </a:extLst>
+          </p:cNvPr>
+          <p:cNvSpPr txBox="1"/>
+          <p:nvPr/>
+        </p:nvSpPr>
+        <p:spPr>
+          <a:xfrm>
+            <a:off x="7483133" y="1547847"/>
+            <a:ext cx="2592280" cy="369332"/>
+          </a:xfrm>
+          <a:prstGeom prst="rect">
+            <a:avLst/>
+          </a:prstGeom>
+          <a:noFill/>
+        </p:spPr>
+        <p:txBody>
+          <a:bodyPr wrap="square" rtlCol="0">
+            <a:spAutoFit/>
+          </a:bodyPr>
+          <a:lstStyle/>
+          <a:p>
+            <a:r>
+              <a:rPr lang="de-DE" dirty="0">
+                <a:solidFill>
+                  <a:schemeClr val="tx2"/>
+                </a:solidFill>
+              </a:rPr>
+              <a:t>Tupel Declaration</a:t>
+            </a:r>
+            <a:endParaRPr lang="en-GB" dirty="0">
+              <a:solidFill>
+                <a:schemeClr val="tx2"/>
+              </a:solidFill>
+            </a:endParaRPr>
+          </a:p>
+        </p:txBody>
+      </p:sp>
+      <p:cxnSp>
+        <p:nvCxnSpPr>
+          <p:cNvPr id="42" name="Verbinder: gekrümmt 41">
+            <a:extLst>
+              <a:ext uri="{FF2B5EF4-FFF2-40B4-BE49-F238E27FC236}">
+                <a16:creationId xmlns:a16="http://schemas.microsoft.com/office/drawing/2014/main" id="{6389B2BA-A8DD-4C2F-A4DA-5F6704FDE128}"/>
+              </a:ext>
+            </a:extLst>
+          </p:cNvPr>
+          <p:cNvCxnSpPr>
+            <a:cxnSpLocks/>
+            <a:stCxn id="41" idx="1"/>
+          </p:cNvCxnSpPr>
+          <p:nvPr/>
+        </p:nvCxnSpPr>
+        <p:spPr>
+          <a:xfrm rot="10800000" flipV="1">
+            <a:off x="4589755" y="1732513"/>
+            <a:ext cx="2893378" cy="908244"/>
+          </a:xfrm>
+          <a:prstGeom prst="curvedConnector3">
+            <a:avLst/>
+          </a:prstGeom>
+          <a:ln>
+            <a:tailEnd type="triangle"/>
+          </a:ln>
+        </p:spPr>
+        <p:style>
+          <a:lnRef idx="1">
+            <a:schemeClr val="accent1"/>
+          </a:lnRef>
+          <a:fillRef idx="0">
+            <a:schemeClr val="accent1"/>
+          </a:fillRef>
+          <a:effectRef idx="0">
+            <a:schemeClr val="accent1"/>
+          </a:effectRef>
+          <a:fontRef idx="minor">
+            <a:schemeClr val="tx1"/>
+          </a:fontRef>
+        </p:style>
+      </p:cxnSp>
+      <p:sp>
+        <p:nvSpPr>
+          <p:cNvPr id="43" name="Textfeld 42">
+            <a:extLst>
+              <a:ext uri="{FF2B5EF4-FFF2-40B4-BE49-F238E27FC236}">
+                <a16:creationId xmlns:a16="http://schemas.microsoft.com/office/drawing/2014/main" id="{718802E4-2725-4C03-8FD1-CFCE8539C0DA}"/>
+              </a:ext>
+            </a:extLst>
+          </p:cNvPr>
+          <p:cNvSpPr txBox="1"/>
+          <p:nvPr/>
+        </p:nvSpPr>
+        <p:spPr>
+          <a:xfrm>
+            <a:off x="7932203" y="2408092"/>
+            <a:ext cx="2592280" cy="369332"/>
+          </a:xfrm>
+          <a:prstGeom prst="rect">
+            <a:avLst/>
+          </a:prstGeom>
+          <a:noFill/>
+        </p:spPr>
+        <p:txBody>
+          <a:bodyPr wrap="square" rtlCol="0">
+            <a:spAutoFit/>
+          </a:bodyPr>
+          <a:lstStyle/>
+          <a:p>
+            <a:r>
+              <a:rPr lang="de-DE" dirty="0">
+                <a:solidFill>
+                  <a:schemeClr val="tx2"/>
+                </a:solidFill>
+              </a:rPr>
+              <a:t>Tupel </a:t>
+            </a:r>
+            <a:r>
+              <a:rPr lang="de-DE" dirty="0" err="1">
+                <a:solidFill>
+                  <a:schemeClr val="tx2"/>
+                </a:solidFill>
+              </a:rPr>
+              <a:t>Instantiation</a:t>
+            </a:r>
+            <a:endParaRPr lang="en-GB" dirty="0">
+              <a:solidFill>
+                <a:schemeClr val="tx2"/>
+              </a:solidFill>
+            </a:endParaRPr>
+          </a:p>
+        </p:txBody>
+      </p:sp>
+      <p:cxnSp>
+        <p:nvCxnSpPr>
+          <p:cNvPr id="44" name="Verbinder: gekrümmt 43">
+            <a:extLst>
+              <a:ext uri="{FF2B5EF4-FFF2-40B4-BE49-F238E27FC236}">
+                <a16:creationId xmlns:a16="http://schemas.microsoft.com/office/drawing/2014/main" id="{A6E3B483-692C-47DE-9BB3-914DD71A4283}"/>
+              </a:ext>
+            </a:extLst>
+          </p:cNvPr>
+          <p:cNvCxnSpPr>
+            <a:cxnSpLocks/>
+            <a:stCxn id="43" idx="1"/>
+          </p:cNvCxnSpPr>
+          <p:nvPr/>
+        </p:nvCxnSpPr>
+        <p:spPr>
+          <a:xfrm rot="10800000" flipV="1">
+            <a:off x="6578353" y="2592758"/>
+            <a:ext cx="1353850" cy="96746"/>
+          </a:xfrm>
+          <a:prstGeom prst="curvedConnector3">
+            <a:avLst>
+              <a:gd name="adj1" fmla="val 50000"/>
+            </a:avLst>
+          </a:prstGeom>
+          <a:ln>
+            <a:tailEnd type="triangle"/>
+          </a:ln>
+        </p:spPr>
+        <p:style>
+          <a:lnRef idx="1">
+            <a:schemeClr val="accent1"/>
+          </a:lnRef>
+          <a:fillRef idx="0">
+            <a:schemeClr val="accent1"/>
+          </a:fillRef>
+          <a:effectRef idx="0">
+            <a:schemeClr val="accent1"/>
+          </a:effectRef>
+          <a:fontRef idx="minor">
+            <a:schemeClr val="tx1"/>
+          </a:fontRef>
+        </p:style>
+      </p:cxnSp>
+      <p:sp>
+        <p:nvSpPr>
+          <p:cNvPr id="48" name="Textfeld 47">
+            <a:extLst>
+              <a:ext uri="{FF2B5EF4-FFF2-40B4-BE49-F238E27FC236}">
+                <a16:creationId xmlns:a16="http://schemas.microsoft.com/office/drawing/2014/main" id="{FD7EDA2D-07E8-43E1-93D6-E383DB16C5B7}"/>
+              </a:ext>
+            </a:extLst>
+          </p:cNvPr>
+          <p:cNvSpPr txBox="1"/>
+          <p:nvPr/>
+        </p:nvSpPr>
+        <p:spPr>
+          <a:xfrm>
+            <a:off x="115536" y="1394521"/>
+            <a:ext cx="2592280" cy="369332"/>
+          </a:xfrm>
+          <a:prstGeom prst="rect">
+            <a:avLst/>
+          </a:prstGeom>
+          <a:noFill/>
+        </p:spPr>
+        <p:txBody>
+          <a:bodyPr wrap="square" rtlCol="0">
+            <a:spAutoFit/>
+          </a:bodyPr>
+          <a:lstStyle/>
+          <a:p>
+            <a:r>
+              <a:rPr lang="de-DE" dirty="0">
+                <a:solidFill>
+                  <a:schemeClr val="tx2"/>
+                </a:solidFill>
+              </a:rPr>
+              <a:t>List Declaration</a:t>
+            </a:r>
+            <a:endParaRPr lang="en-GB" dirty="0">
+              <a:solidFill>
+                <a:schemeClr val="tx2"/>
+              </a:solidFill>
+            </a:endParaRPr>
+          </a:p>
+        </p:txBody>
+      </p:sp>
+      <p:cxnSp>
+        <p:nvCxnSpPr>
+          <p:cNvPr id="49" name="Verbinder: gekrümmt 48">
+            <a:extLst>
+              <a:ext uri="{FF2B5EF4-FFF2-40B4-BE49-F238E27FC236}">
+                <a16:creationId xmlns:a16="http://schemas.microsoft.com/office/drawing/2014/main" id="{20F143E1-EB02-4FC6-9F21-F1DD6DC04BCA}"/>
+              </a:ext>
+            </a:extLst>
+          </p:cNvPr>
+          <p:cNvCxnSpPr>
+            <a:cxnSpLocks/>
+            <a:stCxn id="48" idx="2"/>
+          </p:cNvCxnSpPr>
+          <p:nvPr/>
+        </p:nvCxnSpPr>
+        <p:spPr>
+          <a:xfrm rot="16200000" flipH="1">
+            <a:off x="1436844" y="1738685"/>
+            <a:ext cx="624240" cy="674576"/>
+          </a:xfrm>
+          <a:prstGeom prst="curvedConnector2">
+            <a:avLst/>
+          </a:prstGeom>
+          <a:ln>
+            <a:tailEnd type="triangle"/>
+          </a:ln>
+        </p:spPr>
+        <p:style>
+          <a:lnRef idx="1">
+            <a:schemeClr val="accent1"/>
+          </a:lnRef>
+          <a:fillRef idx="0">
+            <a:schemeClr val="accent1"/>
+          </a:fillRef>
+          <a:effectRef idx="0">
+            <a:schemeClr val="accent1"/>
+          </a:effectRef>
+          <a:fontRef idx="minor">
+            <a:schemeClr val="tx1"/>
+          </a:fontRef>
+        </p:style>
+      </p:cxnSp>
+      <p:sp>
+        <p:nvSpPr>
+          <p:cNvPr id="50" name="Textfeld 49">
+            <a:extLst>
+              <a:ext uri="{FF2B5EF4-FFF2-40B4-BE49-F238E27FC236}">
+                <a16:creationId xmlns:a16="http://schemas.microsoft.com/office/drawing/2014/main" id="{02BBEA20-1031-4460-90CD-0A9A7247054C}"/>
+              </a:ext>
+            </a:extLst>
+          </p:cNvPr>
+          <p:cNvSpPr txBox="1"/>
+          <p:nvPr/>
+        </p:nvSpPr>
+        <p:spPr>
+          <a:xfrm>
+            <a:off x="3549458" y="1199762"/>
+            <a:ext cx="2592280" cy="369332"/>
+          </a:xfrm>
+          <a:prstGeom prst="rect">
+            <a:avLst/>
+          </a:prstGeom>
+          <a:noFill/>
+        </p:spPr>
+        <p:txBody>
+          <a:bodyPr wrap="square" rtlCol="0">
+            <a:spAutoFit/>
+          </a:bodyPr>
+          <a:lstStyle/>
+          <a:p>
+            <a:r>
+              <a:rPr lang="de-DE" dirty="0">
+                <a:solidFill>
+                  <a:schemeClr val="tx2"/>
+                </a:solidFill>
+              </a:rPr>
+              <a:t>List </a:t>
+            </a:r>
+            <a:r>
+              <a:rPr lang="de-DE" dirty="0" err="1">
+                <a:solidFill>
+                  <a:schemeClr val="tx2"/>
+                </a:solidFill>
+              </a:rPr>
+              <a:t>Instantiation</a:t>
+            </a:r>
+            <a:endParaRPr lang="en-GB" dirty="0">
+              <a:solidFill>
+                <a:schemeClr val="tx2"/>
+              </a:solidFill>
+            </a:endParaRPr>
+          </a:p>
+        </p:txBody>
+      </p:sp>
+      <p:cxnSp>
+        <p:nvCxnSpPr>
+          <p:cNvPr id="51" name="Verbinder: gekrümmt 50">
+            <a:extLst>
+              <a:ext uri="{FF2B5EF4-FFF2-40B4-BE49-F238E27FC236}">
+                <a16:creationId xmlns:a16="http://schemas.microsoft.com/office/drawing/2014/main" id="{84037D64-2E05-47C1-8DD9-2E8A38BFE55C}"/>
+              </a:ext>
+            </a:extLst>
+          </p:cNvPr>
+          <p:cNvCxnSpPr>
+            <a:cxnSpLocks/>
+            <a:stCxn id="50" idx="2"/>
+          </p:cNvCxnSpPr>
+          <p:nvPr/>
+        </p:nvCxnSpPr>
+        <p:spPr>
+          <a:xfrm rot="5400000">
+            <a:off x="4191866" y="1666300"/>
+            <a:ext cx="750938" cy="556526"/>
+          </a:xfrm>
+          <a:prstGeom prst="curvedConnector3">
+            <a:avLst>
+              <a:gd name="adj1" fmla="val 50000"/>
+            </a:avLst>
           </a:prstGeom>
           <a:ln>
             <a:tailEnd type="triangle"/>
@@ -8217,80 +9378,6 @@
       </p:grpSpPr>
       <p:sp>
         <p:nvSpPr>
-          <p:cNvPr id="4" name="Inhaltsplatzhalter 3">
-            <a:extLst>
-              <a:ext uri="{FF2B5EF4-FFF2-40B4-BE49-F238E27FC236}">
-                <a16:creationId xmlns:a16="http://schemas.microsoft.com/office/drawing/2014/main" id="{4B719BBF-01AB-46B9-B212-C7E5A48962F1}"/>
-              </a:ext>
-            </a:extLst>
-          </p:cNvPr>
-          <p:cNvSpPr>
-            <a:spLocks noGrp="1"/>
-          </p:cNvSpPr>
-          <p:nvPr>
-            <p:ph sz="quarter" idx="15"/>
-          </p:nvPr>
-        </p:nvSpPr>
-        <p:spPr/>
-        <p:txBody>
-          <a:bodyPr/>
-          <a:lstStyle/>
-          <a:p>
-            <a:r>
-              <a:rPr lang="de-DE" dirty="0"/>
-              <a:t>Data </a:t>
-            </a:r>
-            <a:r>
-              <a:rPr lang="de-DE" dirty="0" err="1"/>
-              <a:t>Structures</a:t>
-            </a:r>
-            <a:endParaRPr lang="de-DE" dirty="0"/>
-          </a:p>
-          <a:p>
-            <a:pPr lvl="1"/>
-            <a:r>
-              <a:rPr lang="en-GB" dirty="0"/>
-              <a:t>Keyword data</a:t>
-            </a:r>
-          </a:p>
-          <a:p>
-            <a:pPr lvl="1"/>
-            <a:endParaRPr lang="en-GB" dirty="0"/>
-          </a:p>
-          <a:p>
-            <a:pPr lvl="1"/>
-            <a:r>
-              <a:rPr lang="en-GB" dirty="0"/>
-              <a:t>No Member Functions</a:t>
-            </a:r>
-          </a:p>
-          <a:p>
-            <a:pPr lvl="1"/>
-            <a:endParaRPr lang="en-GB" dirty="0"/>
-          </a:p>
-          <a:p>
-            <a:pPr lvl="1"/>
-            <a:r>
-              <a:rPr lang="de-DE" dirty="0" err="1"/>
-              <a:t>Instantiation</a:t>
-            </a:r>
-            <a:r>
-              <a:rPr lang="de-DE" dirty="0"/>
-              <a:t> </a:t>
-            </a:r>
-            <a:r>
-              <a:rPr lang="de-DE" dirty="0" err="1"/>
-              <a:t>Depents</a:t>
-            </a:r>
-            <a:r>
-              <a:rPr lang="de-DE" dirty="0"/>
-              <a:t> on Order</a:t>
-            </a:r>
-          </a:p>
-        </p:txBody>
-      </p:sp>
-      <p:sp>
-        <p:nvSpPr>
           <p:cNvPr id="3" name="Titel 2">
             <a:extLst>
               <a:ext uri="{FF2B5EF4-FFF2-40B4-BE49-F238E27FC236}">
@@ -8336,8 +9423,8 @@
         </p:nvGrpSpPr>
         <p:grpSpPr>
           <a:xfrm>
-            <a:off x="4998128" y="1403284"/>
-            <a:ext cx="6869847" cy="2689793"/>
+            <a:off x="798990" y="941033"/>
+            <a:ext cx="11068985" cy="2831977"/>
             <a:chOff x="1247387" y="2028085"/>
             <a:chExt cx="6071999" cy="2025223"/>
           </a:xfrm>
@@ -8428,10 +9515,14 @@
                 </a:rPr>
                 <a:t> {</a:t>
               </a:r>
+              <a:endParaRPr lang="en-US" dirty="0">
+                <a:latin typeface="Courier New" pitchFamily="49" charset="0"/>
+                <a:cs typeface="Courier New" pitchFamily="49" charset="0"/>
+              </a:endParaRPr>
             </a:p>
             <a:p>
               <a:r>
-                <a:rPr lang="en-US" b="1" dirty="0">
+                <a:rPr lang="en-US" dirty="0">
                   <a:latin typeface="Courier New" pitchFamily="49" charset="0"/>
                   <a:cs typeface="Courier New" pitchFamily="49" charset="0"/>
                 </a:rPr>
@@ -8739,7 +9830,7 @@
         </p:nvSpPr>
         <p:spPr>
           <a:xfrm>
-            <a:off x="9348187" y="3091549"/>
+            <a:off x="5530382" y="2651898"/>
             <a:ext cx="2330916" cy="369332"/>
           </a:xfrm>
           <a:prstGeom prst="rect">
@@ -8794,7 +9885,7 @@
         </p:nvCxnSpPr>
         <p:spPr>
           <a:xfrm rot="10800000">
-            <a:off x="8682361" y="2814551"/>
+            <a:off x="4864556" y="2374900"/>
             <a:ext cx="665826" cy="461664"/>
           </a:xfrm>
           <a:prstGeom prst="curvedConnector3">
@@ -8836,7 +9927,7 @@
         </p:nvCxnSpPr>
         <p:spPr>
           <a:xfrm rot="10800000" flipV="1">
-            <a:off x="9170633" y="3276214"/>
+            <a:off x="5352828" y="2836563"/>
             <a:ext cx="177554" cy="305571"/>
           </a:xfrm>
           <a:prstGeom prst="curvedConnector2">
@@ -8875,7 +9966,7 @@
         </p:nvSpPr>
         <p:spPr>
           <a:xfrm>
-            <a:off x="1899822" y="3429000"/>
+            <a:off x="327469" y="3855481"/>
             <a:ext cx="2516344" cy="369332"/>
           </a:xfrm>
           <a:prstGeom prst="rect">
@@ -8945,12 +10036,15 @@
           <p:nvPr/>
         </p:nvCxnSpPr>
         <p:spPr>
-          <a:xfrm>
-            <a:off x="4416166" y="3613666"/>
-            <a:ext cx="1496363" cy="12700"/>
+          <a:xfrm flipH="1" flipV="1">
+            <a:off x="2622196" y="3276214"/>
+            <a:ext cx="221617" cy="763933"/>
           </a:xfrm>
-          <a:prstGeom prst="curvedConnector3">
-            <a:avLst/>
+          <a:prstGeom prst="curvedConnector4">
+            <a:avLst>
+              <a:gd name="adj1" fmla="val -103151"/>
+              <a:gd name="adj2" fmla="val 62086"/>
+            </a:avLst>
           </a:prstGeom>
           <a:ln>
             <a:tailEnd type="triangle"/>
@@ -8985,7 +10079,7 @@
         </p:nvSpPr>
         <p:spPr>
           <a:xfrm>
-            <a:off x="3745970" y="1606216"/>
+            <a:off x="-9284" y="1202870"/>
             <a:ext cx="2237172" cy="369332"/>
           </a:xfrm>
           <a:prstGeom prst="rect">
@@ -9005,7 +10099,7 @@
                   <a:schemeClr val="tx2"/>
                 </a:solidFill>
               </a:rPr>
-              <a:t>Class Student</a:t>
+              <a:t>Class Keyword</a:t>
             </a:r>
             <a:endParaRPr lang="en-GB" dirty="0">
               <a:solidFill>
@@ -9025,17 +10119,246 @@
             </a:extLst>
           </p:cNvPr>
           <p:cNvCxnSpPr>
+            <a:cxnSpLocks/>
             <a:stCxn id="30" idx="2"/>
           </p:cNvCxnSpPr>
           <p:nvPr/>
         </p:nvCxnSpPr>
         <p:spPr>
           <a:xfrm rot="16200000" flipH="1">
-            <a:off x="5137205" y="1702899"/>
-            <a:ext cx="502675" cy="1047972"/>
+            <a:off x="1299646" y="1381858"/>
+            <a:ext cx="522928" cy="903616"/>
           </a:xfrm>
           <a:prstGeom prst="curvedConnector2">
             <a:avLst/>
+          </a:prstGeom>
+          <a:ln>
+            <a:tailEnd type="triangle"/>
+          </a:ln>
+        </p:spPr>
+        <p:style>
+          <a:lnRef idx="1">
+            <a:schemeClr val="accent1"/>
+          </a:lnRef>
+          <a:fillRef idx="0">
+            <a:schemeClr val="accent1"/>
+          </a:fillRef>
+          <a:effectRef idx="0">
+            <a:schemeClr val="accent1"/>
+          </a:effectRef>
+          <a:fontRef idx="minor">
+            <a:schemeClr val="tx1"/>
+          </a:fontRef>
+        </p:style>
+      </p:cxnSp>
+      <p:sp>
+        <p:nvSpPr>
+          <p:cNvPr id="21" name="Textfeld 20">
+            <a:extLst>
+              <a:ext uri="{FF2B5EF4-FFF2-40B4-BE49-F238E27FC236}">
+                <a16:creationId xmlns:a16="http://schemas.microsoft.com/office/drawing/2014/main" id="{F759B541-C400-4AF1-84AA-EC1E942BF461}"/>
+              </a:ext>
+            </a:extLst>
+          </p:cNvPr>
+          <p:cNvSpPr txBox="1"/>
+          <p:nvPr/>
+        </p:nvSpPr>
+        <p:spPr>
+          <a:xfrm>
+            <a:off x="5424517" y="1733045"/>
+            <a:ext cx="2516344" cy="369332"/>
+          </a:xfrm>
+          <a:prstGeom prst="rect">
+            <a:avLst/>
+          </a:prstGeom>
+          <a:noFill/>
+        </p:spPr>
+        <p:txBody>
+          <a:bodyPr wrap="square" rtlCol="0">
+            <a:spAutoFit/>
+          </a:bodyPr>
+          <a:lstStyle/>
+          <a:p>
+            <a:r>
+              <a:rPr lang="de-DE" dirty="0">
+                <a:solidFill>
+                  <a:schemeClr val="tx2"/>
+                </a:solidFill>
+              </a:rPr>
+              <a:t>Class Name</a:t>
+            </a:r>
+            <a:endParaRPr lang="en-GB" dirty="0">
+              <a:solidFill>
+                <a:schemeClr val="tx2"/>
+              </a:solidFill>
+            </a:endParaRPr>
+          </a:p>
+        </p:txBody>
+      </p:sp>
+      <p:cxnSp>
+        <p:nvCxnSpPr>
+          <p:cNvPr id="22" name="Verbinder: gekrümmt 21">
+            <a:extLst>
+              <a:ext uri="{FF2B5EF4-FFF2-40B4-BE49-F238E27FC236}">
+                <a16:creationId xmlns:a16="http://schemas.microsoft.com/office/drawing/2014/main" id="{8E86CBB5-AAB6-432D-A9C0-188961010341}"/>
+              </a:ext>
+            </a:extLst>
+          </p:cNvPr>
+          <p:cNvCxnSpPr>
+            <a:cxnSpLocks/>
+            <a:stCxn id="21" idx="1"/>
+          </p:cNvCxnSpPr>
+          <p:nvPr/>
+        </p:nvCxnSpPr>
+        <p:spPr>
+          <a:xfrm rot="10800000" flipV="1">
+            <a:off x="3755259" y="1917711"/>
+            <a:ext cx="1669259" cy="151618"/>
+          </a:xfrm>
+          <a:prstGeom prst="curvedConnector3">
+            <a:avLst>
+              <a:gd name="adj1" fmla="val 50000"/>
+            </a:avLst>
+          </a:prstGeom>
+          <a:ln>
+            <a:tailEnd type="triangle"/>
+          </a:ln>
+        </p:spPr>
+        <p:style>
+          <a:lnRef idx="1">
+            <a:schemeClr val="accent1"/>
+          </a:lnRef>
+          <a:fillRef idx="0">
+            <a:schemeClr val="accent1"/>
+          </a:fillRef>
+          <a:effectRef idx="0">
+            <a:schemeClr val="accent1"/>
+          </a:effectRef>
+          <a:fontRef idx="minor">
+            <a:schemeClr val="tx1"/>
+          </a:fontRef>
+        </p:style>
+      </p:cxnSp>
+      <p:sp>
+        <p:nvSpPr>
+          <p:cNvPr id="28" name="Textfeld 27">
+            <a:extLst>
+              <a:ext uri="{FF2B5EF4-FFF2-40B4-BE49-F238E27FC236}">
+                <a16:creationId xmlns:a16="http://schemas.microsoft.com/office/drawing/2014/main" id="{D52A9D7D-23AE-4C57-94A0-1225C8532648}"/>
+              </a:ext>
+            </a:extLst>
+          </p:cNvPr>
+          <p:cNvSpPr txBox="1"/>
+          <p:nvPr/>
+        </p:nvSpPr>
+        <p:spPr>
+          <a:xfrm>
+            <a:off x="4599706" y="4646178"/>
+            <a:ext cx="2330916" cy="369332"/>
+          </a:xfrm>
+          <a:prstGeom prst="rect">
+            <a:avLst/>
+          </a:prstGeom>
+          <a:noFill/>
+        </p:spPr>
+        <p:txBody>
+          <a:bodyPr wrap="square" rtlCol="0">
+            <a:spAutoFit/>
+          </a:bodyPr>
+          <a:lstStyle/>
+          <a:p>
+            <a:r>
+              <a:rPr lang="de-DE" dirty="0" err="1">
+                <a:solidFill>
+                  <a:schemeClr val="tx2"/>
+                </a:solidFill>
+              </a:rPr>
+              <a:t>Constructor</a:t>
+            </a:r>
+            <a:r>
+              <a:rPr lang="de-DE" dirty="0">
+                <a:solidFill>
+                  <a:schemeClr val="tx2"/>
+                </a:solidFill>
+              </a:rPr>
+              <a:t> Call</a:t>
+            </a:r>
+            <a:endParaRPr lang="en-GB" dirty="0">
+              <a:solidFill>
+                <a:schemeClr val="tx2"/>
+              </a:solidFill>
+            </a:endParaRPr>
+          </a:p>
+        </p:txBody>
+      </p:sp>
+      <p:cxnSp>
+        <p:nvCxnSpPr>
+          <p:cNvPr id="29" name="Verbinder: gekrümmt 28">
+            <a:extLst>
+              <a:ext uri="{FF2B5EF4-FFF2-40B4-BE49-F238E27FC236}">
+                <a16:creationId xmlns:a16="http://schemas.microsoft.com/office/drawing/2014/main" id="{2DEE0A65-3AD7-4971-A371-621061CA7AB7}"/>
+              </a:ext>
+            </a:extLst>
+          </p:cNvPr>
+          <p:cNvCxnSpPr>
+            <a:cxnSpLocks/>
+            <a:stCxn id="28" idx="0"/>
+          </p:cNvCxnSpPr>
+          <p:nvPr/>
+        </p:nvCxnSpPr>
+        <p:spPr>
+          <a:xfrm rot="5400000" flipH="1" flipV="1">
+            <a:off x="5256607" y="3806785"/>
+            <a:ext cx="1347950" cy="330836"/>
+          </a:xfrm>
+          <a:prstGeom prst="curvedConnector3">
+            <a:avLst>
+              <a:gd name="adj1" fmla="val 50000"/>
+            </a:avLst>
+          </a:prstGeom>
+          <a:ln>
+            <a:tailEnd type="triangle"/>
+          </a:ln>
+        </p:spPr>
+        <p:style>
+          <a:lnRef idx="1">
+            <a:schemeClr val="accent1"/>
+          </a:lnRef>
+          <a:fillRef idx="0">
+            <a:schemeClr val="accent1"/>
+          </a:fillRef>
+          <a:effectRef idx="0">
+            <a:schemeClr val="accent1"/>
+          </a:effectRef>
+          <a:fontRef idx="minor">
+            <a:schemeClr val="tx1"/>
+          </a:fontRef>
+        </p:style>
+      </p:cxnSp>
+      <p:cxnSp>
+        <p:nvCxnSpPr>
+          <p:cNvPr id="31" name="Verbinder: gekrümmt 30">
+            <a:extLst>
+              <a:ext uri="{FF2B5EF4-FFF2-40B4-BE49-F238E27FC236}">
+                <a16:creationId xmlns:a16="http://schemas.microsoft.com/office/drawing/2014/main" id="{CAE6EDCE-0068-4CD7-B921-25FBE7633D17}"/>
+              </a:ext>
+            </a:extLst>
+          </p:cNvPr>
+          <p:cNvCxnSpPr>
+            <a:cxnSpLocks/>
+            <a:stCxn id="28" idx="0"/>
+          </p:cNvCxnSpPr>
+          <p:nvPr/>
+        </p:nvCxnSpPr>
+        <p:spPr>
+          <a:xfrm rot="16200000" flipV="1">
+            <a:off x="4655171" y="3536185"/>
+            <a:ext cx="1319378" cy="900608"/>
+          </a:xfrm>
+          <a:prstGeom prst="curvedConnector3">
+            <a:avLst>
+              <a:gd name="adj1" fmla="val 50000"/>
+            </a:avLst>
           </a:prstGeom>
           <a:ln>
             <a:tailEnd type="triangle"/>
@@ -9179,25 +10502,18 @@
             <a:lstStyle/>
             <a:p>
               <a:r>
+                <a:rPr lang="en-US" b="1">
+                  <a:latin typeface="Courier New" pitchFamily="49" charset="0"/>
+                  <a:cs typeface="Courier New" pitchFamily="49" charset="0"/>
+                </a:rPr>
+                <a:t>module Functions </a:t>
+              </a:r>
+              <a:r>
                 <a:rPr lang="en-US" b="1" dirty="0">
                   <a:latin typeface="Courier New" pitchFamily="49" charset="0"/>
                   <a:cs typeface="Courier New" pitchFamily="49" charset="0"/>
                 </a:rPr>
-                <a:t>module </a:t>
-              </a:r>
-              <a:r>
-                <a:rPr lang="en-US" b="1" dirty="0" err="1">
-                  <a:latin typeface="Courier New" pitchFamily="49" charset="0"/>
-                  <a:cs typeface="Courier New" pitchFamily="49" charset="0"/>
-                </a:rPr>
-                <a:t>DataStructures</a:t>
-              </a:r>
-              <a:r>
-                <a:rPr lang="en-US" b="1" dirty="0">
-                  <a:latin typeface="Courier New" pitchFamily="49" charset="0"/>
-                  <a:cs typeface="Courier New" pitchFamily="49" charset="0"/>
-                </a:rPr>
-                <a:t> {</a:t>
+                <a:t>{</a:t>
               </a:r>
             </a:p>
             <a:p>
@@ -10412,7 +11728,312 @@
           <a:bodyPr/>
           <a:lstStyle/>
           <a:p>
-            <a:endParaRPr lang="en-GB"/>
+            <a:r>
+              <a:rPr lang="de-DE" dirty="0" err="1"/>
+              <a:t>Named</a:t>
+            </a:r>
+            <a:r>
+              <a:rPr lang="de-DE" dirty="0"/>
+              <a:t> Tupels </a:t>
+            </a:r>
+            <a:r>
+              <a:rPr lang="de-DE" dirty="0" err="1"/>
+              <a:t>as</a:t>
+            </a:r>
+            <a:r>
+              <a:rPr lang="de-DE" dirty="0"/>
+              <a:t> a </a:t>
+            </a:r>
+            <a:r>
+              <a:rPr lang="de-DE" dirty="0" err="1"/>
+              <a:t>shortcut</a:t>
+            </a:r>
+            <a:r>
+              <a:rPr lang="de-DE" dirty="0"/>
+              <a:t> </a:t>
+            </a:r>
+            <a:r>
+              <a:rPr lang="de-DE" dirty="0" err="1"/>
+              <a:t>for</a:t>
+            </a:r>
+            <a:r>
+              <a:rPr lang="de-DE" dirty="0"/>
+              <a:t> </a:t>
+            </a:r>
+            <a:r>
+              <a:rPr lang="de-DE" dirty="0" err="1"/>
+              <a:t>classes</a:t>
+            </a:r>
+            <a:endParaRPr lang="de-DE" dirty="0"/>
+          </a:p>
+          <a:p>
+            <a:endParaRPr lang="de-DE" dirty="0"/>
+          </a:p>
+          <a:p>
+            <a:r>
+              <a:rPr lang="de-DE" dirty="0" err="1"/>
+              <a:t>Pre-Generated</a:t>
+            </a:r>
+            <a:r>
+              <a:rPr lang="de-DE" dirty="0"/>
+              <a:t> Getter </a:t>
+            </a:r>
+            <a:r>
+              <a:rPr lang="de-DE" dirty="0" err="1"/>
+              <a:t>for</a:t>
+            </a:r>
+            <a:r>
+              <a:rPr lang="de-DE" dirty="0"/>
+              <a:t> Data </a:t>
+            </a:r>
+            <a:r>
+              <a:rPr lang="de-DE" dirty="0" err="1"/>
+              <a:t>Structures</a:t>
+            </a:r>
+            <a:endParaRPr lang="de-DE" dirty="0"/>
+          </a:p>
+          <a:p>
+            <a:pPr lvl="1"/>
+            <a:r>
+              <a:rPr lang="de-DE" dirty="0" err="1"/>
+              <a:t>get_</a:t>
+            </a:r>
+            <a:r>
+              <a:rPr lang="de-DE" i="1" dirty="0" err="1"/>
+              <a:t>attributeName</a:t>
+            </a:r>
+            <a:r>
+              <a:rPr lang="de-DE" i="1" dirty="0"/>
+              <a:t>()</a:t>
+            </a:r>
+          </a:p>
+          <a:p>
+            <a:pPr marL="215900" lvl="1" indent="0">
+              <a:buNone/>
+            </a:pPr>
+            <a:endParaRPr lang="de-DE" i="1" dirty="0"/>
+          </a:p>
+          <a:p>
+            <a:r>
+              <a:rPr lang="de-DE" dirty="0"/>
+              <a:t>Short </a:t>
+            </a:r>
+            <a:r>
+              <a:rPr lang="de-DE" dirty="0" err="1"/>
+              <a:t>cuts</a:t>
+            </a:r>
+            <a:endParaRPr lang="de-DE" dirty="0"/>
+          </a:p>
+          <a:p>
+            <a:pPr lvl="1"/>
+            <a:r>
+              <a:rPr lang="de-DE" dirty="0"/>
+              <a:t>#</a:t>
+            </a:r>
+            <a:r>
+              <a:rPr lang="de-DE" i="1" dirty="0" err="1"/>
+              <a:t>ContainerVariable</a:t>
+            </a:r>
+            <a:r>
+              <a:rPr lang="de-DE" i="1" dirty="0"/>
+              <a:t> </a:t>
+            </a:r>
+            <a:r>
+              <a:rPr lang="de-DE" dirty="0"/>
+              <a:t>(</a:t>
+            </a:r>
+            <a:r>
+              <a:rPr lang="de-DE" dirty="0" err="1"/>
+              <a:t>length</a:t>
+            </a:r>
+            <a:r>
+              <a:rPr lang="de-DE" dirty="0"/>
+              <a:t>)</a:t>
+            </a:r>
+            <a:endParaRPr lang="de-DE" i="1" dirty="0"/>
+          </a:p>
+          <a:p>
+            <a:pPr lvl="1"/>
+            <a:r>
+              <a:rPr lang="en-GB" dirty="0"/>
+              <a:t>$</a:t>
+            </a:r>
+            <a:r>
+              <a:rPr lang="en-GB" i="1" dirty="0" err="1"/>
+              <a:t>MapVariable</a:t>
+            </a:r>
+            <a:r>
+              <a:rPr lang="en-GB" i="1" dirty="0"/>
+              <a:t> </a:t>
+            </a:r>
+            <a:r>
+              <a:rPr lang="en-GB" dirty="0"/>
+              <a:t>(List of Values)</a:t>
+            </a:r>
+          </a:p>
+          <a:p>
+            <a:pPr lvl="1"/>
+            <a:r>
+              <a:rPr lang="en-GB" dirty="0"/>
+              <a:t>@</a:t>
+            </a:r>
+            <a:r>
+              <a:rPr lang="en-GB" i="1" dirty="0" err="1"/>
+              <a:t>MapVariable</a:t>
+            </a:r>
+            <a:r>
+              <a:rPr lang="en-GB" i="1" dirty="0"/>
+              <a:t> </a:t>
+            </a:r>
+            <a:r>
+              <a:rPr lang="en-GB" dirty="0"/>
+              <a:t>(List of Keys)</a:t>
+            </a:r>
+          </a:p>
+          <a:p>
+            <a:pPr lvl="1"/>
+            <a:r>
+              <a:rPr lang="de-DE" i="1" dirty="0" err="1"/>
+              <a:t>ContainerVariable</a:t>
+            </a:r>
+            <a:r>
+              <a:rPr lang="de-DE" dirty="0"/>
+              <a:t>[</a:t>
+            </a:r>
+            <a:r>
+              <a:rPr lang="de-DE" dirty="0" err="1"/>
+              <a:t>index</a:t>
+            </a:r>
+            <a:r>
+              <a:rPr lang="de-DE" dirty="0"/>
+              <a:t>] (</a:t>
+            </a:r>
+            <a:r>
+              <a:rPr lang="de-DE" dirty="0" err="1"/>
+              <a:t>Get</a:t>
+            </a:r>
+            <a:r>
+              <a:rPr lang="de-DE" dirty="0"/>
+              <a:t> Element at </a:t>
+            </a:r>
+            <a:r>
+              <a:rPr lang="de-DE" dirty="0" err="1"/>
+              <a:t>index</a:t>
+            </a:r>
+            <a:r>
+              <a:rPr lang="de-DE" dirty="0"/>
+              <a:t>)</a:t>
+            </a:r>
+          </a:p>
+          <a:p>
+            <a:endParaRPr lang="de-DE" dirty="0"/>
+          </a:p>
+          <a:p>
+            <a:r>
+              <a:rPr lang="de-DE" dirty="0" err="1"/>
+              <a:t>Asynchronous</a:t>
+            </a:r>
+            <a:r>
+              <a:rPr lang="de-DE" dirty="0"/>
+              <a:t> </a:t>
+            </a:r>
+            <a:r>
+              <a:rPr lang="de-DE" dirty="0" err="1"/>
+              <a:t>Execution</a:t>
+            </a:r>
+            <a:endParaRPr lang="de-DE" dirty="0"/>
+          </a:p>
+          <a:p>
+            <a:pPr lvl="1"/>
+            <a:r>
+              <a:rPr lang="de-DE" dirty="0" err="1"/>
+              <a:t>With</a:t>
+            </a:r>
+            <a:r>
+              <a:rPr lang="de-DE" dirty="0"/>
+              <a:t> </a:t>
+            </a:r>
+            <a:r>
+              <a:rPr lang="de-DE" dirty="0" err="1"/>
+              <a:t>Implicit</a:t>
+            </a:r>
+            <a:r>
+              <a:rPr lang="de-DE" dirty="0"/>
+              <a:t> </a:t>
+            </a:r>
+            <a:r>
+              <a:rPr lang="de-DE" dirty="0" err="1"/>
+              <a:t>Barriers</a:t>
+            </a:r>
+            <a:r>
+              <a:rPr lang="de-DE" dirty="0"/>
+              <a:t> </a:t>
+            </a:r>
+            <a:r>
+              <a:rPr lang="de-DE" dirty="0" err="1"/>
+              <a:t>to</a:t>
+            </a:r>
+            <a:r>
+              <a:rPr lang="de-DE" dirty="0"/>
+              <a:t> </a:t>
+            </a:r>
+            <a:r>
+              <a:rPr lang="de-DE" dirty="0" err="1"/>
+              <a:t>Avoid</a:t>
+            </a:r>
+            <a:r>
+              <a:rPr lang="de-DE" dirty="0"/>
+              <a:t> Data </a:t>
+            </a:r>
+            <a:r>
+              <a:rPr lang="de-DE" dirty="0" err="1"/>
+              <a:t>Races</a:t>
+            </a:r>
+            <a:endParaRPr lang="de-DE" dirty="0"/>
+          </a:p>
+          <a:p>
+            <a:endParaRPr lang="de-DE" dirty="0"/>
+          </a:p>
+          <a:p>
+            <a:endParaRPr lang="de-DE" dirty="0"/>
+          </a:p>
+          <a:p>
+            <a:endParaRPr lang="de-DE" dirty="0"/>
+          </a:p>
+          <a:p>
+            <a:endParaRPr lang="de-DE" dirty="0"/>
+          </a:p>
+          <a:p>
+            <a:pPr lvl="1"/>
+            <a:endParaRPr lang="de-DE" dirty="0"/>
+          </a:p>
+          <a:p>
+            <a:pPr lvl="1"/>
+            <a:endParaRPr lang="en-GB" dirty="0"/>
+          </a:p>
+          <a:p>
+            <a:pPr marL="215900" lvl="1" indent="0">
+              <a:buNone/>
+            </a:pPr>
+            <a:endParaRPr lang="en-GB" dirty="0"/>
+          </a:p>
+          <a:p>
+            <a:pPr marL="215900" lvl="1" indent="0">
+              <a:buNone/>
+            </a:pPr>
+            <a:endParaRPr lang="en-GB" dirty="0"/>
+          </a:p>
+          <a:p>
+            <a:pPr marL="215900" lvl="1" indent="0">
+              <a:buNone/>
+            </a:pPr>
+            <a:endParaRPr lang="en-GB" dirty="0"/>
+          </a:p>
+          <a:p>
+            <a:pPr marL="215900" lvl="1" indent="0">
+              <a:buNone/>
+            </a:pPr>
+            <a:endParaRPr lang="en-GB" dirty="0"/>
           </a:p>
         </p:txBody>
       </p:sp>
@@ -10445,31 +12066,712 @@
           </a:p>
         </p:txBody>
       </p:sp>
-      <p:sp>
-        <p:nvSpPr>
-          <p:cNvPr id="4" name="Inhaltsplatzhalter 3">
+      <p:grpSp>
+        <p:nvGrpSpPr>
+          <p:cNvPr id="5" name="Gruppieren 4">
             <a:extLst>
               <a:ext uri="{FF2B5EF4-FFF2-40B4-BE49-F238E27FC236}">
-                <a16:creationId xmlns:a16="http://schemas.microsoft.com/office/drawing/2014/main" id="{610BC2E7-18CE-48A7-8735-28A2099C8F64}"/>
+                <a16:creationId xmlns:a16="http://schemas.microsoft.com/office/drawing/2014/main" id="{C4BD0AF1-26DF-45B3-9FE0-1D736BB5E105}"/>
               </a:ext>
             </a:extLst>
           </p:cNvPr>
-          <p:cNvSpPr>
-            <a:spLocks noGrp="1"/>
-          </p:cNvSpPr>
-          <p:nvPr>
-            <p:ph sz="quarter" idx="14"/>
-          </p:nvPr>
+          <p:cNvGrpSpPr/>
+          <p:nvPr/>
+        </p:nvGrpSpPr>
+        <p:grpSpPr>
+          <a:xfrm>
+            <a:off x="4998128" y="1403284"/>
+            <a:ext cx="6869847" cy="3133711"/>
+            <a:chOff x="1247387" y="2028085"/>
+            <a:chExt cx="6071999" cy="2833085"/>
+          </a:xfrm>
+        </p:grpSpPr>
+        <p:sp>
+          <p:nvSpPr>
+            <p:cNvPr id="6" name="Text Box 3">
+              <a:extLst>
+                <a:ext uri="{FF2B5EF4-FFF2-40B4-BE49-F238E27FC236}">
+                  <a16:creationId xmlns:a16="http://schemas.microsoft.com/office/drawing/2014/main" id="{3C8F83CB-FC69-4F1D-AB1B-482D7902CDD0}"/>
+                </a:ext>
+              </a:extLst>
+            </p:cNvPr>
+            <p:cNvSpPr txBox="1">
+              <a:spLocks noChangeArrowheads="1"/>
+            </p:cNvSpPr>
+            <p:nvPr/>
+          </p:nvSpPr>
+          <p:spPr bwMode="auto">
+            <a:xfrm>
+              <a:off x="1750625" y="2523864"/>
+              <a:ext cx="4887449" cy="2337305"/>
+            </a:xfrm>
+            <a:prstGeom prst="rect">
+              <a:avLst/>
+            </a:prstGeom>
+            <a:noFill/>
+            <a:ln w="9525">
+              <a:solidFill>
+                <a:schemeClr val="tx1"/>
+              </a:solidFill>
+              <a:miter lim="800000"/>
+              <a:headEnd/>
+              <a:tailEnd/>
+            </a:ln>
+            <a:effectLst/>
+          </p:spPr>
+          <p:txBody>
+            <a:bodyPr wrap="square">
+              <a:spAutoFit/>
+            </a:bodyPr>
+            <a:lstStyle/>
+            <a:p>
+              <a:r>
+                <a:rPr lang="en-US" b="1" dirty="0">
+                  <a:latin typeface="Courier New" pitchFamily="49" charset="0"/>
+                  <a:cs typeface="Courier New" pitchFamily="49" charset="0"/>
+                </a:rPr>
+                <a:t>fun Example(list [Int]) : [Int] {</a:t>
+              </a:r>
+            </a:p>
+            <a:p>
+              <a:r>
+                <a:rPr lang="en-US" b="1" dirty="0">
+                  <a:latin typeface="Courier New" pitchFamily="49" charset="0"/>
+                  <a:cs typeface="Courier New" pitchFamily="49" charset="0"/>
+                </a:rPr>
+                <a:t>  </a:t>
+              </a:r>
+              <a:r>
+                <a:rPr lang="en-US" b="1" dirty="0" err="1">
+                  <a:latin typeface="Courier New" pitchFamily="49" charset="0"/>
+                  <a:cs typeface="Courier New" pitchFamily="49" charset="0"/>
+                </a:rPr>
+                <a:t>sublist</a:t>
+              </a:r>
+              <a:r>
+                <a:rPr lang="en-US" b="1" dirty="0">
+                  <a:latin typeface="Courier New" pitchFamily="49" charset="0"/>
+                  <a:cs typeface="Courier New" pitchFamily="49" charset="0"/>
+                </a:rPr>
+                <a:t> [Int] = </a:t>
+              </a:r>
+              <a:r>
+                <a:rPr lang="en-US" b="1" dirty="0">
+                  <a:solidFill>
+                    <a:schemeClr val="accent6"/>
+                  </a:solidFill>
+                  <a:latin typeface="Courier New" pitchFamily="49" charset="0"/>
+                  <a:cs typeface="Courier New" pitchFamily="49" charset="0"/>
+                </a:rPr>
+                <a:t>async</a:t>
+              </a:r>
+              <a:r>
+                <a:rPr lang="en-US" b="1" dirty="0">
+                  <a:latin typeface="Courier New" pitchFamily="49" charset="0"/>
+                  <a:cs typeface="Courier New" pitchFamily="49" charset="0"/>
+                </a:rPr>
+                <a:t> </a:t>
+              </a:r>
+              <a:r>
+                <a:rPr lang="en-US" b="1" dirty="0" err="1">
+                  <a:latin typeface="Courier New" pitchFamily="49" charset="0"/>
+                  <a:cs typeface="Courier New" pitchFamily="49" charset="0"/>
+                </a:rPr>
+                <a:t>genList</a:t>
+              </a:r>
+              <a:r>
+                <a:rPr lang="en-US" b="1" dirty="0">
+                  <a:latin typeface="Courier New" pitchFamily="49" charset="0"/>
+                  <a:cs typeface="Courier New" pitchFamily="49" charset="0"/>
+                </a:rPr>
+                <a:t>()</a:t>
+              </a:r>
+            </a:p>
+            <a:p>
+              <a:r>
+                <a:rPr lang="en-US" b="1" dirty="0">
+                  <a:latin typeface="Courier New" pitchFamily="49" charset="0"/>
+                  <a:cs typeface="Courier New" pitchFamily="49" charset="0"/>
+                </a:rPr>
+                <a:t>  </a:t>
+              </a:r>
+              <a:r>
+                <a:rPr lang="en-US" b="1" dirty="0">
+                  <a:solidFill>
+                    <a:schemeClr val="accent6"/>
+                  </a:solidFill>
+                  <a:latin typeface="Courier New" pitchFamily="49" charset="0"/>
+                  <a:cs typeface="Courier New" pitchFamily="49" charset="0"/>
+                </a:rPr>
+                <a:t>async</a:t>
+              </a:r>
+              <a:r>
+                <a:rPr lang="en-US" b="1" dirty="0">
+                  <a:latin typeface="Courier New" pitchFamily="49" charset="0"/>
+                  <a:cs typeface="Courier New" pitchFamily="49" charset="0"/>
+                </a:rPr>
+                <a:t> </a:t>
+              </a:r>
+              <a:r>
+                <a:rPr lang="en-US" b="1" dirty="0">
+                  <a:solidFill>
+                    <a:schemeClr val="accent6"/>
+                  </a:solidFill>
+                  <a:latin typeface="Courier New" pitchFamily="49" charset="0"/>
+                  <a:cs typeface="Courier New" pitchFamily="49" charset="0"/>
+                </a:rPr>
+                <a:t>{</a:t>
+              </a:r>
+              <a:r>
+                <a:rPr lang="en-US" b="1" dirty="0">
+                  <a:latin typeface="Courier New" pitchFamily="49" charset="0"/>
+                  <a:cs typeface="Courier New" pitchFamily="49" charset="0"/>
+                </a:rPr>
+                <a:t> </a:t>
+              </a:r>
+            </a:p>
+            <a:p>
+              <a:r>
+                <a:rPr lang="en-US" b="1" dirty="0">
+                  <a:latin typeface="Courier New" pitchFamily="49" charset="0"/>
+                  <a:cs typeface="Courier New" pitchFamily="49" charset="0"/>
+                </a:rPr>
+                <a:t>    for </a:t>
+              </a:r>
+              <a:r>
+                <a:rPr lang="en-US" b="1" dirty="0" err="1">
+                  <a:latin typeface="Courier New" pitchFamily="49" charset="0"/>
+                  <a:cs typeface="Courier New" pitchFamily="49" charset="0"/>
+                </a:rPr>
+                <a:t>i</a:t>
+              </a:r>
+              <a:r>
+                <a:rPr lang="en-US" b="1" dirty="0">
+                  <a:latin typeface="Courier New" pitchFamily="49" charset="0"/>
+                  <a:cs typeface="Courier New" pitchFamily="49" charset="0"/>
+                </a:rPr>
+                <a:t> in </a:t>
+              </a:r>
+              <a:r>
+                <a:rPr lang="en-US" b="1" dirty="0" err="1">
+                  <a:latin typeface="Courier New" pitchFamily="49" charset="0"/>
+                  <a:cs typeface="Courier New" pitchFamily="49" charset="0"/>
+                </a:rPr>
+                <a:t>sublist</a:t>
+              </a:r>
+              <a:r>
+                <a:rPr lang="en-US" b="1" dirty="0">
+                  <a:latin typeface="Courier New" pitchFamily="49" charset="0"/>
+                  <a:cs typeface="Courier New" pitchFamily="49" charset="0"/>
+                </a:rPr>
+                <a:t> {</a:t>
+              </a:r>
+            </a:p>
+            <a:p>
+              <a:r>
+                <a:rPr lang="en-US" b="1" dirty="0">
+                  <a:latin typeface="Courier New" pitchFamily="49" charset="0"/>
+                  <a:cs typeface="Courier New" pitchFamily="49" charset="0"/>
+                </a:rPr>
+                <a:t>      </a:t>
+              </a:r>
+              <a:r>
+                <a:rPr lang="en-US" b="1" dirty="0" err="1">
+                  <a:latin typeface="Courier New" pitchFamily="49" charset="0"/>
+                  <a:cs typeface="Courier New" pitchFamily="49" charset="0"/>
+                </a:rPr>
+                <a:t>i</a:t>
+              </a:r>
+              <a:r>
+                <a:rPr lang="en-US" b="1" dirty="0">
+                  <a:latin typeface="Courier New" pitchFamily="49" charset="0"/>
+                  <a:cs typeface="Courier New" pitchFamily="49" charset="0"/>
+                </a:rPr>
+                <a:t> += 31</a:t>
+              </a:r>
+            </a:p>
+            <a:p>
+              <a:r>
+                <a:rPr lang="en-US" b="1" dirty="0">
+                  <a:latin typeface="Courier New" pitchFamily="49" charset="0"/>
+                  <a:cs typeface="Courier New" pitchFamily="49" charset="0"/>
+                </a:rPr>
+                <a:t>    </a:t>
+              </a:r>
+              <a:r>
+                <a:rPr lang="en-US" b="1" dirty="0">
+                  <a:solidFill>
+                    <a:schemeClr val="accent6"/>
+                  </a:solidFill>
+                  <a:latin typeface="Courier New" pitchFamily="49" charset="0"/>
+                  <a:cs typeface="Courier New" pitchFamily="49" charset="0"/>
+                </a:rPr>
+                <a:t>}</a:t>
+              </a:r>
+            </a:p>
+            <a:p>
+              <a:r>
+                <a:rPr lang="en-US" b="1" dirty="0">
+                  <a:latin typeface="Courier New" pitchFamily="49" charset="0"/>
+                  <a:cs typeface="Courier New" pitchFamily="49" charset="0"/>
+                </a:rPr>
+                <a:t>  }</a:t>
+              </a:r>
+            </a:p>
+            <a:p>
+              <a:r>
+                <a:rPr lang="en-US" b="1" dirty="0">
+                  <a:latin typeface="Courier New" pitchFamily="49" charset="0"/>
+                  <a:cs typeface="Courier New" pitchFamily="49" charset="0"/>
+                </a:rPr>
+                <a:t>return </a:t>
+              </a:r>
+              <a:r>
+                <a:rPr lang="en-US" b="1" dirty="0" err="1">
+                  <a:latin typeface="Courier New" pitchFamily="49" charset="0"/>
+                  <a:cs typeface="Courier New" pitchFamily="49" charset="0"/>
+                </a:rPr>
+                <a:t>sublist</a:t>
+              </a:r>
+              <a:r>
+                <a:rPr lang="en-US" b="1" dirty="0">
+                  <a:latin typeface="Courier New" pitchFamily="49" charset="0"/>
+                  <a:cs typeface="Courier New" pitchFamily="49" charset="0"/>
+                </a:rPr>
+                <a:t> </a:t>
+              </a:r>
+            </a:p>
+            <a:p>
+              <a:r>
+                <a:rPr lang="en-US" b="1" dirty="0">
+                  <a:latin typeface="Courier New" pitchFamily="49" charset="0"/>
+                  <a:cs typeface="Courier New" pitchFamily="49" charset="0"/>
+                </a:rPr>
+                <a:t>}</a:t>
+              </a:r>
+            </a:p>
+          </p:txBody>
+        </p:sp>
+        <p:sp>
+          <p:nvSpPr>
+            <p:cNvPr id="7" name="Text Box 6">
+              <a:extLst>
+                <a:ext uri="{FF2B5EF4-FFF2-40B4-BE49-F238E27FC236}">
+                  <a16:creationId xmlns:a16="http://schemas.microsoft.com/office/drawing/2014/main" id="{D97611C7-28EC-4922-BAFE-F4E41D6BC5FA}"/>
+                </a:ext>
+              </a:extLst>
+            </p:cNvPr>
+            <p:cNvSpPr txBox="1">
+              <a:spLocks noChangeArrowheads="1"/>
+            </p:cNvSpPr>
+            <p:nvPr/>
+          </p:nvSpPr>
+          <p:spPr bwMode="auto">
+            <a:xfrm>
+              <a:off x="1247387" y="2523864"/>
+              <a:ext cx="503238" cy="2337306"/>
+            </a:xfrm>
+            <a:prstGeom prst="rect">
+              <a:avLst/>
+            </a:prstGeom>
+            <a:noFill/>
+            <a:ln w="9525">
+              <a:noFill/>
+              <a:miter lim="800000"/>
+              <a:headEnd/>
+              <a:tailEnd/>
+            </a:ln>
+            <a:effectLst/>
+          </p:spPr>
+          <p:txBody>
+            <a:bodyPr>
+              <a:spAutoFit/>
+            </a:bodyPr>
+            <a:lstStyle/>
+            <a:p>
+              <a:pPr algn="r"/>
+              <a:r>
+                <a:rPr lang="en-US" sz="1800" dirty="0"/>
+                <a:t>1</a:t>
+              </a:r>
+            </a:p>
+            <a:p>
+              <a:pPr algn="r"/>
+              <a:r>
+                <a:rPr lang="en-US" sz="1800" dirty="0"/>
+                <a:t>2</a:t>
+              </a:r>
+            </a:p>
+            <a:p>
+              <a:pPr algn="r"/>
+              <a:r>
+                <a:rPr lang="en-US" sz="1800" dirty="0"/>
+                <a:t>3</a:t>
+              </a:r>
+            </a:p>
+            <a:p>
+              <a:pPr algn="r"/>
+              <a:r>
+                <a:rPr lang="en-US" sz="1800" dirty="0"/>
+                <a:t>4</a:t>
+              </a:r>
+            </a:p>
+            <a:p>
+              <a:pPr algn="r"/>
+              <a:r>
+                <a:rPr lang="en-US" sz="1800" dirty="0"/>
+                <a:t>5</a:t>
+              </a:r>
+            </a:p>
+            <a:p>
+              <a:pPr algn="r"/>
+              <a:r>
+                <a:rPr lang="en-US" dirty="0"/>
+                <a:t>6</a:t>
+              </a:r>
+            </a:p>
+            <a:p>
+              <a:pPr algn="r"/>
+              <a:r>
+                <a:rPr lang="en-US" sz="1800" dirty="0"/>
+                <a:t>7</a:t>
+              </a:r>
+            </a:p>
+            <a:p>
+              <a:pPr algn="r"/>
+              <a:r>
+                <a:rPr lang="en-US" dirty="0"/>
+                <a:t>8</a:t>
+              </a:r>
+            </a:p>
+            <a:p>
+              <a:pPr algn="r"/>
+              <a:r>
+                <a:rPr lang="en-US" sz="1800" dirty="0"/>
+                <a:t>9</a:t>
+              </a:r>
+            </a:p>
+          </p:txBody>
+        </p:sp>
+        <p:sp>
+          <p:nvSpPr>
+            <p:cNvPr id="8" name="AutoShape 40">
+              <a:extLst>
+                <a:ext uri="{FF2B5EF4-FFF2-40B4-BE49-F238E27FC236}">
+                  <a16:creationId xmlns:a16="http://schemas.microsoft.com/office/drawing/2014/main" id="{864F2E43-DB8B-4D14-BF6B-9A1250651092}"/>
+                </a:ext>
+              </a:extLst>
+            </p:cNvPr>
+            <p:cNvSpPr>
+              <a:spLocks noChangeArrowheads="1"/>
+            </p:cNvSpPr>
+            <p:nvPr/>
+          </p:nvSpPr>
+          <p:spPr bwMode="auto">
+            <a:xfrm flipV="1">
+              <a:off x="6397946" y="2028085"/>
+              <a:ext cx="921440" cy="307777"/>
+            </a:xfrm>
+            <a:prstGeom prst="foldedCorner">
+              <a:avLst>
+                <a:gd name="adj" fmla="val 27606"/>
+              </a:avLst>
+            </a:prstGeom>
+            <a:solidFill>
+              <a:srgbClr val="FFFFFF"/>
+            </a:solidFill>
+            <a:ln w="9525">
+              <a:solidFill>
+                <a:srgbClr val="000000"/>
+              </a:solidFill>
+              <a:round/>
+              <a:headEnd/>
+              <a:tailEnd/>
+            </a:ln>
+          </p:spPr>
+          <p:txBody>
+            <a:bodyPr rot="10800000" wrap="none" anchor="ctr" anchorCtr="1"/>
+            <a:lstStyle/>
+            <a:p>
+              <a:pPr marL="0" marR="0" lvl="0" indent="0" algn="l" defTabSz="914400" rtl="0" eaLnBrk="0" fontAlgn="auto" latinLnBrk="0" hangingPunct="0">
+                <a:lnSpc>
+                  <a:spcPct val="70000"/>
+                </a:lnSpc>
+                <a:spcBef>
+                  <a:spcPts val="0"/>
+                </a:spcBef>
+                <a:spcAft>
+                  <a:spcPts val="0"/>
+                </a:spcAft>
+                <a:buClrTx/>
+                <a:buSzTx/>
+                <a:buFontTx/>
+                <a:buNone/>
+                <a:tabLst/>
+                <a:defRPr/>
+              </a:pPr>
+              <a:r>
+                <a:rPr kumimoji="0" lang="en-US" altLang="de-DE" sz="1600" b="0" i="0" u="none" strike="noStrike" kern="1200" cap="none" spc="0" normalizeH="0" baseline="0" dirty="0" err="1">
+                  <a:ln>
+                    <a:noFill/>
+                  </a:ln>
+                  <a:solidFill>
+                    <a:srgbClr val="000000"/>
+                  </a:solidFill>
+                  <a:effectLst/>
+                  <a:uLnTx/>
+                  <a:uFillTx/>
+                  <a:latin typeface="Arial"/>
+                  <a:ea typeface="+mn-ea"/>
+                  <a:cs typeface="+mn-cs"/>
+                </a:rPr>
+                <a:t>PureFun</a:t>
+              </a:r>
+              <a:endParaRPr kumimoji="0" lang="en-US" altLang="de-DE" sz="1600" b="0" i="0" u="none" strike="noStrike" kern="1200" cap="none" spc="0" normalizeH="0" baseline="0" dirty="0">
+                <a:ln>
+                  <a:noFill/>
+                </a:ln>
+                <a:solidFill>
+                  <a:srgbClr val="000000"/>
+                </a:solidFill>
+                <a:effectLst/>
+                <a:uLnTx/>
+                <a:uFillTx/>
+                <a:latin typeface="Arial"/>
+                <a:ea typeface="+mn-ea"/>
+                <a:cs typeface="+mn-cs"/>
+              </a:endParaRPr>
+            </a:p>
+          </p:txBody>
+        </p:sp>
+        <p:sp>
+          <p:nvSpPr>
+            <p:cNvPr id="9" name="Rechteck 8">
+              <a:extLst>
+                <a:ext uri="{FF2B5EF4-FFF2-40B4-BE49-F238E27FC236}">
+                  <a16:creationId xmlns:a16="http://schemas.microsoft.com/office/drawing/2014/main" id="{50A105DB-50AF-447E-99D5-60D54A341091}"/>
+                </a:ext>
+              </a:extLst>
+            </p:cNvPr>
+            <p:cNvSpPr/>
+            <p:nvPr/>
+          </p:nvSpPr>
+          <p:spPr>
+            <a:xfrm>
+              <a:off x="6560619" y="2335862"/>
+              <a:ext cx="591830" cy="307777"/>
+            </a:xfrm>
+            <a:prstGeom prst="rect">
+              <a:avLst/>
+            </a:prstGeom>
+          </p:spPr>
+          <p:txBody>
+            <a:bodyPr wrap="none">
+              <a:spAutoFit/>
+            </a:bodyPr>
+            <a:lstStyle/>
+            <a:p>
+              <a:pPr lvl="0" algn="ctr"/>
+              <a:r>
+                <a:rPr lang="de-DE" altLang="de-DE" sz="1400" b="1" noProof="1">
+                  <a:solidFill>
+                    <a:srgbClr val="000000"/>
+                  </a:solidFill>
+                </a:rPr>
+                <a:t>«hc»</a:t>
+              </a:r>
+            </a:p>
+          </p:txBody>
+        </p:sp>
+      </p:grpSp>
+      <p:sp>
+        <p:nvSpPr>
+          <p:cNvPr id="10" name="Textfeld 9">
+            <a:extLst>
+              <a:ext uri="{FF2B5EF4-FFF2-40B4-BE49-F238E27FC236}">
+                <a16:creationId xmlns:a16="http://schemas.microsoft.com/office/drawing/2014/main" id="{C91B31B9-EF45-4202-B31D-3227BF3A2984}"/>
+              </a:ext>
+            </a:extLst>
+          </p:cNvPr>
+          <p:cNvSpPr txBox="1"/>
+          <p:nvPr/>
         </p:nvSpPr>
-        <p:spPr/>
+        <p:spPr>
+          <a:xfrm>
+            <a:off x="9108490" y="2834683"/>
+            <a:ext cx="1305018" cy="369332"/>
+          </a:xfrm>
+          <a:prstGeom prst="rect">
+            <a:avLst/>
+          </a:prstGeom>
+          <a:noFill/>
+        </p:spPr>
         <p:txBody>
-          <a:bodyPr/>
+          <a:bodyPr wrap="square" rtlCol="0">
+            <a:spAutoFit/>
+          </a:bodyPr>
           <a:lstStyle/>
           <a:p>
-            <a:endParaRPr lang="en-GB"/>
+            <a:r>
+              <a:rPr lang="de-DE" dirty="0" err="1">
+                <a:solidFill>
+                  <a:schemeClr val="tx2"/>
+                </a:solidFill>
+              </a:rPr>
+              <a:t>Async</a:t>
+            </a:r>
+            <a:r>
+              <a:rPr lang="de-DE" dirty="0">
+                <a:solidFill>
+                  <a:schemeClr val="tx2"/>
+                </a:solidFill>
+              </a:rPr>
+              <a:t> Call</a:t>
+            </a:r>
+            <a:endParaRPr lang="en-GB" dirty="0">
+              <a:solidFill>
+                <a:schemeClr val="tx2"/>
+              </a:solidFill>
+            </a:endParaRPr>
           </a:p>
         </p:txBody>
       </p:sp>
+      <p:sp>
+        <p:nvSpPr>
+          <p:cNvPr id="11" name="Textfeld 10">
+            <a:extLst>
+              <a:ext uri="{FF2B5EF4-FFF2-40B4-BE49-F238E27FC236}">
+                <a16:creationId xmlns:a16="http://schemas.microsoft.com/office/drawing/2014/main" id="{5DF85A50-82A4-469E-AB3B-5DB1AC2B7DCB}"/>
+              </a:ext>
+            </a:extLst>
+          </p:cNvPr>
+          <p:cNvSpPr txBox="1"/>
+          <p:nvPr/>
+        </p:nvSpPr>
+        <p:spPr>
+          <a:xfrm>
+            <a:off x="8707560" y="3713257"/>
+            <a:ext cx="1564570" cy="369332"/>
+          </a:xfrm>
+          <a:prstGeom prst="rect">
+            <a:avLst/>
+          </a:prstGeom>
+          <a:noFill/>
+        </p:spPr>
+        <p:txBody>
+          <a:bodyPr wrap="square" rtlCol="0">
+            <a:spAutoFit/>
+          </a:bodyPr>
+          <a:lstStyle/>
+          <a:p>
+            <a:r>
+              <a:rPr lang="de-DE" dirty="0" err="1">
+                <a:solidFill>
+                  <a:schemeClr val="tx2"/>
+                </a:solidFill>
+              </a:rPr>
+              <a:t>Async</a:t>
+            </a:r>
+            <a:r>
+              <a:rPr lang="de-DE" dirty="0">
+                <a:solidFill>
+                  <a:schemeClr val="tx2"/>
+                </a:solidFill>
+              </a:rPr>
+              <a:t> Block</a:t>
+            </a:r>
+            <a:endParaRPr lang="en-GB" dirty="0">
+              <a:solidFill>
+                <a:schemeClr val="tx2"/>
+              </a:solidFill>
+            </a:endParaRPr>
+          </a:p>
+        </p:txBody>
+      </p:sp>
+      <p:cxnSp>
+        <p:nvCxnSpPr>
+          <p:cNvPr id="13" name="Verbinder: gekrümmt 12">
+            <a:extLst>
+              <a:ext uri="{FF2B5EF4-FFF2-40B4-BE49-F238E27FC236}">
+                <a16:creationId xmlns:a16="http://schemas.microsoft.com/office/drawing/2014/main" id="{07E85D83-F95C-4DF7-BE38-CE15367B5ECC}"/>
+              </a:ext>
+            </a:extLst>
+          </p:cNvPr>
+          <p:cNvCxnSpPr>
+            <a:cxnSpLocks/>
+            <a:stCxn id="10" idx="1"/>
+          </p:cNvCxnSpPr>
+          <p:nvPr/>
+        </p:nvCxnSpPr>
+        <p:spPr>
+          <a:xfrm rot="10800000">
+            <a:off x="8771138" y="2494979"/>
+            <a:ext cx="337352" cy="524370"/>
+          </a:xfrm>
+          <a:prstGeom prst="curvedConnector2">
+            <a:avLst/>
+          </a:prstGeom>
+          <a:ln>
+            <a:tailEnd type="triangle"/>
+          </a:ln>
+        </p:spPr>
+        <p:style>
+          <a:lnRef idx="1">
+            <a:schemeClr val="accent1"/>
+          </a:lnRef>
+          <a:fillRef idx="0">
+            <a:schemeClr val="accent1"/>
+          </a:fillRef>
+          <a:effectRef idx="0">
+            <a:schemeClr val="accent1"/>
+          </a:effectRef>
+          <a:fontRef idx="minor">
+            <a:schemeClr val="tx1"/>
+          </a:fontRef>
+        </p:style>
+      </p:cxnSp>
+      <p:cxnSp>
+        <p:nvCxnSpPr>
+          <p:cNvPr id="17" name="Verbinder: gekrümmt 16">
+            <a:extLst>
+              <a:ext uri="{FF2B5EF4-FFF2-40B4-BE49-F238E27FC236}">
+                <a16:creationId xmlns:a16="http://schemas.microsoft.com/office/drawing/2014/main" id="{A0B6E473-6128-4428-9BAF-870F27B5CFE9}"/>
+              </a:ext>
+            </a:extLst>
+          </p:cNvPr>
+          <p:cNvCxnSpPr>
+            <a:cxnSpLocks/>
+            <a:stCxn id="11" idx="0"/>
+          </p:cNvCxnSpPr>
+          <p:nvPr/>
+        </p:nvCxnSpPr>
+        <p:spPr>
+          <a:xfrm rot="16200000" flipV="1">
+            <a:off x="7704431" y="1927842"/>
+            <a:ext cx="1032201" cy="2538629"/>
+          </a:xfrm>
+          <a:prstGeom prst="curvedConnector2">
+            <a:avLst/>
+          </a:prstGeom>
+          <a:ln>
+            <a:tailEnd type="triangle"/>
+          </a:ln>
+        </p:spPr>
+        <p:style>
+          <a:lnRef idx="1">
+            <a:schemeClr val="accent1"/>
+          </a:lnRef>
+          <a:fillRef idx="0">
+            <a:schemeClr val="accent1"/>
+          </a:fillRef>
+          <a:effectRef idx="0">
+            <a:schemeClr val="accent1"/>
+          </a:effectRef>
+          <a:fontRef idx="minor">
+            <a:schemeClr val="tx1"/>
+          </a:fontRef>
+        </p:style>
+      </p:cxnSp>
     </p:spTree>
     <p:extLst>
       <p:ext uri="{BB962C8B-B14F-4D97-AF65-F5344CB8AC3E}">
@@ -10521,7 +12823,123 @@
           <a:bodyPr/>
           <a:lstStyle/>
           <a:p>
-            <a:endParaRPr lang="en-GB"/>
+            <a:r>
+              <a:rPr lang="de-DE" dirty="0"/>
+              <a:t>Type Checking</a:t>
+            </a:r>
+          </a:p>
+          <a:p>
+            <a:endParaRPr lang="de-DE" dirty="0"/>
+          </a:p>
+          <a:p>
+            <a:endParaRPr lang="de-DE" dirty="0"/>
+          </a:p>
+          <a:p>
+            <a:r>
+              <a:rPr lang="de-DE" dirty="0" err="1"/>
+              <a:t>Async</a:t>
+            </a:r>
+            <a:r>
+              <a:rPr lang="de-DE" dirty="0"/>
+              <a:t> </a:t>
+            </a:r>
+            <a:r>
+              <a:rPr lang="de-DE" dirty="0" err="1"/>
+              <a:t>Barrier</a:t>
+            </a:r>
+            <a:r>
+              <a:rPr lang="de-DE" dirty="0"/>
+              <a:t> Construction</a:t>
+            </a:r>
+          </a:p>
+          <a:p>
+            <a:endParaRPr lang="de-DE" dirty="0"/>
+          </a:p>
+          <a:p>
+            <a:endParaRPr lang="de-DE" dirty="0"/>
+          </a:p>
+          <a:p>
+            <a:r>
+              <a:rPr lang="de-DE" dirty="0" err="1"/>
+              <a:t>Parsing</a:t>
+            </a:r>
+            <a:r>
+              <a:rPr lang="de-DE" dirty="0"/>
+              <a:t> Container Variables</a:t>
+            </a:r>
+          </a:p>
+          <a:p>
+            <a:pPr lvl="1"/>
+            <a:r>
+              <a:rPr lang="de-DE" dirty="0"/>
+              <a:t>Tupels </a:t>
+            </a:r>
+            <a:r>
+              <a:rPr lang="de-DE" dirty="0" err="1"/>
+              <a:t>Parsed</a:t>
+            </a:r>
+            <a:r>
+              <a:rPr lang="de-DE" dirty="0"/>
+              <a:t> </a:t>
+            </a:r>
+            <a:r>
+              <a:rPr lang="de-DE" dirty="0" err="1"/>
+              <a:t>as</a:t>
+            </a:r>
+            <a:r>
+              <a:rPr lang="de-DE" dirty="0"/>
+              <a:t> </a:t>
+            </a:r>
+            <a:r>
+              <a:rPr lang="de-DE" dirty="0" err="1"/>
+              <a:t>Function</a:t>
+            </a:r>
+            <a:r>
+              <a:rPr lang="de-DE" dirty="0"/>
+              <a:t> Calls</a:t>
+            </a:r>
+          </a:p>
+          <a:p>
+            <a:pPr marL="215900" lvl="1" indent="0">
+              <a:buNone/>
+            </a:pPr>
+            <a:endParaRPr lang="de-DE" dirty="0"/>
+          </a:p>
+          <a:p>
+            <a:pPr lvl="1"/>
+            <a:r>
+              <a:rPr lang="de-DE" dirty="0" err="1"/>
+              <a:t>Unable</a:t>
+            </a:r>
+            <a:r>
+              <a:rPr lang="de-DE" dirty="0"/>
+              <a:t> </a:t>
+            </a:r>
+            <a:r>
+              <a:rPr lang="de-DE" dirty="0" err="1"/>
+              <a:t>to</a:t>
+            </a:r>
+            <a:r>
+              <a:rPr lang="de-DE" dirty="0"/>
+              <a:t> Parse </a:t>
+            </a:r>
+            <a:r>
+              <a:rPr lang="de-DE" dirty="0" err="1"/>
+              <a:t>two</a:t>
+            </a:r>
+            <a:r>
+              <a:rPr lang="de-DE" dirty="0"/>
+              <a:t> </a:t>
+            </a:r>
+            <a:r>
+              <a:rPr lang="de-DE" dirty="0" err="1"/>
+              <a:t>Consecutive</a:t>
+            </a:r>
+            <a:r>
+              <a:rPr lang="de-DE" dirty="0"/>
+              <a:t> Container Variables</a:t>
+            </a:r>
+            <a:endParaRPr lang="en-GB" dirty="0"/>
           </a:p>
         </p:txBody>
       </p:sp>

--- a/Presentation/PureFun-Presentation.pptx
+++ b/Presentation/PureFun-Presentation.pptx
@@ -289,7 +289,7 @@
               <a:pPr>
                 <a:defRPr/>
               </a:pPr>
-              <a:t>26.06.2019</a:t>
+              <a:t>27.06.2019</a:t>
             </a:fld>
             <a:endParaRPr lang="de-DE" altLang="de-DE" dirty="0"/>
           </a:p>
@@ -494,7 +494,7 @@
               <a:pPr>
                 <a:defRPr/>
               </a:pPr>
-              <a:t>26.06.2019</a:t>
+              <a:t>27.06.2019</a:t>
             </a:fld>
             <a:endParaRPr lang="de-DE" altLang="de-DE" dirty="0"/>
           </a:p>
@@ -5954,6 +5954,48 @@
           </a:p>
           <a:p>
             <a:r>
+              <a:rPr lang="de-DE" dirty="0" err="1"/>
+              <a:t>Named</a:t>
+            </a:r>
+            <a:r>
+              <a:rPr lang="de-DE" dirty="0"/>
+              <a:t> Tupels </a:t>
+            </a:r>
+            <a:r>
+              <a:rPr lang="de-DE" dirty="0" err="1"/>
+              <a:t>as</a:t>
+            </a:r>
+            <a:r>
+              <a:rPr lang="de-DE" dirty="0"/>
+              <a:t> a </a:t>
+            </a:r>
+            <a:r>
+              <a:rPr lang="de-DE" dirty="0" err="1"/>
+              <a:t>shortcut</a:t>
+            </a:r>
+            <a:r>
+              <a:rPr lang="de-DE" dirty="0"/>
+              <a:t> </a:t>
+            </a:r>
+            <a:r>
+              <a:rPr lang="de-DE" dirty="0" err="1"/>
+              <a:t>for</a:t>
+            </a:r>
+            <a:r>
+              <a:rPr lang="de-DE" dirty="0"/>
+              <a:t> </a:t>
+            </a:r>
+            <a:r>
+              <a:rPr lang="de-DE" dirty="0" err="1"/>
+              <a:t>classes</a:t>
+            </a:r>
+            <a:endParaRPr lang="en-GB" dirty="0"/>
+          </a:p>
+          <a:p>
+            <a:endParaRPr lang="en-GB" dirty="0"/>
+          </a:p>
+          <a:p>
+            <a:r>
               <a:rPr lang="en-GB" dirty="0"/>
               <a:t>Code Inclusion</a:t>
             </a:r>
@@ -6440,6 +6482,754 @@
               <a:extLst>
                 <a:ext uri="{FF2B5EF4-FFF2-40B4-BE49-F238E27FC236}">
                   <a16:creationId xmlns:a16="http://schemas.microsoft.com/office/drawing/2014/main" id="{202A5E42-2D9B-438C-9B18-81E017ED0270}"/>
+                </a:ext>
+              </a:extLst>
+            </p:cNvPr>
+            <p:cNvSpPr/>
+            <p:nvPr/>
+          </p:nvSpPr>
+          <p:spPr>
+            <a:xfrm>
+              <a:off x="6546815" y="2335862"/>
+              <a:ext cx="619440" cy="278251"/>
+            </a:xfrm>
+            <a:prstGeom prst="rect">
+              <a:avLst/>
+            </a:prstGeom>
+          </p:spPr>
+          <p:txBody>
+            <a:bodyPr wrap="none">
+              <a:spAutoFit/>
+            </a:bodyPr>
+            <a:lstStyle/>
+            <a:p>
+              <a:pPr lvl="0" algn="ctr"/>
+              <a:r>
+                <a:rPr lang="de-DE" altLang="de-DE" sz="1400" b="1" noProof="1">
+                  <a:solidFill>
+                    <a:srgbClr val="000000"/>
+                  </a:solidFill>
+                </a:rPr>
+                <a:t>«gen»</a:t>
+              </a:r>
+            </a:p>
+          </p:txBody>
+        </p:sp>
+      </p:grpSp>
+      <p:sp>
+        <p:nvSpPr>
+          <p:cNvPr id="10" name="Inhaltsplatzhalter 1">
+            <a:extLst>
+              <a:ext uri="{FF2B5EF4-FFF2-40B4-BE49-F238E27FC236}">
+                <a16:creationId xmlns:a16="http://schemas.microsoft.com/office/drawing/2014/main" id="{0E8999A3-5EB4-4D2E-A2D3-4E7733F23E2E}"/>
+              </a:ext>
+            </a:extLst>
+          </p:cNvPr>
+          <p:cNvSpPr txBox="1">
+            <a:spLocks/>
+          </p:cNvSpPr>
+          <p:nvPr/>
+        </p:nvSpPr>
+        <p:spPr>
+          <a:xfrm>
+            <a:off x="384000" y="1236029"/>
+            <a:ext cx="5652000" cy="4385941"/>
+          </a:xfrm>
+          <a:prstGeom prst="rect">
+            <a:avLst/>
+          </a:prstGeom>
+        </p:spPr>
+        <p:txBody>
+          <a:bodyPr lIns="0" tIns="0" rIns="0" bIns="0"/>
+          <a:lstStyle>
+            <a:lvl1pPr marL="215900" indent="-215900" algn="l" defTabSz="215900" rtl="0" eaLnBrk="1" fontAlgn="base" hangingPunct="1">
+              <a:spcBef>
+                <a:spcPct val="0"/>
+              </a:spcBef>
+              <a:spcAft>
+                <a:spcPct val="0"/>
+              </a:spcAft>
+              <a:buClr>
+                <a:schemeClr val="tx2"/>
+              </a:buClr>
+              <a:buFont typeface="Arial" panose="020B0604020202020204" pitchFamily="34" charset="0"/>
+              <a:buChar char="•"/>
+              <a:tabLst>
+                <a:tab pos="215900" algn="l"/>
+              </a:tabLst>
+              <a:defRPr kern="1200">
+                <a:solidFill>
+                  <a:schemeClr val="tx1"/>
+                </a:solidFill>
+                <a:latin typeface="Arial" panose="020B0604020202020204" pitchFamily="34" charset="0"/>
+                <a:ea typeface="ＭＳ Ｐゴシック" charset="0"/>
+                <a:cs typeface="Arial" panose="020B0604020202020204" pitchFamily="34" charset="0"/>
+              </a:defRPr>
+            </a:lvl1pPr>
+            <a:lvl2pPr marL="431800" indent="-215900" algn="l" rtl="0" eaLnBrk="1" fontAlgn="base" hangingPunct="1">
+              <a:spcBef>
+                <a:spcPct val="0"/>
+              </a:spcBef>
+              <a:spcAft>
+                <a:spcPct val="0"/>
+              </a:spcAft>
+              <a:buClr>
+                <a:schemeClr val="tx2"/>
+              </a:buClr>
+              <a:buFont typeface="Symbol" panose="05050102010706020507" pitchFamily="18" charset="2"/>
+              <a:buChar char="-"/>
+              <a:tabLst>
+                <a:tab pos="431800" algn="l"/>
+              </a:tabLst>
+              <a:defRPr sz="1600" kern="1200">
+                <a:solidFill>
+                  <a:schemeClr val="tx1"/>
+                </a:solidFill>
+                <a:latin typeface="Arial" panose="020B0604020202020204" pitchFamily="34" charset="0"/>
+                <a:ea typeface="Arial" charset="0"/>
+                <a:cs typeface="Arial" panose="020B0604020202020204" pitchFamily="34" charset="0"/>
+              </a:defRPr>
+            </a:lvl2pPr>
+            <a:lvl3pPr marL="648000" indent="-216000" algn="l" defTabSz="215900" rtl="0" eaLnBrk="1" fontAlgn="base" hangingPunct="1">
+              <a:spcBef>
+                <a:spcPct val="0"/>
+              </a:spcBef>
+              <a:spcAft>
+                <a:spcPct val="0"/>
+              </a:spcAft>
+              <a:buClr>
+                <a:schemeClr val="tx2"/>
+              </a:buClr>
+              <a:buSzPct val="80000"/>
+              <a:buFont typeface="Wingdings" panose="05000000000000000000" pitchFamily="2" charset="2"/>
+              <a:buChar char="§"/>
+              <a:tabLst>
+                <a:tab pos="647700" algn="l"/>
+              </a:tabLst>
+              <a:defRPr sz="1600" kern="1200">
+                <a:solidFill>
+                  <a:schemeClr val="tx1"/>
+                </a:solidFill>
+                <a:latin typeface="Arial" panose="020B0604020202020204" pitchFamily="34" charset="0"/>
+                <a:ea typeface="Arial" charset="0"/>
+                <a:cs typeface="Arial" panose="020B0604020202020204" pitchFamily="34" charset="0"/>
+              </a:defRPr>
+            </a:lvl3pPr>
+            <a:lvl4pPr marL="864000" marR="0" indent="-216000" algn="l" defTabSz="215900" rtl="0" eaLnBrk="1" fontAlgn="base" latinLnBrk="0" hangingPunct="1">
+              <a:lnSpc>
+                <a:spcPct val="100000"/>
+              </a:lnSpc>
+              <a:spcBef>
+                <a:spcPct val="0"/>
+              </a:spcBef>
+              <a:spcAft>
+                <a:spcPct val="0"/>
+              </a:spcAft>
+              <a:buClr>
+                <a:schemeClr val="tx2"/>
+              </a:buClr>
+              <a:buSzPct val="100000"/>
+              <a:buFont typeface="Symbol" panose="05050102010706020507" pitchFamily="18" charset="2"/>
+              <a:buChar char="-"/>
+              <a:tabLst>
+                <a:tab pos="863600" algn="l"/>
+              </a:tabLst>
+              <a:defRPr sz="1600" kern="1200" spc="0" baseline="0">
+                <a:solidFill>
+                  <a:schemeClr val="tx1"/>
+                </a:solidFill>
+                <a:latin typeface="Arial" panose="020B0604020202020204" pitchFamily="34" charset="0"/>
+                <a:ea typeface="Arial" charset="0"/>
+                <a:cs typeface="Arial" panose="020B0604020202020204" pitchFamily="34" charset="0"/>
+              </a:defRPr>
+            </a:lvl4pPr>
+            <a:lvl5pPr marL="863600" indent="-215900" algn="l" rtl="0" eaLnBrk="1" fontAlgn="base" hangingPunct="1">
+              <a:lnSpc>
+                <a:spcPct val="90000"/>
+              </a:lnSpc>
+              <a:spcBef>
+                <a:spcPct val="0"/>
+              </a:spcBef>
+              <a:spcAft>
+                <a:spcPct val="0"/>
+              </a:spcAft>
+              <a:buClr>
+                <a:schemeClr val="tx2"/>
+              </a:buClr>
+              <a:buFont typeface="Arial" panose="020B0604020202020204" pitchFamily="34" charset="0"/>
+              <a:buChar char="-"/>
+              <a:tabLst>
+                <a:tab pos="895350" algn="l"/>
+              </a:tabLst>
+              <a:defRPr sz="1600" kern="1200">
+                <a:solidFill>
+                  <a:schemeClr val="tx1"/>
+                </a:solidFill>
+                <a:latin typeface="Arial" panose="020B0604020202020204" pitchFamily="34" charset="0"/>
+                <a:ea typeface="Arial" charset="0"/>
+                <a:cs typeface="Arial" panose="020B0604020202020204" pitchFamily="34" charset="0"/>
+              </a:defRPr>
+            </a:lvl5pPr>
+            <a:lvl6pPr marL="2514600" indent="-228600" algn="l" defTabSz="914400" rtl="0" eaLnBrk="1" latinLnBrk="0" hangingPunct="1">
+              <a:lnSpc>
+                <a:spcPct val="90000"/>
+              </a:lnSpc>
+              <a:spcBef>
+                <a:spcPts val="500"/>
+              </a:spcBef>
+              <a:buFont typeface="Arial" panose="020B0604020202020204" pitchFamily="34" charset="0"/>
+              <a:buChar char="•"/>
+              <a:defRPr sz="1800" kern="1200">
+                <a:solidFill>
+                  <a:schemeClr val="tx1"/>
+                </a:solidFill>
+                <a:latin typeface="+mn-lt"/>
+                <a:ea typeface="+mn-ea"/>
+                <a:cs typeface="+mn-cs"/>
+              </a:defRPr>
+            </a:lvl6pPr>
+            <a:lvl7pPr marL="2971800" indent="-228600" algn="l" defTabSz="914400" rtl="0" eaLnBrk="1" latinLnBrk="0" hangingPunct="1">
+              <a:lnSpc>
+                <a:spcPct val="90000"/>
+              </a:lnSpc>
+              <a:spcBef>
+                <a:spcPts val="500"/>
+              </a:spcBef>
+              <a:buFont typeface="Arial" panose="020B0604020202020204" pitchFamily="34" charset="0"/>
+              <a:buChar char="•"/>
+              <a:defRPr sz="1800" kern="1200">
+                <a:solidFill>
+                  <a:schemeClr val="tx1"/>
+                </a:solidFill>
+                <a:latin typeface="+mn-lt"/>
+                <a:ea typeface="+mn-ea"/>
+                <a:cs typeface="+mn-cs"/>
+              </a:defRPr>
+            </a:lvl7pPr>
+            <a:lvl8pPr marL="3429000" indent="-228600" algn="l" defTabSz="914400" rtl="0" eaLnBrk="1" latinLnBrk="0" hangingPunct="1">
+              <a:lnSpc>
+                <a:spcPct val="90000"/>
+              </a:lnSpc>
+              <a:spcBef>
+                <a:spcPts val="500"/>
+              </a:spcBef>
+              <a:buFont typeface="Arial" panose="020B0604020202020204" pitchFamily="34" charset="0"/>
+              <a:buChar char="•"/>
+              <a:defRPr sz="1800" kern="1200">
+                <a:solidFill>
+                  <a:schemeClr val="tx1"/>
+                </a:solidFill>
+                <a:latin typeface="+mn-lt"/>
+                <a:ea typeface="+mn-ea"/>
+                <a:cs typeface="+mn-cs"/>
+              </a:defRPr>
+            </a:lvl8pPr>
+            <a:lvl9pPr marL="3886200" indent="-228600" algn="l" defTabSz="914400" rtl="0" eaLnBrk="1" latinLnBrk="0" hangingPunct="1">
+              <a:lnSpc>
+                <a:spcPct val="90000"/>
+              </a:lnSpc>
+              <a:spcBef>
+                <a:spcPts val="500"/>
+              </a:spcBef>
+              <a:buFont typeface="Arial" panose="020B0604020202020204" pitchFamily="34" charset="0"/>
+              <a:buChar char="•"/>
+              <a:defRPr sz="1800" kern="1200">
+                <a:solidFill>
+                  <a:schemeClr val="tx1"/>
+                </a:solidFill>
+                <a:latin typeface="+mn-lt"/>
+                <a:ea typeface="+mn-ea"/>
+                <a:cs typeface="+mn-cs"/>
+              </a:defRPr>
+            </a:lvl9pPr>
+          </a:lstStyle>
+          <a:p>
+            <a:r>
+              <a:rPr lang="de-DE"/>
+              <a:t>Improved Typechecking</a:t>
+            </a:r>
+          </a:p>
+          <a:p>
+            <a:endParaRPr lang="de-DE"/>
+          </a:p>
+          <a:p>
+            <a:r>
+              <a:rPr lang="en-GB"/>
+              <a:t>Optionals</a:t>
+            </a:r>
+          </a:p>
+          <a:p>
+            <a:endParaRPr lang="en-GB"/>
+          </a:p>
+          <a:p>
+            <a:r>
+              <a:rPr lang="de-DE"/>
+              <a:t>Named Tupels as a shortcut for classes</a:t>
+            </a:r>
+            <a:endParaRPr lang="en-GB"/>
+          </a:p>
+          <a:p>
+            <a:endParaRPr lang="en-GB"/>
+          </a:p>
+          <a:p>
+            <a:r>
+              <a:rPr lang="en-GB"/>
+              <a:t>Code Inclusion</a:t>
+            </a:r>
+          </a:p>
+          <a:p>
+            <a:endParaRPr lang="en-GB"/>
+          </a:p>
+          <a:p>
+            <a:r>
+              <a:rPr lang="en-GB"/>
+              <a:t>Well Structured Output</a:t>
+            </a:r>
+          </a:p>
+          <a:p>
+            <a:endParaRPr lang="en-GB"/>
+          </a:p>
+          <a:p>
+            <a:r>
+              <a:rPr lang="en-GB"/>
+              <a:t>Predefined libraries</a:t>
+            </a:r>
+          </a:p>
+          <a:p>
+            <a:pPr lvl="1"/>
+            <a:r>
+              <a:rPr lang="en-GB"/>
+              <a:t>Map/Reduce </a:t>
+            </a:r>
+          </a:p>
+          <a:p>
+            <a:endParaRPr lang="en-GB"/>
+          </a:p>
+          <a:p>
+            <a:r>
+              <a:rPr lang="en-GB"/>
+              <a:t>More Parallel Execution</a:t>
+            </a:r>
+          </a:p>
+          <a:p>
+            <a:pPr lvl="1"/>
+            <a:r>
+              <a:rPr lang="en-GB"/>
+              <a:t>Loop Parallelization</a:t>
+            </a:r>
+          </a:p>
+          <a:p>
+            <a:pPr lvl="1"/>
+            <a:r>
+              <a:rPr lang="en-GB"/>
+              <a:t>GPU Support</a:t>
+            </a:r>
+          </a:p>
+          <a:p>
+            <a:pPr lvl="1"/>
+            <a:endParaRPr lang="en-GB" dirty="0"/>
+          </a:p>
+        </p:txBody>
+      </p:sp>
+      <p:grpSp>
+        <p:nvGrpSpPr>
+          <p:cNvPr id="11" name="Gruppieren 10">
+            <a:extLst>
+              <a:ext uri="{FF2B5EF4-FFF2-40B4-BE49-F238E27FC236}">
+                <a16:creationId xmlns:a16="http://schemas.microsoft.com/office/drawing/2014/main" id="{1FF1207A-F475-4AC9-AB84-BA1DABD3D92A}"/>
+              </a:ext>
+            </a:extLst>
+          </p:cNvPr>
+          <p:cNvGrpSpPr/>
+          <p:nvPr/>
+        </p:nvGrpSpPr>
+        <p:grpSpPr>
+          <a:xfrm>
+            <a:off x="4447738" y="1236030"/>
+            <a:ext cx="7420262" cy="3842852"/>
+            <a:chOff x="1247387" y="2028085"/>
+            <a:chExt cx="6071999" cy="2488488"/>
+          </a:xfrm>
+        </p:grpSpPr>
+        <p:sp>
+          <p:nvSpPr>
+            <p:cNvPr id="12" name="Text Box 3">
+              <a:extLst>
+                <a:ext uri="{FF2B5EF4-FFF2-40B4-BE49-F238E27FC236}">
+                  <a16:creationId xmlns:a16="http://schemas.microsoft.com/office/drawing/2014/main" id="{33E78C5C-59B7-4E3C-BE24-2EC7DCFF514D}"/>
+                </a:ext>
+              </a:extLst>
+            </p:cNvPr>
+            <p:cNvSpPr txBox="1">
+              <a:spLocks noChangeArrowheads="1"/>
+            </p:cNvSpPr>
+            <p:nvPr/>
+          </p:nvSpPr>
+          <p:spPr bwMode="auto">
+            <a:xfrm>
+              <a:off x="1750625" y="2523864"/>
+              <a:ext cx="4887449" cy="1992709"/>
+            </a:xfrm>
+            <a:prstGeom prst="rect">
+              <a:avLst/>
+            </a:prstGeom>
+            <a:noFill/>
+            <a:ln w="9525">
+              <a:solidFill>
+                <a:schemeClr val="tx1"/>
+              </a:solidFill>
+              <a:miter lim="800000"/>
+              <a:headEnd/>
+              <a:tailEnd/>
+            </a:ln>
+            <a:effectLst/>
+          </p:spPr>
+          <p:txBody>
+            <a:bodyPr wrap="square">
+              <a:spAutoFit/>
+            </a:bodyPr>
+            <a:lstStyle/>
+            <a:p>
+              <a:r>
+                <a:rPr lang="en-US" b="1" dirty="0">
+                  <a:latin typeface="Courier New" pitchFamily="49" charset="0"/>
+                  <a:cs typeface="Courier New" pitchFamily="49" charset="0"/>
+                </a:rPr>
+                <a:t>std::vector&lt;int32_t&gt; foo(int32_t Param1) {</a:t>
+              </a:r>
+            </a:p>
+            <a:p>
+              <a:r>
+                <a:rPr lang="en-US" b="1" dirty="0">
+                  <a:latin typeface="Courier New" pitchFamily="49" charset="0"/>
+                  <a:cs typeface="Courier New" pitchFamily="49" charset="0"/>
+                </a:rPr>
+                <a:t>std::vector&lt;int32_t&gt; res {};</a:t>
+              </a:r>
+            </a:p>
+            <a:p>
+              <a:r>
+                <a:rPr lang="en-US" b="1" dirty="0">
+                  <a:latin typeface="Courier New" pitchFamily="49" charset="0"/>
+                  <a:cs typeface="Courier New" pitchFamily="49" charset="0"/>
+                </a:rPr>
+                <a:t>while ( Param1 &lt; 42 ) {</a:t>
+              </a:r>
+            </a:p>
+            <a:p>
+              <a:r>
+                <a:rPr lang="en-US" b="1" dirty="0" err="1">
+                  <a:latin typeface="Courier New" pitchFamily="49" charset="0"/>
+                  <a:cs typeface="Courier New" pitchFamily="49" charset="0"/>
+                </a:rPr>
+                <a:t>concat</a:t>
+              </a:r>
+              <a:r>
+                <a:rPr lang="en-US" b="1" dirty="0">
+                  <a:latin typeface="Courier New" pitchFamily="49" charset="0"/>
+                  <a:cs typeface="Courier New" pitchFamily="49" charset="0"/>
+                </a:rPr>
+                <a:t>(res = res, {Param1});</a:t>
+              </a:r>
+            </a:p>
+            <a:p>
+              <a:r>
+                <a:rPr lang="en-US" b="1" dirty="0">
+                  <a:latin typeface="Courier New" pitchFamily="49" charset="0"/>
+                  <a:cs typeface="Courier New" pitchFamily="49" charset="0"/>
+                </a:rPr>
+                <a:t>Param1++;</a:t>
+              </a:r>
+            </a:p>
+            <a:p>
+              <a:r>
+                <a:rPr lang="en-US" b="1" dirty="0">
+                  <a:latin typeface="Courier New" pitchFamily="49" charset="0"/>
+                  <a:cs typeface="Courier New" pitchFamily="49" charset="0"/>
+                </a:rPr>
+                <a:t>}</a:t>
+              </a:r>
+            </a:p>
+            <a:p>
+              <a:r>
+                <a:rPr lang="en-US" b="1" dirty="0">
+                  <a:latin typeface="Courier New" pitchFamily="49" charset="0"/>
+                  <a:cs typeface="Courier New" pitchFamily="49" charset="0"/>
+                </a:rPr>
+                <a:t>for(auto </a:t>
+              </a:r>
+              <a:r>
+                <a:rPr lang="en-US" b="1" dirty="0" err="1">
+                  <a:latin typeface="Courier New" pitchFamily="49" charset="0"/>
+                  <a:cs typeface="Courier New" pitchFamily="49" charset="0"/>
+                </a:rPr>
+                <a:t>i</a:t>
+              </a:r>
+              <a:r>
+                <a:rPr lang="en-US" b="1" dirty="0">
+                  <a:latin typeface="Courier New" pitchFamily="49" charset="0"/>
+                  <a:cs typeface="Courier New" pitchFamily="49" charset="0"/>
+                </a:rPr>
+                <a:t> : res) {</a:t>
+              </a:r>
+            </a:p>
+            <a:p>
+              <a:r>
+                <a:rPr lang="en-US" b="1" dirty="0" err="1">
+                  <a:latin typeface="Courier New" pitchFamily="49" charset="0"/>
+                  <a:cs typeface="Courier New" pitchFamily="49" charset="0"/>
+                </a:rPr>
+                <a:t>i</a:t>
+              </a:r>
+              <a:r>
+                <a:rPr lang="en-US" b="1" dirty="0">
+                  <a:latin typeface="Courier New" pitchFamily="49" charset="0"/>
+                  <a:cs typeface="Courier New" pitchFamily="49" charset="0"/>
+                </a:rPr>
+                <a:t>++;</a:t>
+              </a:r>
+            </a:p>
+            <a:p>
+              <a:r>
+                <a:rPr lang="en-US" b="1" dirty="0">
+                  <a:latin typeface="Courier New" pitchFamily="49" charset="0"/>
+                  <a:cs typeface="Courier New" pitchFamily="49" charset="0"/>
+                </a:rPr>
+                <a:t>}</a:t>
+              </a:r>
+            </a:p>
+            <a:p>
+              <a:r>
+                <a:rPr lang="en-US" b="1" dirty="0">
+                  <a:latin typeface="Courier New" pitchFamily="49" charset="0"/>
+                  <a:cs typeface="Courier New" pitchFamily="49" charset="0"/>
+                </a:rPr>
+                <a:t>return res ;</a:t>
+              </a:r>
+            </a:p>
+            <a:p>
+              <a:r>
+                <a:rPr lang="en-US" b="1" dirty="0">
+                  <a:latin typeface="Courier New" pitchFamily="49" charset="0"/>
+                  <a:cs typeface="Courier New" pitchFamily="49" charset="0"/>
+                </a:rPr>
+                <a:t>}</a:t>
+              </a:r>
+            </a:p>
+          </p:txBody>
+        </p:sp>
+        <p:sp>
+          <p:nvSpPr>
+            <p:cNvPr id="13" name="Text Box 6">
+              <a:extLst>
+                <a:ext uri="{FF2B5EF4-FFF2-40B4-BE49-F238E27FC236}">
+                  <a16:creationId xmlns:a16="http://schemas.microsoft.com/office/drawing/2014/main" id="{DC7605D4-123D-4B97-AC17-8B9391B6D9E2}"/>
+                </a:ext>
+              </a:extLst>
+            </p:cNvPr>
+            <p:cNvSpPr txBox="1">
+              <a:spLocks noChangeArrowheads="1"/>
+            </p:cNvSpPr>
+            <p:nvPr/>
+          </p:nvSpPr>
+          <p:spPr bwMode="auto">
+            <a:xfrm>
+              <a:off x="1247387" y="2523864"/>
+              <a:ext cx="503238" cy="1831138"/>
+            </a:xfrm>
+            <a:prstGeom prst="rect">
+              <a:avLst/>
+            </a:prstGeom>
+            <a:noFill/>
+            <a:ln w="9525">
+              <a:noFill/>
+              <a:miter lim="800000"/>
+              <a:headEnd/>
+              <a:tailEnd/>
+            </a:ln>
+            <a:effectLst/>
+          </p:spPr>
+          <p:txBody>
+            <a:bodyPr>
+              <a:spAutoFit/>
+            </a:bodyPr>
+            <a:lstStyle/>
+            <a:p>
+              <a:pPr algn="r"/>
+              <a:r>
+                <a:rPr lang="en-US" sz="1800" dirty="0"/>
+                <a:t>1</a:t>
+              </a:r>
+            </a:p>
+            <a:p>
+              <a:pPr algn="r"/>
+              <a:r>
+                <a:rPr lang="en-US" sz="1800" dirty="0"/>
+                <a:t>2</a:t>
+              </a:r>
+            </a:p>
+            <a:p>
+              <a:pPr algn="r"/>
+              <a:r>
+                <a:rPr lang="en-US" sz="1800" dirty="0"/>
+                <a:t>3</a:t>
+              </a:r>
+            </a:p>
+            <a:p>
+              <a:pPr algn="r"/>
+              <a:r>
+                <a:rPr lang="en-US" sz="1800" dirty="0"/>
+                <a:t>4</a:t>
+              </a:r>
+            </a:p>
+            <a:p>
+              <a:pPr algn="r"/>
+              <a:r>
+                <a:rPr lang="en-US" sz="1800" dirty="0"/>
+                <a:t>5</a:t>
+              </a:r>
+            </a:p>
+            <a:p>
+              <a:pPr algn="r"/>
+              <a:r>
+                <a:rPr lang="en-US" dirty="0"/>
+                <a:t>6</a:t>
+              </a:r>
+            </a:p>
+            <a:p>
+              <a:pPr algn="r"/>
+              <a:r>
+                <a:rPr lang="en-US" sz="1800" dirty="0"/>
+                <a:t>7</a:t>
+              </a:r>
+            </a:p>
+            <a:p>
+              <a:pPr algn="r"/>
+              <a:r>
+                <a:rPr lang="en-US" dirty="0"/>
+                <a:t>8</a:t>
+              </a:r>
+            </a:p>
+            <a:p>
+              <a:pPr algn="r"/>
+              <a:r>
+                <a:rPr lang="en-US" sz="1800" dirty="0"/>
+                <a:t>9</a:t>
+              </a:r>
+            </a:p>
+            <a:p>
+              <a:pPr algn="r"/>
+              <a:r>
+                <a:rPr lang="en-US" dirty="0"/>
+                <a:t>10</a:t>
+              </a:r>
+            </a:p>
+            <a:p>
+              <a:pPr algn="r"/>
+              <a:r>
+                <a:rPr lang="en-US" sz="1800" dirty="0"/>
+                <a:t>11</a:t>
+              </a:r>
+            </a:p>
+          </p:txBody>
+        </p:sp>
+        <p:sp>
+          <p:nvSpPr>
+            <p:cNvPr id="14" name="AutoShape 40">
+              <a:extLst>
+                <a:ext uri="{FF2B5EF4-FFF2-40B4-BE49-F238E27FC236}">
+                  <a16:creationId xmlns:a16="http://schemas.microsoft.com/office/drawing/2014/main" id="{3D2B1175-F1F6-4C15-B080-C0DBA8969ED7}"/>
+                </a:ext>
+              </a:extLst>
+            </p:cNvPr>
+            <p:cNvSpPr>
+              <a:spLocks noChangeArrowheads="1"/>
+            </p:cNvSpPr>
+            <p:nvPr/>
+          </p:nvSpPr>
+          <p:spPr bwMode="auto">
+            <a:xfrm flipV="1">
+              <a:off x="6397946" y="2028085"/>
+              <a:ext cx="921440" cy="307777"/>
+            </a:xfrm>
+            <a:prstGeom prst="foldedCorner">
+              <a:avLst>
+                <a:gd name="adj" fmla="val 27606"/>
+              </a:avLst>
+            </a:prstGeom>
+            <a:solidFill>
+              <a:srgbClr val="FFFFFF"/>
+            </a:solidFill>
+            <a:ln w="9525">
+              <a:solidFill>
+                <a:srgbClr val="000000"/>
+              </a:solidFill>
+              <a:round/>
+              <a:headEnd/>
+              <a:tailEnd/>
+            </a:ln>
+          </p:spPr>
+          <p:txBody>
+            <a:bodyPr rot="10800000" wrap="none" anchor="ctr" anchorCtr="1"/>
+            <a:lstStyle/>
+            <a:p>
+              <a:pPr marL="0" marR="0" lvl="0" indent="0" algn="l" defTabSz="914400" rtl="0" eaLnBrk="0" fontAlgn="auto" latinLnBrk="0" hangingPunct="0">
+                <a:lnSpc>
+                  <a:spcPct val="70000"/>
+                </a:lnSpc>
+                <a:spcBef>
+                  <a:spcPts val="0"/>
+                </a:spcBef>
+                <a:spcAft>
+                  <a:spcPts val="0"/>
+                </a:spcAft>
+                <a:buClrTx/>
+                <a:buSzTx/>
+                <a:buFontTx/>
+                <a:buNone/>
+                <a:tabLst/>
+                <a:defRPr/>
+              </a:pPr>
+              <a:r>
+                <a:rPr kumimoji="0" lang="en-US" altLang="de-DE" sz="1600" b="0" i="0" u="none" strike="noStrike" kern="1200" cap="none" spc="0" normalizeH="0" baseline="0" dirty="0" err="1">
+                  <a:ln>
+                    <a:noFill/>
+                  </a:ln>
+                  <a:solidFill>
+                    <a:srgbClr val="000000"/>
+                  </a:solidFill>
+                  <a:effectLst/>
+                  <a:uLnTx/>
+                  <a:uFillTx/>
+                  <a:latin typeface="Arial"/>
+                  <a:ea typeface="+mn-ea"/>
+                  <a:cs typeface="+mn-cs"/>
+                </a:rPr>
+                <a:t>PureFun</a:t>
+              </a:r>
+              <a:endParaRPr kumimoji="0" lang="en-US" altLang="de-DE" sz="1600" b="0" i="0" u="none" strike="noStrike" kern="1200" cap="none" spc="0" normalizeH="0" baseline="0" dirty="0">
+                <a:ln>
+                  <a:noFill/>
+                </a:ln>
+                <a:solidFill>
+                  <a:srgbClr val="000000"/>
+                </a:solidFill>
+                <a:effectLst/>
+                <a:uLnTx/>
+                <a:uFillTx/>
+                <a:latin typeface="Arial"/>
+                <a:ea typeface="+mn-ea"/>
+                <a:cs typeface="+mn-cs"/>
+              </a:endParaRPr>
+            </a:p>
+          </p:txBody>
+        </p:sp>
+        <p:sp>
+          <p:nvSpPr>
+            <p:cNvPr id="15" name="Rechteck 14">
+              <a:extLst>
+                <a:ext uri="{FF2B5EF4-FFF2-40B4-BE49-F238E27FC236}">
+                  <a16:creationId xmlns:a16="http://schemas.microsoft.com/office/drawing/2014/main" id="{CB6C4EE2-D898-4166-A225-82C10E53AFF4}"/>
                 </a:ext>
               </a:extLst>
             </p:cNvPr>
@@ -9356,6 +10146,678 @@
   <p:clrMapOvr>
     <a:masterClrMapping/>
   </p:clrMapOvr>
+  <p:timing>
+    <p:tnLst>
+      <p:par>
+        <p:cTn id="1" dur="indefinite" restart="never" nodeType="tmRoot">
+          <p:childTnLst>
+            <p:seq concurrent="1" nextAc="seek">
+              <p:cTn id="2" dur="indefinite" nodeType="mainSeq">
+                <p:childTnLst>
+                  <p:par>
+                    <p:cTn id="3" fill="hold">
+                      <p:stCondLst>
+                        <p:cond delay="indefinite"/>
+                      </p:stCondLst>
+                      <p:childTnLst>
+                        <p:par>
+                          <p:cTn id="4" fill="hold">
+                            <p:stCondLst>
+                              <p:cond delay="0"/>
+                            </p:stCondLst>
+                            <p:childTnLst>
+                              <p:par>
+                                <p:cTn id="5" presetID="1" presetClass="entr" presetSubtype="0" fill="hold" grpId="0" nodeType="clickEffect">
+                                  <p:stCondLst>
+                                    <p:cond delay="0"/>
+                                  </p:stCondLst>
+                                  <p:childTnLst>
+                                    <p:set>
+                                      <p:cBhvr>
+                                        <p:cTn id="6" dur="1" fill="hold">
+                                          <p:stCondLst>
+                                            <p:cond delay="0"/>
+                                          </p:stCondLst>
+                                        </p:cTn>
+                                        <p:tgtEl>
+                                          <p:spTgt spid="35"/>
+                                        </p:tgtEl>
+                                        <p:attrNameLst>
+                                          <p:attrName>style.visibility</p:attrName>
+                                        </p:attrNameLst>
+                                      </p:cBhvr>
+                                      <p:to>
+                                        <p:strVal val="visible"/>
+                                      </p:to>
+                                    </p:set>
+                                  </p:childTnLst>
+                                </p:cTn>
+                              </p:par>
+                              <p:par>
+                                <p:cTn id="7" presetID="1" presetClass="entr" presetSubtype="0" fill="hold" nodeType="withEffect">
+                                  <p:stCondLst>
+                                    <p:cond delay="0"/>
+                                  </p:stCondLst>
+                                  <p:childTnLst>
+                                    <p:set>
+                                      <p:cBhvr>
+                                        <p:cTn id="8" dur="1" fill="hold">
+                                          <p:stCondLst>
+                                            <p:cond delay="0"/>
+                                          </p:stCondLst>
+                                        </p:cTn>
+                                        <p:tgtEl>
+                                          <p:spTgt spid="37"/>
+                                        </p:tgtEl>
+                                        <p:attrNameLst>
+                                          <p:attrName>style.visibility</p:attrName>
+                                        </p:attrNameLst>
+                                      </p:cBhvr>
+                                      <p:to>
+                                        <p:strVal val="visible"/>
+                                      </p:to>
+                                    </p:set>
+                                  </p:childTnLst>
+                                </p:cTn>
+                              </p:par>
+                              <p:par>
+                                <p:cTn id="9" presetID="1" presetClass="entr" presetSubtype="0" fill="hold" grpId="0" nodeType="withEffect">
+                                  <p:stCondLst>
+                                    <p:cond delay="0"/>
+                                  </p:stCondLst>
+                                  <p:childTnLst>
+                                    <p:set>
+                                      <p:cBhvr>
+                                        <p:cTn id="10" dur="1" fill="hold">
+                                          <p:stCondLst>
+                                            <p:cond delay="0"/>
+                                          </p:stCondLst>
+                                        </p:cTn>
+                                        <p:tgtEl>
+                                          <p:spTgt spid="15"/>
+                                        </p:tgtEl>
+                                        <p:attrNameLst>
+                                          <p:attrName>style.visibility</p:attrName>
+                                        </p:attrNameLst>
+                                      </p:cBhvr>
+                                      <p:to>
+                                        <p:strVal val="visible"/>
+                                      </p:to>
+                                    </p:set>
+                                  </p:childTnLst>
+                                </p:cTn>
+                              </p:par>
+                              <p:par>
+                                <p:cTn id="11" presetID="1" presetClass="entr" presetSubtype="0" fill="hold" nodeType="withEffect">
+                                  <p:stCondLst>
+                                    <p:cond delay="0"/>
+                                  </p:stCondLst>
+                                  <p:childTnLst>
+                                    <p:set>
+                                      <p:cBhvr>
+                                        <p:cTn id="12" dur="1" fill="hold">
+                                          <p:stCondLst>
+                                            <p:cond delay="0"/>
+                                          </p:stCondLst>
+                                        </p:cTn>
+                                        <p:tgtEl>
+                                          <p:spTgt spid="20"/>
+                                        </p:tgtEl>
+                                        <p:attrNameLst>
+                                          <p:attrName>style.visibility</p:attrName>
+                                        </p:attrNameLst>
+                                      </p:cBhvr>
+                                      <p:to>
+                                        <p:strVal val="visible"/>
+                                      </p:to>
+                                    </p:set>
+                                  </p:childTnLst>
+                                </p:cTn>
+                              </p:par>
+                              <p:par>
+                                <p:cTn id="13" presetID="1" presetClass="entr" presetSubtype="0" fill="hold" grpId="0" nodeType="withEffect">
+                                  <p:stCondLst>
+                                    <p:cond delay="0"/>
+                                  </p:stCondLst>
+                                  <p:childTnLst>
+                                    <p:set>
+                                      <p:cBhvr>
+                                        <p:cTn id="14" dur="1" fill="hold">
+                                          <p:stCondLst>
+                                            <p:cond delay="0"/>
+                                          </p:stCondLst>
+                                        </p:cTn>
+                                        <p:tgtEl>
+                                          <p:spTgt spid="21"/>
+                                        </p:tgtEl>
+                                        <p:attrNameLst>
+                                          <p:attrName>style.visibility</p:attrName>
+                                        </p:attrNameLst>
+                                      </p:cBhvr>
+                                      <p:to>
+                                        <p:strVal val="visible"/>
+                                      </p:to>
+                                    </p:set>
+                                  </p:childTnLst>
+                                </p:cTn>
+                              </p:par>
+                              <p:par>
+                                <p:cTn id="15" presetID="1" presetClass="entr" presetSubtype="0" fill="hold" nodeType="withEffect">
+                                  <p:stCondLst>
+                                    <p:cond delay="0"/>
+                                  </p:stCondLst>
+                                  <p:childTnLst>
+                                    <p:set>
+                                      <p:cBhvr>
+                                        <p:cTn id="16" dur="1" fill="hold">
+                                          <p:stCondLst>
+                                            <p:cond delay="0"/>
+                                          </p:stCondLst>
+                                        </p:cTn>
+                                        <p:tgtEl>
+                                          <p:spTgt spid="26"/>
+                                        </p:tgtEl>
+                                        <p:attrNameLst>
+                                          <p:attrName>style.visibility</p:attrName>
+                                        </p:attrNameLst>
+                                      </p:cBhvr>
+                                      <p:to>
+                                        <p:strVal val="visible"/>
+                                      </p:to>
+                                    </p:set>
+                                  </p:childTnLst>
+                                </p:cTn>
+                              </p:par>
+                            </p:childTnLst>
+                          </p:cTn>
+                        </p:par>
+                      </p:childTnLst>
+                    </p:cTn>
+                  </p:par>
+                  <p:par>
+                    <p:cTn id="17" fill="hold">
+                      <p:stCondLst>
+                        <p:cond delay="indefinite"/>
+                      </p:stCondLst>
+                      <p:childTnLst>
+                        <p:par>
+                          <p:cTn id="18" fill="hold">
+                            <p:stCondLst>
+                              <p:cond delay="0"/>
+                            </p:stCondLst>
+                            <p:childTnLst>
+                              <p:par>
+                                <p:cTn id="19" presetID="1" presetClass="entr" presetSubtype="0" fill="hold" grpId="0" nodeType="clickEffect">
+                                  <p:stCondLst>
+                                    <p:cond delay="0"/>
+                                  </p:stCondLst>
+                                  <p:childTnLst>
+                                    <p:set>
+                                      <p:cBhvr>
+                                        <p:cTn id="20" dur="1" fill="hold">
+                                          <p:stCondLst>
+                                            <p:cond delay="0"/>
+                                          </p:stCondLst>
+                                        </p:cTn>
+                                        <p:tgtEl>
+                                          <p:spTgt spid="24"/>
+                                        </p:tgtEl>
+                                        <p:attrNameLst>
+                                          <p:attrName>style.visibility</p:attrName>
+                                        </p:attrNameLst>
+                                      </p:cBhvr>
+                                      <p:to>
+                                        <p:strVal val="visible"/>
+                                      </p:to>
+                                    </p:set>
+                                  </p:childTnLst>
+                                </p:cTn>
+                              </p:par>
+                              <p:par>
+                                <p:cTn id="21" presetID="1" presetClass="entr" presetSubtype="0" fill="hold" nodeType="withEffect">
+                                  <p:stCondLst>
+                                    <p:cond delay="0"/>
+                                  </p:stCondLst>
+                                  <p:childTnLst>
+                                    <p:set>
+                                      <p:cBhvr>
+                                        <p:cTn id="22" dur="1" fill="hold">
+                                          <p:stCondLst>
+                                            <p:cond delay="0"/>
+                                          </p:stCondLst>
+                                        </p:cTn>
+                                        <p:tgtEl>
+                                          <p:spTgt spid="32"/>
+                                        </p:tgtEl>
+                                        <p:attrNameLst>
+                                          <p:attrName>style.visibility</p:attrName>
+                                        </p:attrNameLst>
+                                      </p:cBhvr>
+                                      <p:to>
+                                        <p:strVal val="visible"/>
+                                      </p:to>
+                                    </p:set>
+                                  </p:childTnLst>
+                                </p:cTn>
+                              </p:par>
+                            </p:childTnLst>
+                          </p:cTn>
+                        </p:par>
+                      </p:childTnLst>
+                    </p:cTn>
+                  </p:par>
+                  <p:par>
+                    <p:cTn id="23" fill="hold">
+                      <p:stCondLst>
+                        <p:cond delay="indefinite"/>
+                      </p:stCondLst>
+                      <p:childTnLst>
+                        <p:par>
+                          <p:cTn id="24" fill="hold">
+                            <p:stCondLst>
+                              <p:cond delay="0"/>
+                            </p:stCondLst>
+                            <p:childTnLst>
+                              <p:par>
+                                <p:cTn id="25" presetID="1" presetClass="entr" presetSubtype="0" fill="hold" grpId="0" nodeType="clickEffect">
+                                  <p:stCondLst>
+                                    <p:cond delay="0"/>
+                                  </p:stCondLst>
+                                  <p:childTnLst>
+                                    <p:set>
+                                      <p:cBhvr>
+                                        <p:cTn id="26" dur="1" fill="hold">
+                                          <p:stCondLst>
+                                            <p:cond delay="0"/>
+                                          </p:stCondLst>
+                                        </p:cTn>
+                                        <p:tgtEl>
+                                          <p:spTgt spid="48"/>
+                                        </p:tgtEl>
+                                        <p:attrNameLst>
+                                          <p:attrName>style.visibility</p:attrName>
+                                        </p:attrNameLst>
+                                      </p:cBhvr>
+                                      <p:to>
+                                        <p:strVal val="visible"/>
+                                      </p:to>
+                                    </p:set>
+                                  </p:childTnLst>
+                                </p:cTn>
+                              </p:par>
+                              <p:par>
+                                <p:cTn id="27" presetID="1" presetClass="entr" presetSubtype="0" fill="hold" nodeType="withEffect">
+                                  <p:stCondLst>
+                                    <p:cond delay="0"/>
+                                  </p:stCondLst>
+                                  <p:childTnLst>
+                                    <p:set>
+                                      <p:cBhvr>
+                                        <p:cTn id="28" dur="1" fill="hold">
+                                          <p:stCondLst>
+                                            <p:cond delay="0"/>
+                                          </p:stCondLst>
+                                        </p:cTn>
+                                        <p:tgtEl>
+                                          <p:spTgt spid="49"/>
+                                        </p:tgtEl>
+                                        <p:attrNameLst>
+                                          <p:attrName>style.visibility</p:attrName>
+                                        </p:attrNameLst>
+                                      </p:cBhvr>
+                                      <p:to>
+                                        <p:strVal val="visible"/>
+                                      </p:to>
+                                    </p:set>
+                                  </p:childTnLst>
+                                </p:cTn>
+                              </p:par>
+                              <p:par>
+                                <p:cTn id="29" presetID="1" presetClass="entr" presetSubtype="0" fill="hold" grpId="0" nodeType="withEffect">
+                                  <p:stCondLst>
+                                    <p:cond delay="0"/>
+                                  </p:stCondLst>
+                                  <p:childTnLst>
+                                    <p:set>
+                                      <p:cBhvr>
+                                        <p:cTn id="30" dur="1" fill="hold">
+                                          <p:stCondLst>
+                                            <p:cond delay="0"/>
+                                          </p:stCondLst>
+                                        </p:cTn>
+                                        <p:tgtEl>
+                                          <p:spTgt spid="50"/>
+                                        </p:tgtEl>
+                                        <p:attrNameLst>
+                                          <p:attrName>style.visibility</p:attrName>
+                                        </p:attrNameLst>
+                                      </p:cBhvr>
+                                      <p:to>
+                                        <p:strVal val="visible"/>
+                                      </p:to>
+                                    </p:set>
+                                  </p:childTnLst>
+                                </p:cTn>
+                              </p:par>
+                              <p:par>
+                                <p:cTn id="31" presetID="1" presetClass="entr" presetSubtype="0" fill="hold" nodeType="withEffect">
+                                  <p:stCondLst>
+                                    <p:cond delay="0"/>
+                                  </p:stCondLst>
+                                  <p:childTnLst>
+                                    <p:set>
+                                      <p:cBhvr>
+                                        <p:cTn id="32" dur="1" fill="hold">
+                                          <p:stCondLst>
+                                            <p:cond delay="0"/>
+                                          </p:stCondLst>
+                                        </p:cTn>
+                                        <p:tgtEl>
+                                          <p:spTgt spid="51"/>
+                                        </p:tgtEl>
+                                        <p:attrNameLst>
+                                          <p:attrName>style.visibility</p:attrName>
+                                        </p:attrNameLst>
+                                      </p:cBhvr>
+                                      <p:to>
+                                        <p:strVal val="visible"/>
+                                      </p:to>
+                                    </p:set>
+                                  </p:childTnLst>
+                                </p:cTn>
+                              </p:par>
+                            </p:childTnLst>
+                          </p:cTn>
+                        </p:par>
+                      </p:childTnLst>
+                    </p:cTn>
+                  </p:par>
+                  <p:par>
+                    <p:cTn id="33" fill="hold">
+                      <p:stCondLst>
+                        <p:cond delay="indefinite"/>
+                      </p:stCondLst>
+                      <p:childTnLst>
+                        <p:par>
+                          <p:cTn id="34" fill="hold">
+                            <p:stCondLst>
+                              <p:cond delay="0"/>
+                            </p:stCondLst>
+                            <p:childTnLst>
+                              <p:par>
+                                <p:cTn id="35" presetID="1" presetClass="entr" presetSubtype="0" fill="hold" nodeType="clickEffect">
+                                  <p:stCondLst>
+                                    <p:cond delay="0"/>
+                                  </p:stCondLst>
+                                  <p:childTnLst>
+                                    <p:set>
+                                      <p:cBhvr>
+                                        <p:cTn id="36" dur="1" fill="hold">
+                                          <p:stCondLst>
+                                            <p:cond delay="0"/>
+                                          </p:stCondLst>
+                                        </p:cTn>
+                                        <p:tgtEl>
+                                          <p:spTgt spid="42"/>
+                                        </p:tgtEl>
+                                        <p:attrNameLst>
+                                          <p:attrName>style.visibility</p:attrName>
+                                        </p:attrNameLst>
+                                      </p:cBhvr>
+                                      <p:to>
+                                        <p:strVal val="visible"/>
+                                      </p:to>
+                                    </p:set>
+                                  </p:childTnLst>
+                                </p:cTn>
+                              </p:par>
+                              <p:par>
+                                <p:cTn id="37" presetID="1" presetClass="entr" presetSubtype="0" fill="hold" nodeType="withEffect">
+                                  <p:stCondLst>
+                                    <p:cond delay="0"/>
+                                  </p:stCondLst>
+                                  <p:childTnLst>
+                                    <p:set>
+                                      <p:cBhvr>
+                                        <p:cTn id="38" dur="1" fill="hold">
+                                          <p:stCondLst>
+                                            <p:cond delay="0"/>
+                                          </p:stCondLst>
+                                        </p:cTn>
+                                        <p:tgtEl>
+                                          <p:spTgt spid="44"/>
+                                        </p:tgtEl>
+                                        <p:attrNameLst>
+                                          <p:attrName>style.visibility</p:attrName>
+                                        </p:attrNameLst>
+                                      </p:cBhvr>
+                                      <p:to>
+                                        <p:strVal val="visible"/>
+                                      </p:to>
+                                    </p:set>
+                                  </p:childTnLst>
+                                </p:cTn>
+                              </p:par>
+                              <p:par>
+                                <p:cTn id="39" presetID="1" presetClass="entr" presetSubtype="0" fill="hold" grpId="0" nodeType="withEffect">
+                                  <p:stCondLst>
+                                    <p:cond delay="0"/>
+                                  </p:stCondLst>
+                                  <p:childTnLst>
+                                    <p:set>
+                                      <p:cBhvr>
+                                        <p:cTn id="40" dur="1" fill="hold">
+                                          <p:stCondLst>
+                                            <p:cond delay="0"/>
+                                          </p:stCondLst>
+                                        </p:cTn>
+                                        <p:tgtEl>
+                                          <p:spTgt spid="43"/>
+                                        </p:tgtEl>
+                                        <p:attrNameLst>
+                                          <p:attrName>style.visibility</p:attrName>
+                                        </p:attrNameLst>
+                                      </p:cBhvr>
+                                      <p:to>
+                                        <p:strVal val="visible"/>
+                                      </p:to>
+                                    </p:set>
+                                  </p:childTnLst>
+                                </p:cTn>
+                              </p:par>
+                              <p:par>
+                                <p:cTn id="41" presetID="1" presetClass="entr" presetSubtype="0" fill="hold" grpId="0" nodeType="withEffect">
+                                  <p:stCondLst>
+                                    <p:cond delay="0"/>
+                                  </p:stCondLst>
+                                  <p:childTnLst>
+                                    <p:set>
+                                      <p:cBhvr>
+                                        <p:cTn id="42" dur="1" fill="hold">
+                                          <p:stCondLst>
+                                            <p:cond delay="0"/>
+                                          </p:stCondLst>
+                                        </p:cTn>
+                                        <p:tgtEl>
+                                          <p:spTgt spid="41"/>
+                                        </p:tgtEl>
+                                        <p:attrNameLst>
+                                          <p:attrName>style.visibility</p:attrName>
+                                        </p:attrNameLst>
+                                      </p:cBhvr>
+                                      <p:to>
+                                        <p:strVal val="visible"/>
+                                      </p:to>
+                                    </p:set>
+                                  </p:childTnLst>
+                                </p:cTn>
+                              </p:par>
+                            </p:childTnLst>
+                          </p:cTn>
+                        </p:par>
+                      </p:childTnLst>
+                    </p:cTn>
+                  </p:par>
+                  <p:par>
+                    <p:cTn id="43" fill="hold">
+                      <p:stCondLst>
+                        <p:cond delay="indefinite"/>
+                      </p:stCondLst>
+                      <p:childTnLst>
+                        <p:par>
+                          <p:cTn id="44" fill="hold">
+                            <p:stCondLst>
+                              <p:cond delay="0"/>
+                            </p:stCondLst>
+                            <p:childTnLst>
+                              <p:par>
+                                <p:cTn id="45" presetID="1" presetClass="entr" presetSubtype="0" fill="hold" grpId="0" nodeType="clickEffect">
+                                  <p:stCondLst>
+                                    <p:cond delay="0"/>
+                                  </p:stCondLst>
+                                  <p:childTnLst>
+                                    <p:set>
+                                      <p:cBhvr>
+                                        <p:cTn id="46" dur="1" fill="hold">
+                                          <p:stCondLst>
+                                            <p:cond delay="0"/>
+                                          </p:stCondLst>
+                                        </p:cTn>
+                                        <p:tgtEl>
+                                          <p:spTgt spid="27"/>
+                                        </p:tgtEl>
+                                        <p:attrNameLst>
+                                          <p:attrName>style.visibility</p:attrName>
+                                        </p:attrNameLst>
+                                      </p:cBhvr>
+                                      <p:to>
+                                        <p:strVal val="visible"/>
+                                      </p:to>
+                                    </p:set>
+                                  </p:childTnLst>
+                                </p:cTn>
+                              </p:par>
+                              <p:par>
+                                <p:cTn id="47" presetID="1" presetClass="entr" presetSubtype="0" fill="hold" nodeType="withEffect">
+                                  <p:stCondLst>
+                                    <p:cond delay="0"/>
+                                  </p:stCondLst>
+                                  <p:childTnLst>
+                                    <p:set>
+                                      <p:cBhvr>
+                                        <p:cTn id="48" dur="1" fill="hold">
+                                          <p:stCondLst>
+                                            <p:cond delay="0"/>
+                                          </p:stCondLst>
+                                        </p:cTn>
+                                        <p:tgtEl>
+                                          <p:spTgt spid="31"/>
+                                        </p:tgtEl>
+                                        <p:attrNameLst>
+                                          <p:attrName>style.visibility</p:attrName>
+                                        </p:attrNameLst>
+                                      </p:cBhvr>
+                                      <p:to>
+                                        <p:strVal val="visible"/>
+                                      </p:to>
+                                    </p:set>
+                                  </p:childTnLst>
+                                </p:cTn>
+                              </p:par>
+                              <p:par>
+                                <p:cTn id="49" presetID="1" presetClass="entr" presetSubtype="0" fill="hold" nodeType="withEffect">
+                                  <p:stCondLst>
+                                    <p:cond delay="0"/>
+                                  </p:stCondLst>
+                                  <p:childTnLst>
+                                    <p:set>
+                                      <p:cBhvr>
+                                        <p:cTn id="50" dur="1" fill="hold">
+                                          <p:stCondLst>
+                                            <p:cond delay="0"/>
+                                          </p:stCondLst>
+                                        </p:cTn>
+                                        <p:tgtEl>
+                                          <p:spTgt spid="39"/>
+                                        </p:tgtEl>
+                                        <p:attrNameLst>
+                                          <p:attrName>style.visibility</p:attrName>
+                                        </p:attrNameLst>
+                                      </p:cBhvr>
+                                      <p:to>
+                                        <p:strVal val="visible"/>
+                                      </p:to>
+                                    </p:set>
+                                  </p:childTnLst>
+                                </p:cTn>
+                              </p:par>
+                              <p:par>
+                                <p:cTn id="51" presetID="1" presetClass="entr" presetSubtype="0" fill="hold" grpId="0" nodeType="withEffect">
+                                  <p:stCondLst>
+                                    <p:cond delay="0"/>
+                                  </p:stCondLst>
+                                  <p:childTnLst>
+                                    <p:set>
+                                      <p:cBhvr>
+                                        <p:cTn id="52" dur="1" fill="hold">
+                                          <p:stCondLst>
+                                            <p:cond delay="0"/>
+                                          </p:stCondLst>
+                                        </p:cTn>
+                                        <p:tgtEl>
+                                          <p:spTgt spid="38"/>
+                                        </p:tgtEl>
+                                        <p:attrNameLst>
+                                          <p:attrName>style.visibility</p:attrName>
+                                        </p:attrNameLst>
+                                      </p:cBhvr>
+                                      <p:to>
+                                        <p:strVal val="visible"/>
+                                      </p:to>
+                                    </p:set>
+                                  </p:childTnLst>
+                                </p:cTn>
+                              </p:par>
+                            </p:childTnLst>
+                          </p:cTn>
+                        </p:par>
+                      </p:childTnLst>
+                    </p:cTn>
+                  </p:par>
+                </p:childTnLst>
+              </p:cTn>
+              <p:prevCondLst>
+                <p:cond evt="onPrev" delay="0">
+                  <p:tgtEl>
+                    <p:sldTgt/>
+                  </p:tgtEl>
+                </p:cond>
+              </p:prevCondLst>
+              <p:nextCondLst>
+                <p:cond evt="onNext" delay="0">
+                  <p:tgtEl>
+                    <p:sldTgt/>
+                  </p:tgtEl>
+                </p:cond>
+              </p:nextCondLst>
+            </p:seq>
+          </p:childTnLst>
+        </p:cTn>
+      </p:par>
+    </p:tnLst>
+    <p:bldLst>
+      <p:bldP spid="24" grpId="0"/>
+      <p:bldP spid="35" grpId="0"/>
+      <p:bldP spid="15" grpId="0"/>
+      <p:bldP spid="21" grpId="0"/>
+      <p:bldP spid="27" grpId="0"/>
+      <p:bldP spid="38" grpId="0"/>
+      <p:bldP spid="41" grpId="0"/>
+      <p:bldP spid="43" grpId="0"/>
+      <p:bldP spid="48" grpId="0"/>
+      <p:bldP spid="50" grpId="0"/>
+    </p:bldLst>
+  </p:timing>
 </p:sld>
 </file>
 
@@ -10389,6 +11851,439 @@
   <p:clrMapOvr>
     <a:masterClrMapping/>
   </p:clrMapOvr>
+  <p:timing>
+    <p:tnLst>
+      <p:par>
+        <p:cTn id="1" dur="indefinite" restart="never" nodeType="tmRoot">
+          <p:childTnLst>
+            <p:seq concurrent="1" nextAc="seek">
+              <p:cTn id="2" dur="indefinite" nodeType="mainSeq">
+                <p:childTnLst>
+                  <p:par>
+                    <p:cTn id="3" fill="hold">
+                      <p:stCondLst>
+                        <p:cond delay="indefinite"/>
+                      </p:stCondLst>
+                      <p:childTnLst>
+                        <p:par>
+                          <p:cTn id="4" fill="hold">
+                            <p:stCondLst>
+                              <p:cond delay="0"/>
+                            </p:stCondLst>
+                            <p:childTnLst>
+                              <p:par>
+                                <p:cTn id="5" presetID="1" presetClass="entr" presetSubtype="0" fill="hold" grpId="0" nodeType="clickEffect">
+                                  <p:stCondLst>
+                                    <p:cond delay="0"/>
+                                  </p:stCondLst>
+                                  <p:childTnLst>
+                                    <p:set>
+                                      <p:cBhvr>
+                                        <p:cTn id="6" dur="1" fill="hold">
+                                          <p:stCondLst>
+                                            <p:cond delay="0"/>
+                                          </p:stCondLst>
+                                        </p:cTn>
+                                        <p:tgtEl>
+                                          <p:spTgt spid="30"/>
+                                        </p:tgtEl>
+                                        <p:attrNameLst>
+                                          <p:attrName>style.visibility</p:attrName>
+                                        </p:attrNameLst>
+                                      </p:cBhvr>
+                                      <p:to>
+                                        <p:strVal val="visible"/>
+                                      </p:to>
+                                    </p:set>
+                                  </p:childTnLst>
+                                </p:cTn>
+                              </p:par>
+                              <p:par>
+                                <p:cTn id="7" presetID="1" presetClass="entr" presetSubtype="0" fill="hold" nodeType="withEffect">
+                                  <p:stCondLst>
+                                    <p:cond delay="0"/>
+                                  </p:stCondLst>
+                                  <p:childTnLst>
+                                    <p:set>
+                                      <p:cBhvr>
+                                        <p:cTn id="8" dur="1" fill="hold">
+                                          <p:stCondLst>
+                                            <p:cond delay="0"/>
+                                          </p:stCondLst>
+                                        </p:cTn>
+                                        <p:tgtEl>
+                                          <p:spTgt spid="33"/>
+                                        </p:tgtEl>
+                                        <p:attrNameLst>
+                                          <p:attrName>style.visibility</p:attrName>
+                                        </p:attrNameLst>
+                                      </p:cBhvr>
+                                      <p:to>
+                                        <p:strVal val="visible"/>
+                                      </p:to>
+                                    </p:set>
+                                  </p:childTnLst>
+                                </p:cTn>
+                              </p:par>
+                            </p:childTnLst>
+                          </p:cTn>
+                        </p:par>
+                      </p:childTnLst>
+                    </p:cTn>
+                  </p:par>
+                  <p:par>
+                    <p:cTn id="9" fill="hold">
+                      <p:stCondLst>
+                        <p:cond delay="indefinite"/>
+                      </p:stCondLst>
+                      <p:childTnLst>
+                        <p:par>
+                          <p:cTn id="10" fill="hold">
+                            <p:stCondLst>
+                              <p:cond delay="0"/>
+                            </p:stCondLst>
+                            <p:childTnLst>
+                              <p:par>
+                                <p:cTn id="11" presetID="1" presetClass="entr" presetSubtype="0" fill="hold" nodeType="clickEffect">
+                                  <p:stCondLst>
+                                    <p:cond delay="0"/>
+                                  </p:stCondLst>
+                                  <p:childTnLst>
+                                    <p:set>
+                                      <p:cBhvr>
+                                        <p:cTn id="12" dur="1" fill="hold">
+                                          <p:stCondLst>
+                                            <p:cond delay="0"/>
+                                          </p:stCondLst>
+                                        </p:cTn>
+                                        <p:tgtEl>
+                                          <p:spTgt spid="22"/>
+                                        </p:tgtEl>
+                                        <p:attrNameLst>
+                                          <p:attrName>style.visibility</p:attrName>
+                                        </p:attrNameLst>
+                                      </p:cBhvr>
+                                      <p:to>
+                                        <p:strVal val="visible"/>
+                                      </p:to>
+                                    </p:set>
+                                  </p:childTnLst>
+                                </p:cTn>
+                              </p:par>
+                              <p:par>
+                                <p:cTn id="13" presetID="1" presetClass="entr" presetSubtype="0" fill="hold" grpId="0" nodeType="withEffect">
+                                  <p:stCondLst>
+                                    <p:cond delay="0"/>
+                                  </p:stCondLst>
+                                  <p:childTnLst>
+                                    <p:set>
+                                      <p:cBhvr>
+                                        <p:cTn id="14" dur="1" fill="hold">
+                                          <p:stCondLst>
+                                            <p:cond delay="0"/>
+                                          </p:stCondLst>
+                                        </p:cTn>
+                                        <p:tgtEl>
+                                          <p:spTgt spid="21"/>
+                                        </p:tgtEl>
+                                        <p:attrNameLst>
+                                          <p:attrName>style.visibility</p:attrName>
+                                        </p:attrNameLst>
+                                      </p:cBhvr>
+                                      <p:to>
+                                        <p:strVal val="visible"/>
+                                      </p:to>
+                                    </p:set>
+                                  </p:childTnLst>
+                                </p:cTn>
+                              </p:par>
+                            </p:childTnLst>
+                          </p:cTn>
+                        </p:par>
+                      </p:childTnLst>
+                    </p:cTn>
+                  </p:par>
+                  <p:par>
+                    <p:cTn id="15" fill="hold">
+                      <p:stCondLst>
+                        <p:cond delay="indefinite"/>
+                      </p:stCondLst>
+                      <p:childTnLst>
+                        <p:par>
+                          <p:cTn id="16" fill="hold">
+                            <p:stCondLst>
+                              <p:cond delay="0"/>
+                            </p:stCondLst>
+                            <p:childTnLst>
+                              <p:par>
+                                <p:cTn id="17" presetID="1" presetClass="entr" presetSubtype="0" fill="hold" grpId="0" nodeType="clickEffect">
+                                  <p:stCondLst>
+                                    <p:cond delay="0"/>
+                                  </p:stCondLst>
+                                  <p:childTnLst>
+                                    <p:set>
+                                      <p:cBhvr>
+                                        <p:cTn id="18" dur="1" fill="hold">
+                                          <p:stCondLst>
+                                            <p:cond delay="0"/>
+                                          </p:stCondLst>
+                                        </p:cTn>
+                                        <p:tgtEl>
+                                          <p:spTgt spid="23"/>
+                                        </p:tgtEl>
+                                        <p:attrNameLst>
+                                          <p:attrName>style.visibility</p:attrName>
+                                        </p:attrNameLst>
+                                      </p:cBhvr>
+                                      <p:to>
+                                        <p:strVal val="visible"/>
+                                      </p:to>
+                                    </p:set>
+                                  </p:childTnLst>
+                                </p:cTn>
+                              </p:par>
+                              <p:par>
+                                <p:cTn id="19" presetID="1" presetClass="entr" presetSubtype="0" fill="hold" nodeType="withEffect">
+                                  <p:stCondLst>
+                                    <p:cond delay="0"/>
+                                  </p:stCondLst>
+                                  <p:childTnLst>
+                                    <p:set>
+                                      <p:cBhvr>
+                                        <p:cTn id="20" dur="1" fill="hold">
+                                          <p:stCondLst>
+                                            <p:cond delay="0"/>
+                                          </p:stCondLst>
+                                        </p:cTn>
+                                        <p:tgtEl>
+                                          <p:spTgt spid="26"/>
+                                        </p:tgtEl>
+                                        <p:attrNameLst>
+                                          <p:attrName>style.visibility</p:attrName>
+                                        </p:attrNameLst>
+                                      </p:cBhvr>
+                                      <p:to>
+                                        <p:strVal val="visible"/>
+                                      </p:to>
+                                    </p:set>
+                                  </p:childTnLst>
+                                </p:cTn>
+                              </p:par>
+                            </p:childTnLst>
+                          </p:cTn>
+                        </p:par>
+                      </p:childTnLst>
+                    </p:cTn>
+                  </p:par>
+                  <p:par>
+                    <p:cTn id="21" fill="hold">
+                      <p:stCondLst>
+                        <p:cond delay="indefinite"/>
+                      </p:stCondLst>
+                      <p:childTnLst>
+                        <p:par>
+                          <p:cTn id="22" fill="hold">
+                            <p:stCondLst>
+                              <p:cond delay="0"/>
+                            </p:stCondLst>
+                            <p:childTnLst>
+                              <p:par>
+                                <p:cTn id="23" presetID="1" presetClass="entr" presetSubtype="0" fill="hold" nodeType="clickEffect">
+                                  <p:stCondLst>
+                                    <p:cond delay="0"/>
+                                  </p:stCondLst>
+                                  <p:childTnLst>
+                                    <p:set>
+                                      <p:cBhvr>
+                                        <p:cTn id="24" dur="1" fill="hold">
+                                          <p:stCondLst>
+                                            <p:cond delay="0"/>
+                                          </p:stCondLst>
+                                        </p:cTn>
+                                        <p:tgtEl>
+                                          <p:spTgt spid="11"/>
+                                        </p:tgtEl>
+                                        <p:attrNameLst>
+                                          <p:attrName>style.visibility</p:attrName>
+                                        </p:attrNameLst>
+                                      </p:cBhvr>
+                                      <p:to>
+                                        <p:strVal val="visible"/>
+                                      </p:to>
+                                    </p:set>
+                                  </p:childTnLst>
+                                </p:cTn>
+                              </p:par>
+                              <p:par>
+                                <p:cTn id="25" presetID="1" presetClass="entr" presetSubtype="0" fill="hold" nodeType="withEffect">
+                                  <p:stCondLst>
+                                    <p:cond delay="0"/>
+                                  </p:stCondLst>
+                                  <p:childTnLst>
+                                    <p:set>
+                                      <p:cBhvr>
+                                        <p:cTn id="26" dur="1" fill="hold">
+                                          <p:stCondLst>
+                                            <p:cond delay="0"/>
+                                          </p:stCondLst>
+                                        </p:cTn>
+                                        <p:tgtEl>
+                                          <p:spTgt spid="13"/>
+                                        </p:tgtEl>
+                                        <p:attrNameLst>
+                                          <p:attrName>style.visibility</p:attrName>
+                                        </p:attrNameLst>
+                                      </p:cBhvr>
+                                      <p:to>
+                                        <p:strVal val="visible"/>
+                                      </p:to>
+                                    </p:set>
+                                  </p:childTnLst>
+                                </p:cTn>
+                              </p:par>
+                              <p:par>
+                                <p:cTn id="27" presetID="1" presetClass="entr" presetSubtype="0" fill="hold" nodeType="withEffect">
+                                  <p:stCondLst>
+                                    <p:cond delay="0"/>
+                                  </p:stCondLst>
+                                  <p:childTnLst>
+                                    <p:set>
+                                      <p:cBhvr>
+                                        <p:cTn id="28" dur="1" fill="hold">
+                                          <p:stCondLst>
+                                            <p:cond delay="0"/>
+                                          </p:stCondLst>
+                                        </p:cTn>
+                                        <p:tgtEl>
+                                          <p:spTgt spid="31"/>
+                                        </p:tgtEl>
+                                        <p:attrNameLst>
+                                          <p:attrName>style.visibility</p:attrName>
+                                        </p:attrNameLst>
+                                      </p:cBhvr>
+                                      <p:to>
+                                        <p:strVal val="visible"/>
+                                      </p:to>
+                                    </p:set>
+                                  </p:childTnLst>
+                                </p:cTn>
+                              </p:par>
+                              <p:par>
+                                <p:cTn id="29" presetID="1" presetClass="entr" presetSubtype="0" fill="hold" nodeType="withEffect">
+                                  <p:stCondLst>
+                                    <p:cond delay="0"/>
+                                  </p:stCondLst>
+                                  <p:childTnLst>
+                                    <p:set>
+                                      <p:cBhvr>
+                                        <p:cTn id="30" dur="1" fill="hold">
+                                          <p:stCondLst>
+                                            <p:cond delay="0"/>
+                                          </p:stCondLst>
+                                        </p:cTn>
+                                        <p:tgtEl>
+                                          <p:spTgt spid="29"/>
+                                        </p:tgtEl>
+                                        <p:attrNameLst>
+                                          <p:attrName>style.visibility</p:attrName>
+                                        </p:attrNameLst>
+                                      </p:cBhvr>
+                                      <p:to>
+                                        <p:strVal val="visible"/>
+                                      </p:to>
+                                    </p:set>
+                                  </p:childTnLst>
+                                </p:cTn>
+                              </p:par>
+                              <p:par>
+                                <p:cTn id="31" presetID="1" presetClass="entr" presetSubtype="0" fill="hold" grpId="0" nodeType="withEffect">
+                                  <p:stCondLst>
+                                    <p:cond delay="0"/>
+                                  </p:stCondLst>
+                                  <p:childTnLst>
+                                    <p:set>
+                                      <p:cBhvr>
+                                        <p:cTn id="32" dur="1" fill="hold">
+                                          <p:stCondLst>
+                                            <p:cond delay="0"/>
+                                          </p:stCondLst>
+                                        </p:cTn>
+                                        <p:tgtEl>
+                                          <p:spTgt spid="2"/>
+                                        </p:tgtEl>
+                                        <p:attrNameLst>
+                                          <p:attrName>style.visibility</p:attrName>
+                                        </p:attrNameLst>
+                                      </p:cBhvr>
+                                      <p:to>
+                                        <p:strVal val="visible"/>
+                                      </p:to>
+                                    </p:set>
+                                  </p:childTnLst>
+                                </p:cTn>
+                              </p:par>
+                              <p:par>
+                                <p:cTn id="33" presetID="1" presetClass="entr" presetSubtype="0" fill="hold" grpId="0" nodeType="withEffect">
+                                  <p:stCondLst>
+                                    <p:cond delay="0"/>
+                                  </p:stCondLst>
+                                  <p:childTnLst>
+                                    <p:set>
+                                      <p:cBhvr>
+                                        <p:cTn id="34" dur="1" fill="hold">
+                                          <p:stCondLst>
+                                            <p:cond delay="0"/>
+                                          </p:stCondLst>
+                                        </p:cTn>
+                                        <p:tgtEl>
+                                          <p:spTgt spid="28"/>
+                                        </p:tgtEl>
+                                        <p:attrNameLst>
+                                          <p:attrName>style.visibility</p:attrName>
+                                        </p:attrNameLst>
+                                      </p:cBhvr>
+                                      <p:to>
+                                        <p:strVal val="visible"/>
+                                      </p:to>
+                                    </p:set>
+                                  </p:childTnLst>
+                                </p:cTn>
+                              </p:par>
+                            </p:childTnLst>
+                          </p:cTn>
+                        </p:par>
+                      </p:childTnLst>
+                    </p:cTn>
+                  </p:par>
+                </p:childTnLst>
+              </p:cTn>
+              <p:prevCondLst>
+                <p:cond evt="onPrev" delay="0">
+                  <p:tgtEl>
+                    <p:sldTgt/>
+                  </p:tgtEl>
+                </p:cond>
+              </p:prevCondLst>
+              <p:nextCondLst>
+                <p:cond evt="onNext" delay="0">
+                  <p:tgtEl>
+                    <p:sldTgt/>
+                  </p:tgtEl>
+                </p:cond>
+              </p:nextCondLst>
+            </p:seq>
+          </p:childTnLst>
+        </p:cTn>
+      </p:par>
+    </p:tnLst>
+    <p:bldLst>
+      <p:bldP spid="2" grpId="0"/>
+      <p:bldP spid="23" grpId="0"/>
+      <p:bldP spid="30" grpId="0"/>
+      <p:bldP spid="21" grpId="0"/>
+      <p:bldP spid="28" grpId="0"/>
+    </p:bldLst>
+  </p:timing>
 </p:sld>
 </file>
 
@@ -11687,6 +13582,568 @@
   <p:clrMapOvr>
     <a:masterClrMapping/>
   </p:clrMapOvr>
+  <p:timing>
+    <p:tnLst>
+      <p:par>
+        <p:cTn id="1" dur="indefinite" restart="never" nodeType="tmRoot">
+          <p:childTnLst>
+            <p:seq concurrent="1" nextAc="seek">
+              <p:cTn id="2" dur="indefinite" nodeType="mainSeq">
+                <p:childTnLst>
+                  <p:par>
+                    <p:cTn id="3" fill="hold">
+                      <p:stCondLst>
+                        <p:cond delay="indefinite"/>
+                      </p:stCondLst>
+                      <p:childTnLst>
+                        <p:par>
+                          <p:cTn id="4" fill="hold">
+                            <p:stCondLst>
+                              <p:cond delay="0"/>
+                            </p:stCondLst>
+                            <p:childTnLst>
+                              <p:par>
+                                <p:cTn id="5" presetID="1" presetClass="entr" presetSubtype="0" fill="hold" grpId="0" nodeType="clickEffect">
+                                  <p:stCondLst>
+                                    <p:cond delay="0"/>
+                                  </p:stCondLst>
+                                  <p:childTnLst>
+                                    <p:set>
+                                      <p:cBhvr>
+                                        <p:cTn id="6" dur="1" fill="hold">
+                                          <p:stCondLst>
+                                            <p:cond delay="0"/>
+                                          </p:stCondLst>
+                                        </p:cTn>
+                                        <p:tgtEl>
+                                          <p:spTgt spid="10"/>
+                                        </p:tgtEl>
+                                        <p:attrNameLst>
+                                          <p:attrName>style.visibility</p:attrName>
+                                        </p:attrNameLst>
+                                      </p:cBhvr>
+                                      <p:to>
+                                        <p:strVal val="visible"/>
+                                      </p:to>
+                                    </p:set>
+                                  </p:childTnLst>
+                                </p:cTn>
+                              </p:par>
+                              <p:par>
+                                <p:cTn id="7" presetID="1" presetClass="entr" presetSubtype="0" fill="hold" nodeType="withEffect">
+                                  <p:stCondLst>
+                                    <p:cond delay="0"/>
+                                  </p:stCondLst>
+                                  <p:childTnLst>
+                                    <p:set>
+                                      <p:cBhvr>
+                                        <p:cTn id="8" dur="1" fill="hold">
+                                          <p:stCondLst>
+                                            <p:cond delay="0"/>
+                                          </p:stCondLst>
+                                        </p:cTn>
+                                        <p:tgtEl>
+                                          <p:spTgt spid="14"/>
+                                        </p:tgtEl>
+                                        <p:attrNameLst>
+                                          <p:attrName>style.visibility</p:attrName>
+                                        </p:attrNameLst>
+                                      </p:cBhvr>
+                                      <p:to>
+                                        <p:strVal val="visible"/>
+                                      </p:to>
+                                    </p:set>
+                                  </p:childTnLst>
+                                </p:cTn>
+                              </p:par>
+                              <p:par>
+                                <p:cTn id="9" presetID="1" presetClass="entr" presetSubtype="0" fill="hold" grpId="0" nodeType="withEffect">
+                                  <p:stCondLst>
+                                    <p:cond delay="0"/>
+                                  </p:stCondLst>
+                                  <p:childTnLst>
+                                    <p:set>
+                                      <p:cBhvr>
+                                        <p:cTn id="10" dur="1" fill="hold">
+                                          <p:stCondLst>
+                                            <p:cond delay="0"/>
+                                          </p:stCondLst>
+                                        </p:cTn>
+                                        <p:tgtEl>
+                                          <p:spTgt spid="31"/>
+                                        </p:tgtEl>
+                                        <p:attrNameLst>
+                                          <p:attrName>style.visibility</p:attrName>
+                                        </p:attrNameLst>
+                                      </p:cBhvr>
+                                      <p:to>
+                                        <p:strVal val="visible"/>
+                                      </p:to>
+                                    </p:set>
+                                  </p:childTnLst>
+                                </p:cTn>
+                              </p:par>
+                              <p:par>
+                                <p:cTn id="11" presetID="1" presetClass="entr" presetSubtype="0" fill="hold" nodeType="withEffect">
+                                  <p:stCondLst>
+                                    <p:cond delay="0"/>
+                                  </p:stCondLst>
+                                  <p:childTnLst>
+                                    <p:set>
+                                      <p:cBhvr>
+                                        <p:cTn id="12" dur="1" fill="hold">
+                                          <p:stCondLst>
+                                            <p:cond delay="0"/>
+                                          </p:stCondLst>
+                                        </p:cTn>
+                                        <p:tgtEl>
+                                          <p:spTgt spid="34"/>
+                                        </p:tgtEl>
+                                        <p:attrNameLst>
+                                          <p:attrName>style.visibility</p:attrName>
+                                        </p:attrNameLst>
+                                      </p:cBhvr>
+                                      <p:to>
+                                        <p:strVal val="visible"/>
+                                      </p:to>
+                                    </p:set>
+                                  </p:childTnLst>
+                                </p:cTn>
+                              </p:par>
+                            </p:childTnLst>
+                          </p:cTn>
+                        </p:par>
+                      </p:childTnLst>
+                    </p:cTn>
+                  </p:par>
+                  <p:par>
+                    <p:cTn id="13" fill="hold">
+                      <p:stCondLst>
+                        <p:cond delay="indefinite"/>
+                      </p:stCondLst>
+                      <p:childTnLst>
+                        <p:par>
+                          <p:cTn id="14" fill="hold">
+                            <p:stCondLst>
+                              <p:cond delay="0"/>
+                            </p:stCondLst>
+                            <p:childTnLst>
+                              <p:par>
+                                <p:cTn id="15" presetID="1" presetClass="entr" presetSubtype="0" fill="hold" grpId="0" nodeType="clickEffect">
+                                  <p:stCondLst>
+                                    <p:cond delay="0"/>
+                                  </p:stCondLst>
+                                  <p:childTnLst>
+                                    <p:set>
+                                      <p:cBhvr>
+                                        <p:cTn id="16" dur="1" fill="hold">
+                                          <p:stCondLst>
+                                            <p:cond delay="0"/>
+                                          </p:stCondLst>
+                                        </p:cTn>
+                                        <p:tgtEl>
+                                          <p:spTgt spid="27"/>
+                                        </p:tgtEl>
+                                        <p:attrNameLst>
+                                          <p:attrName>style.visibility</p:attrName>
+                                        </p:attrNameLst>
+                                      </p:cBhvr>
+                                      <p:to>
+                                        <p:strVal val="visible"/>
+                                      </p:to>
+                                    </p:set>
+                                  </p:childTnLst>
+                                </p:cTn>
+                              </p:par>
+                              <p:par>
+                                <p:cTn id="17" presetID="1" presetClass="entr" presetSubtype="0" fill="hold" nodeType="withEffect">
+                                  <p:stCondLst>
+                                    <p:cond delay="0"/>
+                                  </p:stCondLst>
+                                  <p:childTnLst>
+                                    <p:set>
+                                      <p:cBhvr>
+                                        <p:cTn id="18" dur="1" fill="hold">
+                                          <p:stCondLst>
+                                            <p:cond delay="0"/>
+                                          </p:stCondLst>
+                                        </p:cTn>
+                                        <p:tgtEl>
+                                          <p:spTgt spid="29"/>
+                                        </p:tgtEl>
+                                        <p:attrNameLst>
+                                          <p:attrName>style.visibility</p:attrName>
+                                        </p:attrNameLst>
+                                      </p:cBhvr>
+                                      <p:to>
+                                        <p:strVal val="visible"/>
+                                      </p:to>
+                                    </p:set>
+                                  </p:childTnLst>
+                                </p:cTn>
+                              </p:par>
+                              <p:par>
+                                <p:cTn id="19" presetID="1" presetClass="entr" presetSubtype="0" fill="hold" nodeType="withEffect">
+                                  <p:stCondLst>
+                                    <p:cond delay="0"/>
+                                  </p:stCondLst>
+                                  <p:childTnLst>
+                                    <p:set>
+                                      <p:cBhvr>
+                                        <p:cTn id="20" dur="1" fill="hold">
+                                          <p:stCondLst>
+                                            <p:cond delay="0"/>
+                                          </p:stCondLst>
+                                        </p:cTn>
+                                        <p:tgtEl>
+                                          <p:spTgt spid="25"/>
+                                        </p:tgtEl>
+                                        <p:attrNameLst>
+                                          <p:attrName>style.visibility</p:attrName>
+                                        </p:attrNameLst>
+                                      </p:cBhvr>
+                                      <p:to>
+                                        <p:strVal val="visible"/>
+                                      </p:to>
+                                    </p:set>
+                                  </p:childTnLst>
+                                </p:cTn>
+                              </p:par>
+                              <p:par>
+                                <p:cTn id="21" presetID="1" presetClass="entr" presetSubtype="0" fill="hold" grpId="0" nodeType="withEffect">
+                                  <p:stCondLst>
+                                    <p:cond delay="0"/>
+                                  </p:stCondLst>
+                                  <p:childTnLst>
+                                    <p:set>
+                                      <p:cBhvr>
+                                        <p:cTn id="22" dur="1" fill="hold">
+                                          <p:stCondLst>
+                                            <p:cond delay="0"/>
+                                          </p:stCondLst>
+                                        </p:cTn>
+                                        <p:tgtEl>
+                                          <p:spTgt spid="22"/>
+                                        </p:tgtEl>
+                                        <p:attrNameLst>
+                                          <p:attrName>style.visibility</p:attrName>
+                                        </p:attrNameLst>
+                                      </p:cBhvr>
+                                      <p:to>
+                                        <p:strVal val="visible"/>
+                                      </p:to>
+                                    </p:set>
+                                  </p:childTnLst>
+                                </p:cTn>
+                              </p:par>
+                            </p:childTnLst>
+                          </p:cTn>
+                        </p:par>
+                      </p:childTnLst>
+                    </p:cTn>
+                  </p:par>
+                  <p:par>
+                    <p:cTn id="23" fill="hold">
+                      <p:stCondLst>
+                        <p:cond delay="indefinite"/>
+                      </p:stCondLst>
+                      <p:childTnLst>
+                        <p:par>
+                          <p:cTn id="24" fill="hold">
+                            <p:stCondLst>
+                              <p:cond delay="0"/>
+                            </p:stCondLst>
+                            <p:childTnLst>
+                              <p:par>
+                                <p:cTn id="25" presetID="1" presetClass="entr" presetSubtype="0" fill="hold" nodeType="clickEffect">
+                                  <p:stCondLst>
+                                    <p:cond delay="0"/>
+                                  </p:stCondLst>
+                                  <p:childTnLst>
+                                    <p:set>
+                                      <p:cBhvr>
+                                        <p:cTn id="26" dur="1" fill="hold">
+                                          <p:stCondLst>
+                                            <p:cond delay="0"/>
+                                          </p:stCondLst>
+                                        </p:cTn>
+                                        <p:tgtEl>
+                                          <p:spTgt spid="17"/>
+                                        </p:tgtEl>
+                                        <p:attrNameLst>
+                                          <p:attrName>style.visibility</p:attrName>
+                                        </p:attrNameLst>
+                                      </p:cBhvr>
+                                      <p:to>
+                                        <p:strVal val="visible"/>
+                                      </p:to>
+                                    </p:set>
+                                  </p:childTnLst>
+                                </p:cTn>
+                              </p:par>
+                              <p:par>
+                                <p:cTn id="27" presetID="1" presetClass="entr" presetSubtype="0" fill="hold" grpId="0" nodeType="withEffect">
+                                  <p:stCondLst>
+                                    <p:cond delay="0"/>
+                                  </p:stCondLst>
+                                  <p:childTnLst>
+                                    <p:set>
+                                      <p:cBhvr>
+                                        <p:cTn id="28" dur="1" fill="hold">
+                                          <p:stCondLst>
+                                            <p:cond delay="0"/>
+                                          </p:stCondLst>
+                                        </p:cTn>
+                                        <p:tgtEl>
+                                          <p:spTgt spid="15"/>
+                                        </p:tgtEl>
+                                        <p:attrNameLst>
+                                          <p:attrName>style.visibility</p:attrName>
+                                        </p:attrNameLst>
+                                      </p:cBhvr>
+                                      <p:to>
+                                        <p:strVal val="visible"/>
+                                      </p:to>
+                                    </p:set>
+                                  </p:childTnLst>
+                                </p:cTn>
+                              </p:par>
+                            </p:childTnLst>
+                          </p:cTn>
+                        </p:par>
+                      </p:childTnLst>
+                    </p:cTn>
+                  </p:par>
+                  <p:par>
+                    <p:cTn id="29" fill="hold">
+                      <p:stCondLst>
+                        <p:cond delay="indefinite"/>
+                      </p:stCondLst>
+                      <p:childTnLst>
+                        <p:par>
+                          <p:cTn id="30" fill="hold">
+                            <p:stCondLst>
+                              <p:cond delay="0"/>
+                            </p:stCondLst>
+                            <p:childTnLst>
+                              <p:par>
+                                <p:cTn id="31" presetID="1" presetClass="entr" presetSubtype="0" fill="hold" nodeType="clickEffect">
+                                  <p:stCondLst>
+                                    <p:cond delay="0"/>
+                                  </p:stCondLst>
+                                  <p:childTnLst>
+                                    <p:set>
+                                      <p:cBhvr>
+                                        <p:cTn id="32" dur="1" fill="hold">
+                                          <p:stCondLst>
+                                            <p:cond delay="0"/>
+                                          </p:stCondLst>
+                                        </p:cTn>
+                                        <p:tgtEl>
+                                          <p:spTgt spid="39"/>
+                                        </p:tgtEl>
+                                        <p:attrNameLst>
+                                          <p:attrName>style.visibility</p:attrName>
+                                        </p:attrNameLst>
+                                      </p:cBhvr>
+                                      <p:to>
+                                        <p:strVal val="visible"/>
+                                      </p:to>
+                                    </p:set>
+                                  </p:childTnLst>
+                                </p:cTn>
+                              </p:par>
+                              <p:par>
+                                <p:cTn id="33" presetID="1" presetClass="entr" presetSubtype="0" fill="hold" grpId="0" nodeType="withEffect">
+                                  <p:stCondLst>
+                                    <p:cond delay="0"/>
+                                  </p:stCondLst>
+                                  <p:childTnLst>
+                                    <p:set>
+                                      <p:cBhvr>
+                                        <p:cTn id="34" dur="1" fill="hold">
+                                          <p:stCondLst>
+                                            <p:cond delay="0"/>
+                                          </p:stCondLst>
+                                        </p:cTn>
+                                        <p:tgtEl>
+                                          <p:spTgt spid="37"/>
+                                        </p:tgtEl>
+                                        <p:attrNameLst>
+                                          <p:attrName>style.visibility</p:attrName>
+                                        </p:attrNameLst>
+                                      </p:cBhvr>
+                                      <p:to>
+                                        <p:strVal val="visible"/>
+                                      </p:to>
+                                    </p:set>
+                                  </p:childTnLst>
+                                </p:cTn>
+                              </p:par>
+                              <p:par>
+                                <p:cTn id="35" presetID="1" presetClass="entr" presetSubtype="0" fill="hold" nodeType="withEffect">
+                                  <p:stCondLst>
+                                    <p:cond delay="0"/>
+                                  </p:stCondLst>
+                                  <p:childTnLst>
+                                    <p:set>
+                                      <p:cBhvr>
+                                        <p:cTn id="36" dur="1" fill="hold">
+                                          <p:stCondLst>
+                                            <p:cond delay="0"/>
+                                          </p:stCondLst>
+                                        </p:cTn>
+                                        <p:tgtEl>
+                                          <p:spTgt spid="42"/>
+                                        </p:tgtEl>
+                                        <p:attrNameLst>
+                                          <p:attrName>style.visibility</p:attrName>
+                                        </p:attrNameLst>
+                                      </p:cBhvr>
+                                      <p:to>
+                                        <p:strVal val="visible"/>
+                                      </p:to>
+                                    </p:set>
+                                  </p:childTnLst>
+                                </p:cTn>
+                              </p:par>
+                              <p:par>
+                                <p:cTn id="37" presetID="1" presetClass="entr" presetSubtype="0" fill="hold" grpId="0" nodeType="withEffect">
+                                  <p:stCondLst>
+                                    <p:cond delay="0"/>
+                                  </p:stCondLst>
+                                  <p:childTnLst>
+                                    <p:set>
+                                      <p:cBhvr>
+                                        <p:cTn id="38" dur="1" fill="hold">
+                                          <p:stCondLst>
+                                            <p:cond delay="0"/>
+                                          </p:stCondLst>
+                                        </p:cTn>
+                                        <p:tgtEl>
+                                          <p:spTgt spid="40"/>
+                                        </p:tgtEl>
+                                        <p:attrNameLst>
+                                          <p:attrName>style.visibility</p:attrName>
+                                        </p:attrNameLst>
+                                      </p:cBhvr>
+                                      <p:to>
+                                        <p:strVal val="visible"/>
+                                      </p:to>
+                                    </p:set>
+                                  </p:childTnLst>
+                                </p:cTn>
+                              </p:par>
+                            </p:childTnLst>
+                          </p:cTn>
+                        </p:par>
+                      </p:childTnLst>
+                    </p:cTn>
+                  </p:par>
+                  <p:par>
+                    <p:cTn id="39" fill="hold">
+                      <p:stCondLst>
+                        <p:cond delay="indefinite"/>
+                      </p:stCondLst>
+                      <p:childTnLst>
+                        <p:par>
+                          <p:cTn id="40" fill="hold">
+                            <p:stCondLst>
+                              <p:cond delay="0"/>
+                            </p:stCondLst>
+                            <p:childTnLst>
+                              <p:par>
+                                <p:cTn id="41" presetID="1" presetClass="entr" presetSubtype="0" fill="hold" grpId="0" nodeType="clickEffect">
+                                  <p:stCondLst>
+                                    <p:cond delay="0"/>
+                                  </p:stCondLst>
+                                  <p:childTnLst>
+                                    <p:set>
+                                      <p:cBhvr>
+                                        <p:cTn id="42" dur="1" fill="hold">
+                                          <p:stCondLst>
+                                            <p:cond delay="0"/>
+                                          </p:stCondLst>
+                                        </p:cTn>
+                                        <p:tgtEl>
+                                          <p:spTgt spid="19"/>
+                                        </p:tgtEl>
+                                        <p:attrNameLst>
+                                          <p:attrName>style.visibility</p:attrName>
+                                        </p:attrNameLst>
+                                      </p:cBhvr>
+                                      <p:to>
+                                        <p:strVal val="visible"/>
+                                      </p:to>
+                                    </p:set>
+                                  </p:childTnLst>
+                                </p:cTn>
+                              </p:par>
+                              <p:par>
+                                <p:cTn id="43" presetID="1" presetClass="entr" presetSubtype="0" fill="hold" nodeType="withEffect">
+                                  <p:stCondLst>
+                                    <p:cond delay="0"/>
+                                  </p:stCondLst>
+                                  <p:childTnLst>
+                                    <p:set>
+                                      <p:cBhvr>
+                                        <p:cTn id="44" dur="1" fill="hold">
+                                          <p:stCondLst>
+                                            <p:cond delay="0"/>
+                                          </p:stCondLst>
+                                        </p:cTn>
+                                        <p:tgtEl>
+                                          <p:spTgt spid="21"/>
+                                        </p:tgtEl>
+                                        <p:attrNameLst>
+                                          <p:attrName>style.visibility</p:attrName>
+                                        </p:attrNameLst>
+                                      </p:cBhvr>
+                                      <p:to>
+                                        <p:strVal val="visible"/>
+                                      </p:to>
+                                    </p:set>
+                                  </p:childTnLst>
+                                </p:cTn>
+                              </p:par>
+                            </p:childTnLst>
+                          </p:cTn>
+                        </p:par>
+                      </p:childTnLst>
+                    </p:cTn>
+                  </p:par>
+                </p:childTnLst>
+              </p:cTn>
+              <p:prevCondLst>
+                <p:cond evt="onPrev" delay="0">
+                  <p:tgtEl>
+                    <p:sldTgt/>
+                  </p:tgtEl>
+                </p:cond>
+              </p:prevCondLst>
+              <p:nextCondLst>
+                <p:cond evt="onNext" delay="0">
+                  <p:tgtEl>
+                    <p:sldTgt/>
+                  </p:tgtEl>
+                </p:cond>
+              </p:nextCondLst>
+            </p:seq>
+          </p:childTnLst>
+        </p:cTn>
+      </p:par>
+    </p:tnLst>
+    <p:bldLst>
+      <p:bldP spid="10" grpId="0"/>
+      <p:bldP spid="15" grpId="0"/>
+      <p:bldP spid="19" grpId="0"/>
+      <p:bldP spid="22" grpId="0"/>
+      <p:bldP spid="27" grpId="0"/>
+      <p:bldP spid="31" grpId="0"/>
+      <p:bldP spid="37" grpId="0"/>
+      <p:bldP spid="40" grpId="0"/>
+    </p:bldLst>
+  </p:timing>
 </p:sld>
 </file>
 
@@ -11727,92 +14184,6 @@
         <p:txBody>
           <a:bodyPr/>
           <a:lstStyle/>
-          <a:p>
-            <a:r>
-              <a:rPr lang="de-DE" dirty="0" err="1"/>
-              <a:t>Named</a:t>
-            </a:r>
-            <a:r>
-              <a:rPr lang="de-DE" dirty="0"/>
-              <a:t> Tupels </a:t>
-            </a:r>
-            <a:r>
-              <a:rPr lang="de-DE" dirty="0" err="1"/>
-              <a:t>as</a:t>
-            </a:r>
-            <a:r>
-              <a:rPr lang="de-DE" dirty="0"/>
-              <a:t> a </a:t>
-            </a:r>
-            <a:r>
-              <a:rPr lang="de-DE" dirty="0" err="1"/>
-              <a:t>shortcut</a:t>
-            </a:r>
-            <a:r>
-              <a:rPr lang="de-DE" dirty="0"/>
-              <a:t> </a:t>
-            </a:r>
-            <a:r>
-              <a:rPr lang="de-DE" dirty="0" err="1"/>
-              <a:t>for</a:t>
-            </a:r>
-            <a:r>
-              <a:rPr lang="de-DE" dirty="0"/>
-              <a:t> </a:t>
-            </a:r>
-            <a:r>
-              <a:rPr lang="de-DE" dirty="0" err="1"/>
-              <a:t>classes</a:t>
-            </a:r>
-            <a:endParaRPr lang="de-DE" dirty="0"/>
-          </a:p>
-          <a:p>
-            <a:endParaRPr lang="de-DE" dirty="0"/>
-          </a:p>
-          <a:p>
-            <a:r>
-              <a:rPr lang="de-DE" dirty="0" err="1"/>
-              <a:t>Pre-Generated</a:t>
-            </a:r>
-            <a:r>
-              <a:rPr lang="de-DE" dirty="0"/>
-              <a:t> Getter </a:t>
-            </a:r>
-            <a:r>
-              <a:rPr lang="de-DE" dirty="0" err="1"/>
-              <a:t>for</a:t>
-            </a:r>
-            <a:r>
-              <a:rPr lang="de-DE" dirty="0"/>
-              <a:t> Data </a:t>
-            </a:r>
-            <a:r>
-              <a:rPr lang="de-DE" dirty="0" err="1"/>
-              <a:t>Structures</a:t>
-            </a:r>
-            <a:endParaRPr lang="de-DE" dirty="0"/>
-          </a:p>
-          <a:p>
-            <a:pPr lvl="1"/>
-            <a:r>
-              <a:rPr lang="de-DE" dirty="0" err="1"/>
-              <a:t>get_</a:t>
-            </a:r>
-            <a:r>
-              <a:rPr lang="de-DE" i="1" dirty="0" err="1"/>
-              <a:t>attributeName</a:t>
-            </a:r>
-            <a:r>
-              <a:rPr lang="de-DE" i="1" dirty="0"/>
-              <a:t>()</a:t>
-            </a:r>
-          </a:p>
-          <a:p>
-            <a:pPr marL="215900" lvl="1" indent="0">
-              <a:buNone/>
-            </a:pPr>
-            <a:endParaRPr lang="de-DE" i="1" dirty="0"/>
-          </a:p>
           <a:p>
             <a:r>
               <a:rPr lang="de-DE" dirty="0"/>
@@ -12782,6 +15153,184 @@
   <p:clrMapOvr>
     <a:masterClrMapping/>
   </p:clrMapOvr>
+  <p:timing>
+    <p:tnLst>
+      <p:par>
+        <p:cTn id="1" dur="indefinite" restart="never" nodeType="tmRoot">
+          <p:childTnLst>
+            <p:seq concurrent="1" nextAc="seek">
+              <p:cTn id="2" dur="indefinite" nodeType="mainSeq">
+                <p:childTnLst>
+                  <p:par>
+                    <p:cTn id="3" fill="hold">
+                      <p:stCondLst>
+                        <p:cond delay="indefinite"/>
+                      </p:stCondLst>
+                      <p:childTnLst>
+                        <p:par>
+                          <p:cTn id="4" fill="hold">
+                            <p:stCondLst>
+                              <p:cond delay="0"/>
+                            </p:stCondLst>
+                            <p:childTnLst>
+                              <p:par>
+                                <p:cTn id="5" presetID="1" presetClass="entr" presetSubtype="0" fill="hold" grpId="0" nodeType="clickEffect">
+                                  <p:stCondLst>
+                                    <p:cond delay="0"/>
+                                  </p:stCondLst>
+                                  <p:childTnLst>
+                                    <p:set>
+                                      <p:cBhvr>
+                                        <p:cTn id="6" dur="1" fill="hold">
+                                          <p:stCondLst>
+                                            <p:cond delay="0"/>
+                                          </p:stCondLst>
+                                        </p:cTn>
+                                        <p:tgtEl>
+                                          <p:spTgt spid="10"/>
+                                        </p:tgtEl>
+                                        <p:attrNameLst>
+                                          <p:attrName>style.visibility</p:attrName>
+                                        </p:attrNameLst>
+                                      </p:cBhvr>
+                                      <p:to>
+                                        <p:strVal val="visible"/>
+                                      </p:to>
+                                    </p:set>
+                                  </p:childTnLst>
+                                </p:cTn>
+                              </p:par>
+                              <p:par>
+                                <p:cTn id="7" presetID="1" presetClass="entr" presetSubtype="0" fill="hold" nodeType="withEffect">
+                                  <p:stCondLst>
+                                    <p:cond delay="0"/>
+                                  </p:stCondLst>
+                                  <p:childTnLst>
+                                    <p:set>
+                                      <p:cBhvr>
+                                        <p:cTn id="8" dur="1" fill="hold">
+                                          <p:stCondLst>
+                                            <p:cond delay="0"/>
+                                          </p:stCondLst>
+                                        </p:cTn>
+                                        <p:tgtEl>
+                                          <p:spTgt spid="13"/>
+                                        </p:tgtEl>
+                                        <p:attrNameLst>
+                                          <p:attrName>style.visibility</p:attrName>
+                                        </p:attrNameLst>
+                                      </p:cBhvr>
+                                      <p:to>
+                                        <p:strVal val="visible"/>
+                                      </p:to>
+                                    </p:set>
+                                  </p:childTnLst>
+                                </p:cTn>
+                              </p:par>
+                            </p:childTnLst>
+                          </p:cTn>
+                        </p:par>
+                      </p:childTnLst>
+                    </p:cTn>
+                  </p:par>
+                  <p:par>
+                    <p:cTn id="9" fill="hold">
+                      <p:stCondLst>
+                        <p:cond delay="indefinite"/>
+                      </p:stCondLst>
+                      <p:childTnLst>
+                        <p:par>
+                          <p:cTn id="10" fill="hold">
+                            <p:stCondLst>
+                              <p:cond delay="0"/>
+                            </p:stCondLst>
+                            <p:childTnLst>
+                              <p:par>
+                                <p:cTn id="11" presetID="1" presetClass="entr" presetSubtype="0" fill="hold" grpId="0" nodeType="clickEffect">
+                                  <p:stCondLst>
+                                    <p:cond delay="0"/>
+                                  </p:stCondLst>
+                                  <p:childTnLst>
+                                    <p:set>
+                                      <p:cBhvr>
+                                        <p:cTn id="12" dur="1" fill="hold">
+                                          <p:stCondLst>
+                                            <p:cond delay="0"/>
+                                          </p:stCondLst>
+                                        </p:cTn>
+                                        <p:tgtEl>
+                                          <p:spTgt spid="11"/>
+                                        </p:tgtEl>
+                                        <p:attrNameLst>
+                                          <p:attrName>style.visibility</p:attrName>
+                                        </p:attrNameLst>
+                                      </p:cBhvr>
+                                      <p:to>
+                                        <p:strVal val="visible"/>
+                                      </p:to>
+                                    </p:set>
+                                  </p:childTnLst>
+                                </p:cTn>
+                              </p:par>
+                              <p:par>
+                                <p:cTn id="13" presetID="1" presetClass="entr" presetSubtype="0" fill="hold" nodeType="withEffect">
+                                  <p:stCondLst>
+                                    <p:cond delay="0"/>
+                                  </p:stCondLst>
+                                  <p:childTnLst>
+                                    <p:set>
+                                      <p:cBhvr>
+                                        <p:cTn id="14" dur="1" fill="hold">
+                                          <p:stCondLst>
+                                            <p:cond delay="0"/>
+                                          </p:stCondLst>
+                                        </p:cTn>
+                                        <p:tgtEl>
+                                          <p:spTgt spid="17"/>
+                                        </p:tgtEl>
+                                        <p:attrNameLst>
+                                          <p:attrName>style.visibility</p:attrName>
+                                        </p:attrNameLst>
+                                      </p:cBhvr>
+                                      <p:to>
+                                        <p:strVal val="visible"/>
+                                      </p:to>
+                                    </p:set>
+                                  </p:childTnLst>
+                                </p:cTn>
+                              </p:par>
+                            </p:childTnLst>
+                          </p:cTn>
+                        </p:par>
+                      </p:childTnLst>
+                    </p:cTn>
+                  </p:par>
+                </p:childTnLst>
+              </p:cTn>
+              <p:prevCondLst>
+                <p:cond evt="onPrev" delay="0">
+                  <p:tgtEl>
+                    <p:sldTgt/>
+                  </p:tgtEl>
+                </p:cond>
+              </p:prevCondLst>
+              <p:nextCondLst>
+                <p:cond evt="onNext" delay="0">
+                  <p:tgtEl>
+                    <p:sldTgt/>
+                  </p:tgtEl>
+                </p:cond>
+              </p:nextCondLst>
+            </p:seq>
+          </p:childTnLst>
+        </p:cTn>
+      </p:par>
+    </p:tnLst>
+    <p:bldLst>
+      <p:bldP spid="10" grpId="0"/>
+      <p:bldP spid="11" grpId="0"/>
+    </p:bldLst>
+  </p:timing>
 </p:sld>
 </file>
 

--- a/Presentation/PureFun-Presentation.pptx
+++ b/Presentation/PureFun-Presentation.pptx
@@ -289,7 +289,7 @@
               <a:pPr>
                 <a:defRPr/>
               </a:pPr>
-              <a:t>27.06.2019</a:t>
+              <a:t>03.07.2019</a:t>
             </a:fld>
             <a:endParaRPr lang="de-DE" altLang="de-DE" dirty="0"/>
           </a:p>
@@ -494,7 +494,7 @@
               <a:pPr>
                 <a:defRPr/>
               </a:pPr>
-              <a:t>27.06.2019</a:t>
+              <a:t>03.07.2019</a:t>
             </a:fld>
             <a:endParaRPr lang="de-DE" altLang="de-DE" dirty="0"/>
           </a:p>
@@ -4370,7 +4370,7 @@
                   <a:schemeClr val="tx1"/>
                 </a:solidFill>
               </a:rPr>
-              <a:t>Adrian, Alexander, Pascal | </a:t>
+              <a:t>Adrian Schmitz, Alexander Gerstenberger, Pascal Siewert | </a:t>
             </a:r>
             <a:r>
               <a:rPr lang="de-DE" altLang="en-US" sz="900" dirty="0"/>
@@ -5935,7 +5935,7 @@
             </a:r>
             <a:r>
               <a:rPr lang="de-DE" dirty="0" err="1"/>
-              <a:t>Typechecking</a:t>
+              <a:t>typechecking</a:t>
             </a:r>
             <a:endParaRPr lang="de-DE" dirty="0"/>
           </a:p>
@@ -5959,7 +5959,15 @@
             </a:r>
             <a:r>
               <a:rPr lang="de-DE" dirty="0"/>
-              <a:t> Tupels </a:t>
+              <a:t> </a:t>
+            </a:r>
+            <a:r>
+              <a:rPr lang="de-DE" dirty="0" err="1"/>
+              <a:t>tupels</a:t>
+            </a:r>
+            <a:r>
+              <a:rPr lang="de-DE" dirty="0"/>
+              <a:t> </a:t>
             </a:r>
             <a:r>
               <a:rPr lang="de-DE" dirty="0" err="1"/>
@@ -5997,7 +6005,7 @@
           <a:p>
             <a:r>
               <a:rPr lang="en-GB" dirty="0"/>
-              <a:t>Code Inclusion</a:t>
+              <a:t>Code inclusion</a:t>
             </a:r>
           </a:p>
           <a:p>
@@ -6006,7 +6014,7 @@
           <a:p>
             <a:r>
               <a:rPr lang="en-GB" dirty="0"/>
-              <a:t>Well Structured Output</a:t>
+              <a:t>Well structured output</a:t>
             </a:r>
           </a:p>
           <a:p>
@@ -6031,21 +6039,21 @@
           <a:p>
             <a:r>
               <a:rPr lang="en-GB" dirty="0"/>
-              <a:t>More Parallel Execution</a:t>
+              <a:t>More parallel execution</a:t>
             </a:r>
           </a:p>
           <a:p>
             <a:pPr lvl="1"/>
             <a:r>
               <a:rPr lang="en-GB" dirty="0"/>
-              <a:t>Loop Parallelization</a:t>
+              <a:t>Loop parallelization</a:t>
             </a:r>
           </a:p>
           <a:p>
             <a:pPr lvl="1"/>
             <a:r>
               <a:rPr lang="en-GB" dirty="0"/>
-              <a:t>GPU Support</a:t>
+              <a:t>GPU support</a:t>
             </a:r>
           </a:p>
           <a:p>
@@ -6516,321 +6524,6 @@
           </p:txBody>
         </p:sp>
       </p:grpSp>
-      <p:sp>
-        <p:nvSpPr>
-          <p:cNvPr id="10" name="Inhaltsplatzhalter 1">
-            <a:extLst>
-              <a:ext uri="{FF2B5EF4-FFF2-40B4-BE49-F238E27FC236}">
-                <a16:creationId xmlns:a16="http://schemas.microsoft.com/office/drawing/2014/main" id="{0E8999A3-5EB4-4D2E-A2D3-4E7733F23E2E}"/>
-              </a:ext>
-            </a:extLst>
-          </p:cNvPr>
-          <p:cNvSpPr txBox="1">
-            <a:spLocks/>
-          </p:cNvSpPr>
-          <p:nvPr/>
-        </p:nvSpPr>
-        <p:spPr>
-          <a:xfrm>
-            <a:off x="384000" y="1236029"/>
-            <a:ext cx="5652000" cy="4385941"/>
-          </a:xfrm>
-          <a:prstGeom prst="rect">
-            <a:avLst/>
-          </a:prstGeom>
-        </p:spPr>
-        <p:txBody>
-          <a:bodyPr lIns="0" tIns="0" rIns="0" bIns="0"/>
-          <a:lstStyle>
-            <a:lvl1pPr marL="215900" indent="-215900" algn="l" defTabSz="215900" rtl="0" eaLnBrk="1" fontAlgn="base" hangingPunct="1">
-              <a:spcBef>
-                <a:spcPct val="0"/>
-              </a:spcBef>
-              <a:spcAft>
-                <a:spcPct val="0"/>
-              </a:spcAft>
-              <a:buClr>
-                <a:schemeClr val="tx2"/>
-              </a:buClr>
-              <a:buFont typeface="Arial" panose="020B0604020202020204" pitchFamily="34" charset="0"/>
-              <a:buChar char="•"/>
-              <a:tabLst>
-                <a:tab pos="215900" algn="l"/>
-              </a:tabLst>
-              <a:defRPr kern="1200">
-                <a:solidFill>
-                  <a:schemeClr val="tx1"/>
-                </a:solidFill>
-                <a:latin typeface="Arial" panose="020B0604020202020204" pitchFamily="34" charset="0"/>
-                <a:ea typeface="ＭＳ Ｐゴシック" charset="0"/>
-                <a:cs typeface="Arial" panose="020B0604020202020204" pitchFamily="34" charset="0"/>
-              </a:defRPr>
-            </a:lvl1pPr>
-            <a:lvl2pPr marL="431800" indent="-215900" algn="l" rtl="0" eaLnBrk="1" fontAlgn="base" hangingPunct="1">
-              <a:spcBef>
-                <a:spcPct val="0"/>
-              </a:spcBef>
-              <a:spcAft>
-                <a:spcPct val="0"/>
-              </a:spcAft>
-              <a:buClr>
-                <a:schemeClr val="tx2"/>
-              </a:buClr>
-              <a:buFont typeface="Symbol" panose="05050102010706020507" pitchFamily="18" charset="2"/>
-              <a:buChar char="-"/>
-              <a:tabLst>
-                <a:tab pos="431800" algn="l"/>
-              </a:tabLst>
-              <a:defRPr sz="1600" kern="1200">
-                <a:solidFill>
-                  <a:schemeClr val="tx1"/>
-                </a:solidFill>
-                <a:latin typeface="Arial" panose="020B0604020202020204" pitchFamily="34" charset="0"/>
-                <a:ea typeface="Arial" charset="0"/>
-                <a:cs typeface="Arial" panose="020B0604020202020204" pitchFamily="34" charset="0"/>
-              </a:defRPr>
-            </a:lvl2pPr>
-            <a:lvl3pPr marL="648000" indent="-216000" algn="l" defTabSz="215900" rtl="0" eaLnBrk="1" fontAlgn="base" hangingPunct="1">
-              <a:spcBef>
-                <a:spcPct val="0"/>
-              </a:spcBef>
-              <a:spcAft>
-                <a:spcPct val="0"/>
-              </a:spcAft>
-              <a:buClr>
-                <a:schemeClr val="tx2"/>
-              </a:buClr>
-              <a:buSzPct val="80000"/>
-              <a:buFont typeface="Wingdings" panose="05000000000000000000" pitchFamily="2" charset="2"/>
-              <a:buChar char="§"/>
-              <a:tabLst>
-                <a:tab pos="647700" algn="l"/>
-              </a:tabLst>
-              <a:defRPr sz="1600" kern="1200">
-                <a:solidFill>
-                  <a:schemeClr val="tx1"/>
-                </a:solidFill>
-                <a:latin typeface="Arial" panose="020B0604020202020204" pitchFamily="34" charset="0"/>
-                <a:ea typeface="Arial" charset="0"/>
-                <a:cs typeface="Arial" panose="020B0604020202020204" pitchFamily="34" charset="0"/>
-              </a:defRPr>
-            </a:lvl3pPr>
-            <a:lvl4pPr marL="864000" marR="0" indent="-216000" algn="l" defTabSz="215900" rtl="0" eaLnBrk="1" fontAlgn="base" latinLnBrk="0" hangingPunct="1">
-              <a:lnSpc>
-                <a:spcPct val="100000"/>
-              </a:lnSpc>
-              <a:spcBef>
-                <a:spcPct val="0"/>
-              </a:spcBef>
-              <a:spcAft>
-                <a:spcPct val="0"/>
-              </a:spcAft>
-              <a:buClr>
-                <a:schemeClr val="tx2"/>
-              </a:buClr>
-              <a:buSzPct val="100000"/>
-              <a:buFont typeface="Symbol" panose="05050102010706020507" pitchFamily="18" charset="2"/>
-              <a:buChar char="-"/>
-              <a:tabLst>
-                <a:tab pos="863600" algn="l"/>
-              </a:tabLst>
-              <a:defRPr sz="1600" kern="1200" spc="0" baseline="0">
-                <a:solidFill>
-                  <a:schemeClr val="tx1"/>
-                </a:solidFill>
-                <a:latin typeface="Arial" panose="020B0604020202020204" pitchFamily="34" charset="0"/>
-                <a:ea typeface="Arial" charset="0"/>
-                <a:cs typeface="Arial" panose="020B0604020202020204" pitchFamily="34" charset="0"/>
-              </a:defRPr>
-            </a:lvl4pPr>
-            <a:lvl5pPr marL="863600" indent="-215900" algn="l" rtl="0" eaLnBrk="1" fontAlgn="base" hangingPunct="1">
-              <a:lnSpc>
-                <a:spcPct val="90000"/>
-              </a:lnSpc>
-              <a:spcBef>
-                <a:spcPct val="0"/>
-              </a:spcBef>
-              <a:spcAft>
-                <a:spcPct val="0"/>
-              </a:spcAft>
-              <a:buClr>
-                <a:schemeClr val="tx2"/>
-              </a:buClr>
-              <a:buFont typeface="Arial" panose="020B0604020202020204" pitchFamily="34" charset="0"/>
-              <a:buChar char="-"/>
-              <a:tabLst>
-                <a:tab pos="895350" algn="l"/>
-              </a:tabLst>
-              <a:defRPr sz="1600" kern="1200">
-                <a:solidFill>
-                  <a:schemeClr val="tx1"/>
-                </a:solidFill>
-                <a:latin typeface="Arial" panose="020B0604020202020204" pitchFamily="34" charset="0"/>
-                <a:ea typeface="Arial" charset="0"/>
-                <a:cs typeface="Arial" panose="020B0604020202020204" pitchFamily="34" charset="0"/>
-              </a:defRPr>
-            </a:lvl5pPr>
-            <a:lvl6pPr marL="2514600" indent="-228600" algn="l" defTabSz="914400" rtl="0" eaLnBrk="1" latinLnBrk="0" hangingPunct="1">
-              <a:lnSpc>
-                <a:spcPct val="90000"/>
-              </a:lnSpc>
-              <a:spcBef>
-                <a:spcPts val="500"/>
-              </a:spcBef>
-              <a:buFont typeface="Arial" panose="020B0604020202020204" pitchFamily="34" charset="0"/>
-              <a:buChar char="•"/>
-              <a:defRPr sz="1800" kern="1200">
-                <a:solidFill>
-                  <a:schemeClr val="tx1"/>
-                </a:solidFill>
-                <a:latin typeface="+mn-lt"/>
-                <a:ea typeface="+mn-ea"/>
-                <a:cs typeface="+mn-cs"/>
-              </a:defRPr>
-            </a:lvl6pPr>
-            <a:lvl7pPr marL="2971800" indent="-228600" algn="l" defTabSz="914400" rtl="0" eaLnBrk="1" latinLnBrk="0" hangingPunct="1">
-              <a:lnSpc>
-                <a:spcPct val="90000"/>
-              </a:lnSpc>
-              <a:spcBef>
-                <a:spcPts val="500"/>
-              </a:spcBef>
-              <a:buFont typeface="Arial" panose="020B0604020202020204" pitchFamily="34" charset="0"/>
-              <a:buChar char="•"/>
-              <a:defRPr sz="1800" kern="1200">
-                <a:solidFill>
-                  <a:schemeClr val="tx1"/>
-                </a:solidFill>
-                <a:latin typeface="+mn-lt"/>
-                <a:ea typeface="+mn-ea"/>
-                <a:cs typeface="+mn-cs"/>
-              </a:defRPr>
-            </a:lvl7pPr>
-            <a:lvl8pPr marL="3429000" indent="-228600" algn="l" defTabSz="914400" rtl="0" eaLnBrk="1" latinLnBrk="0" hangingPunct="1">
-              <a:lnSpc>
-                <a:spcPct val="90000"/>
-              </a:lnSpc>
-              <a:spcBef>
-                <a:spcPts val="500"/>
-              </a:spcBef>
-              <a:buFont typeface="Arial" panose="020B0604020202020204" pitchFamily="34" charset="0"/>
-              <a:buChar char="•"/>
-              <a:defRPr sz="1800" kern="1200">
-                <a:solidFill>
-                  <a:schemeClr val="tx1"/>
-                </a:solidFill>
-                <a:latin typeface="+mn-lt"/>
-                <a:ea typeface="+mn-ea"/>
-                <a:cs typeface="+mn-cs"/>
-              </a:defRPr>
-            </a:lvl8pPr>
-            <a:lvl9pPr marL="3886200" indent="-228600" algn="l" defTabSz="914400" rtl="0" eaLnBrk="1" latinLnBrk="0" hangingPunct="1">
-              <a:lnSpc>
-                <a:spcPct val="90000"/>
-              </a:lnSpc>
-              <a:spcBef>
-                <a:spcPts val="500"/>
-              </a:spcBef>
-              <a:buFont typeface="Arial" panose="020B0604020202020204" pitchFamily="34" charset="0"/>
-              <a:buChar char="•"/>
-              <a:defRPr sz="1800" kern="1200">
-                <a:solidFill>
-                  <a:schemeClr val="tx1"/>
-                </a:solidFill>
-                <a:latin typeface="+mn-lt"/>
-                <a:ea typeface="+mn-ea"/>
-                <a:cs typeface="+mn-cs"/>
-              </a:defRPr>
-            </a:lvl9pPr>
-          </a:lstStyle>
-          <a:p>
-            <a:r>
-              <a:rPr lang="de-DE"/>
-              <a:t>Improved Typechecking</a:t>
-            </a:r>
-          </a:p>
-          <a:p>
-            <a:endParaRPr lang="de-DE"/>
-          </a:p>
-          <a:p>
-            <a:r>
-              <a:rPr lang="en-GB"/>
-              <a:t>Optionals</a:t>
-            </a:r>
-          </a:p>
-          <a:p>
-            <a:endParaRPr lang="en-GB"/>
-          </a:p>
-          <a:p>
-            <a:r>
-              <a:rPr lang="de-DE"/>
-              <a:t>Named Tupels as a shortcut for classes</a:t>
-            </a:r>
-            <a:endParaRPr lang="en-GB"/>
-          </a:p>
-          <a:p>
-            <a:endParaRPr lang="en-GB"/>
-          </a:p>
-          <a:p>
-            <a:r>
-              <a:rPr lang="en-GB"/>
-              <a:t>Code Inclusion</a:t>
-            </a:r>
-          </a:p>
-          <a:p>
-            <a:endParaRPr lang="en-GB"/>
-          </a:p>
-          <a:p>
-            <a:r>
-              <a:rPr lang="en-GB"/>
-              <a:t>Well Structured Output</a:t>
-            </a:r>
-          </a:p>
-          <a:p>
-            <a:endParaRPr lang="en-GB"/>
-          </a:p>
-          <a:p>
-            <a:r>
-              <a:rPr lang="en-GB"/>
-              <a:t>Predefined libraries</a:t>
-            </a:r>
-          </a:p>
-          <a:p>
-            <a:pPr lvl="1"/>
-            <a:r>
-              <a:rPr lang="en-GB"/>
-              <a:t>Map/Reduce </a:t>
-            </a:r>
-          </a:p>
-          <a:p>
-            <a:endParaRPr lang="en-GB"/>
-          </a:p>
-          <a:p>
-            <a:r>
-              <a:rPr lang="en-GB"/>
-              <a:t>More Parallel Execution</a:t>
-            </a:r>
-          </a:p>
-          <a:p>
-            <a:pPr lvl="1"/>
-            <a:r>
-              <a:rPr lang="en-GB"/>
-              <a:t>Loop Parallelization</a:t>
-            </a:r>
-          </a:p>
-          <a:p>
-            <a:pPr lvl="1"/>
-            <a:r>
-              <a:rPr lang="en-GB"/>
-              <a:t>GPU Support</a:t>
-            </a:r>
-          </a:p>
-          <a:p>
-            <a:pPr lvl="1"/>
-            <a:endParaRPr lang="en-GB" dirty="0"/>
-          </a:p>
-        </p:txBody>
-      </p:sp>
       <p:grpSp>
         <p:nvGrpSpPr>
           <p:cNvPr id="11" name="Gruppieren 10">
@@ -7372,11 +7065,11 @@
           <a:p>
             <a:r>
               <a:rPr lang="de-DE" dirty="0"/>
-              <a:t>Imperativ </a:t>
+              <a:t>Imperative </a:t>
             </a:r>
             <a:r>
               <a:rPr lang="en-GB" dirty="0"/>
-              <a:t>Programming Languages (e.g. </a:t>
+              <a:t>programming languages (e.g. </a:t>
             </a:r>
             <a:r>
               <a:rPr lang="de-DE" dirty="0"/>
@@ -7387,64 +7080,77 @@
             <a:pPr lvl="1"/>
             <a:r>
               <a:rPr lang="de-DE" dirty="0"/>
-              <a:t>Possible Side </a:t>
+              <a:t>Possible </a:t>
             </a:r>
             <a:r>
               <a:rPr lang="de-DE" dirty="0" err="1"/>
-              <a:t>Effects</a:t>
+              <a:t>side</a:t>
             </a:r>
             <a:r>
               <a:rPr lang="de-DE" dirty="0"/>
               <a:t> </a:t>
             </a:r>
+            <a:r>
+              <a:rPr lang="de-DE" dirty="0" err="1"/>
+              <a:t>effects</a:t>
+            </a:r>
+            <a:r>
+              <a:rPr lang="de-DE" dirty="0"/>
+              <a:t> </a:t>
+            </a:r>
           </a:p>
           <a:p>
             <a:pPr lvl="1"/>
             <a:r>
               <a:rPr lang="de-DE" dirty="0"/>
-              <a:t>Code Efficiency </a:t>
+              <a:t>Code </a:t>
             </a:r>
             <a:r>
               <a:rPr lang="de-DE" dirty="0" err="1"/>
-              <a:t>Depents</a:t>
+              <a:t>efficiency</a:t>
             </a:r>
             <a:r>
               <a:rPr lang="de-DE" dirty="0"/>
-              <a:t> on User</a:t>
-            </a:r>
-          </a:p>
-          <a:p>
+              <a:t> </a:t>
+            </a:r>
+            <a:r>
+              <a:rPr lang="de-DE" dirty="0" err="1"/>
+              <a:t>depends</a:t>
+            </a:r>
+            <a:r>
+              <a:rPr lang="de-DE" dirty="0"/>
+              <a:t> on </a:t>
+            </a:r>
+            <a:r>
+              <a:rPr lang="de-DE" dirty="0" err="1"/>
+              <a:t>user</a:t>
+            </a:r>
             <a:endParaRPr lang="de-DE" dirty="0"/>
           </a:p>
           <a:p>
             <a:endParaRPr lang="de-DE" dirty="0"/>
           </a:p>
           <a:p>
+            <a:endParaRPr lang="de-DE" dirty="0"/>
+          </a:p>
+          <a:p>
             <a:r>
               <a:rPr lang="en-GB" dirty="0"/>
-              <a:t>Functional Programming Languages (e.g. Haskell)</a:t>
+              <a:t>Functional programming languages (e.g. Haskell)</a:t>
             </a:r>
           </a:p>
           <a:p>
             <a:pPr lvl="1"/>
             <a:r>
               <a:rPr lang="en-GB" dirty="0"/>
-              <a:t>No Side Effects</a:t>
+              <a:t>No side effects</a:t>
             </a:r>
           </a:p>
           <a:p>
             <a:pPr lvl="1"/>
             <a:r>
               <a:rPr lang="en-GB" dirty="0"/>
-              <a:t>Code Efficiency </a:t>
-            </a:r>
-            <a:r>
-              <a:rPr lang="en-GB" dirty="0" err="1"/>
-              <a:t>Depents</a:t>
-            </a:r>
-            <a:r>
-              <a:rPr lang="en-GB" dirty="0"/>
-              <a:t> on Compiler</a:t>
+              <a:t>Code efficiency depends on compiler</a:t>
             </a:r>
           </a:p>
           <a:p>
@@ -7510,15 +7216,23 @@
           <a:p>
             <a:r>
               <a:rPr lang="de-DE" dirty="0"/>
-              <a:t>Imperativ Pure </a:t>
+              <a:t>Imperative pure </a:t>
             </a:r>
             <a:r>
               <a:rPr lang="de-DE" dirty="0" err="1"/>
-              <a:t>Programming</a:t>
+              <a:t>programming</a:t>
             </a:r>
             <a:r>
               <a:rPr lang="de-DE" dirty="0"/>
-              <a:t> Language (</a:t>
+              <a:t> </a:t>
+            </a:r>
+            <a:r>
+              <a:rPr lang="de-DE" dirty="0" err="1"/>
+              <a:t>language</a:t>
+            </a:r>
+            <a:r>
+              <a:rPr lang="de-DE" dirty="0"/>
+              <a:t> (</a:t>
             </a:r>
             <a:r>
               <a:rPr lang="de-DE" dirty="0" err="1"/>
@@ -7533,7 +7247,7 @@
             <a:pPr lvl="1"/>
             <a:r>
               <a:rPr lang="en-GB" dirty="0"/>
-              <a:t>No Side Effects</a:t>
+              <a:t>No side effects</a:t>
             </a:r>
           </a:p>
           <a:p>
@@ -7544,15 +7258,27 @@
             <a:pPr lvl="1"/>
             <a:r>
               <a:rPr lang="de-DE" dirty="0"/>
-              <a:t>Code Efficiency </a:t>
+              <a:t>Code </a:t>
             </a:r>
             <a:r>
               <a:rPr lang="de-DE" dirty="0" err="1"/>
-              <a:t>Depents</a:t>
+              <a:t>efficiency</a:t>
             </a:r>
             <a:r>
               <a:rPr lang="de-DE" dirty="0"/>
-              <a:t> on User</a:t>
+              <a:t> </a:t>
+            </a:r>
+            <a:r>
+              <a:rPr lang="de-DE" dirty="0" err="1"/>
+              <a:t>depends</a:t>
+            </a:r>
+            <a:r>
+              <a:rPr lang="de-DE" dirty="0"/>
+              <a:t> on </a:t>
+            </a:r>
+            <a:r>
+              <a:rPr lang="de-DE" dirty="0" err="1"/>
+              <a:t>user</a:t>
             </a:r>
             <a:endParaRPr lang="de-DE" i="1" dirty="0"/>
           </a:p>
@@ -7989,7 +7715,7 @@
           <a:p>
             <a:r>
               <a:rPr lang="de-DE" dirty="0" err="1"/>
-              <a:t>Difficulties</a:t>
+              <a:t>Challenges</a:t>
             </a:r>
             <a:endParaRPr lang="de-DE" dirty="0"/>
           </a:p>
@@ -8106,7 +7832,7 @@
             </a:r>
             <a:r>
               <a:rPr lang="de-DE" dirty="0" err="1"/>
-              <a:t>Functions</a:t>
+              <a:t>functions</a:t>
             </a:r>
             <a:endParaRPr lang="de-DE" dirty="0"/>
           </a:p>
@@ -8118,11 +7844,47 @@
             </a:r>
             <a:r>
               <a:rPr lang="de-DE" dirty="0"/>
-              <a:t> Side </a:t>
+              <a:t> </a:t>
             </a:r>
             <a:r>
               <a:rPr lang="de-DE" dirty="0" err="1"/>
-              <a:t>Effects</a:t>
+              <a:t>side</a:t>
+            </a:r>
+            <a:r>
+              <a:rPr lang="de-DE" dirty="0"/>
+              <a:t> </a:t>
+            </a:r>
+            <a:r>
+              <a:rPr lang="de-DE" dirty="0" err="1"/>
+              <a:t>effects</a:t>
+            </a:r>
+            <a:endParaRPr lang="de-DE" dirty="0"/>
+          </a:p>
+          <a:p>
+            <a:pPr lvl="1"/>
+            <a:r>
+              <a:rPr lang="de-DE" dirty="0"/>
+              <a:t>Well </a:t>
+            </a:r>
+            <a:r>
+              <a:rPr lang="de-DE" dirty="0" err="1"/>
+              <a:t>suited</a:t>
+            </a:r>
+            <a:r>
+              <a:rPr lang="de-DE" dirty="0"/>
+              <a:t> </a:t>
+            </a:r>
+            <a:r>
+              <a:rPr lang="de-DE" dirty="0" err="1"/>
+              <a:t>for</a:t>
+            </a:r>
+            <a:r>
+              <a:rPr lang="de-DE" dirty="0"/>
+              <a:t> </a:t>
+            </a:r>
+            <a:r>
+              <a:rPr lang="de-DE" dirty="0" err="1"/>
+              <a:t>parallelism</a:t>
             </a:r>
             <a:endParaRPr lang="de-DE" dirty="0"/>
           </a:p>
@@ -8133,6 +7895,24 @@
           <a:p>
             <a:r>
               <a:rPr lang="de-DE" dirty="0" err="1"/>
+              <a:t>Built</a:t>
+            </a:r>
+            <a:r>
+              <a:rPr lang="de-DE" dirty="0"/>
+              <a:t>-in parallel </a:t>
+            </a:r>
+            <a:r>
+              <a:rPr lang="de-DE" dirty="0" err="1"/>
+              <a:t>features</a:t>
+            </a:r>
+            <a:endParaRPr lang="de-DE" dirty="0"/>
+          </a:p>
+          <a:p>
+            <a:endParaRPr lang="de-DE" dirty="0"/>
+          </a:p>
+          <a:p>
+            <a:r>
+              <a:rPr lang="de-DE" dirty="0" err="1"/>
               <a:t>Readability</a:t>
             </a:r>
             <a:r>
@@ -8141,7 +7921,7 @@
             </a:r>
             <a:r>
               <a:rPr lang="de-DE" dirty="0" err="1"/>
-              <a:t>Similar</a:t>
+              <a:t>similar</a:t>
             </a:r>
             <a:r>
               <a:rPr lang="de-DE" dirty="0"/>
@@ -8162,46 +7942,31 @@
           <a:p>
             <a:r>
               <a:rPr lang="de-DE" dirty="0"/>
-              <a:t>C++ Performance (Control)</a:t>
-            </a:r>
-          </a:p>
-          <a:p>
-            <a:pPr lvl="1"/>
+              <a:t>C++ </a:t>
+            </a:r>
             <a:r>
               <a:rPr lang="de-DE" dirty="0" err="1"/>
-              <a:t>Parsed</a:t>
+              <a:t>performance</a:t>
             </a:r>
             <a:r>
               <a:rPr lang="de-DE" dirty="0"/>
               <a:t> </a:t>
             </a:r>
-            <a:r>
-              <a:rPr lang="de-DE" dirty="0" err="1"/>
-              <a:t>to</a:t>
-            </a:r>
+          </a:p>
+          <a:p>
+            <a:pPr lvl="1"/>
             <a:r>
               <a:rPr lang="de-DE" dirty="0"/>
-              <a:t> </a:t>
-            </a:r>
-            <a:r>
-              <a:rPr lang="de-DE" dirty="0" err="1"/>
-              <a:t>Equivalent</a:t>
-            </a:r>
+              <a:t>Generates C++ source code</a:t>
+            </a:r>
+          </a:p>
+          <a:p>
+            <a:endParaRPr lang="de-DE" dirty="0"/>
+          </a:p>
+          <a:p>
             <a:r>
               <a:rPr lang="de-DE" dirty="0"/>
-              <a:t> C++ Source Code</a:t>
-            </a:r>
-          </a:p>
-          <a:p>
-            <a:pPr marL="216000" lvl="1" indent="0">
-              <a:buNone/>
-            </a:pPr>
-            <a:endParaRPr lang="de-DE" dirty="0"/>
-          </a:p>
-          <a:p>
-            <a:r>
-              <a:rPr lang="de-DE" dirty="0"/>
-              <a:t>Common Feature Support</a:t>
+              <a:t>Common feature support</a:t>
             </a:r>
           </a:p>
           <a:p>
@@ -8216,21 +7981,20 @@
           </a:p>
           <a:p>
             <a:r>
+              <a:rPr lang="de-DE" dirty="0"/>
+              <a:t>Turing </a:t>
+            </a:r>
+            <a:r>
               <a:rPr lang="de-DE" dirty="0" err="1"/>
-              <a:t>No</a:t>
+              <a:t>complete</a:t>
             </a:r>
             <a:r>
               <a:rPr lang="de-DE" dirty="0"/>
-              <a:t> DSL but Turing </a:t>
-            </a:r>
-            <a:r>
-              <a:rPr lang="de-DE" dirty="0" err="1"/>
-              <a:t>Complete</a:t>
-            </a:r>
-            <a:r>
-              <a:rPr lang="de-DE" dirty="0"/>
-              <a:t> Language</a:t>
-            </a:r>
+              <a:t> DSL</a:t>
+            </a:r>
+          </a:p>
+          <a:p>
+            <a:endParaRPr lang="de-DE" dirty="0"/>
           </a:p>
           <a:p>
             <a:pPr lvl="1"/>
@@ -8865,21 +8629,7 @@
                   <a:latin typeface="Courier New" pitchFamily="49" charset="0"/>
                   <a:cs typeface="Courier New" pitchFamily="49" charset="0"/>
                 </a:rPr>
-                <a:t>  </a:t>
-              </a:r>
-              <a:r>
-                <a:rPr lang="en-US" b="1" dirty="0" err="1">
-                  <a:latin typeface="Courier New" pitchFamily="49" charset="0"/>
-                  <a:cs typeface="Courier New" pitchFamily="49" charset="0"/>
-                </a:rPr>
-                <a:t>tupel</a:t>
-              </a:r>
-              <a:r>
-                <a:rPr lang="en-US" b="1" dirty="0">
-                  <a:latin typeface="Courier New" pitchFamily="49" charset="0"/>
-                  <a:cs typeface="Courier New" pitchFamily="49" charset="0"/>
-                </a:rPr>
-                <a:t> &lt;Int, String&gt; = &lt;1, “</a:t>
+                <a:t>  tuple &lt;Int, String&gt; = &lt;1, “</a:t>
               </a:r>
               <a:r>
                 <a:rPr lang="en-US" b="1" dirty="0" err="1">
@@ -9267,7 +9017,23 @@
                   <a:schemeClr val="tx2"/>
                 </a:solidFill>
               </a:rPr>
-              <a:t>8 Bit Integer</a:t>
+              <a:t>8 </a:t>
+            </a:r>
+            <a:r>
+              <a:rPr lang="de-DE" dirty="0" err="1">
+                <a:solidFill>
+                  <a:schemeClr val="tx2"/>
+                </a:solidFill>
+              </a:rPr>
+              <a:t>bit</a:t>
+            </a:r>
+            <a:r>
+              <a:rPr lang="de-DE" dirty="0">
+                <a:solidFill>
+                  <a:schemeClr val="tx2"/>
+                </a:solidFill>
+              </a:rPr>
+              <a:t> integer</a:t>
             </a:r>
             <a:endParaRPr lang="en-GB" dirty="0">
               <a:solidFill>
@@ -9353,7 +9119,23 @@
                   <a:schemeClr val="tx2"/>
                 </a:solidFill>
               </a:rPr>
-              <a:t>Optional Colon </a:t>
+              <a:t>Optional </a:t>
+            </a:r>
+            <a:r>
+              <a:rPr lang="de-DE" dirty="0" err="1">
+                <a:solidFill>
+                  <a:schemeClr val="tx2"/>
+                </a:solidFill>
+              </a:rPr>
+              <a:t>colon</a:t>
+            </a:r>
+            <a:r>
+              <a:rPr lang="de-DE" dirty="0">
+                <a:solidFill>
+                  <a:schemeClr val="tx2"/>
+                </a:solidFill>
+              </a:rPr>
+              <a:t> </a:t>
             </a:r>
             <a:endParaRPr lang="en-GB" dirty="0">
               <a:solidFill>
@@ -9441,7 +9223,15 @@
                   <a:schemeClr val="tx2"/>
                 </a:solidFill>
               </a:rPr>
-              <a:t>Variable Name</a:t>
+              <a:t>Variable </a:t>
+            </a:r>
+            <a:r>
+              <a:rPr lang="de-DE" dirty="0" err="1">
+                <a:solidFill>
+                  <a:schemeClr val="tx2"/>
+                </a:solidFill>
+              </a:rPr>
+              <a:t>name</a:t>
             </a:r>
             <a:endParaRPr lang="en-GB" dirty="0">
               <a:solidFill>
@@ -9526,7 +9316,7 @@
                   <a:schemeClr val="tx2"/>
                 </a:solidFill>
               </a:rPr>
-              <a:t>Variable Type</a:t>
+              <a:t>Variable type</a:t>
             </a:r>
             <a:endParaRPr lang="en-GB" dirty="0">
               <a:solidFill>
@@ -9619,7 +9409,15 @@
                   <a:schemeClr val="tx2"/>
                 </a:solidFill>
               </a:rPr>
-              <a:t> Declaration</a:t>
+              <a:t> </a:t>
+            </a:r>
+            <a:r>
+              <a:rPr lang="de-DE" dirty="0" err="1">
+                <a:solidFill>
+                  <a:schemeClr val="tx2"/>
+                </a:solidFill>
+              </a:rPr>
+              <a:t>declaration</a:t>
             </a:r>
             <a:endParaRPr lang="en-GB" dirty="0">
               <a:solidFill>
@@ -9721,7 +9519,7 @@
                   <a:schemeClr val="tx2"/>
                 </a:solidFill>
               </a:rPr>
-              <a:t>Instantiation</a:t>
+              <a:t>instantiation</a:t>
             </a:r>
             <a:endParaRPr lang="en-GB" dirty="0">
               <a:solidFill>
@@ -9801,12 +9599,28 @@
           <a:lstStyle/>
           <a:p>
             <a:r>
+              <a:rPr lang="de-DE" dirty="0" err="1">
+                <a:solidFill>
+                  <a:schemeClr val="tx2"/>
+                </a:solidFill>
+              </a:rPr>
+              <a:t>Tuple</a:t>
+            </a:r>
+            <a:r>
               <a:rPr lang="de-DE" dirty="0">
                 <a:solidFill>
                   <a:schemeClr val="tx2"/>
                 </a:solidFill>
               </a:rPr>
-              <a:t>Tupel Declaration</a:t>
+              <a:t> </a:t>
+            </a:r>
+            <a:r>
+              <a:rPr lang="de-DE" dirty="0" err="1">
+                <a:solidFill>
+                  <a:schemeClr val="tx2"/>
+                </a:solidFill>
+              </a:rPr>
+              <a:t>declaration</a:t>
             </a:r>
             <a:endParaRPr lang="en-GB" dirty="0">
               <a:solidFill>
@@ -9887,12 +9701,20 @@
           <a:lstStyle/>
           <a:p>
             <a:r>
+              <a:rPr lang="de-DE" dirty="0" err="1">
+                <a:solidFill>
+                  <a:schemeClr val="tx2"/>
+                </a:solidFill>
+              </a:rPr>
+              <a:t>Tuple</a:t>
+            </a:r>
+            <a:r>
               <a:rPr lang="de-DE" dirty="0">
                 <a:solidFill>
                   <a:schemeClr val="tx2"/>
                 </a:solidFill>
               </a:rPr>
-              <a:t>Tupel </a:t>
+              <a:t> </a:t>
             </a:r>
             <a:r>
               <a:rPr lang="de-DE" dirty="0" err="1">
@@ -9900,7 +9722,7 @@
                   <a:schemeClr val="tx2"/>
                 </a:solidFill>
               </a:rPr>
-              <a:t>Instantiation</a:t>
+              <a:t>instantiation</a:t>
             </a:r>
             <a:endParaRPr lang="en-GB" dirty="0">
               <a:solidFill>
@@ -9988,7 +9810,15 @@
                   <a:schemeClr val="tx2"/>
                 </a:solidFill>
               </a:rPr>
-              <a:t>List Declaration</a:t>
+              <a:t>List </a:t>
+            </a:r>
+            <a:r>
+              <a:rPr lang="de-DE" dirty="0" err="1">
+                <a:solidFill>
+                  <a:schemeClr val="tx2"/>
+                </a:solidFill>
+              </a:rPr>
+              <a:t>declaration</a:t>
             </a:r>
             <a:endParaRPr lang="en-GB" dirty="0">
               <a:solidFill>
@@ -10082,7 +9912,7 @@
                   <a:schemeClr val="tx2"/>
                 </a:solidFill>
               </a:rPr>
-              <a:t>Instantiation</a:t>
+              <a:t>instantiation</a:t>
             </a:r>
             <a:endParaRPr lang="en-GB" dirty="0">
               <a:solidFill>
@@ -11472,7 +11302,7 @@
                   <a:schemeClr val="tx2"/>
                 </a:solidFill>
               </a:rPr>
-              <a:t> Type Student </a:t>
+              <a:t> type Student </a:t>
             </a:r>
             <a:endParaRPr lang="en-GB" dirty="0">
               <a:solidFill>
@@ -11561,7 +11391,15 @@
                   <a:schemeClr val="tx2"/>
                 </a:solidFill>
               </a:rPr>
-              <a:t>Class Keyword</a:t>
+              <a:t>Class </a:t>
+            </a:r>
+            <a:r>
+              <a:rPr lang="de-DE" dirty="0" err="1">
+                <a:solidFill>
+                  <a:schemeClr val="tx2"/>
+                </a:solidFill>
+              </a:rPr>
+              <a:t>keyword</a:t>
             </a:r>
             <a:endParaRPr lang="en-GB" dirty="0">
               <a:solidFill>
@@ -11647,7 +11485,15 @@
                   <a:schemeClr val="tx2"/>
                 </a:solidFill>
               </a:rPr>
-              <a:t>Class Name</a:t>
+              <a:t>Class </a:t>
+            </a:r>
+            <a:r>
+              <a:rPr lang="de-DE" dirty="0" err="1">
+                <a:solidFill>
+                  <a:schemeClr val="tx2"/>
+                </a:solidFill>
+              </a:rPr>
+              <a:t>name</a:t>
             </a:r>
             <a:endParaRPr lang="en-GB" dirty="0">
               <a:solidFill>
@@ -11743,7 +11589,15 @@
                   <a:schemeClr val="tx2"/>
                 </a:solidFill>
               </a:rPr>
-              <a:t> Call</a:t>
+              <a:t> </a:t>
+            </a:r>
+            <a:r>
+              <a:rPr lang="de-DE" dirty="0" err="1">
+                <a:solidFill>
+                  <a:schemeClr val="tx2"/>
+                </a:solidFill>
+              </a:rPr>
+              <a:t>call</a:t>
             </a:r>
             <a:endParaRPr lang="en-GB" dirty="0">
               <a:solidFill>
@@ -12969,7 +12823,15 @@
                   <a:schemeClr val="tx2"/>
                 </a:solidFill>
               </a:rPr>
-              <a:t> Brackets</a:t>
+              <a:t> </a:t>
+            </a:r>
+            <a:r>
+              <a:rPr lang="de-DE" dirty="0" err="1">
+                <a:solidFill>
+                  <a:schemeClr val="tx2"/>
+                </a:solidFill>
+              </a:rPr>
+              <a:t>brackets</a:t>
             </a:r>
             <a:endParaRPr lang="en-GB" dirty="0">
               <a:solidFill>
@@ -13079,7 +12941,7 @@
                   <a:schemeClr val="tx2"/>
                 </a:solidFill>
               </a:rPr>
-              <a:t> Loop</a:t>
+              <a:t> loop</a:t>
             </a:r>
             <a:endParaRPr lang="en-GB" dirty="0">
               <a:solidFill>
@@ -13165,7 +13027,7 @@
                   <a:schemeClr val="tx2"/>
                 </a:solidFill>
               </a:rPr>
-              <a:t>Return Type</a:t>
+              <a:t>Return type</a:t>
             </a:r>
             <a:endParaRPr lang="en-GB" dirty="0">
               <a:solidFill>
@@ -13250,7 +13112,15 @@
                   <a:schemeClr val="tx2"/>
                 </a:solidFill>
               </a:rPr>
-              <a:t>Parameter List</a:t>
+              <a:t>Parameter </a:t>
+            </a:r>
+            <a:r>
+              <a:rPr lang="de-DE" dirty="0" err="1">
+                <a:solidFill>
+                  <a:schemeClr val="tx2"/>
+                </a:solidFill>
+              </a:rPr>
+              <a:t>list</a:t>
             </a:r>
             <a:endParaRPr lang="en-GB" dirty="0">
               <a:solidFill>
@@ -13343,7 +13213,15 @@
                   <a:schemeClr val="tx2"/>
                 </a:solidFill>
               </a:rPr>
-              <a:t> Name</a:t>
+              <a:t> </a:t>
+            </a:r>
+            <a:r>
+              <a:rPr lang="de-DE" dirty="0" err="1">
+                <a:solidFill>
+                  <a:schemeClr val="tx2"/>
+                </a:solidFill>
+              </a:rPr>
+              <a:t>name</a:t>
             </a:r>
             <a:endParaRPr lang="en-GB" dirty="0">
               <a:solidFill>
@@ -13436,7 +13314,7 @@
                   <a:schemeClr val="tx2"/>
                 </a:solidFill>
               </a:rPr>
-              <a:t>concatination</a:t>
+              <a:t>concatenation</a:t>
             </a:r>
             <a:endParaRPr lang="en-GB" dirty="0">
               <a:solidFill>
@@ -14310,7 +14188,7 @@
             </a:r>
             <a:r>
               <a:rPr lang="de-DE" dirty="0" err="1"/>
-              <a:t>Execution</a:t>
+              <a:t>execution</a:t>
             </a:r>
             <a:endParaRPr lang="de-DE" dirty="0"/>
           </a:p>
@@ -14326,7 +14204,7 @@
             </a:r>
             <a:r>
               <a:rPr lang="de-DE" dirty="0" err="1"/>
-              <a:t>Implicit</a:t>
+              <a:t>implicit</a:t>
             </a:r>
             <a:r>
               <a:rPr lang="de-DE" dirty="0"/>
@@ -14334,7 +14212,7 @@
             </a:r>
             <a:r>
               <a:rPr lang="de-DE" dirty="0" err="1"/>
-              <a:t>Barriers</a:t>
+              <a:t>barriers</a:t>
             </a:r>
             <a:r>
               <a:rPr lang="de-DE" dirty="0"/>
@@ -14350,15 +14228,23 @@
             </a:r>
             <a:r>
               <a:rPr lang="de-DE" dirty="0" err="1"/>
-              <a:t>Avoid</a:t>
+              <a:t>avoid</a:t>
             </a:r>
             <a:r>
               <a:rPr lang="de-DE" dirty="0"/>
-              <a:t> Data </a:t>
+              <a:t> </a:t>
             </a:r>
             <a:r>
               <a:rPr lang="de-DE" dirty="0" err="1"/>
-              <a:t>Races</a:t>
+              <a:t>data</a:t>
+            </a:r>
+            <a:r>
+              <a:rPr lang="de-DE" dirty="0"/>
+              <a:t> </a:t>
+            </a:r>
+            <a:r>
+              <a:rPr lang="de-DE" dirty="0" err="1"/>
+              <a:t>races</a:t>
             </a:r>
             <a:endParaRPr lang="de-DE" dirty="0"/>
           </a:p>
@@ -14667,7 +14553,16 @@
                   <a:latin typeface="Courier New" pitchFamily="49" charset="0"/>
                   <a:cs typeface="Courier New" pitchFamily="49" charset="0"/>
                 </a:rPr>
-                <a:t>    </a:t>
+                <a:t>    }</a:t>
+              </a:r>
+            </a:p>
+            <a:p>
+              <a:r>
+                <a:rPr lang="en-US" b="1" dirty="0">
+                  <a:latin typeface="Courier New" pitchFamily="49" charset="0"/>
+                  <a:cs typeface="Courier New" pitchFamily="49" charset="0"/>
+                </a:rPr>
+                <a:t>  </a:t>
               </a:r>
               <a:r>
                 <a:rPr lang="en-US" b="1" dirty="0">
@@ -14678,15 +14573,6 @@
                   <a:cs typeface="Courier New" pitchFamily="49" charset="0"/>
                 </a:rPr>
                 <a:t>}</a:t>
-              </a:r>
-            </a:p>
-            <a:p>
-              <a:r>
-                <a:rPr lang="en-US" b="1" dirty="0">
-                  <a:latin typeface="Courier New" pitchFamily="49" charset="0"/>
-                  <a:cs typeface="Courier New" pitchFamily="49" charset="0"/>
-                </a:rPr>
-                <a:t>  }</a:t>
               </a:r>
             </a:p>
             <a:p>
@@ -14997,7 +14883,15 @@
                   <a:schemeClr val="tx2"/>
                 </a:solidFill>
               </a:rPr>
-              <a:t> Call</a:t>
+              <a:t> </a:t>
+            </a:r>
+            <a:r>
+              <a:rPr lang="de-DE" dirty="0" err="1">
+                <a:solidFill>
+                  <a:schemeClr val="tx2"/>
+                </a:solidFill>
+              </a:rPr>
+              <a:t>call</a:t>
             </a:r>
             <a:endParaRPr lang="en-GB" dirty="0">
               <a:solidFill>
@@ -15049,7 +14943,7 @@
                   <a:schemeClr val="tx2"/>
                 </a:solidFill>
               </a:rPr>
-              <a:t> Block</a:t>
+              <a:t> block</a:t>
             </a:r>
             <a:endParaRPr lang="en-GB" dirty="0">
               <a:solidFill>
@@ -15374,8 +15268,13 @@
           <a:p>
             <a:r>
               <a:rPr lang="de-DE" dirty="0"/>
-              <a:t>Type Checking</a:t>
-            </a:r>
+              <a:t>Type </a:t>
+            </a:r>
+            <a:r>
+              <a:rPr lang="de-DE" dirty="0" err="1"/>
+              <a:t>checking</a:t>
+            </a:r>
+            <a:endParaRPr lang="de-DE" dirty="0"/>
           </a:p>
           <a:p>
             <a:endParaRPr lang="de-DE" dirty="0"/>
@@ -15394,12 +15293,17 @@
             </a:r>
             <a:r>
               <a:rPr lang="de-DE" dirty="0" err="1"/>
-              <a:t>Barrier</a:t>
+              <a:t>barrier</a:t>
             </a:r>
             <a:r>
               <a:rPr lang="de-DE" dirty="0"/>
-              <a:t> Construction</a:t>
-            </a:r>
+              <a:t> </a:t>
+            </a:r>
+            <a:r>
+              <a:rPr lang="de-DE" dirty="0" err="1"/>
+              <a:t>construction</a:t>
+            </a:r>
+            <a:endParaRPr lang="de-DE" dirty="0"/>
           </a:p>
           <a:p>
             <a:endParaRPr lang="de-DE" dirty="0"/>
@@ -15414,7 +15318,15 @@
             </a:r>
             <a:r>
               <a:rPr lang="de-DE" dirty="0"/>
-              <a:t> Container Variables</a:t>
+              <a:t> </a:t>
+            </a:r>
+            <a:r>
+              <a:rPr lang="en-US" dirty="0"/>
+              <a:t>container</a:t>
+            </a:r>
+            <a:r>
+              <a:rPr lang="de-DE" dirty="0"/>
+              <a:t> variables</a:t>
             </a:r>
           </a:p>
           <a:p>
@@ -15425,7 +15337,7 @@
             </a:r>
             <a:r>
               <a:rPr lang="de-DE" dirty="0" err="1"/>
-              <a:t>Parsed</a:t>
+              <a:t>parsed</a:t>
             </a:r>
             <a:r>
               <a:rPr lang="de-DE" dirty="0"/>
@@ -15441,12 +15353,17 @@
             </a:r>
             <a:r>
               <a:rPr lang="de-DE" dirty="0" err="1"/>
-              <a:t>Function</a:t>
+              <a:t>function</a:t>
             </a:r>
             <a:r>
               <a:rPr lang="de-DE" dirty="0"/>
-              <a:t> Calls</a:t>
-            </a:r>
+              <a:t> </a:t>
+            </a:r>
+            <a:r>
+              <a:rPr lang="de-DE" dirty="0" err="1"/>
+              <a:t>calls</a:t>
+            </a:r>
+            <a:endParaRPr lang="de-DE" dirty="0"/>
           </a:p>
           <a:p>
             <a:pPr marL="215900" lvl="1" indent="0">
@@ -15470,7 +15387,7 @@
             </a:r>
             <a:r>
               <a:rPr lang="de-DE" dirty="0"/>
-              <a:t> Parse </a:t>
+              <a:t> parse </a:t>
             </a:r>
             <a:r>
               <a:rPr lang="de-DE" dirty="0" err="1"/>
@@ -15482,11 +15399,19 @@
             </a:r>
             <a:r>
               <a:rPr lang="de-DE" dirty="0" err="1"/>
-              <a:t>Consecutive</a:t>
+              <a:t>consecutive</a:t>
             </a:r>
             <a:r>
               <a:rPr lang="de-DE" dirty="0"/>
-              <a:t> Container Variables</a:t>
+              <a:t> </a:t>
+            </a:r>
+            <a:r>
+              <a:rPr lang="de-DE" dirty="0" err="1"/>
+              <a:t>container</a:t>
+            </a:r>
+            <a:r>
+              <a:rPr lang="de-DE" dirty="0"/>
+              <a:t> variables</a:t>
             </a:r>
             <a:endParaRPr lang="en-GB" dirty="0"/>
           </a:p>
@@ -15515,7 +15440,7 @@
           <a:p>
             <a:r>
               <a:rPr lang="de-DE" dirty="0" err="1"/>
-              <a:t>Difficulties</a:t>
+              <a:t>Challenges</a:t>
             </a:r>
             <a:endParaRPr lang="en-GB" dirty="0"/>
           </a:p>

--- a/Presentation/PureFun-Presentation.pptx
+++ b/Presentation/PureFun-Presentation.pptx
@@ -289,7 +289,7 @@
               <a:pPr>
                 <a:defRPr/>
               </a:pPr>
-              <a:t>03.07.2019</a:t>
+              <a:t>05.07.2019</a:t>
             </a:fld>
             <a:endParaRPr lang="de-DE" altLang="de-DE" dirty="0"/>
           </a:p>
@@ -494,7 +494,7 @@
               <a:pPr>
                 <a:defRPr/>
               </a:pPr>
-              <a:t>03.07.2019</a:t>
+              <a:t>05.07.2019</a:t>
             </a:fld>
             <a:endParaRPr lang="de-DE" altLang="de-DE" dirty="0"/>
           </a:p>
@@ -5825,7 +5825,7 @@
         <p:spPr bwMode="auto">
           <a:xfrm>
             <a:off x="852137" y="4405079"/>
-            <a:ext cx="4470139" cy="1538883"/>
+            <a:ext cx="6844803" cy="1231106"/>
           </a:xfrm>
           <a:prstGeom prst="rect">
             <a:avLst/>
@@ -5852,11 +5852,7 @@
           <a:p>
             <a:r>
               <a:rPr lang="de-DE" altLang="en-US" sz="2000" dirty="0"/>
-              <a:t>SLE </a:t>
-            </a:r>
-            <a:r>
-              <a:rPr lang="de-DE" altLang="en-US" sz="2000" dirty="0" err="1"/>
-              <a:t>Projetct</a:t>
+              <a:t>SLE Project</a:t>
             </a:r>
             <a:endParaRPr lang="de-DE" sz="2000" dirty="0"/>
           </a:p>

--- a/Presentation/PureFun-Presentation.pptx
+++ b/Presentation/PureFun-Presentation.pptx
@@ -6102,9 +6102,9 @@
         <p:grpSpPr>
           <a:xfrm>
             <a:off x="4447738" y="1235176"/>
-            <a:ext cx="7420262" cy="3842852"/>
+            <a:ext cx="7420262" cy="4181928"/>
             <a:chOff x="1247387" y="2028085"/>
-            <a:chExt cx="6071999" cy="2488488"/>
+            <a:chExt cx="6071999" cy="2708061"/>
           </a:xfrm>
         </p:grpSpPr>
         <p:sp>
@@ -6124,7 +6124,7 @@
           <p:spPr bwMode="auto">
             <a:xfrm>
               <a:off x="1750625" y="2523864"/>
-              <a:ext cx="4887449" cy="1992709"/>
+              <a:ext cx="4887449" cy="2212282"/>
             </a:xfrm>
             <a:prstGeom prst="rect">
               <a:avLst/>
@@ -6151,7 +6151,21 @@
                   <a:latin typeface="Courier New" pitchFamily="49" charset="0"/>
                   <a:cs typeface="Courier New" pitchFamily="49" charset="0"/>
                 </a:rPr>
-                <a:t>std::vector&lt;int32_t&gt; foo(int32_t Param1) {</a:t>
+                <a:t>int32_t </a:t>
+              </a:r>
+              <a:r>
+                <a:rPr lang="en-US" b="1" dirty="0" err="1">
+                  <a:latin typeface="Courier New" pitchFamily="49" charset="0"/>
+                  <a:cs typeface="Courier New" pitchFamily="49" charset="0"/>
+                </a:rPr>
+                <a:t>increasedListSum</a:t>
+              </a:r>
+              <a:r>
+                <a:rPr lang="en-US" b="1" dirty="0">
+                  <a:latin typeface="Courier New" pitchFamily="49" charset="0"/>
+                  <a:cs typeface="Courier New" pitchFamily="49" charset="0"/>
+                </a:rPr>
+                <a:t>(int32_t Param1) {</a:t>
               </a:r>
             </a:p>
             <a:p>
@@ -6160,7 +6174,21 @@
                   <a:latin typeface="Courier New" pitchFamily="49" charset="0"/>
                   <a:cs typeface="Courier New" pitchFamily="49" charset="0"/>
                 </a:rPr>
-                <a:t>std::vector&lt;int32_t&gt; res {};</a:t>
+                <a:t>std::vector&lt;int32_t&gt; </a:t>
+              </a:r>
+              <a:r>
+                <a:rPr lang="en-US" b="1" dirty="0" err="1">
+                  <a:latin typeface="Courier New" pitchFamily="49" charset="0"/>
+                  <a:cs typeface="Courier New" pitchFamily="49" charset="0"/>
+                </a:rPr>
+                <a:t>incList</a:t>
+              </a:r>
+              <a:r>
+                <a:rPr lang="en-US" b="1" dirty="0">
+                  <a:latin typeface="Courier New" pitchFamily="49" charset="0"/>
+                  <a:cs typeface="Courier New" pitchFamily="49" charset="0"/>
+                </a:rPr>
+                <a:t> {};</a:t>
               </a:r>
             </a:p>
             <a:p>
@@ -6178,6 +6206,20 @@
                   <a:latin typeface="Courier New" pitchFamily="49" charset="0"/>
                   <a:cs typeface="Courier New" pitchFamily="49" charset="0"/>
                 </a:rPr>
+                <a:t>incList</a:t>
+              </a:r>
+              <a:r>
+                <a:rPr lang="en-US" b="1" dirty="0">
+                  <a:latin typeface="Courier New" pitchFamily="49" charset="0"/>
+                  <a:cs typeface="Courier New" pitchFamily="49" charset="0"/>
+                </a:rPr>
+                <a:t> = </a:t>
+              </a:r>
+              <a:r>
+                <a:rPr lang="en-US" b="1" dirty="0" err="1">
+                  <a:latin typeface="Courier New" pitchFamily="49" charset="0"/>
+                  <a:cs typeface="Courier New" pitchFamily="49" charset="0"/>
+                </a:rPr>
                 <a:t>concat</a:t>
               </a:r>
               <a:r>
@@ -6185,7 +6227,21 @@
                   <a:latin typeface="Courier New" pitchFamily="49" charset="0"/>
                   <a:cs typeface="Courier New" pitchFamily="49" charset="0"/>
                 </a:rPr>
-                <a:t>(res = res, {Param1});</a:t>
+                <a:t>(</a:t>
+              </a:r>
+              <a:r>
+                <a:rPr lang="en-US" b="1" dirty="0" err="1">
+                  <a:latin typeface="Courier New" pitchFamily="49" charset="0"/>
+                  <a:cs typeface="Courier New" pitchFamily="49" charset="0"/>
+                </a:rPr>
+                <a:t>incList</a:t>
+              </a:r>
+              <a:r>
+                <a:rPr lang="en-US" b="1" dirty="0">
+                  <a:latin typeface="Courier New" pitchFamily="49" charset="0"/>
+                  <a:cs typeface="Courier New" pitchFamily="49" charset="0"/>
+                </a:rPr>
+                <a:t>, {Param1});</a:t>
               </a:r>
             </a:p>
             <a:p>
@@ -6212,25 +6268,18 @@
                   <a:latin typeface="Courier New" pitchFamily="49" charset="0"/>
                   <a:cs typeface="Courier New" pitchFamily="49" charset="0"/>
                 </a:rPr>
-                <a:t>for(auto </a:t>
-              </a:r>
-              <a:r>
-                <a:rPr lang="en-US" b="1" dirty="0" err="1">
-                  <a:latin typeface="Courier New" pitchFamily="49" charset="0"/>
-                  <a:cs typeface="Courier New" pitchFamily="49" charset="0"/>
-                </a:rPr>
-                <a:t>i</a:t>
-              </a:r>
-              <a:r>
-                <a:rPr lang="en-US" b="1" dirty="0">
-                  <a:latin typeface="Courier New" pitchFamily="49" charset="0"/>
-                  <a:cs typeface="Courier New" pitchFamily="49" charset="0"/>
-                </a:rPr>
-                <a:t> : res) {</a:t>
+                <a:t>int32_t res = 0;</a:t>
               </a:r>
             </a:p>
             <a:p>
               <a:r>
+                <a:rPr lang="en-US" b="1" dirty="0">
+                  <a:latin typeface="Courier New" pitchFamily="49" charset="0"/>
+                  <a:cs typeface="Courier New" pitchFamily="49" charset="0"/>
+                </a:rPr>
+                <a:t>for(auto </a:t>
+              </a:r>
+              <a:r>
                 <a:rPr lang="en-US" b="1" dirty="0" err="1">
                   <a:latin typeface="Courier New" pitchFamily="49" charset="0"/>
                   <a:cs typeface="Courier New" pitchFamily="49" charset="0"/>
@@ -6242,7 +6291,44 @@
                   <a:latin typeface="Courier New" pitchFamily="49" charset="0"/>
                   <a:cs typeface="Courier New" pitchFamily="49" charset="0"/>
                 </a:rPr>
-                <a:t>++;</a:t>
+                <a:t> : </a:t>
+              </a:r>
+              <a:r>
+                <a:rPr lang="en-US" b="1" dirty="0" err="1">
+                  <a:latin typeface="Courier New" pitchFamily="49" charset="0"/>
+                  <a:cs typeface="Courier New" pitchFamily="49" charset="0"/>
+                </a:rPr>
+                <a:t>incList</a:t>
+              </a:r>
+              <a:r>
+                <a:rPr lang="en-US" b="1" dirty="0">
+                  <a:latin typeface="Courier New" pitchFamily="49" charset="0"/>
+                  <a:cs typeface="Courier New" pitchFamily="49" charset="0"/>
+                </a:rPr>
+                <a:t>) {</a:t>
+              </a:r>
+            </a:p>
+            <a:p>
+              <a:r>
+                <a:rPr lang="en-US" b="1" dirty="0">
+                  <a:latin typeface="Courier New" pitchFamily="49" charset="0"/>
+                  <a:cs typeface="Courier New" pitchFamily="49" charset="0"/>
+                </a:rPr>
+                <a:t>res += </a:t>
+              </a:r>
+              <a:r>
+                <a:rPr lang="en-US" b="1" dirty="0" err="1">
+                  <a:latin typeface="Courier New" pitchFamily="49" charset="0"/>
+                  <a:cs typeface="Courier New" pitchFamily="49" charset="0"/>
+                </a:rPr>
+                <a:t>i</a:t>
+              </a:r>
+              <a:r>
+                <a:rPr lang="en-US" b="1" dirty="0">
+                  <a:latin typeface="Courier New" pitchFamily="49" charset="0"/>
+                  <a:cs typeface="Courier New" pitchFamily="49" charset="0"/>
+                </a:rPr>
+                <a:t>;</a:t>
               </a:r>
             </a:p>
             <a:p>
@@ -6291,7 +6377,7 @@
           <p:spPr bwMode="auto">
             <a:xfrm>
               <a:off x="1247387" y="2523864"/>
-              <a:ext cx="503238" cy="1831138"/>
+              <a:ext cx="503238" cy="2212282"/>
             </a:xfrm>
             <a:prstGeom prst="rect">
               <a:avLst/>
@@ -6386,6 +6472,14 @@
                 <a:rPr lang="en-US" sz="1800" dirty="0"/>
                 <a:t>11</a:t>
               </a:r>
+            </a:p>
+            <a:p>
+              <a:pPr algn="r"/>
+              <a:r>
+                <a:rPr lang="en-US" dirty="0"/>
+                <a:t>12</a:t>
+              </a:r>
+              <a:endParaRPr lang="en-US" sz="1800" dirty="0"/>
             </a:p>
           </p:txBody>
         </p:sp>
@@ -6494,8 +6588,8 @@
           </p:nvSpPr>
           <p:spPr>
             <a:xfrm>
-              <a:off x="6546815" y="2335862"/>
-              <a:ext cx="619440" cy="278251"/>
+              <a:off x="6780953" y="2335862"/>
+              <a:ext cx="151165" cy="199305"/>
             </a:xfrm>
             <a:prstGeom prst="rect">
               <a:avLst/>
@@ -6508,447 +6602,11 @@
             <a:lstStyle/>
             <a:p>
               <a:pPr lvl="0" algn="ctr"/>
-              <a:r>
-                <a:rPr lang="de-DE" altLang="de-DE" sz="1400" b="1" noProof="1">
-                  <a:solidFill>
-                    <a:srgbClr val="000000"/>
-                  </a:solidFill>
-                </a:rPr>
-                <a:t>«gen»</a:t>
-              </a:r>
-            </a:p>
-          </p:txBody>
-        </p:sp>
-      </p:grpSp>
-      <p:grpSp>
-        <p:nvGrpSpPr>
-          <p:cNvPr id="11" name="Gruppieren 10">
-            <a:extLst>
-              <a:ext uri="{FF2B5EF4-FFF2-40B4-BE49-F238E27FC236}">
-                <a16:creationId xmlns:a16="http://schemas.microsoft.com/office/drawing/2014/main" id="{1FF1207A-F475-4AC9-AB84-BA1DABD3D92A}"/>
-              </a:ext>
-            </a:extLst>
-          </p:cNvPr>
-          <p:cNvGrpSpPr/>
-          <p:nvPr/>
-        </p:nvGrpSpPr>
-        <p:grpSpPr>
-          <a:xfrm>
-            <a:off x="4447738" y="1236030"/>
-            <a:ext cx="7420262" cy="3842852"/>
-            <a:chOff x="1247387" y="2028085"/>
-            <a:chExt cx="6071999" cy="2488488"/>
-          </a:xfrm>
-        </p:grpSpPr>
-        <p:sp>
-          <p:nvSpPr>
-            <p:cNvPr id="12" name="Text Box 3">
-              <a:extLst>
-                <a:ext uri="{FF2B5EF4-FFF2-40B4-BE49-F238E27FC236}">
-                  <a16:creationId xmlns:a16="http://schemas.microsoft.com/office/drawing/2014/main" id="{33E78C5C-59B7-4E3C-BE24-2EC7DCFF514D}"/>
-                </a:ext>
-              </a:extLst>
-            </p:cNvPr>
-            <p:cNvSpPr txBox="1">
-              <a:spLocks noChangeArrowheads="1"/>
-            </p:cNvSpPr>
-            <p:nvPr/>
-          </p:nvSpPr>
-          <p:spPr bwMode="auto">
-            <a:xfrm>
-              <a:off x="1750625" y="2523864"/>
-              <a:ext cx="4887449" cy="1992709"/>
-            </a:xfrm>
-            <a:prstGeom prst="rect">
-              <a:avLst/>
-            </a:prstGeom>
-            <a:noFill/>
-            <a:ln w="9525">
-              <a:solidFill>
-                <a:schemeClr val="tx1"/>
-              </a:solidFill>
-              <a:miter lim="800000"/>
-              <a:headEnd/>
-              <a:tailEnd/>
-            </a:ln>
-            <a:effectLst/>
-          </p:spPr>
-          <p:txBody>
-            <a:bodyPr wrap="square">
-              <a:spAutoFit/>
-            </a:bodyPr>
-            <a:lstStyle/>
-            <a:p>
-              <a:r>
-                <a:rPr lang="en-US" b="1" dirty="0">
-                  <a:latin typeface="Courier New" pitchFamily="49" charset="0"/>
-                  <a:cs typeface="Courier New" pitchFamily="49" charset="0"/>
-                </a:rPr>
-                <a:t>std::vector&lt;int32_t&gt; foo(int32_t Param1) {</a:t>
-              </a:r>
-            </a:p>
-            <a:p>
-              <a:r>
-                <a:rPr lang="en-US" b="1" dirty="0">
-                  <a:latin typeface="Courier New" pitchFamily="49" charset="0"/>
-                  <a:cs typeface="Courier New" pitchFamily="49" charset="0"/>
-                </a:rPr>
-                <a:t>std::vector&lt;int32_t&gt; res {};</a:t>
-              </a:r>
-            </a:p>
-            <a:p>
-              <a:r>
-                <a:rPr lang="en-US" b="1" dirty="0">
-                  <a:latin typeface="Courier New" pitchFamily="49" charset="0"/>
-                  <a:cs typeface="Courier New" pitchFamily="49" charset="0"/>
-                </a:rPr>
-                <a:t>while ( Param1 &lt; 42 ) {</a:t>
-              </a:r>
-            </a:p>
-            <a:p>
-              <a:r>
-                <a:rPr lang="en-US" b="1" dirty="0" err="1">
-                  <a:latin typeface="Courier New" pitchFamily="49" charset="0"/>
-                  <a:cs typeface="Courier New" pitchFamily="49" charset="0"/>
-                </a:rPr>
-                <a:t>concat</a:t>
-              </a:r>
-              <a:r>
-                <a:rPr lang="en-US" b="1" dirty="0">
-                  <a:latin typeface="Courier New" pitchFamily="49" charset="0"/>
-                  <a:cs typeface="Courier New" pitchFamily="49" charset="0"/>
-                </a:rPr>
-                <a:t>(res = res, {Param1});</a:t>
-              </a:r>
-            </a:p>
-            <a:p>
-              <a:r>
-                <a:rPr lang="en-US" b="1" dirty="0">
-                  <a:latin typeface="Courier New" pitchFamily="49" charset="0"/>
-                  <a:cs typeface="Courier New" pitchFamily="49" charset="0"/>
-                </a:rPr>
-                <a:t>Param1++;</a:t>
-              </a:r>
-            </a:p>
-            <a:p>
-              <a:r>
-                <a:rPr lang="en-US" b="1" dirty="0">
-                  <a:latin typeface="Courier New" pitchFamily="49" charset="0"/>
-                  <a:cs typeface="Courier New" pitchFamily="49" charset="0"/>
-                </a:rPr>
-                <a:t>}</a:t>
-              </a:r>
-            </a:p>
-            <a:p>
-              <a:r>
-                <a:rPr lang="en-US" b="1" dirty="0">
-                  <a:latin typeface="Courier New" pitchFamily="49" charset="0"/>
-                  <a:cs typeface="Courier New" pitchFamily="49" charset="0"/>
-                </a:rPr>
-                <a:t>for(auto </a:t>
-              </a:r>
-              <a:r>
-                <a:rPr lang="en-US" b="1" dirty="0" err="1">
-                  <a:latin typeface="Courier New" pitchFamily="49" charset="0"/>
-                  <a:cs typeface="Courier New" pitchFamily="49" charset="0"/>
-                </a:rPr>
-                <a:t>i</a:t>
-              </a:r>
-              <a:r>
-                <a:rPr lang="en-US" b="1" dirty="0">
-                  <a:latin typeface="Courier New" pitchFamily="49" charset="0"/>
-                  <a:cs typeface="Courier New" pitchFamily="49" charset="0"/>
-                </a:rPr>
-                <a:t> : res) {</a:t>
-              </a:r>
-            </a:p>
-            <a:p>
-              <a:r>
-                <a:rPr lang="en-US" b="1" dirty="0" err="1">
-                  <a:latin typeface="Courier New" pitchFamily="49" charset="0"/>
-                  <a:cs typeface="Courier New" pitchFamily="49" charset="0"/>
-                </a:rPr>
-                <a:t>i</a:t>
-              </a:r>
-              <a:r>
-                <a:rPr lang="en-US" b="1" dirty="0">
-                  <a:latin typeface="Courier New" pitchFamily="49" charset="0"/>
-                  <a:cs typeface="Courier New" pitchFamily="49" charset="0"/>
-                </a:rPr>
-                <a:t>++;</a:t>
-              </a:r>
-            </a:p>
-            <a:p>
-              <a:r>
-                <a:rPr lang="en-US" b="1" dirty="0">
-                  <a:latin typeface="Courier New" pitchFamily="49" charset="0"/>
-                  <a:cs typeface="Courier New" pitchFamily="49" charset="0"/>
-                </a:rPr>
-                <a:t>}</a:t>
-              </a:r>
-            </a:p>
-            <a:p>
-              <a:r>
-                <a:rPr lang="en-US" b="1" dirty="0">
-                  <a:latin typeface="Courier New" pitchFamily="49" charset="0"/>
-                  <a:cs typeface="Courier New" pitchFamily="49" charset="0"/>
-                </a:rPr>
-                <a:t>return res ;</a:t>
-              </a:r>
-            </a:p>
-            <a:p>
-              <a:r>
-                <a:rPr lang="en-US" b="1" dirty="0">
-                  <a:latin typeface="Courier New" pitchFamily="49" charset="0"/>
-                  <a:cs typeface="Courier New" pitchFamily="49" charset="0"/>
-                </a:rPr>
-                <a:t>}</a:t>
-              </a:r>
-            </a:p>
-          </p:txBody>
-        </p:sp>
-        <p:sp>
-          <p:nvSpPr>
-            <p:cNvPr id="13" name="Text Box 6">
-              <a:extLst>
-                <a:ext uri="{FF2B5EF4-FFF2-40B4-BE49-F238E27FC236}">
-                  <a16:creationId xmlns:a16="http://schemas.microsoft.com/office/drawing/2014/main" id="{DC7605D4-123D-4B97-AC17-8B9391B6D9E2}"/>
-                </a:ext>
-              </a:extLst>
-            </p:cNvPr>
-            <p:cNvSpPr txBox="1">
-              <a:spLocks noChangeArrowheads="1"/>
-            </p:cNvSpPr>
-            <p:nvPr/>
-          </p:nvSpPr>
-          <p:spPr bwMode="auto">
-            <a:xfrm>
-              <a:off x="1247387" y="2523864"/>
-              <a:ext cx="503238" cy="1831138"/>
-            </a:xfrm>
-            <a:prstGeom prst="rect">
-              <a:avLst/>
-            </a:prstGeom>
-            <a:noFill/>
-            <a:ln w="9525">
-              <a:noFill/>
-              <a:miter lim="800000"/>
-              <a:headEnd/>
-              <a:tailEnd/>
-            </a:ln>
-            <a:effectLst/>
-          </p:spPr>
-          <p:txBody>
-            <a:bodyPr>
-              <a:spAutoFit/>
-            </a:bodyPr>
-            <a:lstStyle/>
-            <a:p>
-              <a:pPr algn="r"/>
-              <a:r>
-                <a:rPr lang="en-US" sz="1800" dirty="0"/>
-                <a:t>1</a:t>
-              </a:r>
-            </a:p>
-            <a:p>
-              <a:pPr algn="r"/>
-              <a:r>
-                <a:rPr lang="en-US" sz="1800" dirty="0"/>
-                <a:t>2</a:t>
-              </a:r>
-            </a:p>
-            <a:p>
-              <a:pPr algn="r"/>
-              <a:r>
-                <a:rPr lang="en-US" sz="1800" dirty="0"/>
-                <a:t>3</a:t>
-              </a:r>
-            </a:p>
-            <a:p>
-              <a:pPr algn="r"/>
-              <a:r>
-                <a:rPr lang="en-US" sz="1800" dirty="0"/>
-                <a:t>4</a:t>
-              </a:r>
-            </a:p>
-            <a:p>
-              <a:pPr algn="r"/>
-              <a:r>
-                <a:rPr lang="en-US" sz="1800" dirty="0"/>
-                <a:t>5</a:t>
-              </a:r>
-            </a:p>
-            <a:p>
-              <a:pPr algn="r"/>
-              <a:r>
-                <a:rPr lang="en-US" dirty="0"/>
-                <a:t>6</a:t>
-              </a:r>
-            </a:p>
-            <a:p>
-              <a:pPr algn="r"/>
-              <a:r>
-                <a:rPr lang="en-US" sz="1800" dirty="0"/>
-                <a:t>7</a:t>
-              </a:r>
-            </a:p>
-            <a:p>
-              <a:pPr algn="r"/>
-              <a:r>
-                <a:rPr lang="en-US" dirty="0"/>
-                <a:t>8</a:t>
-              </a:r>
-            </a:p>
-            <a:p>
-              <a:pPr algn="r"/>
-              <a:r>
-                <a:rPr lang="en-US" sz="1800" dirty="0"/>
-                <a:t>9</a:t>
-              </a:r>
-            </a:p>
-            <a:p>
-              <a:pPr algn="r"/>
-              <a:r>
-                <a:rPr lang="en-US" dirty="0"/>
-                <a:t>10</a:t>
-              </a:r>
-            </a:p>
-            <a:p>
-              <a:pPr algn="r"/>
-              <a:r>
-                <a:rPr lang="en-US" sz="1800" dirty="0"/>
-                <a:t>11</a:t>
-              </a:r>
-            </a:p>
-          </p:txBody>
-        </p:sp>
-        <p:sp>
-          <p:nvSpPr>
-            <p:cNvPr id="14" name="AutoShape 40">
-              <a:extLst>
-                <a:ext uri="{FF2B5EF4-FFF2-40B4-BE49-F238E27FC236}">
-                  <a16:creationId xmlns:a16="http://schemas.microsoft.com/office/drawing/2014/main" id="{3D2B1175-F1F6-4C15-B080-C0DBA8969ED7}"/>
-                </a:ext>
-              </a:extLst>
-            </p:cNvPr>
-            <p:cNvSpPr>
-              <a:spLocks noChangeArrowheads="1"/>
-            </p:cNvSpPr>
-            <p:nvPr/>
-          </p:nvSpPr>
-          <p:spPr bwMode="auto">
-            <a:xfrm flipV="1">
-              <a:off x="6397946" y="2028085"/>
-              <a:ext cx="921440" cy="307777"/>
-            </a:xfrm>
-            <a:prstGeom prst="foldedCorner">
-              <a:avLst>
-                <a:gd name="adj" fmla="val 27606"/>
-              </a:avLst>
-            </a:prstGeom>
-            <a:solidFill>
-              <a:srgbClr val="FFFFFF"/>
-            </a:solidFill>
-            <a:ln w="9525">
-              <a:solidFill>
-                <a:srgbClr val="000000"/>
-              </a:solidFill>
-              <a:round/>
-              <a:headEnd/>
-              <a:tailEnd/>
-            </a:ln>
-          </p:spPr>
-          <p:txBody>
-            <a:bodyPr rot="10800000" wrap="none" anchor="ctr" anchorCtr="1"/>
-            <a:lstStyle/>
-            <a:p>
-              <a:pPr marL="0" marR="0" lvl="0" indent="0" algn="l" defTabSz="914400" rtl="0" eaLnBrk="0" fontAlgn="auto" latinLnBrk="0" hangingPunct="0">
-                <a:lnSpc>
-                  <a:spcPct val="70000"/>
-                </a:lnSpc>
-                <a:spcBef>
-                  <a:spcPts val="0"/>
-                </a:spcBef>
-                <a:spcAft>
-                  <a:spcPts val="0"/>
-                </a:spcAft>
-                <a:buClrTx/>
-                <a:buSzTx/>
-                <a:buFontTx/>
-                <a:buNone/>
-                <a:tabLst/>
-                <a:defRPr/>
-              </a:pPr>
-              <a:r>
-                <a:rPr kumimoji="0" lang="en-US" altLang="de-DE" sz="1600" b="0" i="0" u="none" strike="noStrike" kern="1200" cap="none" spc="0" normalizeH="0" baseline="0" dirty="0" err="1">
-                  <a:ln>
-                    <a:noFill/>
-                  </a:ln>
-                  <a:solidFill>
-                    <a:srgbClr val="000000"/>
-                  </a:solidFill>
-                  <a:effectLst/>
-                  <a:uLnTx/>
-                  <a:uFillTx/>
-                  <a:latin typeface="Arial"/>
-                  <a:ea typeface="+mn-ea"/>
-                  <a:cs typeface="+mn-cs"/>
-                </a:rPr>
-                <a:t>PureFun</a:t>
-              </a:r>
-              <a:endParaRPr kumimoji="0" lang="en-US" altLang="de-DE" sz="1600" b="0" i="0" u="none" strike="noStrike" kern="1200" cap="none" spc="0" normalizeH="0" baseline="0" dirty="0">
-                <a:ln>
-                  <a:noFill/>
-                </a:ln>
+              <a:endParaRPr lang="de-DE" altLang="de-DE" sz="1400" b="1" noProof="1">
                 <a:solidFill>
                   <a:srgbClr val="000000"/>
                 </a:solidFill>
-                <a:effectLst/>
-                <a:uLnTx/>
-                <a:uFillTx/>
-                <a:latin typeface="Arial"/>
-                <a:ea typeface="+mn-ea"/>
-                <a:cs typeface="+mn-cs"/>
               </a:endParaRPr>
-            </a:p>
-          </p:txBody>
-        </p:sp>
-        <p:sp>
-          <p:nvSpPr>
-            <p:cNvPr id="15" name="Rechteck 14">
-              <a:extLst>
-                <a:ext uri="{FF2B5EF4-FFF2-40B4-BE49-F238E27FC236}">
-                  <a16:creationId xmlns:a16="http://schemas.microsoft.com/office/drawing/2014/main" id="{CB6C4EE2-D898-4166-A225-82C10E53AFF4}"/>
-                </a:ext>
-              </a:extLst>
-            </p:cNvPr>
-            <p:cNvSpPr/>
-            <p:nvPr/>
-          </p:nvSpPr>
-          <p:spPr>
-            <a:xfrm>
-              <a:off x="6546815" y="2335862"/>
-              <a:ext cx="619440" cy="278251"/>
-            </a:xfrm>
-            <a:prstGeom prst="rect">
-              <a:avLst/>
-            </a:prstGeom>
-          </p:spPr>
-          <p:txBody>
-            <a:bodyPr wrap="none">
-              <a:spAutoFit/>
-            </a:bodyPr>
-            <a:lstStyle/>
-            <a:p>
-              <a:pPr lvl="0" algn="ctr"/>
-              <a:r>
-                <a:rPr lang="de-DE" altLang="de-DE" sz="1400" b="1" noProof="1">
-                  <a:solidFill>
-                    <a:srgbClr val="000000"/>
-                  </a:solidFill>
-                </a:rPr>
-                <a:t>«gen»</a:t>
-              </a:r>
             </a:p>
           </p:txBody>
         </p:sp>
@@ -7111,11 +6769,19 @@
             </a:r>
             <a:r>
               <a:rPr lang="de-DE" dirty="0" err="1"/>
-              <a:t>depends</a:t>
+              <a:t>influenced</a:t>
             </a:r>
             <a:r>
               <a:rPr lang="de-DE" dirty="0"/>
-              <a:t> on </a:t>
+              <a:t> </a:t>
+            </a:r>
+            <a:r>
+              <a:rPr lang="de-DE" dirty="0" err="1"/>
+              <a:t>by</a:t>
+            </a:r>
+            <a:r>
+              <a:rPr lang="de-DE" dirty="0"/>
+              <a:t> </a:t>
             </a:r>
             <a:r>
               <a:rPr lang="de-DE" dirty="0" err="1"/>
@@ -7248,10 +6914,6 @@
           </a:p>
           <a:p>
             <a:pPr lvl="1"/>
-            <a:endParaRPr lang="en-GB" dirty="0"/>
-          </a:p>
-          <a:p>
-            <a:pPr lvl="1"/>
             <a:r>
               <a:rPr lang="de-DE" dirty="0"/>
               <a:t>Code </a:t>
@@ -7266,11 +6928,19 @@
             </a:r>
             <a:r>
               <a:rPr lang="de-DE" dirty="0" err="1"/>
-              <a:t>depends</a:t>
+              <a:t>influenced</a:t>
             </a:r>
             <a:r>
               <a:rPr lang="de-DE" dirty="0"/>
-              <a:t> on </a:t>
+              <a:t> </a:t>
+            </a:r>
+            <a:r>
+              <a:rPr lang="de-DE" dirty="0" err="1"/>
+              <a:t>by</a:t>
+            </a:r>
+            <a:r>
+              <a:rPr lang="de-DE" dirty="0"/>
+              <a:t> </a:t>
             </a:r>
             <a:r>
               <a:rPr lang="de-DE" dirty="0" err="1"/>
@@ -7353,27 +7023,20 @@
             <a:p>
               <a:r>
                 <a:rPr lang="en-US" b="1" dirty="0">
-                  <a:latin typeface="Courier New" pitchFamily="49" charset="0"/>
-                  <a:cs typeface="Courier New" pitchFamily="49" charset="0"/>
-                </a:rPr>
-                <a:t>module </a:t>
-              </a:r>
-              <a:r>
-                <a:rPr lang="en-US" b="1" dirty="0">
                   <a:solidFill>
                     <a:schemeClr val="tx2"/>
                   </a:solidFill>
                   <a:latin typeface="Courier New" pitchFamily="49" charset="0"/>
                   <a:cs typeface="Courier New" pitchFamily="49" charset="0"/>
                 </a:rPr>
-                <a:t>Example</a:t>
-              </a:r>
-              <a:r>
-                <a:rPr lang="en-US" b="1" dirty="0">
-                  <a:latin typeface="Courier New" pitchFamily="49" charset="0"/>
-                  <a:cs typeface="Courier New" pitchFamily="49" charset="0"/>
-                </a:rPr>
-                <a:t> {</a:t>
+                <a:t>module</a:t>
+              </a:r>
+              <a:r>
+                <a:rPr lang="en-US" b="1" dirty="0">
+                  <a:latin typeface="Courier New" pitchFamily="49" charset="0"/>
+                  <a:cs typeface="Courier New" pitchFamily="49" charset="0"/>
+                </a:rPr>
+                <a:t> Example {</a:t>
               </a:r>
             </a:p>
             <a:p>
@@ -7382,7 +7045,75 @@
                   <a:latin typeface="Courier New" pitchFamily="49" charset="0"/>
                   <a:cs typeface="Courier New" pitchFamily="49" charset="0"/>
                 </a:rPr>
-                <a:t>  fun foo(a Int, b Int) : Int {</a:t>
+                <a:t>  </a:t>
+              </a:r>
+              <a:r>
+                <a:rPr lang="en-US" b="1" dirty="0">
+                  <a:solidFill>
+                    <a:schemeClr val="tx2"/>
+                  </a:solidFill>
+                  <a:latin typeface="Courier New" pitchFamily="49" charset="0"/>
+                  <a:cs typeface="Courier New" pitchFamily="49" charset="0"/>
+                </a:rPr>
+                <a:t>fun</a:t>
+              </a:r>
+              <a:r>
+                <a:rPr lang="en-US" b="1" dirty="0">
+                  <a:latin typeface="Courier New" pitchFamily="49" charset="0"/>
+                  <a:cs typeface="Courier New" pitchFamily="49" charset="0"/>
+                </a:rPr>
+                <a:t> foo(a </a:t>
+              </a:r>
+              <a:r>
+                <a:rPr lang="en-US" b="1" dirty="0">
+                  <a:solidFill>
+                    <a:schemeClr val="accent4"/>
+                  </a:solidFill>
+                  <a:latin typeface="Courier New" pitchFamily="49" charset="0"/>
+                  <a:cs typeface="Courier New" pitchFamily="49" charset="0"/>
+                </a:rPr>
+                <a:t>Int</a:t>
+              </a:r>
+              <a:r>
+                <a:rPr lang="en-US" b="1" dirty="0">
+                  <a:latin typeface="Courier New" pitchFamily="49" charset="0"/>
+                  <a:cs typeface="Courier New" pitchFamily="49" charset="0"/>
+                </a:rPr>
+                <a:t>, b </a:t>
+              </a:r>
+              <a:r>
+                <a:rPr lang="en-US" b="1" dirty="0">
+                  <a:solidFill>
+                    <a:schemeClr val="accent4"/>
+                  </a:solidFill>
+                  <a:latin typeface="Courier New" pitchFamily="49" charset="0"/>
+                  <a:cs typeface="Courier New" pitchFamily="49" charset="0"/>
+                </a:rPr>
+                <a:t>Int</a:t>
+              </a:r>
+              <a:r>
+                <a:rPr lang="en-US" b="1" dirty="0">
+                  <a:latin typeface="Courier New" pitchFamily="49" charset="0"/>
+                  <a:cs typeface="Courier New" pitchFamily="49" charset="0"/>
+                </a:rPr>
+                <a:t>) : </a:t>
+              </a:r>
+              <a:r>
+                <a:rPr lang="en-US" b="1" dirty="0">
+                  <a:solidFill>
+                    <a:schemeClr val="accent4"/>
+                  </a:solidFill>
+                  <a:latin typeface="Courier New" pitchFamily="49" charset="0"/>
+                  <a:cs typeface="Courier New" pitchFamily="49" charset="0"/>
+                </a:rPr>
+                <a:t>Int</a:t>
+              </a:r>
+              <a:r>
+                <a:rPr lang="en-US" b="1" dirty="0">
+                  <a:latin typeface="Courier New" pitchFamily="49" charset="0"/>
+                  <a:cs typeface="Courier New" pitchFamily="49" charset="0"/>
+                </a:rPr>
+                <a:t> {</a:t>
               </a:r>
             </a:p>
             <a:p>
@@ -7391,7 +7122,24 @@
                   <a:latin typeface="Courier New" pitchFamily="49" charset="0"/>
                   <a:cs typeface="Courier New" pitchFamily="49" charset="0"/>
                 </a:rPr>
-                <a:t>    return a + b;</a:t>
+                <a:t>    </a:t>
+              </a:r>
+              <a:r>
+                <a:rPr lang="en-US" b="1" dirty="0">
+                  <a:solidFill>
+                    <a:schemeClr val="tx2"/>
+                  </a:solidFill>
+                  <a:latin typeface="Courier New" pitchFamily="49" charset="0"/>
+                  <a:cs typeface="Courier New" pitchFamily="49" charset="0"/>
+                </a:rPr>
+                <a:t>return</a:t>
+              </a:r>
+              <a:r>
+                <a:rPr lang="en-US" b="1" dirty="0">
+                  <a:latin typeface="Courier New" pitchFamily="49" charset="0"/>
+                  <a:cs typeface="Courier New" pitchFamily="49" charset="0"/>
+                </a:rPr>
+                <a:t> a + b</a:t>
               </a:r>
             </a:p>
             <a:p>
@@ -7592,8 +7340,8 @@
           </p:nvSpPr>
           <p:spPr>
             <a:xfrm>
-              <a:off x="6560619" y="2335862"/>
-              <a:ext cx="591830" cy="307777"/>
+              <a:off x="6764169" y="2335862"/>
+              <a:ext cx="184730" cy="278251"/>
             </a:xfrm>
             <a:prstGeom prst="rect">
               <a:avLst/>
@@ -7606,14 +7354,11 @@
             <a:lstStyle/>
             <a:p>
               <a:pPr lvl="0" algn="ctr"/>
-              <a:r>
-                <a:rPr lang="de-DE" altLang="de-DE" sz="1400" b="1" noProof="1">
-                  <a:solidFill>
-                    <a:srgbClr val="000000"/>
-                  </a:solidFill>
-                </a:rPr>
-                <a:t>«hc»</a:t>
-              </a:r>
+              <a:endParaRPr lang="de-DE" altLang="de-DE" sz="1400" b="1" noProof="1">
+                <a:solidFill>
+                  <a:srgbClr val="000000"/>
+                </a:solidFill>
+              </a:endParaRPr>
             </a:p>
           </p:txBody>
         </p:sp>
@@ -8045,10 +7790,10 @@
         </p:nvGrpSpPr>
         <p:grpSpPr>
           <a:xfrm>
-            <a:off x="4998128" y="1403284"/>
-            <a:ext cx="6869847" cy="3410709"/>
+            <a:off x="4713514" y="1403284"/>
+            <a:ext cx="7154461" cy="3133711"/>
             <a:chOff x="1247387" y="2028085"/>
-            <a:chExt cx="6071999" cy="3083510"/>
+            <a:chExt cx="6071999" cy="2833085"/>
           </a:xfrm>
         </p:grpSpPr>
         <p:sp>
@@ -8068,7 +7813,7 @@
           <p:spPr bwMode="auto">
             <a:xfrm>
               <a:off x="1750625" y="2523864"/>
-              <a:ext cx="4887449" cy="2587731"/>
+              <a:ext cx="4887449" cy="2337306"/>
             </a:xfrm>
             <a:prstGeom prst="rect">
               <a:avLst/>
@@ -8092,24 +7837,68 @@
             <a:p>
               <a:r>
                 <a:rPr lang="en-US" b="1" dirty="0">
-                  <a:latin typeface="Courier New" pitchFamily="49" charset="0"/>
-                  <a:cs typeface="Courier New" pitchFamily="49" charset="0"/>
-                </a:rPr>
-                <a:t>fun </a:t>
+                  <a:solidFill>
+                    <a:schemeClr val="tx2"/>
+                  </a:solidFill>
+                  <a:latin typeface="Courier New" pitchFamily="49" charset="0"/>
+                  <a:cs typeface="Courier New" pitchFamily="49" charset="0"/>
+                </a:rPr>
+                <a:t>fun</a:t>
+              </a:r>
+              <a:r>
+                <a:rPr lang="en-US" b="1" dirty="0">
+                  <a:latin typeface="Courier New" pitchFamily="49" charset="0"/>
+                  <a:cs typeface="Courier New" pitchFamily="49" charset="0"/>
+                </a:rPr>
+                <a:t> </a:t>
               </a:r>
               <a:r>
                 <a:rPr lang="en-US" b="1" dirty="0" err="1">
                   <a:latin typeface="Courier New" pitchFamily="49" charset="0"/>
                   <a:cs typeface="Courier New" pitchFamily="49" charset="0"/>
                 </a:rPr>
-                <a:t>isEvenSublist</a:t>
-              </a:r>
-              <a:r>
-                <a:rPr lang="en-US" b="1" dirty="0">
-                  <a:latin typeface="Courier New" pitchFamily="49" charset="0"/>
-                  <a:cs typeface="Courier New" pitchFamily="49" charset="0"/>
-                </a:rPr>
-                <a:t>(list [Int]) : [Int] {</a:t>
+                <a:t>EvenSublistGen</a:t>
+              </a:r>
+              <a:r>
+                <a:rPr lang="en-US" b="1" dirty="0">
+                  <a:latin typeface="Courier New" pitchFamily="49" charset="0"/>
+                  <a:cs typeface="Courier New" pitchFamily="49" charset="0"/>
+                </a:rPr>
+                <a:t>(list [</a:t>
+              </a:r>
+              <a:r>
+                <a:rPr lang="en-US" b="1" dirty="0">
+                  <a:solidFill>
+                    <a:schemeClr val="accent4"/>
+                  </a:solidFill>
+                  <a:latin typeface="Courier New" pitchFamily="49" charset="0"/>
+                  <a:cs typeface="Courier New" pitchFamily="49" charset="0"/>
+                </a:rPr>
+                <a:t>Int</a:t>
+              </a:r>
+              <a:r>
+                <a:rPr lang="en-US" b="1" dirty="0">
+                  <a:latin typeface="Courier New" pitchFamily="49" charset="0"/>
+                  <a:cs typeface="Courier New" pitchFamily="49" charset="0"/>
+                </a:rPr>
+                <a:t>]) : [</a:t>
+              </a:r>
+              <a:r>
+                <a:rPr lang="en-US" b="1" dirty="0">
+                  <a:solidFill>
+                    <a:schemeClr val="accent4"/>
+                  </a:solidFill>
+                  <a:latin typeface="Courier New" pitchFamily="49" charset="0"/>
+                  <a:cs typeface="Courier New" pitchFamily="49" charset="0"/>
+                </a:rPr>
+                <a:t>Int</a:t>
+              </a:r>
+              <a:r>
+                <a:rPr lang="en-US" b="1" dirty="0">
+                  <a:latin typeface="Courier New" pitchFamily="49" charset="0"/>
+                  <a:cs typeface="Courier New" pitchFamily="49" charset="0"/>
+                </a:rPr>
+                <a:t>] {</a:t>
               </a:r>
             </a:p>
             <a:p>
@@ -8132,7 +7921,24 @@
                   <a:latin typeface="Courier New" pitchFamily="49" charset="0"/>
                   <a:cs typeface="Courier New" pitchFamily="49" charset="0"/>
                 </a:rPr>
-                <a:t> [Int] = []</a:t>
+                <a:t> [</a:t>
+              </a:r>
+              <a:r>
+                <a:rPr lang="en-US" b="1" dirty="0">
+                  <a:solidFill>
+                    <a:schemeClr val="accent4"/>
+                  </a:solidFill>
+                  <a:latin typeface="Courier New" pitchFamily="49" charset="0"/>
+                  <a:cs typeface="Courier New" pitchFamily="49" charset="0"/>
+                </a:rPr>
+                <a:t>Int</a:t>
+              </a:r>
+              <a:r>
+                <a:rPr lang="en-US" b="1" dirty="0">
+                  <a:latin typeface="Courier New" pitchFamily="49" charset="0"/>
+                  <a:cs typeface="Courier New" pitchFamily="49" charset="0"/>
+                </a:rPr>
+                <a:t>] = []</a:t>
               </a:r>
             </a:p>
             <a:p>
@@ -8141,7 +7947,41 @@
                   <a:latin typeface="Courier New" pitchFamily="49" charset="0"/>
                   <a:cs typeface="Courier New" pitchFamily="49" charset="0"/>
                 </a:rPr>
-                <a:t>  for el in list {</a:t>
+                <a:t>  </a:t>
+              </a:r>
+              <a:r>
+                <a:rPr lang="en-US" b="1" dirty="0">
+                  <a:solidFill>
+                    <a:schemeClr val="tx2"/>
+                  </a:solidFill>
+                  <a:latin typeface="Courier New" pitchFamily="49" charset="0"/>
+                  <a:cs typeface="Courier New" pitchFamily="49" charset="0"/>
+                </a:rPr>
+                <a:t>for</a:t>
+              </a:r>
+              <a:r>
+                <a:rPr lang="en-US" b="1" dirty="0">
+                  <a:latin typeface="Courier New" pitchFamily="49" charset="0"/>
+                  <a:cs typeface="Courier New" pitchFamily="49" charset="0"/>
+                </a:rPr>
+                <a:t> el </a:t>
+              </a:r>
+              <a:r>
+                <a:rPr lang="en-US" b="1" dirty="0">
+                  <a:solidFill>
+                    <a:schemeClr val="tx2"/>
+                  </a:solidFill>
+                  <a:latin typeface="Courier New" pitchFamily="49" charset="0"/>
+                  <a:cs typeface="Courier New" pitchFamily="49" charset="0"/>
+                </a:rPr>
+                <a:t>in</a:t>
+              </a:r>
+              <a:r>
+                <a:rPr lang="en-US" b="1" dirty="0">
+                  <a:latin typeface="Courier New" pitchFamily="49" charset="0"/>
+                  <a:cs typeface="Courier New" pitchFamily="49" charset="0"/>
+                </a:rPr>
+                <a:t> list {</a:t>
               </a:r>
             </a:p>
             <a:p>
@@ -8150,7 +7990,24 @@
                   <a:latin typeface="Courier New" pitchFamily="49" charset="0"/>
                   <a:cs typeface="Courier New" pitchFamily="49" charset="0"/>
                 </a:rPr>
-                <a:t>    if </a:t>
+                <a:t>    </a:t>
+              </a:r>
+              <a:r>
+                <a:rPr lang="en-US" b="1" dirty="0">
+                  <a:solidFill>
+                    <a:schemeClr val="tx2"/>
+                  </a:solidFill>
+                  <a:latin typeface="Courier New" pitchFamily="49" charset="0"/>
+                  <a:cs typeface="Courier New" pitchFamily="49" charset="0"/>
+                </a:rPr>
+                <a:t>if</a:t>
+              </a:r>
+              <a:r>
+                <a:rPr lang="en-US" b="1" dirty="0">
+                  <a:latin typeface="Courier New" pitchFamily="49" charset="0"/>
+                  <a:cs typeface="Courier New" pitchFamily="49" charset="0"/>
+                </a:rPr>
+                <a:t> </a:t>
               </a:r>
               <a:r>
                 <a:rPr lang="en-US" b="1" dirty="0" err="1">
@@ -8228,7 +8085,24 @@
                   <a:latin typeface="Courier New" pitchFamily="49" charset="0"/>
                   <a:cs typeface="Courier New" pitchFamily="49" charset="0"/>
                 </a:rPr>
-                <a:t>  return </a:t>
+                <a:t>  </a:t>
+              </a:r>
+              <a:r>
+                <a:rPr lang="en-US" b="1" dirty="0">
+                  <a:solidFill>
+                    <a:schemeClr val="tx2"/>
+                  </a:solidFill>
+                  <a:latin typeface="Courier New" pitchFamily="49" charset="0"/>
+                  <a:cs typeface="Courier New" pitchFamily="49" charset="0"/>
+                </a:rPr>
+                <a:t>return</a:t>
+              </a:r>
+              <a:r>
+                <a:rPr lang="en-US" b="1" dirty="0">
+                  <a:latin typeface="Courier New" pitchFamily="49" charset="0"/>
+                  <a:cs typeface="Courier New" pitchFamily="49" charset="0"/>
+                </a:rPr>
+                <a:t> </a:t>
               </a:r>
               <a:r>
                 <a:rPr lang="en-US" b="1" dirty="0" err="1">
@@ -8442,45 +8316,6 @@
                 <a:ea typeface="+mn-ea"/>
                 <a:cs typeface="+mn-cs"/>
               </a:endParaRPr>
-            </a:p>
-          </p:txBody>
-        </p:sp>
-        <p:sp>
-          <p:nvSpPr>
-            <p:cNvPr id="13" name="Rechteck 12">
-              <a:extLst>
-                <a:ext uri="{FF2B5EF4-FFF2-40B4-BE49-F238E27FC236}">
-                  <a16:creationId xmlns:a16="http://schemas.microsoft.com/office/drawing/2014/main" id="{0FB6A3C5-C89B-4E34-BFC3-5CFA62038631}"/>
-                </a:ext>
-              </a:extLst>
-            </p:cNvPr>
-            <p:cNvSpPr/>
-            <p:nvPr/>
-          </p:nvSpPr>
-          <p:spPr>
-            <a:xfrm>
-              <a:off x="6560619" y="2335862"/>
-              <a:ext cx="591830" cy="307777"/>
-            </a:xfrm>
-            <a:prstGeom prst="rect">
-              <a:avLst/>
-            </a:prstGeom>
-          </p:spPr>
-          <p:txBody>
-            <a:bodyPr wrap="none">
-              <a:spAutoFit/>
-            </a:bodyPr>
-            <a:lstStyle/>
-            <a:p>
-              <a:pPr lvl="0" algn="ctr"/>
-              <a:r>
-                <a:rPr lang="de-DE" altLang="de-DE" sz="1400" b="1" noProof="1">
-                  <a:solidFill>
-                    <a:srgbClr val="000000"/>
-                  </a:solidFill>
-                </a:rPr>
-                <a:t>«hc»</a:t>
-              </a:r>
             </a:p>
           </p:txBody>
         </p:sp>
@@ -8604,105 +8439,20 @@
             <a:p>
               <a:r>
                 <a:rPr lang="en-US" b="1" dirty="0">
-                  <a:latin typeface="Courier New" pitchFamily="49" charset="0"/>
-                  <a:cs typeface="Courier New" pitchFamily="49" charset="0"/>
-                </a:rPr>
-                <a:t>module Variables {</a:t>
-              </a:r>
-            </a:p>
-            <a:p>
-              <a:r>
-                <a:rPr lang="en-US" b="1" dirty="0">
-                  <a:latin typeface="Courier New" pitchFamily="49" charset="0"/>
-                  <a:cs typeface="Courier New" pitchFamily="49" charset="0"/>
-                </a:rPr>
-                <a:t>  list [Int] = [31,42]</a:t>
-              </a:r>
-            </a:p>
-            <a:p>
-              <a:r>
-                <a:rPr lang="en-US" b="1" dirty="0">
-                  <a:latin typeface="Courier New" pitchFamily="49" charset="0"/>
-                  <a:cs typeface="Courier New" pitchFamily="49" charset="0"/>
-                </a:rPr>
-                <a:t>  tuple &lt;Int, String&gt; = &lt;1, “</a:t>
-              </a:r>
-              <a:r>
-                <a:rPr lang="en-US" b="1" dirty="0" err="1">
-                  <a:latin typeface="Courier New" pitchFamily="49" charset="0"/>
-                  <a:cs typeface="Courier New" pitchFamily="49" charset="0"/>
-                </a:rPr>
-                <a:t>Eins</a:t>
-              </a:r>
-              <a:r>
-                <a:rPr lang="en-US" b="1" dirty="0">
-                  <a:latin typeface="Courier New" pitchFamily="49" charset="0"/>
-                  <a:cs typeface="Courier New" pitchFamily="49" charset="0"/>
-                </a:rPr>
-                <a:t>”&gt;</a:t>
-              </a:r>
-            </a:p>
-            <a:p>
-              <a:r>
-                <a:rPr lang="en-US" b="1" dirty="0">
-                  <a:latin typeface="Courier New" pitchFamily="49" charset="0"/>
-                  <a:cs typeface="Courier New" pitchFamily="49" charset="0"/>
-                </a:rPr>
-                <a:t>  map [Int, String] = {1: “</a:t>
-              </a:r>
-              <a:r>
-                <a:rPr lang="en-US" b="1" dirty="0" err="1">
-                  <a:latin typeface="Courier New" pitchFamily="49" charset="0"/>
-                  <a:cs typeface="Courier New" pitchFamily="49" charset="0"/>
-                </a:rPr>
-                <a:t>Eins</a:t>
-              </a:r>
-              <a:r>
-                <a:rPr lang="en-US" b="1" dirty="0">
-                  <a:latin typeface="Courier New" pitchFamily="49" charset="0"/>
-                  <a:cs typeface="Courier New" pitchFamily="49" charset="0"/>
-                </a:rPr>
-                <a:t>”, 2: “</a:t>
-              </a:r>
-              <a:r>
-                <a:rPr lang="en-US" b="1" dirty="0" err="1">
-                  <a:latin typeface="Courier New" pitchFamily="49" charset="0"/>
-                  <a:cs typeface="Courier New" pitchFamily="49" charset="0"/>
-                </a:rPr>
-                <a:t>Zwei</a:t>
-              </a:r>
-              <a:r>
-                <a:rPr lang="en-US" b="1" dirty="0">
-                  <a:latin typeface="Courier New" pitchFamily="49" charset="0"/>
-                  <a:cs typeface="Courier New" pitchFamily="49" charset="0"/>
-                </a:rPr>
-                <a:t>”}</a:t>
-              </a:r>
-            </a:p>
-            <a:p>
-              <a:r>
-                <a:rPr lang="en-US" b="1" dirty="0">
-                  <a:latin typeface="Courier New" pitchFamily="49" charset="0"/>
-                  <a:cs typeface="Courier New" pitchFamily="49" charset="0"/>
-                </a:rPr>
-                <a:t>  integer </a:t>
-              </a:r>
-              <a:r>
-                <a:rPr lang="en-US" b="1" dirty="0">
                   <a:solidFill>
                     <a:schemeClr val="tx2"/>
                   </a:solidFill>
                   <a:latin typeface="Courier New" pitchFamily="49" charset="0"/>
                   <a:cs typeface="Courier New" pitchFamily="49" charset="0"/>
                 </a:rPr>
-                <a:t>Int8</a:t>
-              </a:r>
-              <a:r>
-                <a:rPr lang="en-US" b="1" dirty="0">
-                  <a:latin typeface="Courier New" pitchFamily="49" charset="0"/>
-                  <a:cs typeface="Courier New" pitchFamily="49" charset="0"/>
-                </a:rPr>
-                <a:t> = 2</a:t>
+                <a:t>module</a:t>
+              </a:r>
+              <a:r>
+                <a:rPr lang="en-US" b="1" dirty="0">
+                  <a:latin typeface="Courier New" pitchFamily="49" charset="0"/>
+                  <a:cs typeface="Courier New" pitchFamily="49" charset="0"/>
+                </a:rPr>
+                <a:t> Variables {</a:t>
               </a:r>
             </a:p>
             <a:p>
@@ -8711,6 +8461,186 @@
                   <a:latin typeface="Courier New" pitchFamily="49" charset="0"/>
                   <a:cs typeface="Courier New" pitchFamily="49" charset="0"/>
                 </a:rPr>
+                <a:t>  list [</a:t>
+              </a:r>
+              <a:r>
+                <a:rPr lang="en-US" b="1" dirty="0">
+                  <a:solidFill>
+                    <a:schemeClr val="accent4"/>
+                  </a:solidFill>
+                  <a:latin typeface="Courier New" pitchFamily="49" charset="0"/>
+                  <a:cs typeface="Courier New" pitchFamily="49" charset="0"/>
+                </a:rPr>
+                <a:t>Int</a:t>
+              </a:r>
+              <a:r>
+                <a:rPr lang="en-US" b="1" dirty="0">
+                  <a:latin typeface="Courier New" pitchFamily="49" charset="0"/>
+                  <a:cs typeface="Courier New" pitchFamily="49" charset="0"/>
+                </a:rPr>
+                <a:t>] = [31,42]</a:t>
+              </a:r>
+            </a:p>
+            <a:p>
+              <a:r>
+                <a:rPr lang="en-US" b="1" dirty="0">
+                  <a:latin typeface="Courier New" pitchFamily="49" charset="0"/>
+                  <a:cs typeface="Courier New" pitchFamily="49" charset="0"/>
+                </a:rPr>
+                <a:t>  tuple (</a:t>
+              </a:r>
+              <a:r>
+                <a:rPr lang="en-US" b="1" dirty="0">
+                  <a:solidFill>
+                    <a:schemeClr val="accent4"/>
+                  </a:solidFill>
+                  <a:latin typeface="Courier New" pitchFamily="49" charset="0"/>
+                  <a:cs typeface="Courier New" pitchFamily="49" charset="0"/>
+                </a:rPr>
+                <a:t>Int</a:t>
+              </a:r>
+              <a:r>
+                <a:rPr lang="en-US" b="1" dirty="0">
+                  <a:latin typeface="Courier New" pitchFamily="49" charset="0"/>
+                  <a:cs typeface="Courier New" pitchFamily="49" charset="0"/>
+                </a:rPr>
+                <a:t>, </a:t>
+              </a:r>
+              <a:r>
+                <a:rPr lang="en-US" b="1" dirty="0">
+                  <a:solidFill>
+                    <a:schemeClr val="accent4"/>
+                  </a:solidFill>
+                  <a:latin typeface="Courier New" pitchFamily="49" charset="0"/>
+                  <a:cs typeface="Courier New" pitchFamily="49" charset="0"/>
+                </a:rPr>
+                <a:t>String</a:t>
+              </a:r>
+              <a:r>
+                <a:rPr lang="en-US" b="1" dirty="0">
+                  <a:latin typeface="Courier New" pitchFamily="49" charset="0"/>
+                  <a:cs typeface="Courier New" pitchFamily="49" charset="0"/>
+                </a:rPr>
+                <a:t>) = (1, "</a:t>
+              </a:r>
+              <a:r>
+                <a:rPr lang="en-US" b="1" dirty="0" err="1">
+                  <a:latin typeface="Courier New" pitchFamily="49" charset="0"/>
+                  <a:cs typeface="Courier New" pitchFamily="49" charset="0"/>
+                </a:rPr>
+                <a:t>Eins</a:t>
+              </a:r>
+              <a:r>
+                <a:rPr lang="en-US" b="1" dirty="0">
+                  <a:latin typeface="Courier New" pitchFamily="49" charset="0"/>
+                  <a:cs typeface="Courier New" pitchFamily="49" charset="0"/>
+                </a:rPr>
+                <a:t>")</a:t>
+              </a:r>
+            </a:p>
+            <a:p>
+              <a:r>
+                <a:rPr lang="en-US" b="1" dirty="0">
+                  <a:latin typeface="Courier New" pitchFamily="49" charset="0"/>
+                  <a:cs typeface="Courier New" pitchFamily="49" charset="0"/>
+                </a:rPr>
+                <a:t>  map [</a:t>
+              </a:r>
+              <a:r>
+                <a:rPr lang="en-US" b="1" dirty="0">
+                  <a:solidFill>
+                    <a:schemeClr val="accent4"/>
+                  </a:solidFill>
+                  <a:latin typeface="Courier New" pitchFamily="49" charset="0"/>
+                  <a:cs typeface="Courier New" pitchFamily="49" charset="0"/>
+                </a:rPr>
+                <a:t>Int</a:t>
+              </a:r>
+              <a:r>
+                <a:rPr lang="en-US" b="1" dirty="0">
+                  <a:latin typeface="Courier New" pitchFamily="49" charset="0"/>
+                  <a:cs typeface="Courier New" pitchFamily="49" charset="0"/>
+                </a:rPr>
+                <a:t>, </a:t>
+              </a:r>
+              <a:r>
+                <a:rPr lang="en-US" b="1" dirty="0">
+                  <a:solidFill>
+                    <a:schemeClr val="accent4"/>
+                  </a:solidFill>
+                  <a:latin typeface="Courier New" pitchFamily="49" charset="0"/>
+                  <a:cs typeface="Courier New" pitchFamily="49" charset="0"/>
+                </a:rPr>
+                <a:t>String</a:t>
+              </a:r>
+              <a:r>
+                <a:rPr lang="en-US" b="1" dirty="0">
+                  <a:latin typeface="Courier New" pitchFamily="49" charset="0"/>
+                  <a:cs typeface="Courier New" pitchFamily="49" charset="0"/>
+                </a:rPr>
+                <a:t>] = {1: "</a:t>
+              </a:r>
+              <a:r>
+                <a:rPr lang="en-US" b="1" dirty="0" err="1">
+                  <a:latin typeface="Courier New" pitchFamily="49" charset="0"/>
+                  <a:cs typeface="Courier New" pitchFamily="49" charset="0"/>
+                </a:rPr>
+                <a:t>Eins</a:t>
+              </a:r>
+              <a:r>
+                <a:rPr lang="en-US" b="1" dirty="0">
+                  <a:latin typeface="Courier New" pitchFamily="49" charset="0"/>
+                  <a:cs typeface="Courier New" pitchFamily="49" charset="0"/>
+                </a:rPr>
+                <a:t>", 2: "</a:t>
+              </a:r>
+              <a:r>
+                <a:rPr lang="en-US" b="1" dirty="0" err="1">
+                  <a:latin typeface="Courier New" pitchFamily="49" charset="0"/>
+                  <a:cs typeface="Courier New" pitchFamily="49" charset="0"/>
+                </a:rPr>
+                <a:t>Zwei</a:t>
+              </a:r>
+              <a:r>
+                <a:rPr lang="en-US" b="1" dirty="0">
+                  <a:latin typeface="Courier New" pitchFamily="49" charset="0"/>
+                  <a:cs typeface="Courier New" pitchFamily="49" charset="0"/>
+                </a:rPr>
+                <a:t>"}</a:t>
+              </a:r>
+            </a:p>
+            <a:p>
+              <a:r>
+                <a:rPr lang="en-US" b="1" dirty="0">
+                  <a:latin typeface="Courier New" pitchFamily="49" charset="0"/>
+                  <a:cs typeface="Courier New" pitchFamily="49" charset="0"/>
+                </a:rPr>
+                <a:t>  integer </a:t>
+              </a:r>
+              <a:r>
+                <a:rPr lang="en-US" b="1" dirty="0">
+                  <a:solidFill>
+                    <a:schemeClr val="accent4"/>
+                  </a:solidFill>
+                  <a:latin typeface="Courier New" pitchFamily="49" charset="0"/>
+                  <a:cs typeface="Courier New" pitchFamily="49" charset="0"/>
+                </a:rPr>
+                <a:t>Int8</a:t>
+              </a:r>
+              <a:r>
+                <a:rPr lang="en-US" b="1" dirty="0">
+                  <a:latin typeface="Courier New" pitchFamily="49" charset="0"/>
+                  <a:cs typeface="Courier New" pitchFamily="49" charset="0"/>
+                </a:rPr>
+                <a:t> = 2</a:t>
+              </a:r>
+            </a:p>
+            <a:p>
+              <a:r>
+                <a:rPr lang="en-US" b="1" dirty="0">
+                  <a:latin typeface="Courier New" pitchFamily="49" charset="0"/>
+                  <a:cs typeface="Courier New" pitchFamily="49" charset="0"/>
+                </a:rPr>
                 <a:t>  </a:t>
               </a:r>
               <a:r>
@@ -8725,24 +8655,24 @@
                   <a:latin typeface="Courier New" pitchFamily="49" charset="0"/>
                   <a:cs typeface="Courier New" pitchFamily="49" charset="0"/>
                 </a:rPr>
-                <a:t> </a:t>
+                <a:t> : </a:t>
               </a:r>
               <a:r>
                 <a:rPr lang="en-US" b="1" dirty="0">
                   <a:solidFill>
-                    <a:schemeClr val="tx2"/>
+                    <a:schemeClr val="accent4"/>
                   </a:solidFill>
                   <a:latin typeface="Courier New" pitchFamily="49" charset="0"/>
                   <a:cs typeface="Courier New" pitchFamily="49" charset="0"/>
                 </a:rPr>
-                <a:t>:</a:t>
-              </a:r>
-              <a:r>
-                <a:rPr lang="en-US" b="1" dirty="0">
-                  <a:latin typeface="Courier New" pitchFamily="49" charset="0"/>
-                  <a:cs typeface="Courier New" pitchFamily="49" charset="0"/>
-                </a:rPr>
-                <a:t> Int = 2</a:t>
+                <a:t>Int</a:t>
+              </a:r>
+              <a:r>
+                <a:rPr lang="en-US" b="1" dirty="0">
+                  <a:latin typeface="Courier New" pitchFamily="49" charset="0"/>
+                  <a:cs typeface="Courier New" pitchFamily="49" charset="0"/>
+                </a:rPr>
+                <a:t> = 2</a:t>
               </a:r>
             </a:p>
             <a:p>
@@ -8936,45 +8866,6 @@
                 <a:ea typeface="+mn-ea"/>
                 <a:cs typeface="+mn-cs"/>
               </a:endParaRPr>
-            </a:p>
-          </p:txBody>
-        </p:sp>
-        <p:sp>
-          <p:nvSpPr>
-            <p:cNvPr id="9" name="Rechteck 8">
-              <a:extLst>
-                <a:ext uri="{FF2B5EF4-FFF2-40B4-BE49-F238E27FC236}">
-                  <a16:creationId xmlns:a16="http://schemas.microsoft.com/office/drawing/2014/main" id="{BBF7ACDE-4CF7-4155-A5A5-088B7B847D0B}"/>
-                </a:ext>
-              </a:extLst>
-            </p:cNvPr>
-            <p:cNvSpPr/>
-            <p:nvPr/>
-          </p:nvSpPr>
-          <p:spPr>
-            <a:xfrm>
-              <a:off x="6560619" y="2335862"/>
-              <a:ext cx="591830" cy="307777"/>
-            </a:xfrm>
-            <a:prstGeom prst="rect">
-              <a:avLst/>
-            </a:prstGeom>
-          </p:spPr>
-          <p:txBody>
-            <a:bodyPr wrap="none">
-              <a:spAutoFit/>
-            </a:bodyPr>
-            <a:lstStyle/>
-            <a:p>
-              <a:pPr lvl="0" algn="ctr"/>
-              <a:r>
-                <a:rPr lang="de-DE" altLang="de-DE" sz="1400" b="1" noProof="1">
-                  <a:solidFill>
-                    <a:srgbClr val="000000"/>
-                  </a:solidFill>
-                </a:rPr>
-                <a:t>«hc»</a:t>
-              </a:r>
             </a:p>
           </p:txBody>
         </p:sp>
@@ -9972,678 +9863,6 @@
   <p:clrMapOvr>
     <a:masterClrMapping/>
   </p:clrMapOvr>
-  <p:timing>
-    <p:tnLst>
-      <p:par>
-        <p:cTn id="1" dur="indefinite" restart="never" nodeType="tmRoot">
-          <p:childTnLst>
-            <p:seq concurrent="1" nextAc="seek">
-              <p:cTn id="2" dur="indefinite" nodeType="mainSeq">
-                <p:childTnLst>
-                  <p:par>
-                    <p:cTn id="3" fill="hold">
-                      <p:stCondLst>
-                        <p:cond delay="indefinite"/>
-                      </p:stCondLst>
-                      <p:childTnLst>
-                        <p:par>
-                          <p:cTn id="4" fill="hold">
-                            <p:stCondLst>
-                              <p:cond delay="0"/>
-                            </p:stCondLst>
-                            <p:childTnLst>
-                              <p:par>
-                                <p:cTn id="5" presetID="1" presetClass="entr" presetSubtype="0" fill="hold" grpId="0" nodeType="clickEffect">
-                                  <p:stCondLst>
-                                    <p:cond delay="0"/>
-                                  </p:stCondLst>
-                                  <p:childTnLst>
-                                    <p:set>
-                                      <p:cBhvr>
-                                        <p:cTn id="6" dur="1" fill="hold">
-                                          <p:stCondLst>
-                                            <p:cond delay="0"/>
-                                          </p:stCondLst>
-                                        </p:cTn>
-                                        <p:tgtEl>
-                                          <p:spTgt spid="35"/>
-                                        </p:tgtEl>
-                                        <p:attrNameLst>
-                                          <p:attrName>style.visibility</p:attrName>
-                                        </p:attrNameLst>
-                                      </p:cBhvr>
-                                      <p:to>
-                                        <p:strVal val="visible"/>
-                                      </p:to>
-                                    </p:set>
-                                  </p:childTnLst>
-                                </p:cTn>
-                              </p:par>
-                              <p:par>
-                                <p:cTn id="7" presetID="1" presetClass="entr" presetSubtype="0" fill="hold" nodeType="withEffect">
-                                  <p:stCondLst>
-                                    <p:cond delay="0"/>
-                                  </p:stCondLst>
-                                  <p:childTnLst>
-                                    <p:set>
-                                      <p:cBhvr>
-                                        <p:cTn id="8" dur="1" fill="hold">
-                                          <p:stCondLst>
-                                            <p:cond delay="0"/>
-                                          </p:stCondLst>
-                                        </p:cTn>
-                                        <p:tgtEl>
-                                          <p:spTgt spid="37"/>
-                                        </p:tgtEl>
-                                        <p:attrNameLst>
-                                          <p:attrName>style.visibility</p:attrName>
-                                        </p:attrNameLst>
-                                      </p:cBhvr>
-                                      <p:to>
-                                        <p:strVal val="visible"/>
-                                      </p:to>
-                                    </p:set>
-                                  </p:childTnLst>
-                                </p:cTn>
-                              </p:par>
-                              <p:par>
-                                <p:cTn id="9" presetID="1" presetClass="entr" presetSubtype="0" fill="hold" grpId="0" nodeType="withEffect">
-                                  <p:stCondLst>
-                                    <p:cond delay="0"/>
-                                  </p:stCondLst>
-                                  <p:childTnLst>
-                                    <p:set>
-                                      <p:cBhvr>
-                                        <p:cTn id="10" dur="1" fill="hold">
-                                          <p:stCondLst>
-                                            <p:cond delay="0"/>
-                                          </p:stCondLst>
-                                        </p:cTn>
-                                        <p:tgtEl>
-                                          <p:spTgt spid="15"/>
-                                        </p:tgtEl>
-                                        <p:attrNameLst>
-                                          <p:attrName>style.visibility</p:attrName>
-                                        </p:attrNameLst>
-                                      </p:cBhvr>
-                                      <p:to>
-                                        <p:strVal val="visible"/>
-                                      </p:to>
-                                    </p:set>
-                                  </p:childTnLst>
-                                </p:cTn>
-                              </p:par>
-                              <p:par>
-                                <p:cTn id="11" presetID="1" presetClass="entr" presetSubtype="0" fill="hold" nodeType="withEffect">
-                                  <p:stCondLst>
-                                    <p:cond delay="0"/>
-                                  </p:stCondLst>
-                                  <p:childTnLst>
-                                    <p:set>
-                                      <p:cBhvr>
-                                        <p:cTn id="12" dur="1" fill="hold">
-                                          <p:stCondLst>
-                                            <p:cond delay="0"/>
-                                          </p:stCondLst>
-                                        </p:cTn>
-                                        <p:tgtEl>
-                                          <p:spTgt spid="20"/>
-                                        </p:tgtEl>
-                                        <p:attrNameLst>
-                                          <p:attrName>style.visibility</p:attrName>
-                                        </p:attrNameLst>
-                                      </p:cBhvr>
-                                      <p:to>
-                                        <p:strVal val="visible"/>
-                                      </p:to>
-                                    </p:set>
-                                  </p:childTnLst>
-                                </p:cTn>
-                              </p:par>
-                              <p:par>
-                                <p:cTn id="13" presetID="1" presetClass="entr" presetSubtype="0" fill="hold" grpId="0" nodeType="withEffect">
-                                  <p:stCondLst>
-                                    <p:cond delay="0"/>
-                                  </p:stCondLst>
-                                  <p:childTnLst>
-                                    <p:set>
-                                      <p:cBhvr>
-                                        <p:cTn id="14" dur="1" fill="hold">
-                                          <p:stCondLst>
-                                            <p:cond delay="0"/>
-                                          </p:stCondLst>
-                                        </p:cTn>
-                                        <p:tgtEl>
-                                          <p:spTgt spid="21"/>
-                                        </p:tgtEl>
-                                        <p:attrNameLst>
-                                          <p:attrName>style.visibility</p:attrName>
-                                        </p:attrNameLst>
-                                      </p:cBhvr>
-                                      <p:to>
-                                        <p:strVal val="visible"/>
-                                      </p:to>
-                                    </p:set>
-                                  </p:childTnLst>
-                                </p:cTn>
-                              </p:par>
-                              <p:par>
-                                <p:cTn id="15" presetID="1" presetClass="entr" presetSubtype="0" fill="hold" nodeType="withEffect">
-                                  <p:stCondLst>
-                                    <p:cond delay="0"/>
-                                  </p:stCondLst>
-                                  <p:childTnLst>
-                                    <p:set>
-                                      <p:cBhvr>
-                                        <p:cTn id="16" dur="1" fill="hold">
-                                          <p:stCondLst>
-                                            <p:cond delay="0"/>
-                                          </p:stCondLst>
-                                        </p:cTn>
-                                        <p:tgtEl>
-                                          <p:spTgt spid="26"/>
-                                        </p:tgtEl>
-                                        <p:attrNameLst>
-                                          <p:attrName>style.visibility</p:attrName>
-                                        </p:attrNameLst>
-                                      </p:cBhvr>
-                                      <p:to>
-                                        <p:strVal val="visible"/>
-                                      </p:to>
-                                    </p:set>
-                                  </p:childTnLst>
-                                </p:cTn>
-                              </p:par>
-                            </p:childTnLst>
-                          </p:cTn>
-                        </p:par>
-                      </p:childTnLst>
-                    </p:cTn>
-                  </p:par>
-                  <p:par>
-                    <p:cTn id="17" fill="hold">
-                      <p:stCondLst>
-                        <p:cond delay="indefinite"/>
-                      </p:stCondLst>
-                      <p:childTnLst>
-                        <p:par>
-                          <p:cTn id="18" fill="hold">
-                            <p:stCondLst>
-                              <p:cond delay="0"/>
-                            </p:stCondLst>
-                            <p:childTnLst>
-                              <p:par>
-                                <p:cTn id="19" presetID="1" presetClass="entr" presetSubtype="0" fill="hold" grpId="0" nodeType="clickEffect">
-                                  <p:stCondLst>
-                                    <p:cond delay="0"/>
-                                  </p:stCondLst>
-                                  <p:childTnLst>
-                                    <p:set>
-                                      <p:cBhvr>
-                                        <p:cTn id="20" dur="1" fill="hold">
-                                          <p:stCondLst>
-                                            <p:cond delay="0"/>
-                                          </p:stCondLst>
-                                        </p:cTn>
-                                        <p:tgtEl>
-                                          <p:spTgt spid="24"/>
-                                        </p:tgtEl>
-                                        <p:attrNameLst>
-                                          <p:attrName>style.visibility</p:attrName>
-                                        </p:attrNameLst>
-                                      </p:cBhvr>
-                                      <p:to>
-                                        <p:strVal val="visible"/>
-                                      </p:to>
-                                    </p:set>
-                                  </p:childTnLst>
-                                </p:cTn>
-                              </p:par>
-                              <p:par>
-                                <p:cTn id="21" presetID="1" presetClass="entr" presetSubtype="0" fill="hold" nodeType="withEffect">
-                                  <p:stCondLst>
-                                    <p:cond delay="0"/>
-                                  </p:stCondLst>
-                                  <p:childTnLst>
-                                    <p:set>
-                                      <p:cBhvr>
-                                        <p:cTn id="22" dur="1" fill="hold">
-                                          <p:stCondLst>
-                                            <p:cond delay="0"/>
-                                          </p:stCondLst>
-                                        </p:cTn>
-                                        <p:tgtEl>
-                                          <p:spTgt spid="32"/>
-                                        </p:tgtEl>
-                                        <p:attrNameLst>
-                                          <p:attrName>style.visibility</p:attrName>
-                                        </p:attrNameLst>
-                                      </p:cBhvr>
-                                      <p:to>
-                                        <p:strVal val="visible"/>
-                                      </p:to>
-                                    </p:set>
-                                  </p:childTnLst>
-                                </p:cTn>
-                              </p:par>
-                            </p:childTnLst>
-                          </p:cTn>
-                        </p:par>
-                      </p:childTnLst>
-                    </p:cTn>
-                  </p:par>
-                  <p:par>
-                    <p:cTn id="23" fill="hold">
-                      <p:stCondLst>
-                        <p:cond delay="indefinite"/>
-                      </p:stCondLst>
-                      <p:childTnLst>
-                        <p:par>
-                          <p:cTn id="24" fill="hold">
-                            <p:stCondLst>
-                              <p:cond delay="0"/>
-                            </p:stCondLst>
-                            <p:childTnLst>
-                              <p:par>
-                                <p:cTn id="25" presetID="1" presetClass="entr" presetSubtype="0" fill="hold" grpId="0" nodeType="clickEffect">
-                                  <p:stCondLst>
-                                    <p:cond delay="0"/>
-                                  </p:stCondLst>
-                                  <p:childTnLst>
-                                    <p:set>
-                                      <p:cBhvr>
-                                        <p:cTn id="26" dur="1" fill="hold">
-                                          <p:stCondLst>
-                                            <p:cond delay="0"/>
-                                          </p:stCondLst>
-                                        </p:cTn>
-                                        <p:tgtEl>
-                                          <p:spTgt spid="48"/>
-                                        </p:tgtEl>
-                                        <p:attrNameLst>
-                                          <p:attrName>style.visibility</p:attrName>
-                                        </p:attrNameLst>
-                                      </p:cBhvr>
-                                      <p:to>
-                                        <p:strVal val="visible"/>
-                                      </p:to>
-                                    </p:set>
-                                  </p:childTnLst>
-                                </p:cTn>
-                              </p:par>
-                              <p:par>
-                                <p:cTn id="27" presetID="1" presetClass="entr" presetSubtype="0" fill="hold" nodeType="withEffect">
-                                  <p:stCondLst>
-                                    <p:cond delay="0"/>
-                                  </p:stCondLst>
-                                  <p:childTnLst>
-                                    <p:set>
-                                      <p:cBhvr>
-                                        <p:cTn id="28" dur="1" fill="hold">
-                                          <p:stCondLst>
-                                            <p:cond delay="0"/>
-                                          </p:stCondLst>
-                                        </p:cTn>
-                                        <p:tgtEl>
-                                          <p:spTgt spid="49"/>
-                                        </p:tgtEl>
-                                        <p:attrNameLst>
-                                          <p:attrName>style.visibility</p:attrName>
-                                        </p:attrNameLst>
-                                      </p:cBhvr>
-                                      <p:to>
-                                        <p:strVal val="visible"/>
-                                      </p:to>
-                                    </p:set>
-                                  </p:childTnLst>
-                                </p:cTn>
-                              </p:par>
-                              <p:par>
-                                <p:cTn id="29" presetID="1" presetClass="entr" presetSubtype="0" fill="hold" grpId="0" nodeType="withEffect">
-                                  <p:stCondLst>
-                                    <p:cond delay="0"/>
-                                  </p:stCondLst>
-                                  <p:childTnLst>
-                                    <p:set>
-                                      <p:cBhvr>
-                                        <p:cTn id="30" dur="1" fill="hold">
-                                          <p:stCondLst>
-                                            <p:cond delay="0"/>
-                                          </p:stCondLst>
-                                        </p:cTn>
-                                        <p:tgtEl>
-                                          <p:spTgt spid="50"/>
-                                        </p:tgtEl>
-                                        <p:attrNameLst>
-                                          <p:attrName>style.visibility</p:attrName>
-                                        </p:attrNameLst>
-                                      </p:cBhvr>
-                                      <p:to>
-                                        <p:strVal val="visible"/>
-                                      </p:to>
-                                    </p:set>
-                                  </p:childTnLst>
-                                </p:cTn>
-                              </p:par>
-                              <p:par>
-                                <p:cTn id="31" presetID="1" presetClass="entr" presetSubtype="0" fill="hold" nodeType="withEffect">
-                                  <p:stCondLst>
-                                    <p:cond delay="0"/>
-                                  </p:stCondLst>
-                                  <p:childTnLst>
-                                    <p:set>
-                                      <p:cBhvr>
-                                        <p:cTn id="32" dur="1" fill="hold">
-                                          <p:stCondLst>
-                                            <p:cond delay="0"/>
-                                          </p:stCondLst>
-                                        </p:cTn>
-                                        <p:tgtEl>
-                                          <p:spTgt spid="51"/>
-                                        </p:tgtEl>
-                                        <p:attrNameLst>
-                                          <p:attrName>style.visibility</p:attrName>
-                                        </p:attrNameLst>
-                                      </p:cBhvr>
-                                      <p:to>
-                                        <p:strVal val="visible"/>
-                                      </p:to>
-                                    </p:set>
-                                  </p:childTnLst>
-                                </p:cTn>
-                              </p:par>
-                            </p:childTnLst>
-                          </p:cTn>
-                        </p:par>
-                      </p:childTnLst>
-                    </p:cTn>
-                  </p:par>
-                  <p:par>
-                    <p:cTn id="33" fill="hold">
-                      <p:stCondLst>
-                        <p:cond delay="indefinite"/>
-                      </p:stCondLst>
-                      <p:childTnLst>
-                        <p:par>
-                          <p:cTn id="34" fill="hold">
-                            <p:stCondLst>
-                              <p:cond delay="0"/>
-                            </p:stCondLst>
-                            <p:childTnLst>
-                              <p:par>
-                                <p:cTn id="35" presetID="1" presetClass="entr" presetSubtype="0" fill="hold" nodeType="clickEffect">
-                                  <p:stCondLst>
-                                    <p:cond delay="0"/>
-                                  </p:stCondLst>
-                                  <p:childTnLst>
-                                    <p:set>
-                                      <p:cBhvr>
-                                        <p:cTn id="36" dur="1" fill="hold">
-                                          <p:stCondLst>
-                                            <p:cond delay="0"/>
-                                          </p:stCondLst>
-                                        </p:cTn>
-                                        <p:tgtEl>
-                                          <p:spTgt spid="42"/>
-                                        </p:tgtEl>
-                                        <p:attrNameLst>
-                                          <p:attrName>style.visibility</p:attrName>
-                                        </p:attrNameLst>
-                                      </p:cBhvr>
-                                      <p:to>
-                                        <p:strVal val="visible"/>
-                                      </p:to>
-                                    </p:set>
-                                  </p:childTnLst>
-                                </p:cTn>
-                              </p:par>
-                              <p:par>
-                                <p:cTn id="37" presetID="1" presetClass="entr" presetSubtype="0" fill="hold" nodeType="withEffect">
-                                  <p:stCondLst>
-                                    <p:cond delay="0"/>
-                                  </p:stCondLst>
-                                  <p:childTnLst>
-                                    <p:set>
-                                      <p:cBhvr>
-                                        <p:cTn id="38" dur="1" fill="hold">
-                                          <p:stCondLst>
-                                            <p:cond delay="0"/>
-                                          </p:stCondLst>
-                                        </p:cTn>
-                                        <p:tgtEl>
-                                          <p:spTgt spid="44"/>
-                                        </p:tgtEl>
-                                        <p:attrNameLst>
-                                          <p:attrName>style.visibility</p:attrName>
-                                        </p:attrNameLst>
-                                      </p:cBhvr>
-                                      <p:to>
-                                        <p:strVal val="visible"/>
-                                      </p:to>
-                                    </p:set>
-                                  </p:childTnLst>
-                                </p:cTn>
-                              </p:par>
-                              <p:par>
-                                <p:cTn id="39" presetID="1" presetClass="entr" presetSubtype="0" fill="hold" grpId="0" nodeType="withEffect">
-                                  <p:stCondLst>
-                                    <p:cond delay="0"/>
-                                  </p:stCondLst>
-                                  <p:childTnLst>
-                                    <p:set>
-                                      <p:cBhvr>
-                                        <p:cTn id="40" dur="1" fill="hold">
-                                          <p:stCondLst>
-                                            <p:cond delay="0"/>
-                                          </p:stCondLst>
-                                        </p:cTn>
-                                        <p:tgtEl>
-                                          <p:spTgt spid="43"/>
-                                        </p:tgtEl>
-                                        <p:attrNameLst>
-                                          <p:attrName>style.visibility</p:attrName>
-                                        </p:attrNameLst>
-                                      </p:cBhvr>
-                                      <p:to>
-                                        <p:strVal val="visible"/>
-                                      </p:to>
-                                    </p:set>
-                                  </p:childTnLst>
-                                </p:cTn>
-                              </p:par>
-                              <p:par>
-                                <p:cTn id="41" presetID="1" presetClass="entr" presetSubtype="0" fill="hold" grpId="0" nodeType="withEffect">
-                                  <p:stCondLst>
-                                    <p:cond delay="0"/>
-                                  </p:stCondLst>
-                                  <p:childTnLst>
-                                    <p:set>
-                                      <p:cBhvr>
-                                        <p:cTn id="42" dur="1" fill="hold">
-                                          <p:stCondLst>
-                                            <p:cond delay="0"/>
-                                          </p:stCondLst>
-                                        </p:cTn>
-                                        <p:tgtEl>
-                                          <p:spTgt spid="41"/>
-                                        </p:tgtEl>
-                                        <p:attrNameLst>
-                                          <p:attrName>style.visibility</p:attrName>
-                                        </p:attrNameLst>
-                                      </p:cBhvr>
-                                      <p:to>
-                                        <p:strVal val="visible"/>
-                                      </p:to>
-                                    </p:set>
-                                  </p:childTnLst>
-                                </p:cTn>
-                              </p:par>
-                            </p:childTnLst>
-                          </p:cTn>
-                        </p:par>
-                      </p:childTnLst>
-                    </p:cTn>
-                  </p:par>
-                  <p:par>
-                    <p:cTn id="43" fill="hold">
-                      <p:stCondLst>
-                        <p:cond delay="indefinite"/>
-                      </p:stCondLst>
-                      <p:childTnLst>
-                        <p:par>
-                          <p:cTn id="44" fill="hold">
-                            <p:stCondLst>
-                              <p:cond delay="0"/>
-                            </p:stCondLst>
-                            <p:childTnLst>
-                              <p:par>
-                                <p:cTn id="45" presetID="1" presetClass="entr" presetSubtype="0" fill="hold" grpId="0" nodeType="clickEffect">
-                                  <p:stCondLst>
-                                    <p:cond delay="0"/>
-                                  </p:stCondLst>
-                                  <p:childTnLst>
-                                    <p:set>
-                                      <p:cBhvr>
-                                        <p:cTn id="46" dur="1" fill="hold">
-                                          <p:stCondLst>
-                                            <p:cond delay="0"/>
-                                          </p:stCondLst>
-                                        </p:cTn>
-                                        <p:tgtEl>
-                                          <p:spTgt spid="27"/>
-                                        </p:tgtEl>
-                                        <p:attrNameLst>
-                                          <p:attrName>style.visibility</p:attrName>
-                                        </p:attrNameLst>
-                                      </p:cBhvr>
-                                      <p:to>
-                                        <p:strVal val="visible"/>
-                                      </p:to>
-                                    </p:set>
-                                  </p:childTnLst>
-                                </p:cTn>
-                              </p:par>
-                              <p:par>
-                                <p:cTn id="47" presetID="1" presetClass="entr" presetSubtype="0" fill="hold" nodeType="withEffect">
-                                  <p:stCondLst>
-                                    <p:cond delay="0"/>
-                                  </p:stCondLst>
-                                  <p:childTnLst>
-                                    <p:set>
-                                      <p:cBhvr>
-                                        <p:cTn id="48" dur="1" fill="hold">
-                                          <p:stCondLst>
-                                            <p:cond delay="0"/>
-                                          </p:stCondLst>
-                                        </p:cTn>
-                                        <p:tgtEl>
-                                          <p:spTgt spid="31"/>
-                                        </p:tgtEl>
-                                        <p:attrNameLst>
-                                          <p:attrName>style.visibility</p:attrName>
-                                        </p:attrNameLst>
-                                      </p:cBhvr>
-                                      <p:to>
-                                        <p:strVal val="visible"/>
-                                      </p:to>
-                                    </p:set>
-                                  </p:childTnLst>
-                                </p:cTn>
-                              </p:par>
-                              <p:par>
-                                <p:cTn id="49" presetID="1" presetClass="entr" presetSubtype="0" fill="hold" nodeType="withEffect">
-                                  <p:stCondLst>
-                                    <p:cond delay="0"/>
-                                  </p:stCondLst>
-                                  <p:childTnLst>
-                                    <p:set>
-                                      <p:cBhvr>
-                                        <p:cTn id="50" dur="1" fill="hold">
-                                          <p:stCondLst>
-                                            <p:cond delay="0"/>
-                                          </p:stCondLst>
-                                        </p:cTn>
-                                        <p:tgtEl>
-                                          <p:spTgt spid="39"/>
-                                        </p:tgtEl>
-                                        <p:attrNameLst>
-                                          <p:attrName>style.visibility</p:attrName>
-                                        </p:attrNameLst>
-                                      </p:cBhvr>
-                                      <p:to>
-                                        <p:strVal val="visible"/>
-                                      </p:to>
-                                    </p:set>
-                                  </p:childTnLst>
-                                </p:cTn>
-                              </p:par>
-                              <p:par>
-                                <p:cTn id="51" presetID="1" presetClass="entr" presetSubtype="0" fill="hold" grpId="0" nodeType="withEffect">
-                                  <p:stCondLst>
-                                    <p:cond delay="0"/>
-                                  </p:stCondLst>
-                                  <p:childTnLst>
-                                    <p:set>
-                                      <p:cBhvr>
-                                        <p:cTn id="52" dur="1" fill="hold">
-                                          <p:stCondLst>
-                                            <p:cond delay="0"/>
-                                          </p:stCondLst>
-                                        </p:cTn>
-                                        <p:tgtEl>
-                                          <p:spTgt spid="38"/>
-                                        </p:tgtEl>
-                                        <p:attrNameLst>
-                                          <p:attrName>style.visibility</p:attrName>
-                                        </p:attrNameLst>
-                                      </p:cBhvr>
-                                      <p:to>
-                                        <p:strVal val="visible"/>
-                                      </p:to>
-                                    </p:set>
-                                  </p:childTnLst>
-                                </p:cTn>
-                              </p:par>
-                            </p:childTnLst>
-                          </p:cTn>
-                        </p:par>
-                      </p:childTnLst>
-                    </p:cTn>
-                  </p:par>
-                </p:childTnLst>
-              </p:cTn>
-              <p:prevCondLst>
-                <p:cond evt="onPrev" delay="0">
-                  <p:tgtEl>
-                    <p:sldTgt/>
-                  </p:tgtEl>
-                </p:cond>
-              </p:prevCondLst>
-              <p:nextCondLst>
-                <p:cond evt="onNext" delay="0">
-                  <p:tgtEl>
-                    <p:sldTgt/>
-                  </p:tgtEl>
-                </p:cond>
-              </p:nextCondLst>
-            </p:seq>
-          </p:childTnLst>
-        </p:cTn>
-      </p:par>
-    </p:tnLst>
-    <p:bldLst>
-      <p:bldP spid="24" grpId="0"/>
-      <p:bldP spid="35" grpId="0"/>
-      <p:bldP spid="15" grpId="0"/>
-      <p:bldP spid="21" grpId="0"/>
-      <p:bldP spid="27" grpId="0"/>
-      <p:bldP spid="38" grpId="0"/>
-      <p:bldP spid="41" grpId="0"/>
-      <p:bldP spid="43" grpId="0"/>
-      <p:bldP spid="48" grpId="0"/>
-      <p:bldP spid="50" grpId="0"/>
-    </p:bldLst>
-  </p:timing>
 </p:sld>
 </file>
 
@@ -10758,10 +9977,20 @@
             <a:p>
               <a:r>
                 <a:rPr lang="en-US" b="1" dirty="0">
-                  <a:latin typeface="Courier New" pitchFamily="49" charset="0"/>
-                  <a:cs typeface="Courier New" pitchFamily="49" charset="0"/>
-                </a:rPr>
-                <a:t>module </a:t>
+                  <a:solidFill>
+                    <a:schemeClr val="tx2"/>
+                  </a:solidFill>
+                  <a:latin typeface="Courier New" pitchFamily="49" charset="0"/>
+                  <a:cs typeface="Courier New" pitchFamily="49" charset="0"/>
+                </a:rPr>
+                <a:t>module</a:t>
+              </a:r>
+              <a:r>
+                <a:rPr lang="en-US" b="1" dirty="0">
+                  <a:latin typeface="Courier New" pitchFamily="49" charset="0"/>
+                  <a:cs typeface="Courier New" pitchFamily="49" charset="0"/>
+                </a:rPr>
+                <a:t> </a:t>
               </a:r>
               <a:r>
                 <a:rPr lang="en-US" b="1" dirty="0" err="1">
@@ -10784,24 +10013,24 @@
                   <a:latin typeface="Courier New" pitchFamily="49" charset="0"/>
                   <a:cs typeface="Courier New" pitchFamily="49" charset="0"/>
                 </a:rPr>
-                <a:t>  data </a:t>
+                <a:t>  </a:t>
               </a:r>
               <a:r>
                 <a:rPr lang="en-US" b="1" dirty="0">
                   <a:solidFill>
-                    <a:schemeClr val="accent6"/>
+                    <a:schemeClr val="tx2"/>
                   </a:solidFill>
                   <a:latin typeface="Courier New" pitchFamily="49" charset="0"/>
                   <a:cs typeface="Courier New" pitchFamily="49" charset="0"/>
                 </a:rPr>
-                <a:t>Student</a:t>
-              </a:r>
-              <a:r>
-                <a:rPr lang="en-US" b="1" dirty="0">
-                  <a:latin typeface="Courier New" pitchFamily="49" charset="0"/>
-                  <a:cs typeface="Courier New" pitchFamily="49" charset="0"/>
-                </a:rPr>
-                <a:t> {</a:t>
+                <a:t>data</a:t>
+              </a:r>
+              <a:r>
+                <a:rPr lang="en-US" b="1" dirty="0">
+                  <a:latin typeface="Courier New" pitchFamily="49" charset="0"/>
+                  <a:cs typeface="Courier New" pitchFamily="49" charset="0"/>
+                </a:rPr>
+                <a:t> Student {</a:t>
               </a:r>
               <a:endParaRPr lang="en-US" dirty="0">
                 <a:latin typeface="Courier New" pitchFamily="49" charset="0"/>
@@ -10828,7 +10057,17 @@
                   <a:latin typeface="Courier New" pitchFamily="49" charset="0"/>
                   <a:cs typeface="Courier New" pitchFamily="49" charset="0"/>
                 </a:rPr>
-                <a:t> Int</a:t>
+                <a:t> </a:t>
+              </a:r>
+              <a:r>
+                <a:rPr lang="en-US" b="1" dirty="0">
+                  <a:solidFill>
+                    <a:schemeClr val="accent4"/>
+                  </a:solidFill>
+                  <a:latin typeface="Courier New" pitchFamily="49" charset="0"/>
+                  <a:cs typeface="Courier New" pitchFamily="49" charset="0"/>
+                </a:rPr>
+                <a:t>Int</a:t>
               </a:r>
             </a:p>
             <a:p>
@@ -10837,7 +10076,17 @@
                   <a:latin typeface="Courier New" pitchFamily="49" charset="0"/>
                   <a:cs typeface="Courier New" pitchFamily="49" charset="0"/>
                 </a:rPr>
-                <a:t>    Name String</a:t>
+                <a:t>    Name </a:t>
+              </a:r>
+              <a:r>
+                <a:rPr lang="en-US" b="1" dirty="0">
+                  <a:solidFill>
+                    <a:schemeClr val="accent4"/>
+                  </a:solidFill>
+                  <a:latin typeface="Courier New" pitchFamily="49" charset="0"/>
+                  <a:cs typeface="Courier New" pitchFamily="49" charset="0"/>
+                </a:rPr>
+                <a:t>String</a:t>
               </a:r>
             </a:p>
             <a:p>
@@ -10855,24 +10104,7 @@
                   <a:latin typeface="Courier New" pitchFamily="49" charset="0"/>
                   <a:cs typeface="Courier New" pitchFamily="49" charset="0"/>
                 </a:rPr>
-                <a:t>  test : </a:t>
-              </a:r>
-              <a:r>
-                <a:rPr lang="en-US" b="1" dirty="0">
-                  <a:solidFill>
-                    <a:schemeClr val="accent6"/>
-                  </a:solidFill>
-                  <a:latin typeface="Courier New" pitchFamily="49" charset="0"/>
-                  <a:cs typeface="Courier New" pitchFamily="49" charset="0"/>
-                </a:rPr>
-                <a:t>Student</a:t>
-              </a:r>
-              <a:r>
-                <a:rPr lang="en-US" b="1" dirty="0">
-                  <a:latin typeface="Courier New" pitchFamily="49" charset="0"/>
-                  <a:cs typeface="Courier New" pitchFamily="49" charset="0"/>
-                </a:rPr>
-                <a:t> = (314253, “Hugo”)</a:t>
+                <a:t>  test : Student = (314253, "Hugo")</a:t>
               </a:r>
             </a:p>
             <a:p>
@@ -11078,8 +10310,8 @@
           </p:nvSpPr>
           <p:spPr>
             <a:xfrm>
-              <a:off x="6560619" y="2335862"/>
-              <a:ext cx="591830" cy="307777"/>
+              <a:off x="6805866" y="2335862"/>
+              <a:ext cx="101335" cy="220100"/>
             </a:xfrm>
             <a:prstGeom prst="rect">
               <a:avLst/>
@@ -11092,14 +10324,11 @@
             <a:lstStyle/>
             <a:p>
               <a:pPr lvl="0" algn="ctr"/>
-              <a:r>
-                <a:rPr lang="de-DE" altLang="de-DE" sz="1400" b="1" noProof="1">
-                  <a:solidFill>
-                    <a:srgbClr val="000000"/>
-                  </a:solidFill>
-                </a:rPr>
-                <a:t>«hc»</a:t>
-              </a:r>
+              <a:endParaRPr lang="de-DE" altLang="de-DE" sz="1400" b="1" noProof="1">
+                <a:solidFill>
+                  <a:srgbClr val="000000"/>
+                </a:solidFill>
+              </a:endParaRPr>
             </a:p>
           </p:txBody>
         </p:sp>
@@ -11368,7 +10597,7 @@
         <p:spPr>
           <a:xfrm>
             <a:off x="-9284" y="1202870"/>
-            <a:ext cx="2237172" cy="369332"/>
+            <a:ext cx="2748688" cy="369332"/>
           </a:xfrm>
           <a:prstGeom prst="rect">
             <a:avLst/>
@@ -11387,7 +10616,23 @@
                   <a:schemeClr val="tx2"/>
                 </a:solidFill>
               </a:rPr>
-              <a:t>Class </a:t>
+              <a:t>Data </a:t>
+            </a:r>
+            <a:r>
+              <a:rPr lang="de-DE" dirty="0" err="1">
+                <a:solidFill>
+                  <a:schemeClr val="tx2"/>
+                </a:solidFill>
+              </a:rPr>
+              <a:t>structure</a:t>
+            </a:r>
+            <a:r>
+              <a:rPr lang="de-DE" dirty="0">
+                <a:solidFill>
+                  <a:schemeClr val="tx2"/>
+                </a:solidFill>
+              </a:rPr>
+              <a:t> </a:t>
             </a:r>
             <a:r>
               <a:rPr lang="de-DE" dirty="0" err="1">
@@ -11422,8 +10667,8 @@
         </p:nvCxnSpPr>
         <p:spPr>
           <a:xfrm rot="16200000" flipH="1">
-            <a:off x="1299646" y="1381858"/>
-            <a:ext cx="522928" cy="903616"/>
+            <a:off x="1427526" y="1509735"/>
+            <a:ext cx="522926" cy="647859"/>
           </a:xfrm>
           <a:prstGeom prst="curvedConnector2">
             <a:avLst/>
@@ -11701,439 +10946,6 @@
   <p:clrMapOvr>
     <a:masterClrMapping/>
   </p:clrMapOvr>
-  <p:timing>
-    <p:tnLst>
-      <p:par>
-        <p:cTn id="1" dur="indefinite" restart="never" nodeType="tmRoot">
-          <p:childTnLst>
-            <p:seq concurrent="1" nextAc="seek">
-              <p:cTn id="2" dur="indefinite" nodeType="mainSeq">
-                <p:childTnLst>
-                  <p:par>
-                    <p:cTn id="3" fill="hold">
-                      <p:stCondLst>
-                        <p:cond delay="indefinite"/>
-                      </p:stCondLst>
-                      <p:childTnLst>
-                        <p:par>
-                          <p:cTn id="4" fill="hold">
-                            <p:stCondLst>
-                              <p:cond delay="0"/>
-                            </p:stCondLst>
-                            <p:childTnLst>
-                              <p:par>
-                                <p:cTn id="5" presetID="1" presetClass="entr" presetSubtype="0" fill="hold" grpId="0" nodeType="clickEffect">
-                                  <p:stCondLst>
-                                    <p:cond delay="0"/>
-                                  </p:stCondLst>
-                                  <p:childTnLst>
-                                    <p:set>
-                                      <p:cBhvr>
-                                        <p:cTn id="6" dur="1" fill="hold">
-                                          <p:stCondLst>
-                                            <p:cond delay="0"/>
-                                          </p:stCondLst>
-                                        </p:cTn>
-                                        <p:tgtEl>
-                                          <p:spTgt spid="30"/>
-                                        </p:tgtEl>
-                                        <p:attrNameLst>
-                                          <p:attrName>style.visibility</p:attrName>
-                                        </p:attrNameLst>
-                                      </p:cBhvr>
-                                      <p:to>
-                                        <p:strVal val="visible"/>
-                                      </p:to>
-                                    </p:set>
-                                  </p:childTnLst>
-                                </p:cTn>
-                              </p:par>
-                              <p:par>
-                                <p:cTn id="7" presetID="1" presetClass="entr" presetSubtype="0" fill="hold" nodeType="withEffect">
-                                  <p:stCondLst>
-                                    <p:cond delay="0"/>
-                                  </p:stCondLst>
-                                  <p:childTnLst>
-                                    <p:set>
-                                      <p:cBhvr>
-                                        <p:cTn id="8" dur="1" fill="hold">
-                                          <p:stCondLst>
-                                            <p:cond delay="0"/>
-                                          </p:stCondLst>
-                                        </p:cTn>
-                                        <p:tgtEl>
-                                          <p:spTgt spid="33"/>
-                                        </p:tgtEl>
-                                        <p:attrNameLst>
-                                          <p:attrName>style.visibility</p:attrName>
-                                        </p:attrNameLst>
-                                      </p:cBhvr>
-                                      <p:to>
-                                        <p:strVal val="visible"/>
-                                      </p:to>
-                                    </p:set>
-                                  </p:childTnLst>
-                                </p:cTn>
-                              </p:par>
-                            </p:childTnLst>
-                          </p:cTn>
-                        </p:par>
-                      </p:childTnLst>
-                    </p:cTn>
-                  </p:par>
-                  <p:par>
-                    <p:cTn id="9" fill="hold">
-                      <p:stCondLst>
-                        <p:cond delay="indefinite"/>
-                      </p:stCondLst>
-                      <p:childTnLst>
-                        <p:par>
-                          <p:cTn id="10" fill="hold">
-                            <p:stCondLst>
-                              <p:cond delay="0"/>
-                            </p:stCondLst>
-                            <p:childTnLst>
-                              <p:par>
-                                <p:cTn id="11" presetID="1" presetClass="entr" presetSubtype="0" fill="hold" nodeType="clickEffect">
-                                  <p:stCondLst>
-                                    <p:cond delay="0"/>
-                                  </p:stCondLst>
-                                  <p:childTnLst>
-                                    <p:set>
-                                      <p:cBhvr>
-                                        <p:cTn id="12" dur="1" fill="hold">
-                                          <p:stCondLst>
-                                            <p:cond delay="0"/>
-                                          </p:stCondLst>
-                                        </p:cTn>
-                                        <p:tgtEl>
-                                          <p:spTgt spid="22"/>
-                                        </p:tgtEl>
-                                        <p:attrNameLst>
-                                          <p:attrName>style.visibility</p:attrName>
-                                        </p:attrNameLst>
-                                      </p:cBhvr>
-                                      <p:to>
-                                        <p:strVal val="visible"/>
-                                      </p:to>
-                                    </p:set>
-                                  </p:childTnLst>
-                                </p:cTn>
-                              </p:par>
-                              <p:par>
-                                <p:cTn id="13" presetID="1" presetClass="entr" presetSubtype="0" fill="hold" grpId="0" nodeType="withEffect">
-                                  <p:stCondLst>
-                                    <p:cond delay="0"/>
-                                  </p:stCondLst>
-                                  <p:childTnLst>
-                                    <p:set>
-                                      <p:cBhvr>
-                                        <p:cTn id="14" dur="1" fill="hold">
-                                          <p:stCondLst>
-                                            <p:cond delay="0"/>
-                                          </p:stCondLst>
-                                        </p:cTn>
-                                        <p:tgtEl>
-                                          <p:spTgt spid="21"/>
-                                        </p:tgtEl>
-                                        <p:attrNameLst>
-                                          <p:attrName>style.visibility</p:attrName>
-                                        </p:attrNameLst>
-                                      </p:cBhvr>
-                                      <p:to>
-                                        <p:strVal val="visible"/>
-                                      </p:to>
-                                    </p:set>
-                                  </p:childTnLst>
-                                </p:cTn>
-                              </p:par>
-                            </p:childTnLst>
-                          </p:cTn>
-                        </p:par>
-                      </p:childTnLst>
-                    </p:cTn>
-                  </p:par>
-                  <p:par>
-                    <p:cTn id="15" fill="hold">
-                      <p:stCondLst>
-                        <p:cond delay="indefinite"/>
-                      </p:stCondLst>
-                      <p:childTnLst>
-                        <p:par>
-                          <p:cTn id="16" fill="hold">
-                            <p:stCondLst>
-                              <p:cond delay="0"/>
-                            </p:stCondLst>
-                            <p:childTnLst>
-                              <p:par>
-                                <p:cTn id="17" presetID="1" presetClass="entr" presetSubtype="0" fill="hold" grpId="0" nodeType="clickEffect">
-                                  <p:stCondLst>
-                                    <p:cond delay="0"/>
-                                  </p:stCondLst>
-                                  <p:childTnLst>
-                                    <p:set>
-                                      <p:cBhvr>
-                                        <p:cTn id="18" dur="1" fill="hold">
-                                          <p:stCondLst>
-                                            <p:cond delay="0"/>
-                                          </p:stCondLst>
-                                        </p:cTn>
-                                        <p:tgtEl>
-                                          <p:spTgt spid="23"/>
-                                        </p:tgtEl>
-                                        <p:attrNameLst>
-                                          <p:attrName>style.visibility</p:attrName>
-                                        </p:attrNameLst>
-                                      </p:cBhvr>
-                                      <p:to>
-                                        <p:strVal val="visible"/>
-                                      </p:to>
-                                    </p:set>
-                                  </p:childTnLst>
-                                </p:cTn>
-                              </p:par>
-                              <p:par>
-                                <p:cTn id="19" presetID="1" presetClass="entr" presetSubtype="0" fill="hold" nodeType="withEffect">
-                                  <p:stCondLst>
-                                    <p:cond delay="0"/>
-                                  </p:stCondLst>
-                                  <p:childTnLst>
-                                    <p:set>
-                                      <p:cBhvr>
-                                        <p:cTn id="20" dur="1" fill="hold">
-                                          <p:stCondLst>
-                                            <p:cond delay="0"/>
-                                          </p:stCondLst>
-                                        </p:cTn>
-                                        <p:tgtEl>
-                                          <p:spTgt spid="26"/>
-                                        </p:tgtEl>
-                                        <p:attrNameLst>
-                                          <p:attrName>style.visibility</p:attrName>
-                                        </p:attrNameLst>
-                                      </p:cBhvr>
-                                      <p:to>
-                                        <p:strVal val="visible"/>
-                                      </p:to>
-                                    </p:set>
-                                  </p:childTnLst>
-                                </p:cTn>
-                              </p:par>
-                            </p:childTnLst>
-                          </p:cTn>
-                        </p:par>
-                      </p:childTnLst>
-                    </p:cTn>
-                  </p:par>
-                  <p:par>
-                    <p:cTn id="21" fill="hold">
-                      <p:stCondLst>
-                        <p:cond delay="indefinite"/>
-                      </p:stCondLst>
-                      <p:childTnLst>
-                        <p:par>
-                          <p:cTn id="22" fill="hold">
-                            <p:stCondLst>
-                              <p:cond delay="0"/>
-                            </p:stCondLst>
-                            <p:childTnLst>
-                              <p:par>
-                                <p:cTn id="23" presetID="1" presetClass="entr" presetSubtype="0" fill="hold" nodeType="clickEffect">
-                                  <p:stCondLst>
-                                    <p:cond delay="0"/>
-                                  </p:stCondLst>
-                                  <p:childTnLst>
-                                    <p:set>
-                                      <p:cBhvr>
-                                        <p:cTn id="24" dur="1" fill="hold">
-                                          <p:stCondLst>
-                                            <p:cond delay="0"/>
-                                          </p:stCondLst>
-                                        </p:cTn>
-                                        <p:tgtEl>
-                                          <p:spTgt spid="11"/>
-                                        </p:tgtEl>
-                                        <p:attrNameLst>
-                                          <p:attrName>style.visibility</p:attrName>
-                                        </p:attrNameLst>
-                                      </p:cBhvr>
-                                      <p:to>
-                                        <p:strVal val="visible"/>
-                                      </p:to>
-                                    </p:set>
-                                  </p:childTnLst>
-                                </p:cTn>
-                              </p:par>
-                              <p:par>
-                                <p:cTn id="25" presetID="1" presetClass="entr" presetSubtype="0" fill="hold" nodeType="withEffect">
-                                  <p:stCondLst>
-                                    <p:cond delay="0"/>
-                                  </p:stCondLst>
-                                  <p:childTnLst>
-                                    <p:set>
-                                      <p:cBhvr>
-                                        <p:cTn id="26" dur="1" fill="hold">
-                                          <p:stCondLst>
-                                            <p:cond delay="0"/>
-                                          </p:stCondLst>
-                                        </p:cTn>
-                                        <p:tgtEl>
-                                          <p:spTgt spid="13"/>
-                                        </p:tgtEl>
-                                        <p:attrNameLst>
-                                          <p:attrName>style.visibility</p:attrName>
-                                        </p:attrNameLst>
-                                      </p:cBhvr>
-                                      <p:to>
-                                        <p:strVal val="visible"/>
-                                      </p:to>
-                                    </p:set>
-                                  </p:childTnLst>
-                                </p:cTn>
-                              </p:par>
-                              <p:par>
-                                <p:cTn id="27" presetID="1" presetClass="entr" presetSubtype="0" fill="hold" nodeType="withEffect">
-                                  <p:stCondLst>
-                                    <p:cond delay="0"/>
-                                  </p:stCondLst>
-                                  <p:childTnLst>
-                                    <p:set>
-                                      <p:cBhvr>
-                                        <p:cTn id="28" dur="1" fill="hold">
-                                          <p:stCondLst>
-                                            <p:cond delay="0"/>
-                                          </p:stCondLst>
-                                        </p:cTn>
-                                        <p:tgtEl>
-                                          <p:spTgt spid="31"/>
-                                        </p:tgtEl>
-                                        <p:attrNameLst>
-                                          <p:attrName>style.visibility</p:attrName>
-                                        </p:attrNameLst>
-                                      </p:cBhvr>
-                                      <p:to>
-                                        <p:strVal val="visible"/>
-                                      </p:to>
-                                    </p:set>
-                                  </p:childTnLst>
-                                </p:cTn>
-                              </p:par>
-                              <p:par>
-                                <p:cTn id="29" presetID="1" presetClass="entr" presetSubtype="0" fill="hold" nodeType="withEffect">
-                                  <p:stCondLst>
-                                    <p:cond delay="0"/>
-                                  </p:stCondLst>
-                                  <p:childTnLst>
-                                    <p:set>
-                                      <p:cBhvr>
-                                        <p:cTn id="30" dur="1" fill="hold">
-                                          <p:stCondLst>
-                                            <p:cond delay="0"/>
-                                          </p:stCondLst>
-                                        </p:cTn>
-                                        <p:tgtEl>
-                                          <p:spTgt spid="29"/>
-                                        </p:tgtEl>
-                                        <p:attrNameLst>
-                                          <p:attrName>style.visibility</p:attrName>
-                                        </p:attrNameLst>
-                                      </p:cBhvr>
-                                      <p:to>
-                                        <p:strVal val="visible"/>
-                                      </p:to>
-                                    </p:set>
-                                  </p:childTnLst>
-                                </p:cTn>
-                              </p:par>
-                              <p:par>
-                                <p:cTn id="31" presetID="1" presetClass="entr" presetSubtype="0" fill="hold" grpId="0" nodeType="withEffect">
-                                  <p:stCondLst>
-                                    <p:cond delay="0"/>
-                                  </p:stCondLst>
-                                  <p:childTnLst>
-                                    <p:set>
-                                      <p:cBhvr>
-                                        <p:cTn id="32" dur="1" fill="hold">
-                                          <p:stCondLst>
-                                            <p:cond delay="0"/>
-                                          </p:stCondLst>
-                                        </p:cTn>
-                                        <p:tgtEl>
-                                          <p:spTgt spid="2"/>
-                                        </p:tgtEl>
-                                        <p:attrNameLst>
-                                          <p:attrName>style.visibility</p:attrName>
-                                        </p:attrNameLst>
-                                      </p:cBhvr>
-                                      <p:to>
-                                        <p:strVal val="visible"/>
-                                      </p:to>
-                                    </p:set>
-                                  </p:childTnLst>
-                                </p:cTn>
-                              </p:par>
-                              <p:par>
-                                <p:cTn id="33" presetID="1" presetClass="entr" presetSubtype="0" fill="hold" grpId="0" nodeType="withEffect">
-                                  <p:stCondLst>
-                                    <p:cond delay="0"/>
-                                  </p:stCondLst>
-                                  <p:childTnLst>
-                                    <p:set>
-                                      <p:cBhvr>
-                                        <p:cTn id="34" dur="1" fill="hold">
-                                          <p:stCondLst>
-                                            <p:cond delay="0"/>
-                                          </p:stCondLst>
-                                        </p:cTn>
-                                        <p:tgtEl>
-                                          <p:spTgt spid="28"/>
-                                        </p:tgtEl>
-                                        <p:attrNameLst>
-                                          <p:attrName>style.visibility</p:attrName>
-                                        </p:attrNameLst>
-                                      </p:cBhvr>
-                                      <p:to>
-                                        <p:strVal val="visible"/>
-                                      </p:to>
-                                    </p:set>
-                                  </p:childTnLst>
-                                </p:cTn>
-                              </p:par>
-                            </p:childTnLst>
-                          </p:cTn>
-                        </p:par>
-                      </p:childTnLst>
-                    </p:cTn>
-                  </p:par>
-                </p:childTnLst>
-              </p:cTn>
-              <p:prevCondLst>
-                <p:cond evt="onPrev" delay="0">
-                  <p:tgtEl>
-                    <p:sldTgt/>
-                  </p:tgtEl>
-                </p:cond>
-              </p:prevCondLst>
-              <p:nextCondLst>
-                <p:cond evt="onNext" delay="0">
-                  <p:tgtEl>
-                    <p:sldTgt/>
-                  </p:tgtEl>
-                </p:cond>
-              </p:nextCondLst>
-            </p:seq>
-          </p:childTnLst>
-        </p:cTn>
-      </p:par>
-    </p:tnLst>
-    <p:bldLst>
-      <p:bldP spid="2" grpId="0"/>
-      <p:bldP spid="23" grpId="0"/>
-      <p:bldP spid="30" grpId="0"/>
-      <p:bldP spid="21" grpId="0"/>
-      <p:bldP spid="28" grpId="0"/>
-    </p:bldLst>
-  </p:timing>
 </p:sld>
 </file>
 
@@ -12170,7 +10982,12 @@
             <p:ph type="title"/>
           </p:nvPr>
         </p:nvSpPr>
-        <p:spPr/>
+        <p:spPr>
+          <a:xfrm>
+            <a:off x="384000" y="201600"/>
+            <a:ext cx="11484000" cy="543600"/>
+          </a:xfrm>
+        </p:spPr>
         <p:txBody>
           <a:bodyPr/>
           <a:lstStyle/>
@@ -12202,9 +11019,9 @@
         <p:grpSpPr>
           <a:xfrm>
             <a:off x="574608" y="942832"/>
-            <a:ext cx="11104495" cy="4663085"/>
+            <a:ext cx="11104495" cy="4940084"/>
             <a:chOff x="1247387" y="2028085"/>
-            <a:chExt cx="6071999" cy="2383936"/>
+            <a:chExt cx="6071999" cy="2525548"/>
           </a:xfrm>
         </p:grpSpPr>
         <p:sp>
@@ -12224,7 +11041,7 @@
           <p:spPr bwMode="auto">
             <a:xfrm>
               <a:off x="1750625" y="2523864"/>
-              <a:ext cx="4887449" cy="1888157"/>
+              <a:ext cx="4887449" cy="2029769"/>
             </a:xfrm>
             <a:prstGeom prst="rect">
               <a:avLst/>
@@ -12247,29 +11064,6 @@
             <a:lstStyle/>
             <a:p>
               <a:r>
-                <a:rPr lang="en-US" b="1">
-                  <a:latin typeface="Courier New" pitchFamily="49" charset="0"/>
-                  <a:cs typeface="Courier New" pitchFamily="49" charset="0"/>
-                </a:rPr>
-                <a:t>module Functions </a:t>
-              </a:r>
-              <a:r>
-                <a:rPr lang="en-US" b="1" dirty="0">
-                  <a:latin typeface="Courier New" pitchFamily="49" charset="0"/>
-                  <a:cs typeface="Courier New" pitchFamily="49" charset="0"/>
-                </a:rPr>
-                <a:t>{</a:t>
-              </a:r>
-            </a:p>
-            <a:p>
-              <a:r>
-                <a:rPr lang="en-US" b="1" dirty="0">
-                  <a:latin typeface="Courier New" pitchFamily="49" charset="0"/>
-                  <a:cs typeface="Courier New" pitchFamily="49" charset="0"/>
-                </a:rPr>
-                <a:t>  </a:t>
-              </a:r>
-              <a:r>
                 <a:rPr lang="en-US" b="1" dirty="0">
                   <a:solidFill>
                     <a:schemeClr val="tx2"/>
@@ -12277,14 +11071,14 @@
                   <a:latin typeface="Courier New" pitchFamily="49" charset="0"/>
                   <a:cs typeface="Courier New" pitchFamily="49" charset="0"/>
                 </a:rPr>
-                <a:t>fun</a:t>
-              </a:r>
-              <a:r>
-                <a:rPr lang="en-US" b="1" dirty="0">
-                  <a:latin typeface="Courier New" pitchFamily="49" charset="0"/>
-                  <a:cs typeface="Courier New" pitchFamily="49" charset="0"/>
-                </a:rPr>
-                <a:t> foo (Param1 : Int) : [Int] {</a:t>
+                <a:t>module</a:t>
+              </a:r>
+              <a:r>
+                <a:rPr lang="en-US" b="1" dirty="0">
+                  <a:latin typeface="Courier New" pitchFamily="49" charset="0"/>
+                  <a:cs typeface="Courier New" pitchFamily="49" charset="0"/>
+                </a:rPr>
+                <a:t> Functions {</a:t>
               </a:r>
             </a:p>
             <a:p>
@@ -12293,7 +11087,72 @@
                   <a:latin typeface="Courier New" pitchFamily="49" charset="0"/>
                   <a:cs typeface="Courier New" pitchFamily="49" charset="0"/>
                 </a:rPr>
-                <a:t>    res [Int] = []</a:t>
+                <a:t>  </a:t>
+              </a:r>
+              <a:r>
+                <a:rPr lang="en-US" b="1" dirty="0">
+                  <a:solidFill>
+                    <a:schemeClr val="tx2"/>
+                  </a:solidFill>
+                  <a:latin typeface="Courier New" pitchFamily="49" charset="0"/>
+                  <a:cs typeface="Courier New" pitchFamily="49" charset="0"/>
+                </a:rPr>
+                <a:t>fun</a:t>
+              </a:r>
+              <a:r>
+                <a:rPr lang="en-US" b="1" dirty="0">
+                  <a:latin typeface="Courier New" pitchFamily="49" charset="0"/>
+                  <a:cs typeface="Courier New" pitchFamily="49" charset="0"/>
+                </a:rPr>
+                <a:t> </a:t>
+              </a:r>
+              <a:r>
+                <a:rPr lang="en-US" b="1" dirty="0" err="1">
+                  <a:latin typeface="Courier New" pitchFamily="49" charset="0"/>
+                  <a:cs typeface="Courier New" pitchFamily="49" charset="0"/>
+                </a:rPr>
+                <a:t>increasedListSum</a:t>
+              </a:r>
+              <a:r>
+                <a:rPr lang="en-US" b="1" dirty="0">
+                  <a:latin typeface="Courier New" pitchFamily="49" charset="0"/>
+                  <a:cs typeface="Courier New" pitchFamily="49" charset="0"/>
+                </a:rPr>
+                <a:t> (Param1 : </a:t>
+              </a:r>
+              <a:r>
+                <a:rPr lang="en-US" b="1" dirty="0">
+                  <a:solidFill>
+                    <a:schemeClr val="accent4"/>
+                  </a:solidFill>
+                  <a:latin typeface="Courier New" pitchFamily="49" charset="0"/>
+                  <a:cs typeface="Courier New" pitchFamily="49" charset="0"/>
+                </a:rPr>
+                <a:t>Int</a:t>
+              </a:r>
+              <a:r>
+                <a:rPr lang="en-US" b="1" dirty="0">
+                  <a:latin typeface="Courier New" pitchFamily="49" charset="0"/>
+                  <a:cs typeface="Courier New" pitchFamily="49" charset="0"/>
+                </a:rPr>
+                <a:t>) : </a:t>
+              </a:r>
+              <a:r>
+                <a:rPr lang="en-US" b="1" dirty="0">
+                  <a:solidFill>
+                    <a:schemeClr val="accent4"/>
+                  </a:solidFill>
+                  <a:latin typeface="Courier New" pitchFamily="49" charset="0"/>
+                  <a:cs typeface="Courier New" pitchFamily="49" charset="0"/>
+                </a:rPr>
+                <a:t>Int</a:t>
+              </a:r>
+              <a:r>
+                <a:rPr lang="en-US" b="1" dirty="0">
+                  <a:latin typeface="Courier New" pitchFamily="49" charset="0"/>
+                  <a:cs typeface="Courier New" pitchFamily="49" charset="0"/>
+                </a:rPr>
+                <a:t> {</a:t>
               </a:r>
             </a:p>
             <a:p>
@@ -12302,7 +11161,38 @@
                   <a:latin typeface="Courier New" pitchFamily="49" charset="0"/>
                   <a:cs typeface="Courier New" pitchFamily="49" charset="0"/>
                 </a:rPr>
-                <a:t>    while Param1 &lt; 42 {</a:t>
+                <a:t>    </a:t>
+              </a:r>
+              <a:r>
+                <a:rPr lang="en-US" b="1" dirty="0" err="1">
+                  <a:latin typeface="Courier New" pitchFamily="49" charset="0"/>
+                  <a:cs typeface="Courier New" pitchFamily="49" charset="0"/>
+                </a:rPr>
+                <a:t>incList</a:t>
+              </a:r>
+              <a:r>
+                <a:rPr lang="en-US" b="1" dirty="0">
+                  <a:latin typeface="Courier New" pitchFamily="49" charset="0"/>
+                  <a:cs typeface="Courier New" pitchFamily="49" charset="0"/>
+                </a:rPr>
+                <a:t> [</a:t>
+              </a:r>
+              <a:r>
+                <a:rPr lang="en-US" b="1" dirty="0">
+                  <a:solidFill>
+                    <a:schemeClr val="accent4"/>
+                  </a:solidFill>
+                  <a:latin typeface="Courier New" pitchFamily="49" charset="0"/>
+                  <a:cs typeface="Courier New" pitchFamily="49" charset="0"/>
+                </a:rPr>
+                <a:t>Int</a:t>
+              </a:r>
+              <a:r>
+                <a:rPr lang="en-US" b="1" dirty="0">
+                  <a:latin typeface="Courier New" pitchFamily="49" charset="0"/>
+                  <a:cs typeface="Courier New" pitchFamily="49" charset="0"/>
+                </a:rPr>
+                <a:t>] = []</a:t>
               </a:r>
             </a:p>
             <a:p>
@@ -12311,7 +11201,24 @@
                   <a:latin typeface="Courier New" pitchFamily="49" charset="0"/>
                   <a:cs typeface="Courier New" pitchFamily="49" charset="0"/>
                 </a:rPr>
-                <a:t>      res = res ++ [Param1]</a:t>
+                <a:t>    </a:t>
+              </a:r>
+              <a:r>
+                <a:rPr lang="en-US" b="1" dirty="0">
+                  <a:solidFill>
+                    <a:schemeClr val="tx2"/>
+                  </a:solidFill>
+                  <a:latin typeface="Courier New" pitchFamily="49" charset="0"/>
+                  <a:cs typeface="Courier New" pitchFamily="49" charset="0"/>
+                </a:rPr>
+                <a:t>while</a:t>
+              </a:r>
+              <a:r>
+                <a:rPr lang="en-US" b="1" dirty="0">
+                  <a:latin typeface="Courier New" pitchFamily="49" charset="0"/>
+                  <a:cs typeface="Courier New" pitchFamily="49" charset="0"/>
+                </a:rPr>
+                <a:t> Param1 &lt; 42 {</a:t>
               </a:r>
             </a:p>
             <a:p>
@@ -12320,7 +11227,35 @@
                   <a:latin typeface="Courier New" pitchFamily="49" charset="0"/>
                   <a:cs typeface="Courier New" pitchFamily="49" charset="0"/>
                 </a:rPr>
-                <a:t>      Param1++</a:t>
+                <a:t>      </a:t>
+              </a:r>
+              <a:r>
+                <a:rPr lang="en-US" b="1" dirty="0" err="1">
+                  <a:latin typeface="Courier New" pitchFamily="49" charset="0"/>
+                  <a:cs typeface="Courier New" pitchFamily="49" charset="0"/>
+                </a:rPr>
+                <a:t>incList</a:t>
+              </a:r>
+              <a:r>
+                <a:rPr lang="en-US" b="1" dirty="0">
+                  <a:latin typeface="Courier New" pitchFamily="49" charset="0"/>
+                  <a:cs typeface="Courier New" pitchFamily="49" charset="0"/>
+                </a:rPr>
+                <a:t> = </a:t>
+              </a:r>
+              <a:r>
+                <a:rPr lang="en-US" b="1" dirty="0" err="1">
+                  <a:latin typeface="Courier New" pitchFamily="49" charset="0"/>
+                  <a:cs typeface="Courier New" pitchFamily="49" charset="0"/>
+                </a:rPr>
+                <a:t>incList</a:t>
+              </a:r>
+              <a:r>
+                <a:rPr lang="en-US" b="1" dirty="0">
+                  <a:latin typeface="Courier New" pitchFamily="49" charset="0"/>
+                  <a:cs typeface="Courier New" pitchFamily="49" charset="0"/>
+                </a:rPr>
+                <a:t> ++ [Param1]</a:t>
               </a:r>
             </a:p>
             <a:p>
@@ -12329,7 +11264,7 @@
                   <a:latin typeface="Courier New" pitchFamily="49" charset="0"/>
                   <a:cs typeface="Courier New" pitchFamily="49" charset="0"/>
                 </a:rPr>
-                <a:t>    }</a:t>
+                <a:t>      Param1++</a:t>
               </a:r>
             </a:p>
             <a:p>
@@ -12338,21 +11273,7 @@
                   <a:latin typeface="Courier New" pitchFamily="49" charset="0"/>
                   <a:cs typeface="Courier New" pitchFamily="49" charset="0"/>
                 </a:rPr>
-                <a:t>    for </a:t>
-              </a:r>
-              <a:r>
-                <a:rPr lang="en-US" b="1" dirty="0" err="1">
-                  <a:latin typeface="Courier New" pitchFamily="49" charset="0"/>
-                  <a:cs typeface="Courier New" pitchFamily="49" charset="0"/>
-                </a:rPr>
-                <a:t>i</a:t>
-              </a:r>
-              <a:r>
-                <a:rPr lang="en-US" b="1" dirty="0">
-                  <a:latin typeface="Courier New" pitchFamily="49" charset="0"/>
-                  <a:cs typeface="Courier New" pitchFamily="49" charset="0"/>
-                </a:rPr>
-                <a:t> in res {</a:t>
+                <a:t>    }</a:t>
               </a:r>
             </a:p>
             <a:p>
@@ -12361,21 +11282,24 @@
                   <a:latin typeface="Courier New" pitchFamily="49" charset="0"/>
                   <a:cs typeface="Courier New" pitchFamily="49" charset="0"/>
                 </a:rPr>
-                <a:t>      </a:t>
-              </a:r>
-              <a:r>
-                <a:rPr lang="en-US" b="1" dirty="0" err="1">
-                  <a:latin typeface="Courier New" pitchFamily="49" charset="0"/>
-                  <a:cs typeface="Courier New" pitchFamily="49" charset="0"/>
-                </a:rPr>
-                <a:t>i</a:t>
-              </a:r>
-              <a:r>
-                <a:rPr lang="en-US" b="1" dirty="0">
-                  <a:latin typeface="Courier New" pitchFamily="49" charset="0"/>
-                  <a:cs typeface="Courier New" pitchFamily="49" charset="0"/>
-                </a:rPr>
-                <a:t>++</a:t>
+                <a:t>    res </a:t>
+              </a:r>
+              <a:r>
+                <a:rPr lang="en-US" b="1" dirty="0">
+                  <a:solidFill>
+                    <a:schemeClr val="accent4"/>
+                  </a:solidFill>
+                  <a:latin typeface="Courier New" pitchFamily="49" charset="0"/>
+                  <a:cs typeface="Courier New" pitchFamily="49" charset="0"/>
+                </a:rPr>
+                <a:t>Int</a:t>
+              </a:r>
+              <a:r>
+                <a:rPr lang="en-US" b="1" dirty="0">
+                  <a:latin typeface="Courier New" pitchFamily="49" charset="0"/>
+                  <a:cs typeface="Courier New" pitchFamily="49" charset="0"/>
+                </a:rPr>
+                <a:t> = 0</a:t>
               </a:r>
             </a:p>
             <a:p>
@@ -12384,7 +11308,69 @@
                   <a:latin typeface="Courier New" pitchFamily="49" charset="0"/>
                   <a:cs typeface="Courier New" pitchFamily="49" charset="0"/>
                 </a:rPr>
-                <a:t>    }</a:t>
+                <a:t>    </a:t>
+              </a:r>
+              <a:r>
+                <a:rPr lang="en-US" b="1" dirty="0">
+                  <a:solidFill>
+                    <a:schemeClr val="tx2"/>
+                  </a:solidFill>
+                  <a:latin typeface="Courier New" pitchFamily="49" charset="0"/>
+                  <a:cs typeface="Courier New" pitchFamily="49" charset="0"/>
+                </a:rPr>
+                <a:t>for</a:t>
+              </a:r>
+              <a:r>
+                <a:rPr lang="en-US" b="1" dirty="0">
+                  <a:latin typeface="Courier New" pitchFamily="49" charset="0"/>
+                  <a:cs typeface="Courier New" pitchFamily="49" charset="0"/>
+                </a:rPr>
+                <a:t> </a:t>
+              </a:r>
+              <a:r>
+                <a:rPr lang="en-US" b="1" dirty="0" err="1">
+                  <a:latin typeface="Courier New" pitchFamily="49" charset="0"/>
+                  <a:cs typeface="Courier New" pitchFamily="49" charset="0"/>
+                </a:rPr>
+                <a:t>i</a:t>
+              </a:r>
+              <a:r>
+                <a:rPr lang="en-US" b="1" dirty="0">
+                  <a:latin typeface="Courier New" pitchFamily="49" charset="0"/>
+                  <a:cs typeface="Courier New" pitchFamily="49" charset="0"/>
+                </a:rPr>
+                <a:t> </a:t>
+              </a:r>
+              <a:r>
+                <a:rPr lang="en-US" b="1" dirty="0">
+                  <a:solidFill>
+                    <a:schemeClr val="tx2"/>
+                  </a:solidFill>
+                  <a:latin typeface="Courier New" pitchFamily="49" charset="0"/>
+                  <a:cs typeface="Courier New" pitchFamily="49" charset="0"/>
+                </a:rPr>
+                <a:t>in</a:t>
+              </a:r>
+              <a:r>
+                <a:rPr lang="en-US" b="1" dirty="0">
+                  <a:latin typeface="Courier New" pitchFamily="49" charset="0"/>
+                  <a:cs typeface="Courier New" pitchFamily="49" charset="0"/>
+                </a:rPr>
+                <a:t> </a:t>
+              </a:r>
+              <a:r>
+                <a:rPr lang="en-US" b="1" dirty="0" err="1">
+                  <a:latin typeface="Courier New" pitchFamily="49" charset="0"/>
+                  <a:cs typeface="Courier New" pitchFamily="49" charset="0"/>
+                </a:rPr>
+                <a:t>incList</a:t>
+              </a:r>
+              <a:r>
+                <a:rPr lang="en-US" b="1" dirty="0">
+                  <a:latin typeface="Courier New" pitchFamily="49" charset="0"/>
+                  <a:cs typeface="Courier New" pitchFamily="49" charset="0"/>
+                </a:rPr>
+                <a:t> {</a:t>
               </a:r>
             </a:p>
             <a:p>
@@ -12393,7 +11379,53 @@
                   <a:latin typeface="Courier New" pitchFamily="49" charset="0"/>
                   <a:cs typeface="Courier New" pitchFamily="49" charset="0"/>
                 </a:rPr>
-                <a:t>    return res</a:t>
+                <a:t>      res += </a:t>
+              </a:r>
+              <a:r>
+                <a:rPr lang="en-US" b="1" dirty="0" err="1">
+                  <a:latin typeface="Courier New" pitchFamily="49" charset="0"/>
+                  <a:cs typeface="Courier New" pitchFamily="49" charset="0"/>
+                </a:rPr>
+                <a:t>i</a:t>
+              </a:r>
+              <a:endParaRPr lang="en-US" b="1" dirty="0">
+                <a:latin typeface="Courier New" pitchFamily="49" charset="0"/>
+                <a:cs typeface="Courier New" pitchFamily="49" charset="0"/>
+              </a:endParaRPr>
+            </a:p>
+            <a:p>
+              <a:r>
+                <a:rPr lang="en-US" b="1" dirty="0">
+                  <a:latin typeface="Courier New" pitchFamily="49" charset="0"/>
+                  <a:cs typeface="Courier New" pitchFamily="49" charset="0"/>
+                </a:rPr>
+                <a:t>    }</a:t>
+              </a:r>
+            </a:p>
+            <a:p>
+              <a:r>
+                <a:rPr lang="en-US" b="1" dirty="0">
+                  <a:latin typeface="Courier New" pitchFamily="49" charset="0"/>
+                  <a:cs typeface="Courier New" pitchFamily="49" charset="0"/>
+                </a:rPr>
+                <a:t>    </a:t>
+              </a:r>
+              <a:r>
+                <a:rPr lang="en-US" b="1" dirty="0">
+                  <a:solidFill>
+                    <a:schemeClr val="tx2"/>
+                  </a:solidFill>
+                  <a:latin typeface="Courier New" pitchFamily="49" charset="0"/>
+                  <a:cs typeface="Courier New" pitchFamily="49" charset="0"/>
+                </a:rPr>
+                <a:t>return</a:t>
+              </a:r>
+              <a:r>
+                <a:rPr lang="en-US" b="1" dirty="0">
+                  <a:latin typeface="Courier New" pitchFamily="49" charset="0"/>
+                  <a:cs typeface="Courier New" pitchFamily="49" charset="0"/>
+                </a:rPr>
+                <a:t> res</a:t>
               </a:r>
             </a:p>
             <a:p>
@@ -12650,8 +11682,8 @@
           </p:nvSpPr>
           <p:spPr>
             <a:xfrm>
-              <a:off x="6560619" y="2335862"/>
-              <a:ext cx="591830" cy="307777"/>
+              <a:off x="6806029" y="2335862"/>
+              <a:ext cx="101011" cy="157347"/>
             </a:xfrm>
             <a:prstGeom prst="rect">
               <a:avLst/>
@@ -12664,14 +11696,11 @@
             <a:lstStyle/>
             <a:p>
               <a:pPr lvl="0" algn="ctr"/>
-              <a:r>
-                <a:rPr lang="de-DE" altLang="de-DE" sz="1400" b="1" noProof="1">
-                  <a:solidFill>
-                    <a:srgbClr val="000000"/>
-                  </a:solidFill>
-                </a:rPr>
-                <a:t>«hc»</a:t>
-              </a:r>
+              <a:endParaRPr lang="de-DE" altLang="de-DE" sz="1400" b="1" noProof="1">
+                <a:solidFill>
+                  <a:srgbClr val="000000"/>
+                </a:solidFill>
+              </a:endParaRPr>
             </a:p>
           </p:txBody>
         </p:sp>
@@ -12893,7 +11922,7 @@
         </p:nvSpPr>
         <p:spPr>
           <a:xfrm>
-            <a:off x="4841289" y="5030989"/>
+            <a:off x="5656931" y="5304745"/>
             <a:ext cx="2112886" cy="369332"/>
           </a:xfrm>
           <a:prstGeom prst="rect">
@@ -12964,7 +11993,7 @@
         </p:nvCxnSpPr>
         <p:spPr>
           <a:xfrm rot="16200000" flipV="1">
-            <a:off x="4338679" y="3471935"/>
+            <a:off x="5154321" y="3745691"/>
             <a:ext cx="1028896" cy="2089211"/>
           </a:xfrm>
           <a:prstGeom prst="curvedConnector2">
@@ -13003,7 +12032,7 @@
         </p:nvSpPr>
         <p:spPr>
           <a:xfrm>
-            <a:off x="6096000" y="942832"/>
+            <a:off x="7652751" y="942832"/>
             <a:ext cx="2177988" cy="369332"/>
           </a:xfrm>
           <a:prstGeom prst="rect">
@@ -13049,7 +12078,7 @@
         </p:nvCxnSpPr>
         <p:spPr>
           <a:xfrm rot="10800000" flipV="1">
-            <a:off x="5699464" y="1127497"/>
+            <a:off x="7256215" y="1127497"/>
             <a:ext cx="396536" cy="1143455"/>
           </a:xfrm>
           <a:prstGeom prst="curvedConnector2">
@@ -13088,7 +12117,7 @@
         </p:nvSpPr>
         <p:spPr>
           <a:xfrm>
-            <a:off x="4147015" y="837196"/>
+            <a:off x="5703766" y="837196"/>
             <a:ext cx="2177988" cy="369332"/>
           </a:xfrm>
           <a:prstGeom prst="rect">
@@ -13142,7 +12171,7 @@
         </p:nvCxnSpPr>
         <p:spPr>
           <a:xfrm rot="5400000">
-            <a:off x="4427291" y="1502158"/>
+            <a:off x="5984042" y="1502158"/>
             <a:ext cx="1104349" cy="513089"/>
           </a:xfrm>
           <a:prstGeom prst="curvedConnector3">
@@ -13282,7 +12311,7 @@
         </p:nvSpPr>
         <p:spPr>
           <a:xfrm>
-            <a:off x="7554345" y="3267892"/>
+            <a:off x="7973312" y="3287496"/>
             <a:ext cx="2278602" cy="369332"/>
           </a:xfrm>
           <a:prstGeom prst="rect">
@@ -13330,14 +12359,14 @@
             </a:extLst>
           </p:cNvPr>
           <p:cNvCxnSpPr>
-            <a:stCxn id="37" idx="1"/>
+            <a:cxnSpLocks/>
           </p:cNvCxnSpPr>
           <p:nvPr/>
         </p:nvCxnSpPr>
         <p:spPr>
           <a:xfrm rot="10800000">
-            <a:off x="5236009" y="3194512"/>
-            <a:ext cx="2318336" cy="258046"/>
+            <a:off x="6325004" y="3208407"/>
+            <a:ext cx="1648309" cy="264491"/>
           </a:xfrm>
           <a:prstGeom prst="curvedConnector3">
             <a:avLst/>
@@ -13456,568 +12485,6 @@
   <p:clrMapOvr>
     <a:masterClrMapping/>
   </p:clrMapOvr>
-  <p:timing>
-    <p:tnLst>
-      <p:par>
-        <p:cTn id="1" dur="indefinite" restart="never" nodeType="tmRoot">
-          <p:childTnLst>
-            <p:seq concurrent="1" nextAc="seek">
-              <p:cTn id="2" dur="indefinite" nodeType="mainSeq">
-                <p:childTnLst>
-                  <p:par>
-                    <p:cTn id="3" fill="hold">
-                      <p:stCondLst>
-                        <p:cond delay="indefinite"/>
-                      </p:stCondLst>
-                      <p:childTnLst>
-                        <p:par>
-                          <p:cTn id="4" fill="hold">
-                            <p:stCondLst>
-                              <p:cond delay="0"/>
-                            </p:stCondLst>
-                            <p:childTnLst>
-                              <p:par>
-                                <p:cTn id="5" presetID="1" presetClass="entr" presetSubtype="0" fill="hold" grpId="0" nodeType="clickEffect">
-                                  <p:stCondLst>
-                                    <p:cond delay="0"/>
-                                  </p:stCondLst>
-                                  <p:childTnLst>
-                                    <p:set>
-                                      <p:cBhvr>
-                                        <p:cTn id="6" dur="1" fill="hold">
-                                          <p:stCondLst>
-                                            <p:cond delay="0"/>
-                                          </p:stCondLst>
-                                        </p:cTn>
-                                        <p:tgtEl>
-                                          <p:spTgt spid="10"/>
-                                        </p:tgtEl>
-                                        <p:attrNameLst>
-                                          <p:attrName>style.visibility</p:attrName>
-                                        </p:attrNameLst>
-                                      </p:cBhvr>
-                                      <p:to>
-                                        <p:strVal val="visible"/>
-                                      </p:to>
-                                    </p:set>
-                                  </p:childTnLst>
-                                </p:cTn>
-                              </p:par>
-                              <p:par>
-                                <p:cTn id="7" presetID="1" presetClass="entr" presetSubtype="0" fill="hold" nodeType="withEffect">
-                                  <p:stCondLst>
-                                    <p:cond delay="0"/>
-                                  </p:stCondLst>
-                                  <p:childTnLst>
-                                    <p:set>
-                                      <p:cBhvr>
-                                        <p:cTn id="8" dur="1" fill="hold">
-                                          <p:stCondLst>
-                                            <p:cond delay="0"/>
-                                          </p:stCondLst>
-                                        </p:cTn>
-                                        <p:tgtEl>
-                                          <p:spTgt spid="14"/>
-                                        </p:tgtEl>
-                                        <p:attrNameLst>
-                                          <p:attrName>style.visibility</p:attrName>
-                                        </p:attrNameLst>
-                                      </p:cBhvr>
-                                      <p:to>
-                                        <p:strVal val="visible"/>
-                                      </p:to>
-                                    </p:set>
-                                  </p:childTnLst>
-                                </p:cTn>
-                              </p:par>
-                              <p:par>
-                                <p:cTn id="9" presetID="1" presetClass="entr" presetSubtype="0" fill="hold" grpId="0" nodeType="withEffect">
-                                  <p:stCondLst>
-                                    <p:cond delay="0"/>
-                                  </p:stCondLst>
-                                  <p:childTnLst>
-                                    <p:set>
-                                      <p:cBhvr>
-                                        <p:cTn id="10" dur="1" fill="hold">
-                                          <p:stCondLst>
-                                            <p:cond delay="0"/>
-                                          </p:stCondLst>
-                                        </p:cTn>
-                                        <p:tgtEl>
-                                          <p:spTgt spid="31"/>
-                                        </p:tgtEl>
-                                        <p:attrNameLst>
-                                          <p:attrName>style.visibility</p:attrName>
-                                        </p:attrNameLst>
-                                      </p:cBhvr>
-                                      <p:to>
-                                        <p:strVal val="visible"/>
-                                      </p:to>
-                                    </p:set>
-                                  </p:childTnLst>
-                                </p:cTn>
-                              </p:par>
-                              <p:par>
-                                <p:cTn id="11" presetID="1" presetClass="entr" presetSubtype="0" fill="hold" nodeType="withEffect">
-                                  <p:stCondLst>
-                                    <p:cond delay="0"/>
-                                  </p:stCondLst>
-                                  <p:childTnLst>
-                                    <p:set>
-                                      <p:cBhvr>
-                                        <p:cTn id="12" dur="1" fill="hold">
-                                          <p:stCondLst>
-                                            <p:cond delay="0"/>
-                                          </p:stCondLst>
-                                        </p:cTn>
-                                        <p:tgtEl>
-                                          <p:spTgt spid="34"/>
-                                        </p:tgtEl>
-                                        <p:attrNameLst>
-                                          <p:attrName>style.visibility</p:attrName>
-                                        </p:attrNameLst>
-                                      </p:cBhvr>
-                                      <p:to>
-                                        <p:strVal val="visible"/>
-                                      </p:to>
-                                    </p:set>
-                                  </p:childTnLst>
-                                </p:cTn>
-                              </p:par>
-                            </p:childTnLst>
-                          </p:cTn>
-                        </p:par>
-                      </p:childTnLst>
-                    </p:cTn>
-                  </p:par>
-                  <p:par>
-                    <p:cTn id="13" fill="hold">
-                      <p:stCondLst>
-                        <p:cond delay="indefinite"/>
-                      </p:stCondLst>
-                      <p:childTnLst>
-                        <p:par>
-                          <p:cTn id="14" fill="hold">
-                            <p:stCondLst>
-                              <p:cond delay="0"/>
-                            </p:stCondLst>
-                            <p:childTnLst>
-                              <p:par>
-                                <p:cTn id="15" presetID="1" presetClass="entr" presetSubtype="0" fill="hold" grpId="0" nodeType="clickEffect">
-                                  <p:stCondLst>
-                                    <p:cond delay="0"/>
-                                  </p:stCondLst>
-                                  <p:childTnLst>
-                                    <p:set>
-                                      <p:cBhvr>
-                                        <p:cTn id="16" dur="1" fill="hold">
-                                          <p:stCondLst>
-                                            <p:cond delay="0"/>
-                                          </p:stCondLst>
-                                        </p:cTn>
-                                        <p:tgtEl>
-                                          <p:spTgt spid="27"/>
-                                        </p:tgtEl>
-                                        <p:attrNameLst>
-                                          <p:attrName>style.visibility</p:attrName>
-                                        </p:attrNameLst>
-                                      </p:cBhvr>
-                                      <p:to>
-                                        <p:strVal val="visible"/>
-                                      </p:to>
-                                    </p:set>
-                                  </p:childTnLst>
-                                </p:cTn>
-                              </p:par>
-                              <p:par>
-                                <p:cTn id="17" presetID="1" presetClass="entr" presetSubtype="0" fill="hold" nodeType="withEffect">
-                                  <p:stCondLst>
-                                    <p:cond delay="0"/>
-                                  </p:stCondLst>
-                                  <p:childTnLst>
-                                    <p:set>
-                                      <p:cBhvr>
-                                        <p:cTn id="18" dur="1" fill="hold">
-                                          <p:stCondLst>
-                                            <p:cond delay="0"/>
-                                          </p:stCondLst>
-                                        </p:cTn>
-                                        <p:tgtEl>
-                                          <p:spTgt spid="29"/>
-                                        </p:tgtEl>
-                                        <p:attrNameLst>
-                                          <p:attrName>style.visibility</p:attrName>
-                                        </p:attrNameLst>
-                                      </p:cBhvr>
-                                      <p:to>
-                                        <p:strVal val="visible"/>
-                                      </p:to>
-                                    </p:set>
-                                  </p:childTnLst>
-                                </p:cTn>
-                              </p:par>
-                              <p:par>
-                                <p:cTn id="19" presetID="1" presetClass="entr" presetSubtype="0" fill="hold" nodeType="withEffect">
-                                  <p:stCondLst>
-                                    <p:cond delay="0"/>
-                                  </p:stCondLst>
-                                  <p:childTnLst>
-                                    <p:set>
-                                      <p:cBhvr>
-                                        <p:cTn id="20" dur="1" fill="hold">
-                                          <p:stCondLst>
-                                            <p:cond delay="0"/>
-                                          </p:stCondLst>
-                                        </p:cTn>
-                                        <p:tgtEl>
-                                          <p:spTgt spid="25"/>
-                                        </p:tgtEl>
-                                        <p:attrNameLst>
-                                          <p:attrName>style.visibility</p:attrName>
-                                        </p:attrNameLst>
-                                      </p:cBhvr>
-                                      <p:to>
-                                        <p:strVal val="visible"/>
-                                      </p:to>
-                                    </p:set>
-                                  </p:childTnLst>
-                                </p:cTn>
-                              </p:par>
-                              <p:par>
-                                <p:cTn id="21" presetID="1" presetClass="entr" presetSubtype="0" fill="hold" grpId="0" nodeType="withEffect">
-                                  <p:stCondLst>
-                                    <p:cond delay="0"/>
-                                  </p:stCondLst>
-                                  <p:childTnLst>
-                                    <p:set>
-                                      <p:cBhvr>
-                                        <p:cTn id="22" dur="1" fill="hold">
-                                          <p:stCondLst>
-                                            <p:cond delay="0"/>
-                                          </p:stCondLst>
-                                        </p:cTn>
-                                        <p:tgtEl>
-                                          <p:spTgt spid="22"/>
-                                        </p:tgtEl>
-                                        <p:attrNameLst>
-                                          <p:attrName>style.visibility</p:attrName>
-                                        </p:attrNameLst>
-                                      </p:cBhvr>
-                                      <p:to>
-                                        <p:strVal val="visible"/>
-                                      </p:to>
-                                    </p:set>
-                                  </p:childTnLst>
-                                </p:cTn>
-                              </p:par>
-                            </p:childTnLst>
-                          </p:cTn>
-                        </p:par>
-                      </p:childTnLst>
-                    </p:cTn>
-                  </p:par>
-                  <p:par>
-                    <p:cTn id="23" fill="hold">
-                      <p:stCondLst>
-                        <p:cond delay="indefinite"/>
-                      </p:stCondLst>
-                      <p:childTnLst>
-                        <p:par>
-                          <p:cTn id="24" fill="hold">
-                            <p:stCondLst>
-                              <p:cond delay="0"/>
-                            </p:stCondLst>
-                            <p:childTnLst>
-                              <p:par>
-                                <p:cTn id="25" presetID="1" presetClass="entr" presetSubtype="0" fill="hold" nodeType="clickEffect">
-                                  <p:stCondLst>
-                                    <p:cond delay="0"/>
-                                  </p:stCondLst>
-                                  <p:childTnLst>
-                                    <p:set>
-                                      <p:cBhvr>
-                                        <p:cTn id="26" dur="1" fill="hold">
-                                          <p:stCondLst>
-                                            <p:cond delay="0"/>
-                                          </p:stCondLst>
-                                        </p:cTn>
-                                        <p:tgtEl>
-                                          <p:spTgt spid="17"/>
-                                        </p:tgtEl>
-                                        <p:attrNameLst>
-                                          <p:attrName>style.visibility</p:attrName>
-                                        </p:attrNameLst>
-                                      </p:cBhvr>
-                                      <p:to>
-                                        <p:strVal val="visible"/>
-                                      </p:to>
-                                    </p:set>
-                                  </p:childTnLst>
-                                </p:cTn>
-                              </p:par>
-                              <p:par>
-                                <p:cTn id="27" presetID="1" presetClass="entr" presetSubtype="0" fill="hold" grpId="0" nodeType="withEffect">
-                                  <p:stCondLst>
-                                    <p:cond delay="0"/>
-                                  </p:stCondLst>
-                                  <p:childTnLst>
-                                    <p:set>
-                                      <p:cBhvr>
-                                        <p:cTn id="28" dur="1" fill="hold">
-                                          <p:stCondLst>
-                                            <p:cond delay="0"/>
-                                          </p:stCondLst>
-                                        </p:cTn>
-                                        <p:tgtEl>
-                                          <p:spTgt spid="15"/>
-                                        </p:tgtEl>
-                                        <p:attrNameLst>
-                                          <p:attrName>style.visibility</p:attrName>
-                                        </p:attrNameLst>
-                                      </p:cBhvr>
-                                      <p:to>
-                                        <p:strVal val="visible"/>
-                                      </p:to>
-                                    </p:set>
-                                  </p:childTnLst>
-                                </p:cTn>
-                              </p:par>
-                            </p:childTnLst>
-                          </p:cTn>
-                        </p:par>
-                      </p:childTnLst>
-                    </p:cTn>
-                  </p:par>
-                  <p:par>
-                    <p:cTn id="29" fill="hold">
-                      <p:stCondLst>
-                        <p:cond delay="indefinite"/>
-                      </p:stCondLst>
-                      <p:childTnLst>
-                        <p:par>
-                          <p:cTn id="30" fill="hold">
-                            <p:stCondLst>
-                              <p:cond delay="0"/>
-                            </p:stCondLst>
-                            <p:childTnLst>
-                              <p:par>
-                                <p:cTn id="31" presetID="1" presetClass="entr" presetSubtype="0" fill="hold" nodeType="clickEffect">
-                                  <p:stCondLst>
-                                    <p:cond delay="0"/>
-                                  </p:stCondLst>
-                                  <p:childTnLst>
-                                    <p:set>
-                                      <p:cBhvr>
-                                        <p:cTn id="32" dur="1" fill="hold">
-                                          <p:stCondLst>
-                                            <p:cond delay="0"/>
-                                          </p:stCondLst>
-                                        </p:cTn>
-                                        <p:tgtEl>
-                                          <p:spTgt spid="39"/>
-                                        </p:tgtEl>
-                                        <p:attrNameLst>
-                                          <p:attrName>style.visibility</p:attrName>
-                                        </p:attrNameLst>
-                                      </p:cBhvr>
-                                      <p:to>
-                                        <p:strVal val="visible"/>
-                                      </p:to>
-                                    </p:set>
-                                  </p:childTnLst>
-                                </p:cTn>
-                              </p:par>
-                              <p:par>
-                                <p:cTn id="33" presetID="1" presetClass="entr" presetSubtype="0" fill="hold" grpId="0" nodeType="withEffect">
-                                  <p:stCondLst>
-                                    <p:cond delay="0"/>
-                                  </p:stCondLst>
-                                  <p:childTnLst>
-                                    <p:set>
-                                      <p:cBhvr>
-                                        <p:cTn id="34" dur="1" fill="hold">
-                                          <p:stCondLst>
-                                            <p:cond delay="0"/>
-                                          </p:stCondLst>
-                                        </p:cTn>
-                                        <p:tgtEl>
-                                          <p:spTgt spid="37"/>
-                                        </p:tgtEl>
-                                        <p:attrNameLst>
-                                          <p:attrName>style.visibility</p:attrName>
-                                        </p:attrNameLst>
-                                      </p:cBhvr>
-                                      <p:to>
-                                        <p:strVal val="visible"/>
-                                      </p:to>
-                                    </p:set>
-                                  </p:childTnLst>
-                                </p:cTn>
-                              </p:par>
-                              <p:par>
-                                <p:cTn id="35" presetID="1" presetClass="entr" presetSubtype="0" fill="hold" nodeType="withEffect">
-                                  <p:stCondLst>
-                                    <p:cond delay="0"/>
-                                  </p:stCondLst>
-                                  <p:childTnLst>
-                                    <p:set>
-                                      <p:cBhvr>
-                                        <p:cTn id="36" dur="1" fill="hold">
-                                          <p:stCondLst>
-                                            <p:cond delay="0"/>
-                                          </p:stCondLst>
-                                        </p:cTn>
-                                        <p:tgtEl>
-                                          <p:spTgt spid="42"/>
-                                        </p:tgtEl>
-                                        <p:attrNameLst>
-                                          <p:attrName>style.visibility</p:attrName>
-                                        </p:attrNameLst>
-                                      </p:cBhvr>
-                                      <p:to>
-                                        <p:strVal val="visible"/>
-                                      </p:to>
-                                    </p:set>
-                                  </p:childTnLst>
-                                </p:cTn>
-                              </p:par>
-                              <p:par>
-                                <p:cTn id="37" presetID="1" presetClass="entr" presetSubtype="0" fill="hold" grpId="0" nodeType="withEffect">
-                                  <p:stCondLst>
-                                    <p:cond delay="0"/>
-                                  </p:stCondLst>
-                                  <p:childTnLst>
-                                    <p:set>
-                                      <p:cBhvr>
-                                        <p:cTn id="38" dur="1" fill="hold">
-                                          <p:stCondLst>
-                                            <p:cond delay="0"/>
-                                          </p:stCondLst>
-                                        </p:cTn>
-                                        <p:tgtEl>
-                                          <p:spTgt spid="40"/>
-                                        </p:tgtEl>
-                                        <p:attrNameLst>
-                                          <p:attrName>style.visibility</p:attrName>
-                                        </p:attrNameLst>
-                                      </p:cBhvr>
-                                      <p:to>
-                                        <p:strVal val="visible"/>
-                                      </p:to>
-                                    </p:set>
-                                  </p:childTnLst>
-                                </p:cTn>
-                              </p:par>
-                            </p:childTnLst>
-                          </p:cTn>
-                        </p:par>
-                      </p:childTnLst>
-                    </p:cTn>
-                  </p:par>
-                  <p:par>
-                    <p:cTn id="39" fill="hold">
-                      <p:stCondLst>
-                        <p:cond delay="indefinite"/>
-                      </p:stCondLst>
-                      <p:childTnLst>
-                        <p:par>
-                          <p:cTn id="40" fill="hold">
-                            <p:stCondLst>
-                              <p:cond delay="0"/>
-                            </p:stCondLst>
-                            <p:childTnLst>
-                              <p:par>
-                                <p:cTn id="41" presetID="1" presetClass="entr" presetSubtype="0" fill="hold" grpId="0" nodeType="clickEffect">
-                                  <p:stCondLst>
-                                    <p:cond delay="0"/>
-                                  </p:stCondLst>
-                                  <p:childTnLst>
-                                    <p:set>
-                                      <p:cBhvr>
-                                        <p:cTn id="42" dur="1" fill="hold">
-                                          <p:stCondLst>
-                                            <p:cond delay="0"/>
-                                          </p:stCondLst>
-                                        </p:cTn>
-                                        <p:tgtEl>
-                                          <p:spTgt spid="19"/>
-                                        </p:tgtEl>
-                                        <p:attrNameLst>
-                                          <p:attrName>style.visibility</p:attrName>
-                                        </p:attrNameLst>
-                                      </p:cBhvr>
-                                      <p:to>
-                                        <p:strVal val="visible"/>
-                                      </p:to>
-                                    </p:set>
-                                  </p:childTnLst>
-                                </p:cTn>
-                              </p:par>
-                              <p:par>
-                                <p:cTn id="43" presetID="1" presetClass="entr" presetSubtype="0" fill="hold" nodeType="withEffect">
-                                  <p:stCondLst>
-                                    <p:cond delay="0"/>
-                                  </p:stCondLst>
-                                  <p:childTnLst>
-                                    <p:set>
-                                      <p:cBhvr>
-                                        <p:cTn id="44" dur="1" fill="hold">
-                                          <p:stCondLst>
-                                            <p:cond delay="0"/>
-                                          </p:stCondLst>
-                                        </p:cTn>
-                                        <p:tgtEl>
-                                          <p:spTgt spid="21"/>
-                                        </p:tgtEl>
-                                        <p:attrNameLst>
-                                          <p:attrName>style.visibility</p:attrName>
-                                        </p:attrNameLst>
-                                      </p:cBhvr>
-                                      <p:to>
-                                        <p:strVal val="visible"/>
-                                      </p:to>
-                                    </p:set>
-                                  </p:childTnLst>
-                                </p:cTn>
-                              </p:par>
-                            </p:childTnLst>
-                          </p:cTn>
-                        </p:par>
-                      </p:childTnLst>
-                    </p:cTn>
-                  </p:par>
-                </p:childTnLst>
-              </p:cTn>
-              <p:prevCondLst>
-                <p:cond evt="onPrev" delay="0">
-                  <p:tgtEl>
-                    <p:sldTgt/>
-                  </p:tgtEl>
-                </p:cond>
-              </p:prevCondLst>
-              <p:nextCondLst>
-                <p:cond evt="onNext" delay="0">
-                  <p:tgtEl>
-                    <p:sldTgt/>
-                  </p:tgtEl>
-                </p:cond>
-              </p:nextCondLst>
-            </p:seq>
-          </p:childTnLst>
-        </p:cTn>
-      </p:par>
-    </p:tnLst>
-    <p:bldLst>
-      <p:bldP spid="10" grpId="0"/>
-      <p:bldP spid="15" grpId="0"/>
-      <p:bldP spid="19" grpId="0"/>
-      <p:bldP spid="22" grpId="0"/>
-      <p:bldP spid="27" grpId="0"/>
-      <p:bldP spid="31" grpId="0"/>
-      <p:bldP spid="37" grpId="0"/>
-      <p:bldP spid="40" grpId="0"/>
-    </p:bldLst>
-  </p:timing>
 </p:sld>
 </file>
 
@@ -14171,6 +12638,33 @@
             </a:r>
           </a:p>
           <a:p>
+            <a:pPr lvl="1"/>
+            <a:r>
+              <a:rPr lang="de-DE" i="1" dirty="0"/>
+              <a:t>List</a:t>
+            </a:r>
+            <a:r>
+              <a:rPr lang="de-DE" dirty="0"/>
+              <a:t> ++ </a:t>
+            </a:r>
+            <a:r>
+              <a:rPr lang="de-DE" i="1" dirty="0"/>
+              <a:t>List</a:t>
+            </a:r>
+            <a:r>
+              <a:rPr lang="de-DE" dirty="0"/>
+              <a:t> (</a:t>
+            </a:r>
+            <a:r>
+              <a:rPr lang="de-DE" dirty="0" err="1"/>
+              <a:t>concatination</a:t>
+            </a:r>
+            <a:r>
+              <a:rPr lang="de-DE" dirty="0"/>
+              <a:t>)</a:t>
+            </a:r>
+          </a:p>
+          <a:p>
             <a:endParaRPr lang="de-DE" dirty="0"/>
           </a:p>
           <a:p>
@@ -14333,10 +12827,10 @@
         </p:nvGrpSpPr>
         <p:grpSpPr>
           <a:xfrm>
-            <a:off x="4998128" y="1403284"/>
-            <a:ext cx="6869847" cy="3133711"/>
+            <a:off x="4998153" y="1470616"/>
+            <a:ext cx="7074104" cy="3687708"/>
             <a:chOff x="1247387" y="2028085"/>
-            <a:chExt cx="6071999" cy="2833085"/>
+            <a:chExt cx="6071999" cy="3333936"/>
           </a:xfrm>
         </p:grpSpPr>
         <p:sp>
@@ -14356,7 +12850,7 @@
           <p:spPr bwMode="auto">
             <a:xfrm>
               <a:off x="1750625" y="2523864"/>
-              <a:ext cx="4887449" cy="2337305"/>
+              <a:ext cx="4887449" cy="2838157"/>
             </a:xfrm>
             <a:prstGeom prst="rect">
               <a:avLst/>
@@ -14380,10 +12874,68 @@
             <a:p>
               <a:r>
                 <a:rPr lang="en-US" b="1" dirty="0">
-                  <a:latin typeface="Courier New" pitchFamily="49" charset="0"/>
-                  <a:cs typeface="Courier New" pitchFamily="49" charset="0"/>
-                </a:rPr>
-                <a:t>fun Example(list [Int]) : [Int] {</a:t>
+                  <a:solidFill>
+                    <a:schemeClr val="tx2"/>
+                  </a:solidFill>
+                  <a:latin typeface="Courier New" pitchFamily="49" charset="0"/>
+                  <a:cs typeface="Courier New" pitchFamily="49" charset="0"/>
+                </a:rPr>
+                <a:t>fun</a:t>
+              </a:r>
+              <a:r>
+                <a:rPr lang="en-US" b="1" dirty="0">
+                  <a:latin typeface="Courier New" pitchFamily="49" charset="0"/>
+                  <a:cs typeface="Courier New" pitchFamily="49" charset="0"/>
+                </a:rPr>
+                <a:t> </a:t>
+              </a:r>
+              <a:r>
+                <a:rPr lang="en-US" b="1" dirty="0" err="1">
+                  <a:latin typeface="Courier New" pitchFamily="49" charset="0"/>
+                  <a:cs typeface="Courier New" pitchFamily="49" charset="0"/>
+                </a:rPr>
+                <a:t>mixList</a:t>
+              </a:r>
+              <a:r>
+                <a:rPr lang="en-US" b="1" dirty="0">
+                  <a:latin typeface="Courier New" pitchFamily="49" charset="0"/>
+                  <a:cs typeface="Courier New" pitchFamily="49" charset="0"/>
+                </a:rPr>
+                <a:t>(list [</a:t>
+              </a:r>
+              <a:r>
+                <a:rPr lang="en-US" b="1" dirty="0">
+                  <a:solidFill>
+                    <a:schemeClr val="accent4"/>
+                  </a:solidFill>
+                  <a:latin typeface="Courier New" pitchFamily="49" charset="0"/>
+                  <a:cs typeface="Courier New" pitchFamily="49" charset="0"/>
+                </a:rPr>
+                <a:t>Int</a:t>
+              </a:r>
+              <a:r>
+                <a:rPr lang="en-US" b="1" dirty="0">
+                  <a:latin typeface="Courier New" pitchFamily="49" charset="0"/>
+                  <a:cs typeface="Courier New" pitchFamily="49" charset="0"/>
+                </a:rPr>
+                <a:t>]) : [</a:t>
+              </a:r>
+              <a:r>
+                <a:rPr lang="en-US" b="1" dirty="0">
+                  <a:solidFill>
+                    <a:schemeClr val="accent4"/>
+                  </a:solidFill>
+                  <a:latin typeface="Courier New" pitchFamily="49" charset="0"/>
+                  <a:cs typeface="Courier New" pitchFamily="49" charset="0"/>
+                </a:rPr>
+                <a:t>Int</a:t>
+              </a:r>
+              <a:r>
+                <a:rPr lang="en-US" b="1" dirty="0">
+                  <a:latin typeface="Courier New" pitchFamily="49" charset="0"/>
+                  <a:cs typeface="Courier New" pitchFamily="49" charset="0"/>
+                </a:rPr>
+                <a:t>] {</a:t>
               </a:r>
             </a:p>
             <a:p>
@@ -14392,52 +12944,55 @@
                   <a:latin typeface="Courier New" pitchFamily="49" charset="0"/>
                   <a:cs typeface="Courier New" pitchFamily="49" charset="0"/>
                 </a:rPr>
-                <a:t>  </a:t>
+                <a:t>  list1 [</a:t>
+              </a:r>
+              <a:r>
+                <a:rPr lang="en-US" b="1" dirty="0">
+                  <a:solidFill>
+                    <a:schemeClr val="accent4"/>
+                  </a:solidFill>
+                  <a:latin typeface="Courier New" pitchFamily="49" charset="0"/>
+                  <a:cs typeface="Courier New" pitchFamily="49" charset="0"/>
+                </a:rPr>
+                <a:t>Int</a:t>
+              </a:r>
+              <a:r>
+                <a:rPr lang="en-US" b="1" dirty="0">
+                  <a:latin typeface="Courier New" pitchFamily="49" charset="0"/>
+                  <a:cs typeface="Courier New" pitchFamily="49" charset="0"/>
+                </a:rPr>
+                <a:t>] = </a:t>
+              </a:r>
+              <a:r>
+                <a:rPr lang="en-US" b="1" dirty="0">
+                  <a:solidFill>
+                    <a:schemeClr val="tx2"/>
+                  </a:solidFill>
+                  <a:latin typeface="Courier New" pitchFamily="49" charset="0"/>
+                  <a:cs typeface="Courier New" pitchFamily="49" charset="0"/>
+                </a:rPr>
+                <a:t>async</a:t>
+              </a:r>
+              <a:r>
+                <a:rPr lang="en-US" b="1" dirty="0">
+                  <a:latin typeface="Courier New" pitchFamily="49" charset="0"/>
+                  <a:cs typeface="Courier New" pitchFamily="49" charset="0"/>
+                </a:rPr>
+                <a:t> </a:t>
               </a:r>
               <a:r>
                 <a:rPr lang="en-US" b="1" dirty="0" err="1">
                   <a:latin typeface="Courier New" pitchFamily="49" charset="0"/>
                   <a:cs typeface="Courier New" pitchFamily="49" charset="0"/>
                 </a:rPr>
-                <a:t>sublist</a:t>
-              </a:r>
-              <a:r>
-                <a:rPr lang="en-US" b="1" dirty="0">
-                  <a:latin typeface="Courier New" pitchFamily="49" charset="0"/>
-                  <a:cs typeface="Courier New" pitchFamily="49" charset="0"/>
-                </a:rPr>
-                <a:t> [Int] = </a:t>
-              </a:r>
-              <a:r>
-                <a:rPr lang="en-US" b="1" dirty="0">
-                  <a:solidFill>
-                    <a:schemeClr val="accent6"/>
-                  </a:solidFill>
-                  <a:latin typeface="Courier New" pitchFamily="49" charset="0"/>
-                  <a:cs typeface="Courier New" pitchFamily="49" charset="0"/>
-                </a:rPr>
-                <a:t>async</a:t>
-              </a:r>
-              <a:r>
-                <a:rPr lang="en-US" b="1" dirty="0">
-                  <a:latin typeface="Courier New" pitchFamily="49" charset="0"/>
-                  <a:cs typeface="Courier New" pitchFamily="49" charset="0"/>
-                </a:rPr>
-                <a:t> </a:t>
-              </a:r>
-              <a:r>
-                <a:rPr lang="en-US" b="1" dirty="0" err="1">
-                  <a:latin typeface="Courier New" pitchFamily="49" charset="0"/>
-                  <a:cs typeface="Courier New" pitchFamily="49" charset="0"/>
-                </a:rPr>
-                <a:t>genList</a:t>
-              </a:r>
-              <a:r>
-                <a:rPr lang="en-US" b="1" dirty="0">
-                  <a:latin typeface="Courier New" pitchFamily="49" charset="0"/>
-                  <a:cs typeface="Courier New" pitchFamily="49" charset="0"/>
-                </a:rPr>
-                <a:t>()</a:t>
+                <a:t>genLongList</a:t>
+              </a:r>
+              <a:r>
+                <a:rPr lang="en-US" b="1" dirty="0">
+                  <a:latin typeface="Courier New" pitchFamily="49" charset="0"/>
+                  <a:cs typeface="Courier New" pitchFamily="49" charset="0"/>
+                </a:rPr>
+                <a:t>(#list)</a:t>
               </a:r>
             </a:p>
             <a:p>
@@ -14446,41 +13001,38 @@
                   <a:latin typeface="Courier New" pitchFamily="49" charset="0"/>
                   <a:cs typeface="Courier New" pitchFamily="49" charset="0"/>
                 </a:rPr>
-                <a:t>  </a:t>
+                <a:t>  list2 [</a:t>
               </a:r>
               <a:r>
                 <a:rPr lang="en-US" b="1" dirty="0">
                   <a:solidFill>
-                    <a:schemeClr val="accent6"/>
+                    <a:schemeClr val="accent4"/>
                   </a:solidFill>
                   <a:latin typeface="Courier New" pitchFamily="49" charset="0"/>
                   <a:cs typeface="Courier New" pitchFamily="49" charset="0"/>
                 </a:rPr>
-                <a:t>async</a:t>
-              </a:r>
-              <a:r>
-                <a:rPr lang="en-US" b="1" dirty="0">
-                  <a:latin typeface="Courier New" pitchFamily="49" charset="0"/>
-                  <a:cs typeface="Courier New" pitchFamily="49" charset="0"/>
-                </a:rPr>
-                <a:t> </a:t>
-              </a:r>
-              <a:r>
-                <a:rPr lang="en-US" b="1" dirty="0">
-                  <a:solidFill>
-                    <a:schemeClr val="accent6"/>
-                  </a:solidFill>
-                  <a:latin typeface="Courier New" pitchFamily="49" charset="0"/>
-                  <a:cs typeface="Courier New" pitchFamily="49" charset="0"/>
-                </a:rPr>
-                <a:t>{</a:t>
-              </a:r>
-              <a:r>
-                <a:rPr lang="en-US" b="1" dirty="0">
-                  <a:latin typeface="Courier New" pitchFamily="49" charset="0"/>
-                  <a:cs typeface="Courier New" pitchFamily="49" charset="0"/>
-                </a:rPr>
-                <a:t> </a:t>
+                <a:t>Int</a:t>
+              </a:r>
+              <a:r>
+                <a:rPr lang="en-US" b="1" dirty="0">
+                  <a:latin typeface="Courier New" pitchFamily="49" charset="0"/>
+                  <a:cs typeface="Courier New" pitchFamily="49" charset="0"/>
+                </a:rPr>
+                <a:t>] = </a:t>
+              </a:r>
+              <a:r>
+                <a:rPr lang="en-US" b="1" dirty="0" err="1">
+                  <a:latin typeface="Courier New" pitchFamily="49" charset="0"/>
+                  <a:cs typeface="Courier New" pitchFamily="49" charset="0"/>
+                </a:rPr>
+                <a:t>changeElements</a:t>
+              </a:r>
+              <a:r>
+                <a:rPr lang="en-US" b="1" dirty="0">
+                  <a:latin typeface="Courier New" pitchFamily="49" charset="0"/>
+                  <a:cs typeface="Courier New" pitchFamily="49" charset="0"/>
+                </a:rPr>
+                <a:t>(list)</a:t>
               </a:r>
             </a:p>
             <a:p>
@@ -14489,35 +13041,7 @@
                   <a:latin typeface="Courier New" pitchFamily="49" charset="0"/>
                   <a:cs typeface="Courier New" pitchFamily="49" charset="0"/>
                 </a:rPr>
-                <a:t>    for </a:t>
-              </a:r>
-              <a:r>
-                <a:rPr lang="en-US" b="1" dirty="0" err="1">
-                  <a:latin typeface="Courier New" pitchFamily="49" charset="0"/>
-                  <a:cs typeface="Courier New" pitchFamily="49" charset="0"/>
-                </a:rPr>
-                <a:t>i</a:t>
-              </a:r>
-              <a:r>
-                <a:rPr lang="en-US" b="1" dirty="0">
-                  <a:latin typeface="Courier New" pitchFamily="49" charset="0"/>
-                  <a:cs typeface="Courier New" pitchFamily="49" charset="0"/>
-                </a:rPr>
-                <a:t> in </a:t>
-              </a:r>
-              <a:r>
-                <a:rPr lang="en-US" b="1" dirty="0" err="1">
-                  <a:latin typeface="Courier New" pitchFamily="49" charset="0"/>
-                  <a:cs typeface="Courier New" pitchFamily="49" charset="0"/>
-                </a:rPr>
-                <a:t>sublist</a:t>
-              </a:r>
-              <a:r>
-                <a:rPr lang="en-US" b="1" dirty="0">
-                  <a:latin typeface="Courier New" pitchFamily="49" charset="0"/>
-                  <a:cs typeface="Courier New" pitchFamily="49" charset="0"/>
-                </a:rPr>
-                <a:t> {</a:t>
+                <a:t>  res [Int] = [] </a:t>
               </a:r>
             </a:p>
             <a:p>
@@ -14526,21 +13050,24 @@
                   <a:latin typeface="Courier New" pitchFamily="49" charset="0"/>
                   <a:cs typeface="Courier New" pitchFamily="49" charset="0"/>
                 </a:rPr>
-                <a:t>      </a:t>
-              </a:r>
-              <a:r>
-                <a:rPr lang="en-US" b="1" dirty="0" err="1">
-                  <a:latin typeface="Courier New" pitchFamily="49" charset="0"/>
-                  <a:cs typeface="Courier New" pitchFamily="49" charset="0"/>
-                </a:rPr>
-                <a:t>i</a:t>
-              </a:r>
-              <a:r>
-                <a:rPr lang="en-US" b="1" dirty="0">
-                  <a:latin typeface="Courier New" pitchFamily="49" charset="0"/>
-                  <a:cs typeface="Courier New" pitchFamily="49" charset="0"/>
-                </a:rPr>
-                <a:t> += 31</a:t>
+                <a:t>  </a:t>
+              </a:r>
+              <a:r>
+                <a:rPr lang="en-US" b="1" dirty="0">
+                  <a:solidFill>
+                    <a:schemeClr val="tx2"/>
+                  </a:solidFill>
+                  <a:latin typeface="Courier New" pitchFamily="49" charset="0"/>
+                  <a:cs typeface="Courier New" pitchFamily="49" charset="0"/>
+                </a:rPr>
+                <a:t>async</a:t>
+              </a:r>
+              <a:r>
+                <a:rPr lang="en-US" b="1" dirty="0">
+                  <a:latin typeface="Courier New" pitchFamily="49" charset="0"/>
+                  <a:cs typeface="Courier New" pitchFamily="49" charset="0"/>
+                </a:rPr>
+                <a:t> { </a:t>
               </a:r>
             </a:p>
             <a:p>
@@ -14549,7 +13076,66 @@
                   <a:latin typeface="Courier New" pitchFamily="49" charset="0"/>
                   <a:cs typeface="Courier New" pitchFamily="49" charset="0"/>
                 </a:rPr>
-                <a:t>    }</a:t>
+                <a:t>    </a:t>
+              </a:r>
+              <a:r>
+                <a:rPr lang="en-US" b="1" dirty="0">
+                  <a:solidFill>
+                    <a:schemeClr val="tx2"/>
+                  </a:solidFill>
+                  <a:latin typeface="Courier New" pitchFamily="49" charset="0"/>
+                  <a:cs typeface="Courier New" pitchFamily="49" charset="0"/>
+                </a:rPr>
+                <a:t>for</a:t>
+              </a:r>
+              <a:r>
+                <a:rPr lang="en-US" b="1" dirty="0">
+                  <a:latin typeface="Courier New" pitchFamily="49" charset="0"/>
+                  <a:cs typeface="Courier New" pitchFamily="49" charset="0"/>
+                </a:rPr>
+                <a:t> </a:t>
+              </a:r>
+              <a:r>
+                <a:rPr lang="en-US" b="1" dirty="0" err="1">
+                  <a:latin typeface="Courier New" pitchFamily="49" charset="0"/>
+                  <a:cs typeface="Courier New" pitchFamily="49" charset="0"/>
+                </a:rPr>
+                <a:t>i</a:t>
+              </a:r>
+              <a:r>
+                <a:rPr lang="en-US" b="1" dirty="0">
+                  <a:latin typeface="Courier New" pitchFamily="49" charset="0"/>
+                  <a:cs typeface="Courier New" pitchFamily="49" charset="0"/>
+                </a:rPr>
+                <a:t> Int = 0; </a:t>
+              </a:r>
+              <a:r>
+                <a:rPr lang="en-US" b="1" dirty="0" err="1">
+                  <a:latin typeface="Courier New" pitchFamily="49" charset="0"/>
+                  <a:cs typeface="Courier New" pitchFamily="49" charset="0"/>
+                </a:rPr>
+                <a:t>i</a:t>
+              </a:r>
+              <a:r>
+                <a:rPr lang="en-US" b="1" dirty="0">
+                  <a:latin typeface="Courier New" pitchFamily="49" charset="0"/>
+                  <a:cs typeface="Courier New" pitchFamily="49" charset="0"/>
+                </a:rPr>
+                <a:t> &lt; #list2; </a:t>
+              </a:r>
+              <a:r>
+                <a:rPr lang="en-US" b="1" dirty="0" err="1">
+                  <a:latin typeface="Courier New" pitchFamily="49" charset="0"/>
+                  <a:cs typeface="Courier New" pitchFamily="49" charset="0"/>
+                </a:rPr>
+                <a:t>i</a:t>
+              </a:r>
+              <a:r>
+                <a:rPr lang="en-US" b="1" dirty="0">
+                  <a:latin typeface="Courier New" pitchFamily="49" charset="0"/>
+                  <a:cs typeface="Courier New" pitchFamily="49" charset="0"/>
+                </a:rPr>
+                <a:t>++ {</a:t>
               </a:r>
             </a:p>
             <a:p>
@@ -14558,17 +13144,35 @@
                   <a:latin typeface="Courier New" pitchFamily="49" charset="0"/>
                   <a:cs typeface="Courier New" pitchFamily="49" charset="0"/>
                 </a:rPr>
-                <a:t>  </a:t>
-              </a:r>
-              <a:r>
-                <a:rPr lang="en-US" b="1" dirty="0">
-                  <a:solidFill>
-                    <a:schemeClr val="accent6"/>
-                  </a:solidFill>
-                  <a:latin typeface="Courier New" pitchFamily="49" charset="0"/>
-                  <a:cs typeface="Courier New" pitchFamily="49" charset="0"/>
-                </a:rPr>
-                <a:t>}</a:t>
+                <a:t>      res = res ++ list1[</a:t>
+              </a:r>
+              <a:r>
+                <a:rPr lang="en-US" b="1" dirty="0" err="1">
+                  <a:latin typeface="Courier New" pitchFamily="49" charset="0"/>
+                  <a:cs typeface="Courier New" pitchFamily="49" charset="0"/>
+                </a:rPr>
+                <a:t>i</a:t>
+              </a:r>
+              <a:r>
+                <a:rPr lang="en-US" b="1" dirty="0">
+                  <a:latin typeface="Courier New" pitchFamily="49" charset="0"/>
+                  <a:cs typeface="Courier New" pitchFamily="49" charset="0"/>
+                </a:rPr>
+                <a:t>] ++ list2[</a:t>
+              </a:r>
+              <a:r>
+                <a:rPr lang="en-US" b="1" dirty="0" err="1">
+                  <a:latin typeface="Courier New" pitchFamily="49" charset="0"/>
+                  <a:cs typeface="Courier New" pitchFamily="49" charset="0"/>
+                </a:rPr>
+                <a:t>i</a:t>
+              </a:r>
+              <a:r>
+                <a:rPr lang="en-US" b="1" dirty="0">
+                  <a:latin typeface="Courier New" pitchFamily="49" charset="0"/>
+                  <a:cs typeface="Courier New" pitchFamily="49" charset="0"/>
+                </a:rPr>
+                <a:t>]</a:t>
               </a:r>
             </a:p>
             <a:p>
@@ -14577,21 +13181,35 @@
                   <a:latin typeface="Courier New" pitchFamily="49" charset="0"/>
                   <a:cs typeface="Courier New" pitchFamily="49" charset="0"/>
                 </a:rPr>
-                <a:t>return </a:t>
-              </a:r>
-              <a:r>
-                <a:rPr lang="en-US" b="1" dirty="0" err="1">
-                  <a:latin typeface="Courier New" pitchFamily="49" charset="0"/>
-                  <a:cs typeface="Courier New" pitchFamily="49" charset="0"/>
-                </a:rPr>
-                <a:t>sublist</a:t>
-              </a:r>
-              <a:r>
-                <a:rPr lang="en-US" b="1" dirty="0">
-                  <a:latin typeface="Courier New" pitchFamily="49" charset="0"/>
-                  <a:cs typeface="Courier New" pitchFamily="49" charset="0"/>
-                </a:rPr>
-                <a:t> </a:t>
+                <a:t>    }</a:t>
+              </a:r>
+            </a:p>
+            <a:p>
+              <a:r>
+                <a:rPr lang="en-US" b="1" dirty="0">
+                  <a:latin typeface="Courier New" pitchFamily="49" charset="0"/>
+                  <a:cs typeface="Courier New" pitchFamily="49" charset="0"/>
+                </a:rPr>
+                <a:t>  }</a:t>
+              </a:r>
+            </a:p>
+            <a:p>
+              <a:r>
+                <a:rPr lang="en-US" b="1" dirty="0">
+                  <a:solidFill>
+                    <a:schemeClr val="tx2"/>
+                  </a:solidFill>
+                  <a:latin typeface="Courier New" pitchFamily="49" charset="0"/>
+                  <a:cs typeface="Courier New" pitchFamily="49" charset="0"/>
+                </a:rPr>
+                <a:t>return</a:t>
+              </a:r>
+              <a:r>
+                <a:rPr lang="en-US" b="1" dirty="0">
+                  <a:latin typeface="Courier New" pitchFamily="49" charset="0"/>
+                  <a:cs typeface="Courier New" pitchFamily="49" charset="0"/>
+                </a:rPr>
+                <a:t> res </a:t>
               </a:r>
             </a:p>
             <a:p>
@@ -14622,7 +13240,7 @@
           <p:spPr bwMode="auto">
             <a:xfrm>
               <a:off x="1247387" y="2523864"/>
-              <a:ext cx="503238" cy="2337306"/>
+              <a:ext cx="503238" cy="2838157"/>
             </a:xfrm>
             <a:prstGeom prst="rect">
               <a:avLst/>
@@ -14702,6 +13320,20 @@
               <a:r>
                 <a:rPr lang="en-US" sz="1800" dirty="0"/>
                 <a:t>9</a:t>
+              </a:r>
+            </a:p>
+            <a:p>
+              <a:pPr algn="r"/>
+              <a:r>
+                <a:rPr lang="en-US" dirty="0"/>
+                <a:t>10</a:t>
+              </a:r>
+            </a:p>
+            <a:p>
+              <a:pPr algn="r"/>
+              <a:r>
+                <a:rPr lang="en-US" sz="1800" dirty="0"/>
+                <a:t>11</a:t>
               </a:r>
             </a:p>
           </p:txBody>
@@ -14811,8 +13443,8 @@
           </p:nvSpPr>
           <p:spPr>
             <a:xfrm>
-              <a:off x="6560619" y="2335862"/>
-              <a:ext cx="591830" cy="307777"/>
+              <a:off x="6777253" y="2335862"/>
+              <a:ext cx="158561" cy="278251"/>
             </a:xfrm>
             <a:prstGeom prst="rect">
               <a:avLst/>
@@ -14825,14 +13457,11 @@
             <a:lstStyle/>
             <a:p>
               <a:pPr lvl="0" algn="ctr"/>
-              <a:r>
-                <a:rPr lang="de-DE" altLang="de-DE" sz="1400" b="1" noProof="1">
-                  <a:solidFill>
-                    <a:srgbClr val="000000"/>
-                  </a:solidFill>
-                </a:rPr>
-                <a:t>«hc»</a:t>
-              </a:r>
+              <a:endParaRPr lang="de-DE" altLang="de-DE" sz="1400" b="1" noProof="1">
+                <a:solidFill>
+                  <a:srgbClr val="000000"/>
+                </a:solidFill>
+              </a:endParaRPr>
             </a:p>
           </p:txBody>
         </p:sp>
@@ -14851,7 +13480,7 @@
         </p:nvSpPr>
         <p:spPr>
           <a:xfrm>
-            <a:off x="9108490" y="2834683"/>
+            <a:off x="8417570" y="1529028"/>
             <a:ext cx="1305018" cy="369332"/>
           </a:xfrm>
           <a:prstGeom prst="rect">
@@ -14911,7 +13540,7 @@
         </p:nvSpPr>
         <p:spPr>
           <a:xfrm>
-            <a:off x="8707560" y="3713257"/>
+            <a:off x="8792910" y="4319621"/>
             <a:ext cx="1564570" cy="369332"/>
           </a:xfrm>
           <a:prstGeom prst="rect">
@@ -14960,14 +13589,14 @@
           </p:cNvPr>
           <p:cNvCxnSpPr>
             <a:cxnSpLocks/>
-            <a:stCxn id="10" idx="1"/>
+            <a:stCxn id="10" idx="2"/>
           </p:cNvCxnSpPr>
           <p:nvPr/>
         </p:nvCxnSpPr>
         <p:spPr>
-          <a:xfrm rot="10800000">
-            <a:off x="8771138" y="2494979"/>
-            <a:ext cx="337352" cy="524370"/>
+          <a:xfrm rot="5400000">
+            <a:off x="8524077" y="1897798"/>
+            <a:ext cx="545440" cy="546565"/>
           </a:xfrm>
           <a:prstGeom prst="curvedConnector2">
             <a:avLst/>
@@ -15008,7 +13637,7 @@
         </p:nvCxnSpPr>
         <p:spPr>
           <a:xfrm rot="16200000" flipV="1">
-            <a:off x="7704431" y="1927842"/>
+            <a:off x="7789781" y="2534206"/>
             <a:ext cx="1032201" cy="2538629"/>
           </a:xfrm>
           <a:prstGeom prst="curvedConnector2">
@@ -15043,184 +13672,6 @@
   <p:clrMapOvr>
     <a:masterClrMapping/>
   </p:clrMapOvr>
-  <p:timing>
-    <p:tnLst>
-      <p:par>
-        <p:cTn id="1" dur="indefinite" restart="never" nodeType="tmRoot">
-          <p:childTnLst>
-            <p:seq concurrent="1" nextAc="seek">
-              <p:cTn id="2" dur="indefinite" nodeType="mainSeq">
-                <p:childTnLst>
-                  <p:par>
-                    <p:cTn id="3" fill="hold">
-                      <p:stCondLst>
-                        <p:cond delay="indefinite"/>
-                      </p:stCondLst>
-                      <p:childTnLst>
-                        <p:par>
-                          <p:cTn id="4" fill="hold">
-                            <p:stCondLst>
-                              <p:cond delay="0"/>
-                            </p:stCondLst>
-                            <p:childTnLst>
-                              <p:par>
-                                <p:cTn id="5" presetID="1" presetClass="entr" presetSubtype="0" fill="hold" grpId="0" nodeType="clickEffect">
-                                  <p:stCondLst>
-                                    <p:cond delay="0"/>
-                                  </p:stCondLst>
-                                  <p:childTnLst>
-                                    <p:set>
-                                      <p:cBhvr>
-                                        <p:cTn id="6" dur="1" fill="hold">
-                                          <p:stCondLst>
-                                            <p:cond delay="0"/>
-                                          </p:stCondLst>
-                                        </p:cTn>
-                                        <p:tgtEl>
-                                          <p:spTgt spid="10"/>
-                                        </p:tgtEl>
-                                        <p:attrNameLst>
-                                          <p:attrName>style.visibility</p:attrName>
-                                        </p:attrNameLst>
-                                      </p:cBhvr>
-                                      <p:to>
-                                        <p:strVal val="visible"/>
-                                      </p:to>
-                                    </p:set>
-                                  </p:childTnLst>
-                                </p:cTn>
-                              </p:par>
-                              <p:par>
-                                <p:cTn id="7" presetID="1" presetClass="entr" presetSubtype="0" fill="hold" nodeType="withEffect">
-                                  <p:stCondLst>
-                                    <p:cond delay="0"/>
-                                  </p:stCondLst>
-                                  <p:childTnLst>
-                                    <p:set>
-                                      <p:cBhvr>
-                                        <p:cTn id="8" dur="1" fill="hold">
-                                          <p:stCondLst>
-                                            <p:cond delay="0"/>
-                                          </p:stCondLst>
-                                        </p:cTn>
-                                        <p:tgtEl>
-                                          <p:spTgt spid="13"/>
-                                        </p:tgtEl>
-                                        <p:attrNameLst>
-                                          <p:attrName>style.visibility</p:attrName>
-                                        </p:attrNameLst>
-                                      </p:cBhvr>
-                                      <p:to>
-                                        <p:strVal val="visible"/>
-                                      </p:to>
-                                    </p:set>
-                                  </p:childTnLst>
-                                </p:cTn>
-                              </p:par>
-                            </p:childTnLst>
-                          </p:cTn>
-                        </p:par>
-                      </p:childTnLst>
-                    </p:cTn>
-                  </p:par>
-                  <p:par>
-                    <p:cTn id="9" fill="hold">
-                      <p:stCondLst>
-                        <p:cond delay="indefinite"/>
-                      </p:stCondLst>
-                      <p:childTnLst>
-                        <p:par>
-                          <p:cTn id="10" fill="hold">
-                            <p:stCondLst>
-                              <p:cond delay="0"/>
-                            </p:stCondLst>
-                            <p:childTnLst>
-                              <p:par>
-                                <p:cTn id="11" presetID="1" presetClass="entr" presetSubtype="0" fill="hold" grpId="0" nodeType="clickEffect">
-                                  <p:stCondLst>
-                                    <p:cond delay="0"/>
-                                  </p:stCondLst>
-                                  <p:childTnLst>
-                                    <p:set>
-                                      <p:cBhvr>
-                                        <p:cTn id="12" dur="1" fill="hold">
-                                          <p:stCondLst>
-                                            <p:cond delay="0"/>
-                                          </p:stCondLst>
-                                        </p:cTn>
-                                        <p:tgtEl>
-                                          <p:spTgt spid="11"/>
-                                        </p:tgtEl>
-                                        <p:attrNameLst>
-                                          <p:attrName>style.visibility</p:attrName>
-                                        </p:attrNameLst>
-                                      </p:cBhvr>
-                                      <p:to>
-                                        <p:strVal val="visible"/>
-                                      </p:to>
-                                    </p:set>
-                                  </p:childTnLst>
-                                </p:cTn>
-                              </p:par>
-                              <p:par>
-                                <p:cTn id="13" presetID="1" presetClass="entr" presetSubtype="0" fill="hold" nodeType="withEffect">
-                                  <p:stCondLst>
-                                    <p:cond delay="0"/>
-                                  </p:stCondLst>
-                                  <p:childTnLst>
-                                    <p:set>
-                                      <p:cBhvr>
-                                        <p:cTn id="14" dur="1" fill="hold">
-                                          <p:stCondLst>
-                                            <p:cond delay="0"/>
-                                          </p:stCondLst>
-                                        </p:cTn>
-                                        <p:tgtEl>
-                                          <p:spTgt spid="17"/>
-                                        </p:tgtEl>
-                                        <p:attrNameLst>
-                                          <p:attrName>style.visibility</p:attrName>
-                                        </p:attrNameLst>
-                                      </p:cBhvr>
-                                      <p:to>
-                                        <p:strVal val="visible"/>
-                                      </p:to>
-                                    </p:set>
-                                  </p:childTnLst>
-                                </p:cTn>
-                              </p:par>
-                            </p:childTnLst>
-                          </p:cTn>
-                        </p:par>
-                      </p:childTnLst>
-                    </p:cTn>
-                  </p:par>
-                </p:childTnLst>
-              </p:cTn>
-              <p:prevCondLst>
-                <p:cond evt="onPrev" delay="0">
-                  <p:tgtEl>
-                    <p:sldTgt/>
-                  </p:tgtEl>
-                </p:cond>
-              </p:prevCondLst>
-              <p:nextCondLst>
-                <p:cond evt="onNext" delay="0">
-                  <p:tgtEl>
-                    <p:sldTgt/>
-                  </p:tgtEl>
-                </p:cond>
-              </p:nextCondLst>
-            </p:seq>
-          </p:childTnLst>
-        </p:cTn>
-      </p:par>
-    </p:tnLst>
-    <p:bldLst>
-      <p:bldP spid="10" grpId="0"/>
-      <p:bldP spid="11" grpId="0"/>
-    </p:bldLst>
-  </p:timing>
 </p:sld>
 </file>
 
@@ -15262,6 +13713,12 @@
           <a:bodyPr/>
           <a:lstStyle/>
           <a:p>
+            <a:endParaRPr lang="de-DE" dirty="0"/>
+          </a:p>
+          <a:p>
+            <a:endParaRPr lang="de-DE" dirty="0"/>
+          </a:p>
+          <a:p>
             <a:r>
               <a:rPr lang="de-DE" dirty="0"/>
               <a:t>Type </a:t>
@@ -15279,6 +13736,9 @@
             <a:endParaRPr lang="de-DE" dirty="0"/>
           </a:p>
           <a:p>
+            <a:endParaRPr lang="de-DE" dirty="0"/>
+          </a:p>
+          <a:p>
             <a:r>
               <a:rPr lang="de-DE" dirty="0" err="1"/>
               <a:t>Async</a:t>
@@ -15308,6 +13768,9 @@
             <a:endParaRPr lang="de-DE" dirty="0"/>
           </a:p>
           <a:p>
+            <a:endParaRPr lang="de-DE" dirty="0"/>
+          </a:p>
+          <a:p>
             <a:r>
               <a:rPr lang="de-DE" dirty="0" err="1"/>
               <a:t>Parsing</a:t>
@@ -15359,12 +13822,6 @@
               <a:rPr lang="de-DE" dirty="0" err="1"/>
               <a:t>calls</a:t>
             </a:r>
-            <a:endParaRPr lang="de-DE" dirty="0"/>
-          </a:p>
-          <a:p>
-            <a:pPr marL="215900" lvl="1" indent="0">
-              <a:buNone/>
-            </a:pPr>
             <a:endParaRPr lang="de-DE" dirty="0"/>
           </a:p>
           <a:p>

--- a/Presentation/PureFun-Presentation.pptx
+++ b/Presentation/PureFun-Presentation.pptx
@@ -13540,7 +13540,7 @@
         </p:nvSpPr>
         <p:spPr>
           <a:xfrm>
-            <a:off x="8792910" y="4319621"/>
+            <a:off x="3271434" y="4788992"/>
             <a:ext cx="1564570" cy="369332"/>
           </a:xfrm>
           <a:prstGeom prst="rect">
@@ -13636,9 +13636,9 @@
           <p:nvPr/>
         </p:nvCxnSpPr>
         <p:spPr>
-          <a:xfrm rot="16200000" flipV="1">
-            <a:off x="7789781" y="2534206"/>
-            <a:ext cx="1032201" cy="2538629"/>
+          <a:xfrm rot="5400000" flipH="1" flipV="1">
+            <a:off x="4276613" y="3108136"/>
+            <a:ext cx="1457963" cy="1903751"/>
           </a:xfrm>
           <a:prstGeom prst="curvedConnector2">
             <a:avLst/>
